--- a/M7_Summary/M7_Best_Practices.pptx
+++ b/M7_Summary/M7_Best_Practices.pptx
@@ -5,11 +5,12 @@
     <p:sldMasterId id="2147483656" r:id="rId1"/>
   </p:sldMasterIdLst>
   <p:notesMasterIdLst>
-    <p:notesMasterId r:id="rId4"/>
+    <p:notesMasterId r:id="rId5"/>
   </p:notesMasterIdLst>
   <p:sldIdLst>
     <p:sldId id="256" r:id="rId2"/>
-    <p:sldId id="261" r:id="rId3"/>
+    <p:sldId id="262" r:id="rId3"/>
+    <p:sldId id="261" r:id="rId4"/>
   </p:sldIdLst>
   <p:sldSz cx="12192000" cy="6858000"/>
   <p:notesSz cx="6858000" cy="9144000"/>
@@ -198,7 +199,7 @@
           <a:p>
             <a:fld id="{FF40CFF0-3E11-4AF6-9747-7919C58FBC48}" type="datetimeFigureOut">
               <a:rPr lang="en-US" smtClean="0"/>
-              <a:t>1/9/24</a:t>
+              <a:t>3/5/2024</a:t>
             </a:fld>
             <a:endParaRPr lang="en-US"/>
           </a:p>
@@ -545,7 +546,7 @@
           <a:p>
             <a:fld id="{121E9C32-9AD5-4F50-8DB4-01491388DC2B}" type="slidenum">
               <a:rPr lang="en-US" smtClean="0"/>
-              <a:t>2</a:t>
+              <a:t>3</a:t>
             </a:fld>
             <a:endParaRPr lang="en-US"/>
           </a:p>
@@ -721,7 +722,7 @@
           <a:p>
             <a:fld id="{9F69634C-F75C-45F7-A87A-C5E2AF3ECA41}" type="datetimeFigureOut">
               <a:rPr lang="en-US" smtClean="0"/>
-              <a:t>1/9/24</a:t>
+              <a:t>3/5/2024</a:t>
             </a:fld>
             <a:endParaRPr lang="en-US"/>
           </a:p>
@@ -886,7 +887,7 @@
           <a:p>
             <a:fld id="{9F69634C-F75C-45F7-A87A-C5E2AF3ECA41}" type="datetimeFigureOut">
               <a:rPr lang="en-US" smtClean="0"/>
-              <a:t>1/9/24</a:t>
+              <a:t>3/5/2024</a:t>
             </a:fld>
             <a:endParaRPr lang="en-US"/>
           </a:p>
@@ -1089,7 +1090,7 @@
           <a:p>
             <a:fld id="{9F69634C-F75C-45F7-A87A-C5E2AF3ECA41}" type="datetimeFigureOut">
               <a:rPr lang="en-US" smtClean="0"/>
-              <a:t>1/9/24</a:t>
+              <a:t>3/5/2024</a:t>
             </a:fld>
             <a:endParaRPr lang="en-US"/>
           </a:p>
@@ -1354,7 +1355,7 @@
           <a:p>
             <a:fld id="{9F69634C-F75C-45F7-A87A-C5E2AF3ECA41}" type="datetimeFigureOut">
               <a:rPr lang="en-US" smtClean="0"/>
-              <a:t>1/9/24</a:t>
+              <a:t>3/5/2024</a:t>
             </a:fld>
             <a:endParaRPr lang="en-US"/>
           </a:p>
@@ -1467,7 +1468,7 @@
           <a:p>
             <a:fld id="{9F69634C-F75C-45F7-A87A-C5E2AF3ECA41}" type="datetimeFigureOut">
               <a:rPr lang="en-US" smtClean="0"/>
-              <a:t>1/9/24</a:t>
+              <a:t>3/5/2024</a:t>
             </a:fld>
             <a:endParaRPr lang="en-US"/>
           </a:p>
@@ -1709,7 +1710,7 @@
           <a:p>
             <a:fld id="{9F69634C-F75C-45F7-A87A-C5E2AF3ECA41}" type="datetimeFigureOut">
               <a:rPr lang="en-US" smtClean="0"/>
-              <a:t>1/9/24</a:t>
+              <a:t>3/5/2024</a:t>
             </a:fld>
             <a:endParaRPr lang="en-US"/>
           </a:p>
@@ -2530,13 +2531,8 @@
           <a:p>
             <a:r>
               <a:rPr lang="en-US" dirty="0"/>
-              <a:t>Module 3: </a:t>
-            </a:r>
-            <a:r>
-              <a:rPr lang="en-US"/>
-              <a:t>Summary and Best Practices</a:t>
-            </a:r>
-            <a:endParaRPr lang="en-US" dirty="0"/>
+              <a:t>Module 7: Summary and Best Practices</a:t>
+            </a:r>
           </a:p>
         </p:txBody>
       </p:sp>
@@ -2617,7 +2613,7 @@
           <p:cNvPr id="2" name="Title 1">
             <a:extLst>
               <a:ext uri="{FF2B5EF4-FFF2-40B4-BE49-F238E27FC236}">
-                <a16:creationId xmlns:a16="http://schemas.microsoft.com/office/drawing/2014/main" id="{ADF8E6B8-8A1F-CBA5-E3BB-A814E8D6E4F7}"/>
+                <a16:creationId xmlns:a16="http://schemas.microsoft.com/office/drawing/2014/main" id="{7F75882A-B3F5-795E-EC34-22235A84DDB1}"/>
               </a:ext>
             </a:extLst>
           </p:cNvPr>
@@ -2633,6 +2629,235 @@
           <a:bodyPr/>
           <a:lstStyle/>
           <a:p>
+            <a:endParaRPr lang="en-US"/>
+          </a:p>
+        </p:txBody>
+      </p:sp>
+    </p:spTree>
+    <p:extLst>
+      <p:ext uri="{BB962C8B-B14F-4D97-AF65-F5344CB8AC3E}">
+        <p14:creationId xmlns:p14="http://schemas.microsoft.com/office/powerpoint/2010/main" val="3255020999"/>
+      </p:ext>
+    </p:extLst>
+  </p:cSld>
+  <p:clrMapOvr>
+    <a:masterClrMapping/>
+  </p:clrMapOvr>
+</p:sld>
+</file>
+
+<file path=ppt/slides/slide3.xml><?xml version="1.0" encoding="utf-8"?>
+<p:sld xmlns:a="http://schemas.openxmlformats.org/drawingml/2006/main" xmlns:r="http://schemas.openxmlformats.org/officeDocument/2006/relationships" xmlns:p="http://schemas.openxmlformats.org/presentationml/2006/main">
+  <p:cSld>
+    <p:spTree>
+      <p:nvGrpSpPr>
+        <p:cNvPr id="1" name=""/>
+        <p:cNvGrpSpPr/>
+        <p:nvPr/>
+      </p:nvGrpSpPr>
+      <p:grpSpPr>
+        <a:xfrm>
+          <a:off x="0" y="0"/>
+          <a:ext cx="0" cy="0"/>
+          <a:chOff x="0" y="0"/>
+          <a:chExt cx="0" cy="0"/>
+        </a:xfrm>
+      </p:grpSpPr>
+      <p:sp>
+        <p:nvSpPr>
+          <p:cNvPr id="2" name="Title 1">
+            <a:extLst>
+              <a:ext uri="{FF2B5EF4-FFF2-40B4-BE49-F238E27FC236}">
+                <a16:creationId xmlns:a16="http://schemas.microsoft.com/office/drawing/2014/main" id="{ADF8E6B8-8A1F-CBA5-E3BB-A814E8D6E4F7}"/>
+              </a:ext>
+            </a:extLst>
+          </p:cNvPr>
+          <p:cNvSpPr>
+            <a:spLocks noGrp="1"/>
+          </p:cNvSpPr>
+          <p:nvPr>
+            <p:ph type="title"/>
+          </p:nvPr>
+        </p:nvSpPr>
+        <p:spPr/>
+        <p:txBody>
+          <a:bodyPr/>
+          <a:lstStyle/>
+          <a:p>
+            <a:r>
+              <a:rPr lang="en-US" dirty="0"/>
+              <a:t>Interfacing with external </a:t>
+            </a:r>
+            <a:r>
+              <a:rPr lang="en-US" dirty="0" err="1"/>
+              <a:t>Prackages</a:t>
+            </a:r>
+            <a:endParaRPr lang="en-US" dirty="0"/>
+          </a:p>
+        </p:txBody>
+      </p:sp>
+      <p:sp>
+        <p:nvSpPr>
+          <p:cNvPr id="3" name="TextBox 2">
+            <a:extLst>
+              <a:ext uri="{FF2B5EF4-FFF2-40B4-BE49-F238E27FC236}">
+                <a16:creationId xmlns:a16="http://schemas.microsoft.com/office/drawing/2014/main" id="{733EEB6B-8A0D-10F1-AD96-941CEDB47ABB}"/>
+              </a:ext>
+            </a:extLst>
+          </p:cNvPr>
+          <p:cNvSpPr txBox="1"/>
+          <p:nvPr/>
+        </p:nvSpPr>
+        <p:spPr>
+          <a:xfrm>
+            <a:off x="947928" y="1380744"/>
+            <a:ext cx="4010906" cy="369332"/>
+          </a:xfrm>
+          <a:prstGeom prst="rect">
+            <a:avLst/>
+          </a:prstGeom>
+          <a:noFill/>
+        </p:spPr>
+        <p:txBody>
+          <a:bodyPr wrap="none" rtlCol="0">
+            <a:spAutoFit/>
+          </a:bodyPr>
+          <a:lstStyle/>
+          <a:p>
+            <a:r>
+              <a:rPr lang="en-US" dirty="0"/>
+              <a:t>Check which if an assay has to be chosen</a:t>
+            </a:r>
+          </a:p>
+        </p:txBody>
+      </p:sp>
+      <p:sp>
+        <p:nvSpPr>
+          <p:cNvPr id="4" name="TextBox 3">
+            <a:extLst>
+              <a:ext uri="{FF2B5EF4-FFF2-40B4-BE49-F238E27FC236}">
+                <a16:creationId xmlns:a16="http://schemas.microsoft.com/office/drawing/2014/main" id="{F25A4B4B-9C47-F304-06E4-DEF87FA55EED}"/>
+              </a:ext>
+            </a:extLst>
+          </p:cNvPr>
+          <p:cNvSpPr txBox="1"/>
+          <p:nvPr/>
+        </p:nvSpPr>
+        <p:spPr>
+          <a:xfrm>
+            <a:off x="913736" y="2601967"/>
+            <a:ext cx="4383764" cy="369332"/>
+          </a:xfrm>
+          <a:prstGeom prst="rect">
+            <a:avLst/>
+          </a:prstGeom>
+          <a:noFill/>
+        </p:spPr>
+        <p:txBody>
+          <a:bodyPr wrap="none" rtlCol="0">
+            <a:spAutoFit/>
+          </a:bodyPr>
+          <a:lstStyle/>
+          <a:p>
+            <a:r>
+              <a:rPr lang="en-US" dirty="0"/>
+              <a:t>Check which if cell identities needs to be set.</a:t>
+            </a:r>
+          </a:p>
+        </p:txBody>
+      </p:sp>
+      <p:sp>
+        <p:nvSpPr>
+          <p:cNvPr id="5" name="TextBox 4">
+            <a:extLst>
+              <a:ext uri="{FF2B5EF4-FFF2-40B4-BE49-F238E27FC236}">
+                <a16:creationId xmlns:a16="http://schemas.microsoft.com/office/drawing/2014/main" id="{8852F14A-7516-3038-2BAE-CE8AC2594FA7}"/>
+              </a:ext>
+            </a:extLst>
+          </p:cNvPr>
+          <p:cNvSpPr txBox="1"/>
+          <p:nvPr/>
+        </p:nvSpPr>
+        <p:spPr>
+          <a:xfrm>
+            <a:off x="1518437" y="3244334"/>
+            <a:ext cx="2869888" cy="369332"/>
+          </a:xfrm>
+          <a:prstGeom prst="rect">
+            <a:avLst/>
+          </a:prstGeom>
+          <a:noFill/>
+        </p:spPr>
+        <p:txBody>
+          <a:bodyPr wrap="none" rtlCol="0">
+            <a:spAutoFit/>
+          </a:bodyPr>
+          <a:lstStyle/>
+          <a:p>
+            <a:r>
+              <a:rPr lang="en-US" dirty="0"/>
+              <a:t>Idents(</a:t>
+            </a:r>
+            <a:r>
+              <a:rPr lang="en-US" dirty="0" err="1"/>
+              <a:t>srat</a:t>
+            </a:r>
+            <a:r>
+              <a:rPr lang="en-US" dirty="0"/>
+              <a:t>) &lt;- </a:t>
+            </a:r>
+            <a:r>
+              <a:rPr lang="en-US" dirty="0" err="1"/>
+              <a:t>srat$cell_type</a:t>
+            </a:r>
+            <a:endParaRPr lang="en-US" dirty="0"/>
+          </a:p>
+        </p:txBody>
+      </p:sp>
+      <p:sp>
+        <p:nvSpPr>
+          <p:cNvPr id="7" name="TextBox 6">
+            <a:extLst>
+              <a:ext uri="{FF2B5EF4-FFF2-40B4-BE49-F238E27FC236}">
+                <a16:creationId xmlns:a16="http://schemas.microsoft.com/office/drawing/2014/main" id="{13009E1D-6432-7979-3D61-A142610B46A3}"/>
+              </a:ext>
+            </a:extLst>
+          </p:cNvPr>
+          <p:cNvSpPr txBox="1"/>
+          <p:nvPr/>
+        </p:nvSpPr>
+        <p:spPr>
+          <a:xfrm>
+            <a:off x="1411224" y="1758172"/>
+            <a:ext cx="2869888" cy="369332"/>
+          </a:xfrm>
+          <a:prstGeom prst="rect">
+            <a:avLst/>
+          </a:prstGeom>
+          <a:noFill/>
+        </p:spPr>
+        <p:txBody>
+          <a:bodyPr wrap="none" rtlCol="0">
+            <a:spAutoFit/>
+          </a:bodyPr>
+          <a:lstStyle/>
+          <a:p>
+            <a:r>
+              <a:rPr lang="en-US" dirty="0"/>
+              <a:t>Idents(</a:t>
+            </a:r>
+            <a:r>
+              <a:rPr lang="en-US" dirty="0" err="1"/>
+              <a:t>srat</a:t>
+            </a:r>
+            <a:r>
+              <a:rPr lang="en-US" dirty="0"/>
+              <a:t>) &lt;- </a:t>
+            </a:r>
+            <a:r>
+              <a:rPr lang="en-US" dirty="0" err="1"/>
+              <a:t>srat$cell_type</a:t>
+            </a:r>
             <a:endParaRPr lang="en-US" dirty="0"/>
           </a:p>
         </p:txBody>

--- a/M7_Summary/M7_Best_Practices.pptx
+++ b/M7_Summary/M7_Best_Practices.pptx
@@ -5,12 +5,16 @@
     <p:sldMasterId id="2147483656" r:id="rId1"/>
   </p:sldMasterIdLst>
   <p:notesMasterIdLst>
-    <p:notesMasterId r:id="rId5"/>
+    <p:notesMasterId r:id="rId9"/>
   </p:notesMasterIdLst>
   <p:sldIdLst>
     <p:sldId id="256" r:id="rId2"/>
-    <p:sldId id="262" r:id="rId3"/>
-    <p:sldId id="261" r:id="rId4"/>
+    <p:sldId id="266" r:id="rId3"/>
+    <p:sldId id="267" r:id="rId4"/>
+    <p:sldId id="262" r:id="rId5"/>
+    <p:sldId id="263" r:id="rId6"/>
+    <p:sldId id="264" r:id="rId7"/>
+    <p:sldId id="265" r:id="rId8"/>
   </p:sldIdLst>
   <p:sldSz cx="12192000" cy="6858000"/>
   <p:notesSz cx="6858000" cy="9144000"/>
@@ -199,7 +203,7 @@
           <a:p>
             <a:fld id="{FF40CFF0-3E11-4AF6-9747-7919C58FBC48}" type="datetimeFigureOut">
               <a:rPr lang="en-US" smtClean="0"/>
-              <a:t>3/5/2024</a:t>
+              <a:t>3/19/2024</a:t>
             </a:fld>
             <a:endParaRPr lang="en-US"/>
           </a:p>
@@ -466,105 +470,6 @@
 </p:notesMaster>
 </file>
 
-<file path=ppt/notesSlides/notesSlide1.xml><?xml version="1.0" encoding="utf-8"?>
-<p:notes xmlns:a="http://schemas.openxmlformats.org/drawingml/2006/main" xmlns:r="http://schemas.openxmlformats.org/officeDocument/2006/relationships" xmlns:p="http://schemas.openxmlformats.org/presentationml/2006/main">
-  <p:cSld>
-    <p:spTree>
-      <p:nvGrpSpPr>
-        <p:cNvPr id="1" name=""/>
-        <p:cNvGrpSpPr/>
-        <p:nvPr/>
-      </p:nvGrpSpPr>
-      <p:grpSpPr>
-        <a:xfrm>
-          <a:off x="0" y="0"/>
-          <a:ext cx="0" cy="0"/>
-          <a:chOff x="0" y="0"/>
-          <a:chExt cx="0" cy="0"/>
-        </a:xfrm>
-      </p:grpSpPr>
-      <p:sp>
-        <p:nvSpPr>
-          <p:cNvPr id="2" name="Slide Image Placeholder 1"/>
-          <p:cNvSpPr>
-            <a:spLocks noGrp="1" noRot="1" noChangeAspect="1"/>
-          </p:cNvSpPr>
-          <p:nvPr>
-            <p:ph type="sldImg"/>
-          </p:nvPr>
-        </p:nvSpPr>
-        <p:spPr/>
-      </p:sp>
-      <p:sp>
-        <p:nvSpPr>
-          <p:cNvPr id="3" name="Notes Placeholder 2"/>
-          <p:cNvSpPr>
-            <a:spLocks noGrp="1"/>
-          </p:cNvSpPr>
-          <p:nvPr>
-            <p:ph type="body" idx="1"/>
-          </p:nvPr>
-        </p:nvSpPr>
-        <p:spPr/>
-        <p:txBody>
-          <a:bodyPr/>
-          <a:lstStyle/>
-          <a:p>
-            <a:endParaRPr lang="en-US" dirty="0"/>
-          </a:p>
-          <a:p>
-            <a:endParaRPr lang="en-US" dirty="0"/>
-          </a:p>
-          <a:p>
-            <a:endParaRPr lang="en-US" dirty="0"/>
-          </a:p>
-          <a:p>
-            <a:endParaRPr lang="en-US" dirty="0"/>
-          </a:p>
-          <a:p>
-            <a:r>
-              <a:rPr lang="en-US" dirty="0"/>
-              <a:t>https://www.dreamstime.com/stock-illustration-dna-vector-illustration-human-structure-image49975743</a:t>
-            </a:r>
-          </a:p>
-        </p:txBody>
-      </p:sp>
-      <p:sp>
-        <p:nvSpPr>
-          <p:cNvPr id="4" name="Slide Number Placeholder 3"/>
-          <p:cNvSpPr>
-            <a:spLocks noGrp="1"/>
-          </p:cNvSpPr>
-          <p:nvPr>
-            <p:ph type="sldNum" sz="quarter" idx="5"/>
-          </p:nvPr>
-        </p:nvSpPr>
-        <p:spPr/>
-        <p:txBody>
-          <a:bodyPr/>
-          <a:lstStyle/>
-          <a:p>
-            <a:fld id="{121E9C32-9AD5-4F50-8DB4-01491388DC2B}" type="slidenum">
-              <a:rPr lang="en-US" smtClean="0"/>
-              <a:t>3</a:t>
-            </a:fld>
-            <a:endParaRPr lang="en-US"/>
-          </a:p>
-        </p:txBody>
-      </p:sp>
-    </p:spTree>
-    <p:extLst>
-      <p:ext uri="{BB962C8B-B14F-4D97-AF65-F5344CB8AC3E}">
-        <p14:creationId xmlns:p14="http://schemas.microsoft.com/office/powerpoint/2010/main" val="2712886879"/>
-      </p:ext>
-    </p:extLst>
-  </p:cSld>
-  <p:clrMapOvr>
-    <a:masterClrMapping/>
-  </p:clrMapOvr>
-</p:notes>
-</file>
-
 <file path=ppt/slideLayouts/slideLayout1.xml><?xml version="1.0" encoding="utf-8"?>
 <p:sldLayout xmlns:a="http://schemas.openxmlformats.org/drawingml/2006/main" xmlns:r="http://schemas.openxmlformats.org/officeDocument/2006/relationships" xmlns:p="http://schemas.openxmlformats.org/presentationml/2006/main" type="title" preserve="1">
   <p:cSld name="Title Slide">
@@ -722,7 +627,7 @@
           <a:p>
             <a:fld id="{9F69634C-F75C-45F7-A87A-C5E2AF3ECA41}" type="datetimeFigureOut">
               <a:rPr lang="en-US" smtClean="0"/>
-              <a:t>3/5/2024</a:t>
+              <a:t>3/19/2024</a:t>
             </a:fld>
             <a:endParaRPr lang="en-US"/>
           </a:p>
@@ -887,7 +792,7 @@
           <a:p>
             <a:fld id="{9F69634C-F75C-45F7-A87A-C5E2AF3ECA41}" type="datetimeFigureOut">
               <a:rPr lang="en-US" smtClean="0"/>
-              <a:t>3/5/2024</a:t>
+              <a:t>3/19/2024</a:t>
             </a:fld>
             <a:endParaRPr lang="en-US"/>
           </a:p>
@@ -1090,7 +995,7 @@
           <a:p>
             <a:fld id="{9F69634C-F75C-45F7-A87A-C5E2AF3ECA41}" type="datetimeFigureOut">
               <a:rPr lang="en-US" smtClean="0"/>
-              <a:t>3/5/2024</a:t>
+              <a:t>3/19/2024</a:t>
             </a:fld>
             <a:endParaRPr lang="en-US"/>
           </a:p>
@@ -1355,7 +1260,7 @@
           <a:p>
             <a:fld id="{9F69634C-F75C-45F7-A87A-C5E2AF3ECA41}" type="datetimeFigureOut">
               <a:rPr lang="en-US" smtClean="0"/>
-              <a:t>3/5/2024</a:t>
+              <a:t>3/19/2024</a:t>
             </a:fld>
             <a:endParaRPr lang="en-US"/>
           </a:p>
@@ -1468,7 +1373,7 @@
           <a:p>
             <a:fld id="{9F69634C-F75C-45F7-A87A-C5E2AF3ECA41}" type="datetimeFigureOut">
               <a:rPr lang="en-US" smtClean="0"/>
-              <a:t>3/5/2024</a:t>
+              <a:t>3/19/2024</a:t>
             </a:fld>
             <a:endParaRPr lang="en-US"/>
           </a:p>
@@ -1710,7 +1615,7 @@
           <a:p>
             <a:fld id="{9F69634C-F75C-45F7-A87A-C5E2AF3ECA41}" type="datetimeFigureOut">
               <a:rPr lang="en-US" smtClean="0"/>
-              <a:t>3/5/2024</a:t>
+              <a:t>3/19/2024</a:t>
             </a:fld>
             <a:endParaRPr lang="en-US"/>
           </a:p>
@@ -2613,7 +2518,7 @@
           <p:cNvPr id="2" name="Title 1">
             <a:extLst>
               <a:ext uri="{FF2B5EF4-FFF2-40B4-BE49-F238E27FC236}">
-                <a16:creationId xmlns:a16="http://schemas.microsoft.com/office/drawing/2014/main" id="{7F75882A-B3F5-795E-EC34-22235A84DDB1}"/>
+                <a16:creationId xmlns:a16="http://schemas.microsoft.com/office/drawing/2014/main" id="{9E62B46F-B062-9395-3617-A3423323CCBD}"/>
               </a:ext>
             </a:extLst>
           </p:cNvPr>
@@ -2629,14 +2534,17 @@
           <a:bodyPr/>
           <a:lstStyle/>
           <a:p>
-            <a:endParaRPr lang="en-US"/>
+            <a:r>
+              <a:rPr lang="en-US" dirty="0"/>
+              <a:t>The Pipelines</a:t>
+            </a:r>
           </a:p>
         </p:txBody>
       </p:sp>
     </p:spTree>
     <p:extLst>
       <p:ext uri="{BB962C8B-B14F-4D97-AF65-F5344CB8AC3E}">
-        <p14:creationId xmlns:p14="http://schemas.microsoft.com/office/powerpoint/2010/main" val="3255020999"/>
+        <p14:creationId xmlns:p14="http://schemas.microsoft.com/office/powerpoint/2010/main" val="909801556"/>
       </p:ext>
     </p:extLst>
   </p:cSld>
@@ -2668,7 +2576,7 @@
           <p:cNvPr id="2" name="Title 1">
             <a:extLst>
               <a:ext uri="{FF2B5EF4-FFF2-40B4-BE49-F238E27FC236}">
-                <a16:creationId xmlns:a16="http://schemas.microsoft.com/office/drawing/2014/main" id="{ADF8E6B8-8A1F-CBA5-E3BB-A814E8D6E4F7}"/>
+                <a16:creationId xmlns:a16="http://schemas.microsoft.com/office/drawing/2014/main" id="{44B2448E-37E5-59FB-9B0F-DAFFBD1C3E14}"/>
               </a:ext>
             </a:extLst>
           </p:cNvPr>
@@ -2686,13 +2594,66 @@
           <a:p>
             <a:r>
               <a:rPr lang="en-US" dirty="0"/>
-              <a:t>Interfacing with external </a:t>
-            </a:r>
-            <a:r>
-              <a:rPr lang="en-US" dirty="0" err="1"/>
-              <a:t>Prackages</a:t>
-            </a:r>
-            <a:endParaRPr lang="en-US" dirty="0"/>
+              <a:t>Topics Not Covered</a:t>
+            </a:r>
+          </a:p>
+        </p:txBody>
+      </p:sp>
+    </p:spTree>
+    <p:extLst>
+      <p:ext uri="{BB962C8B-B14F-4D97-AF65-F5344CB8AC3E}">
+        <p14:creationId xmlns:p14="http://schemas.microsoft.com/office/powerpoint/2010/main" val="3208252438"/>
+      </p:ext>
+    </p:extLst>
+  </p:cSld>
+  <p:clrMapOvr>
+    <a:masterClrMapping/>
+  </p:clrMapOvr>
+</p:sld>
+</file>
+
+<file path=ppt/slides/slide4.xml><?xml version="1.0" encoding="utf-8"?>
+<p:sld xmlns:a="http://schemas.openxmlformats.org/drawingml/2006/main" xmlns:r="http://schemas.openxmlformats.org/officeDocument/2006/relationships" xmlns:p="http://schemas.openxmlformats.org/presentationml/2006/main">
+  <p:cSld>
+    <p:spTree>
+      <p:nvGrpSpPr>
+        <p:cNvPr id="1" name=""/>
+        <p:cNvGrpSpPr/>
+        <p:nvPr/>
+      </p:nvGrpSpPr>
+      <p:grpSpPr>
+        <a:xfrm>
+          <a:off x="0" y="0"/>
+          <a:ext cx="0" cy="0"/>
+          <a:chOff x="0" y="0"/>
+          <a:chExt cx="0" cy="0"/>
+        </a:xfrm>
+      </p:grpSpPr>
+      <p:sp>
+        <p:nvSpPr>
+          <p:cNvPr id="2" name="Title 1">
+            <a:extLst>
+              <a:ext uri="{FF2B5EF4-FFF2-40B4-BE49-F238E27FC236}">
+                <a16:creationId xmlns:a16="http://schemas.microsoft.com/office/drawing/2014/main" id="{7F75882A-B3F5-795E-EC34-22235A84DDB1}"/>
+              </a:ext>
+            </a:extLst>
+          </p:cNvPr>
+          <p:cNvSpPr>
+            <a:spLocks noGrp="1"/>
+          </p:cNvSpPr>
+          <p:nvPr>
+            <p:ph type="title"/>
+          </p:nvPr>
+        </p:nvSpPr>
+        <p:spPr/>
+        <p:txBody>
+          <a:bodyPr/>
+          <a:lstStyle/>
+          <a:p>
+            <a:r>
+              <a:rPr lang="en-US" dirty="0"/>
+              <a:t>Importance of Sensitivity Analysis</a:t>
+            </a:r>
           </a:p>
         </p:txBody>
       </p:sp>
@@ -2701,7 +2662,7 @@
           <p:cNvPr id="3" name="TextBox 2">
             <a:extLst>
               <a:ext uri="{FF2B5EF4-FFF2-40B4-BE49-F238E27FC236}">
-                <a16:creationId xmlns:a16="http://schemas.microsoft.com/office/drawing/2014/main" id="{733EEB6B-8A0D-10F1-AD96-941CEDB47ABB}"/>
+                <a16:creationId xmlns:a16="http://schemas.microsoft.com/office/drawing/2014/main" id="{F396EB75-18CA-E31A-E305-646CE0E08854}"/>
               </a:ext>
             </a:extLst>
           </p:cNvPr>
@@ -2710,8 +2671,8 @@
         </p:nvSpPr>
         <p:spPr>
           <a:xfrm>
-            <a:off x="947928" y="1380744"/>
-            <a:ext cx="4010906" cy="369332"/>
+            <a:off x="274320" y="905256"/>
+            <a:ext cx="8029570" cy="369332"/>
           </a:xfrm>
           <a:prstGeom prst="rect">
             <a:avLst/>
@@ -2726,17 +2687,75 @@
           <a:p>
             <a:r>
               <a:rPr lang="en-US" dirty="0"/>
-              <a:t>Check which if an assay has to be chosen</a:t>
-            </a:r>
-          </a:p>
-        </p:txBody>
-      </p:sp>
-      <p:sp>
-        <p:nvSpPr>
-          <p:cNvPr id="4" name="TextBox 3">
-            <a:extLst>
-              <a:ext uri="{FF2B5EF4-FFF2-40B4-BE49-F238E27FC236}">
-                <a16:creationId xmlns:a16="http://schemas.microsoft.com/office/drawing/2014/main" id="{F25A4B4B-9C47-F304-06E4-DEF87FA55EED}"/>
+              <a:t>Are the trends in the clustering data versus a product of the clustering parameters? </a:t>
+            </a:r>
+          </a:p>
+        </p:txBody>
+      </p:sp>
+    </p:spTree>
+    <p:extLst>
+      <p:ext uri="{BB962C8B-B14F-4D97-AF65-F5344CB8AC3E}">
+        <p14:creationId xmlns:p14="http://schemas.microsoft.com/office/powerpoint/2010/main" val="3255020999"/>
+      </p:ext>
+    </p:extLst>
+  </p:cSld>
+  <p:clrMapOvr>
+    <a:masterClrMapping/>
+  </p:clrMapOvr>
+</p:sld>
+</file>
+
+<file path=ppt/slides/slide5.xml><?xml version="1.0" encoding="utf-8"?>
+<p:sld xmlns:a="http://schemas.openxmlformats.org/drawingml/2006/main" xmlns:r="http://schemas.openxmlformats.org/officeDocument/2006/relationships" xmlns:p="http://schemas.openxmlformats.org/presentationml/2006/main">
+  <p:cSld>
+    <p:spTree>
+      <p:nvGrpSpPr>
+        <p:cNvPr id="1" name=""/>
+        <p:cNvGrpSpPr/>
+        <p:nvPr/>
+      </p:nvGrpSpPr>
+      <p:grpSpPr>
+        <a:xfrm>
+          <a:off x="0" y="0"/>
+          <a:ext cx="0" cy="0"/>
+          <a:chOff x="0" y="0"/>
+          <a:chExt cx="0" cy="0"/>
+        </a:xfrm>
+      </p:grpSpPr>
+      <p:sp>
+        <p:nvSpPr>
+          <p:cNvPr id="2" name="Title 1">
+            <a:extLst>
+              <a:ext uri="{FF2B5EF4-FFF2-40B4-BE49-F238E27FC236}">
+                <a16:creationId xmlns:a16="http://schemas.microsoft.com/office/drawing/2014/main" id="{0F4AA5FF-2B5D-5715-5A2C-DC99958D206D}"/>
+              </a:ext>
+            </a:extLst>
+          </p:cNvPr>
+          <p:cNvSpPr>
+            <a:spLocks noGrp="1"/>
+          </p:cNvSpPr>
+          <p:nvPr>
+            <p:ph type="title"/>
+          </p:nvPr>
+        </p:nvSpPr>
+        <p:spPr/>
+        <p:txBody>
+          <a:bodyPr/>
+          <a:lstStyle/>
+          <a:p>
+            <a:r>
+              <a:rPr lang="en-US" dirty="0"/>
+              <a:t>Moving data from Seurat to Another Package</a:t>
+            </a:r>
+          </a:p>
+        </p:txBody>
+      </p:sp>
+      <p:sp>
+        <p:nvSpPr>
+          <p:cNvPr id="3" name="TextBox 2">
+            <a:extLst>
+              <a:ext uri="{FF2B5EF4-FFF2-40B4-BE49-F238E27FC236}">
+                <a16:creationId xmlns:a16="http://schemas.microsoft.com/office/drawing/2014/main" id="{9AE46F0C-B4ED-9A1F-7903-6A57380B7C47}"/>
               </a:ext>
             </a:extLst>
           </p:cNvPr>
@@ -2745,8 +2764,8 @@
         </p:nvSpPr>
         <p:spPr>
           <a:xfrm>
-            <a:off x="913736" y="2601967"/>
-            <a:ext cx="4383764" cy="369332"/>
+            <a:off x="347472" y="1005840"/>
+            <a:ext cx="9666108" cy="4247317"/>
           </a:xfrm>
           <a:prstGeom prst="rect">
             <a:avLst/>
@@ -2761,111 +2780,1197 @@
           <a:p>
             <a:r>
               <a:rPr lang="en-US" dirty="0"/>
-              <a:t>Check which if cell identities needs to be set.</a:t>
-            </a:r>
-          </a:p>
-        </p:txBody>
-      </p:sp>
-      <p:sp>
-        <p:nvSpPr>
-          <p:cNvPr id="5" name="TextBox 4">
-            <a:extLst>
-              <a:ext uri="{FF2B5EF4-FFF2-40B4-BE49-F238E27FC236}">
-                <a16:creationId xmlns:a16="http://schemas.microsoft.com/office/drawing/2014/main" id="{8852F14A-7516-3038-2BAE-CE8AC2594FA7}"/>
-              </a:ext>
-            </a:extLst>
-          </p:cNvPr>
-          <p:cNvSpPr txBox="1"/>
+              <a:t>Be sure to check these before you convert the Seurat object to another S4 class:</a:t>
+            </a:r>
+          </a:p>
+          <a:p>
+            <a:endParaRPr lang="en-US" dirty="0"/>
+          </a:p>
+          <a:p>
+            <a:pPr marL="342900" indent="-342900">
+              <a:buAutoNum type="arabicPeriod"/>
+            </a:pPr>
+            <a:r>
+              <a:rPr lang="en-US" dirty="0"/>
+              <a:t>Does the other package assume that some portion of the Seurat pipeline needs to be completed?</a:t>
+            </a:r>
+          </a:p>
+          <a:p>
+            <a:r>
+              <a:rPr lang="en-US" dirty="0"/>
+              <a:t>	Data Import? Normalization? Linear or Nonlinear Dimension Reduction? Clustering?</a:t>
+            </a:r>
+          </a:p>
+          <a:p>
+            <a:endParaRPr lang="en-US" dirty="0"/>
+          </a:p>
+          <a:p>
+            <a:pPr marL="342900" indent="-342900">
+              <a:buAutoNum type="arabicPeriod" startAt="2"/>
+            </a:pPr>
+            <a:r>
+              <a:rPr lang="en-US" dirty="0"/>
+              <a:t>Does a certain assay need to be set as default?</a:t>
+            </a:r>
+          </a:p>
+          <a:p>
+            <a:r>
+              <a:rPr lang="en-US" dirty="0"/>
+              <a:t> 	</a:t>
+            </a:r>
+            <a:r>
+              <a:rPr lang="en-US" dirty="0" err="1"/>
+              <a:t>DefaultAssay</a:t>
+            </a:r>
+            <a:r>
+              <a:rPr lang="en-US" dirty="0"/>
+              <a:t>(object = </a:t>
+            </a:r>
+            <a:r>
+              <a:rPr lang="en-US" dirty="0" err="1"/>
+              <a:t>pbmc</a:t>
+            </a:r>
+            <a:r>
+              <a:rPr lang="en-US" dirty="0"/>
+              <a:t>) &lt;- "RNA“</a:t>
+            </a:r>
+          </a:p>
+          <a:p>
+            <a:endParaRPr lang="en-US" dirty="0"/>
+          </a:p>
+          <a:p>
+            <a:r>
+              <a:rPr lang="en-US" dirty="0"/>
+              <a:t>3.   Does a certain layer/ slot need to be set as default?</a:t>
+            </a:r>
+          </a:p>
+          <a:p>
+            <a:r>
+              <a:rPr lang="en-US" dirty="0"/>
+              <a:t>	</a:t>
+            </a:r>
+            <a:r>
+              <a:rPr lang="en-US" dirty="0" err="1"/>
+              <a:t>LayerData</a:t>
+            </a:r>
+            <a:r>
+              <a:rPr lang="en-US" dirty="0"/>
+              <a:t>(</a:t>
+            </a:r>
+            <a:r>
+              <a:rPr lang="en-US" dirty="0" err="1"/>
+              <a:t>pbmc</a:t>
+            </a:r>
+            <a:r>
+              <a:rPr lang="en-US" dirty="0"/>
+              <a:t>, assay = "RNA", layer = "counts") </a:t>
+            </a:r>
+          </a:p>
+          <a:p>
+            <a:endParaRPr lang="en-US" dirty="0"/>
+          </a:p>
+          <a:p>
+            <a:r>
+              <a:rPr lang="en-US" dirty="0"/>
+              <a:t>4.    Do a certain cell identify need to be set first?</a:t>
+            </a:r>
+          </a:p>
+          <a:p>
+            <a:r>
+              <a:rPr lang="en-US" dirty="0"/>
+              <a:t>	</a:t>
+            </a:r>
+            <a:r>
+              <a:rPr lang="fr-FR" dirty="0" err="1"/>
+              <a:t>Idents</a:t>
+            </a:r>
+            <a:r>
+              <a:rPr lang="fr-FR" dirty="0"/>
+              <a:t>(</a:t>
+            </a:r>
+            <a:r>
+              <a:rPr lang="fr-FR" dirty="0" err="1"/>
+              <a:t>object</a:t>
+            </a:r>
+            <a:r>
+              <a:rPr lang="fr-FR" dirty="0"/>
+              <a:t> = </a:t>
+            </a:r>
+            <a:r>
+              <a:rPr lang="fr-FR" dirty="0" err="1"/>
+              <a:t>pbmc</a:t>
+            </a:r>
+            <a:r>
+              <a:rPr lang="fr-FR" dirty="0"/>
+              <a:t>) &lt;- </a:t>
+            </a:r>
+            <a:r>
+              <a:rPr lang="fr-FR" dirty="0" err="1"/>
+              <a:t>pbmc</a:t>
+            </a:r>
+            <a:r>
+              <a:rPr lang="fr-FR" dirty="0"/>
+              <a:t> $</a:t>
+            </a:r>
+            <a:r>
+              <a:rPr lang="fr-FR" dirty="0" err="1"/>
+              <a:t>seurat_annotations</a:t>
+            </a:r>
+            <a:endParaRPr lang="fr-FR" dirty="0"/>
+          </a:p>
+          <a:p>
+            <a:endParaRPr lang="fr-FR" dirty="0"/>
+          </a:p>
+          <a:p>
+            <a:endParaRPr lang="fr-FR" dirty="0"/>
+          </a:p>
+        </p:txBody>
+      </p:sp>
+      <p:graphicFrame>
+        <p:nvGraphicFramePr>
+          <p:cNvPr id="8" name="Table 7">
+            <a:extLst>
+              <a:ext uri="{FF2B5EF4-FFF2-40B4-BE49-F238E27FC236}">
+                <a16:creationId xmlns:a16="http://schemas.microsoft.com/office/drawing/2014/main" id="{BD38F916-A3E4-1DCB-4E1D-9690359DD7D0}"/>
+              </a:ext>
+            </a:extLst>
+          </p:cNvPr>
+          <p:cNvGraphicFramePr>
+            <a:graphicFrameLocks noGrp="1"/>
+          </p:cNvGraphicFramePr>
+          <p:nvPr>
+            <p:extLst>
+              <p:ext uri="{D42A27DB-BD31-4B8C-83A1-F6EECF244321}">
+                <p14:modId xmlns:p14="http://schemas.microsoft.com/office/powerpoint/2010/main" val="1192601685"/>
+              </p:ext>
+            </p:extLst>
+          </p:nvPr>
+        </p:nvGraphicFramePr>
+        <p:xfrm>
+          <a:off x="8153792" y="2898648"/>
+          <a:ext cx="2672704" cy="1280160"/>
+        </p:xfrm>
+        <a:graphic>
+          <a:graphicData uri="http://schemas.openxmlformats.org/drawingml/2006/table">
+            <a:tbl>
+              <a:tblPr firstRow="1" bandRow="1">
+                <a:tableStyleId>{2D5ABB26-0587-4C30-8999-92F81FD0307C}</a:tableStyleId>
+              </a:tblPr>
+              <a:tblGrid>
+                <a:gridCol w="1035928">
+                  <a:extLst>
+                    <a:ext uri="{9D8B030D-6E8A-4147-A177-3AD203B41FA5}">
+                      <a16:colId xmlns:a16="http://schemas.microsoft.com/office/drawing/2014/main" val="3598580045"/>
+                    </a:ext>
+                  </a:extLst>
+                </a:gridCol>
+                <a:gridCol w="1636776">
+                  <a:extLst>
+                    <a:ext uri="{9D8B030D-6E8A-4147-A177-3AD203B41FA5}">
+                      <a16:colId xmlns:a16="http://schemas.microsoft.com/office/drawing/2014/main" val="695595694"/>
+                    </a:ext>
+                  </a:extLst>
+                </a:gridCol>
+              </a:tblGrid>
+              <a:tr h="160479">
+                <a:tc>
+                  <a:txBody>
+                    <a:bodyPr/>
+                    <a:lstStyle/>
+                    <a:p>
+                      <a:r>
+                        <a:rPr lang="en-US" sz="1200" dirty="0"/>
+                        <a:t>Layer</a:t>
+                      </a:r>
+                    </a:p>
+                  </a:txBody>
+                  <a:tcPr anchor="b">
+                    <a:lnL w="12700" cap="flat" cmpd="sng" algn="ctr">
+                      <a:solidFill>
+                        <a:schemeClr val="tx1"/>
+                      </a:solidFill>
+                      <a:prstDash val="solid"/>
+                      <a:round/>
+                      <a:headEnd type="none" w="med" len="med"/>
+                      <a:tailEnd type="none" w="med" len="med"/>
+                    </a:lnL>
+                    <a:lnR w="12700" cap="flat" cmpd="sng" algn="ctr">
+                      <a:solidFill>
+                        <a:schemeClr val="tx1"/>
+                      </a:solidFill>
+                      <a:prstDash val="solid"/>
+                      <a:round/>
+                      <a:headEnd type="none" w="med" len="med"/>
+                      <a:tailEnd type="none" w="med" len="med"/>
+                    </a:lnR>
+                    <a:lnT w="12700" cap="flat" cmpd="sng" algn="ctr">
+                      <a:solidFill>
+                        <a:schemeClr val="tx1"/>
+                      </a:solidFill>
+                      <a:prstDash val="solid"/>
+                      <a:round/>
+                      <a:headEnd type="none" w="med" len="med"/>
+                      <a:tailEnd type="none" w="med" len="med"/>
+                    </a:lnT>
+                    <a:lnB w="12700" cap="flat" cmpd="sng" algn="ctr">
+                      <a:solidFill>
+                        <a:schemeClr val="tx1"/>
+                      </a:solidFill>
+                      <a:prstDash val="solid"/>
+                      <a:round/>
+                      <a:headEnd type="none" w="med" len="med"/>
+                      <a:tailEnd type="none" w="med" len="med"/>
+                    </a:lnB>
+                    <a:solidFill>
+                      <a:schemeClr val="bg1">
+                        <a:lumMod val="95000"/>
+                      </a:schemeClr>
+                    </a:solidFill>
+                  </a:tcPr>
+                </a:tc>
+                <a:tc>
+                  <a:txBody>
+                    <a:bodyPr/>
+                    <a:lstStyle/>
+                    <a:p>
+                      <a:r>
+                        <a:rPr lang="en-US" sz="1200" dirty="0"/>
+                        <a:t>Description</a:t>
+                      </a:r>
+                    </a:p>
+                  </a:txBody>
+                  <a:tcPr anchor="b">
+                    <a:lnL w="12700" cap="flat" cmpd="sng" algn="ctr">
+                      <a:solidFill>
+                        <a:schemeClr val="tx1"/>
+                      </a:solidFill>
+                      <a:prstDash val="solid"/>
+                      <a:round/>
+                      <a:headEnd type="none" w="med" len="med"/>
+                      <a:tailEnd type="none" w="med" len="med"/>
+                    </a:lnL>
+                    <a:lnR w="12700" cap="flat" cmpd="sng" algn="ctr">
+                      <a:solidFill>
+                        <a:schemeClr val="tx1"/>
+                      </a:solidFill>
+                      <a:prstDash val="solid"/>
+                      <a:round/>
+                      <a:headEnd type="none" w="med" len="med"/>
+                      <a:tailEnd type="none" w="med" len="med"/>
+                    </a:lnR>
+                    <a:lnT w="12700" cap="flat" cmpd="sng" algn="ctr">
+                      <a:solidFill>
+                        <a:schemeClr val="tx1"/>
+                      </a:solidFill>
+                      <a:prstDash val="solid"/>
+                      <a:round/>
+                      <a:headEnd type="none" w="med" len="med"/>
+                      <a:tailEnd type="none" w="med" len="med"/>
+                    </a:lnT>
+                    <a:lnB w="12700" cap="flat" cmpd="sng" algn="ctr">
+                      <a:solidFill>
+                        <a:schemeClr val="tx1"/>
+                      </a:solidFill>
+                      <a:prstDash val="solid"/>
+                      <a:round/>
+                      <a:headEnd type="none" w="med" len="med"/>
+                      <a:tailEnd type="none" w="med" len="med"/>
+                    </a:lnB>
+                    <a:solidFill>
+                      <a:schemeClr val="bg1">
+                        <a:lumMod val="95000"/>
+                      </a:schemeClr>
+                    </a:solidFill>
+                  </a:tcPr>
+                </a:tc>
+                <a:extLst>
+                  <a:ext uri="{0D108BD9-81ED-4DB2-BD59-A6C34878D82A}">
+                    <a16:rowId xmlns:a16="http://schemas.microsoft.com/office/drawing/2014/main" val="2750128061"/>
+                  </a:ext>
+                </a:extLst>
+              </a:tr>
+              <a:tr h="160479">
+                <a:tc>
+                  <a:txBody>
+                    <a:bodyPr/>
+                    <a:lstStyle/>
+                    <a:p>
+                      <a:pPr algn="l"/>
+                      <a:r>
+                        <a:rPr lang="en-US" sz="1200" dirty="0"/>
+                        <a:t>counts</a:t>
+                      </a:r>
+                    </a:p>
+                  </a:txBody>
+                  <a:tcPr anchor="ctr">
+                    <a:lnL w="12700" cap="flat" cmpd="sng" algn="ctr">
+                      <a:noFill/>
+                      <a:prstDash val="solid"/>
+                      <a:round/>
+                      <a:headEnd type="none" w="med" len="med"/>
+                      <a:tailEnd type="none" w="med" len="med"/>
+                    </a:lnL>
+                    <a:lnR w="12700" cap="flat" cmpd="sng" algn="ctr">
+                      <a:noFill/>
+                      <a:prstDash val="solid"/>
+                      <a:round/>
+                      <a:headEnd type="none" w="med" len="med"/>
+                      <a:tailEnd type="none" w="med" len="med"/>
+                    </a:lnR>
+                    <a:lnT w="12700" cap="flat" cmpd="sng" algn="ctr">
+                      <a:solidFill>
+                        <a:schemeClr val="tx1"/>
+                      </a:solidFill>
+                      <a:prstDash val="solid"/>
+                      <a:round/>
+                      <a:headEnd type="none" w="med" len="med"/>
+                      <a:tailEnd type="none" w="med" len="med"/>
+                    </a:lnT>
+                    <a:lnB w="12700" cap="flat" cmpd="sng" algn="ctr">
+                      <a:noFill/>
+                      <a:prstDash val="solid"/>
+                      <a:round/>
+                      <a:headEnd type="none" w="med" len="med"/>
+                      <a:tailEnd type="none" w="med" len="med"/>
+                    </a:lnB>
+                    <a:lnTlToBr w="12700" cmpd="sng">
+                      <a:noFill/>
+                      <a:prstDash val="solid"/>
+                    </a:lnTlToBr>
+                    <a:lnBlToTr w="12700" cmpd="sng">
+                      <a:noFill/>
+                      <a:prstDash val="solid"/>
+                    </a:lnBlToTr>
+                  </a:tcPr>
+                </a:tc>
+                <a:tc>
+                  <a:txBody>
+                    <a:bodyPr/>
+                    <a:lstStyle/>
+                    <a:p>
+                      <a:r>
+                        <a:rPr lang="en-US" sz="1200" dirty="0"/>
+                        <a:t> raw counts</a:t>
+                      </a:r>
+                    </a:p>
+                  </a:txBody>
+                  <a:tcPr anchor="ctr">
+                    <a:lnL w="12700" cap="flat" cmpd="sng" algn="ctr">
+                      <a:noFill/>
+                      <a:prstDash val="solid"/>
+                      <a:round/>
+                      <a:headEnd type="none" w="med" len="med"/>
+                      <a:tailEnd type="none" w="med" len="med"/>
+                    </a:lnL>
+                    <a:lnR w="12700" cap="flat" cmpd="sng" algn="ctr">
+                      <a:noFill/>
+                      <a:prstDash val="solid"/>
+                      <a:round/>
+                      <a:headEnd type="none" w="med" len="med"/>
+                      <a:tailEnd type="none" w="med" len="med"/>
+                    </a:lnR>
+                    <a:lnT w="12700" cap="flat" cmpd="sng" algn="ctr">
+                      <a:solidFill>
+                        <a:schemeClr val="tx1"/>
+                      </a:solidFill>
+                      <a:prstDash val="solid"/>
+                      <a:round/>
+                      <a:headEnd type="none" w="med" len="med"/>
+                      <a:tailEnd type="none" w="med" len="med"/>
+                    </a:lnT>
+                    <a:lnB w="12700" cap="flat" cmpd="sng" algn="ctr">
+                      <a:noFill/>
+                      <a:prstDash val="solid"/>
+                      <a:round/>
+                      <a:headEnd type="none" w="med" len="med"/>
+                      <a:tailEnd type="none" w="med" len="med"/>
+                    </a:lnB>
+                    <a:lnTlToBr w="12700" cmpd="sng">
+                      <a:noFill/>
+                      <a:prstDash val="solid"/>
+                    </a:lnTlToBr>
+                    <a:lnBlToTr w="12700" cmpd="sng">
+                      <a:noFill/>
+                      <a:prstDash val="solid"/>
+                    </a:lnBlToTr>
+                  </a:tcPr>
+                </a:tc>
+                <a:extLst>
+                  <a:ext uri="{0D108BD9-81ED-4DB2-BD59-A6C34878D82A}">
+                    <a16:rowId xmlns:a16="http://schemas.microsoft.com/office/drawing/2014/main" val="2348539116"/>
+                  </a:ext>
+                </a:extLst>
+              </a:tr>
+              <a:tr h="160479">
+                <a:tc>
+                  <a:txBody>
+                    <a:bodyPr/>
+                    <a:lstStyle/>
+                    <a:p>
+                      <a:pPr algn="l"/>
+                      <a:r>
+                        <a:rPr lang="en-US" sz="1200" dirty="0"/>
+                        <a:t>data</a:t>
+                      </a:r>
+                    </a:p>
+                  </a:txBody>
+                  <a:tcPr anchor="ctr">
+                    <a:lnL w="12700" cap="flat" cmpd="sng" algn="ctr">
+                      <a:noFill/>
+                      <a:prstDash val="solid"/>
+                      <a:round/>
+                      <a:headEnd type="none" w="med" len="med"/>
+                      <a:tailEnd type="none" w="med" len="med"/>
+                    </a:lnL>
+                    <a:lnR w="12700" cap="flat" cmpd="sng" algn="ctr">
+                      <a:noFill/>
+                      <a:prstDash val="solid"/>
+                      <a:round/>
+                      <a:headEnd type="none" w="med" len="med"/>
+                      <a:tailEnd type="none" w="med" len="med"/>
+                    </a:lnR>
+                    <a:lnT w="12700" cap="flat" cmpd="sng" algn="ctr">
+                      <a:noFill/>
+                      <a:prstDash val="solid"/>
+                      <a:round/>
+                      <a:headEnd type="none" w="med" len="med"/>
+                      <a:tailEnd type="none" w="med" len="med"/>
+                    </a:lnT>
+                    <a:lnB w="12700" cap="flat" cmpd="sng" algn="ctr">
+                      <a:noFill/>
+                      <a:prstDash val="solid"/>
+                      <a:round/>
+                      <a:headEnd type="none" w="med" len="med"/>
+                      <a:tailEnd type="none" w="med" len="med"/>
+                    </a:lnB>
+                    <a:lnTlToBr w="12700" cmpd="sng">
+                      <a:noFill/>
+                      <a:prstDash val="solid"/>
+                    </a:lnTlToBr>
+                    <a:lnBlToTr w="12700" cmpd="sng">
+                      <a:noFill/>
+                      <a:prstDash val="solid"/>
+                    </a:lnBlToTr>
+                  </a:tcPr>
+                </a:tc>
+                <a:tc>
+                  <a:txBody>
+                    <a:bodyPr/>
+                    <a:lstStyle/>
+                    <a:p>
+                      <a:r>
+                        <a:rPr lang="en-US" sz="1200" dirty="0"/>
+                        <a:t>normalized data </a:t>
+                      </a:r>
+                    </a:p>
+                  </a:txBody>
+                  <a:tcPr anchor="ctr">
+                    <a:lnL w="12700" cap="flat" cmpd="sng" algn="ctr">
+                      <a:noFill/>
+                      <a:prstDash val="solid"/>
+                      <a:round/>
+                      <a:headEnd type="none" w="med" len="med"/>
+                      <a:tailEnd type="none" w="med" len="med"/>
+                    </a:lnL>
+                    <a:lnR w="12700" cap="flat" cmpd="sng" algn="ctr">
+                      <a:noFill/>
+                      <a:prstDash val="solid"/>
+                      <a:round/>
+                      <a:headEnd type="none" w="med" len="med"/>
+                      <a:tailEnd type="none" w="med" len="med"/>
+                    </a:lnR>
+                    <a:lnT w="12700" cap="flat" cmpd="sng" algn="ctr">
+                      <a:noFill/>
+                      <a:prstDash val="solid"/>
+                      <a:round/>
+                      <a:headEnd type="none" w="med" len="med"/>
+                      <a:tailEnd type="none" w="med" len="med"/>
+                    </a:lnT>
+                    <a:lnB w="12700" cap="flat" cmpd="sng" algn="ctr">
+                      <a:noFill/>
+                      <a:prstDash val="solid"/>
+                      <a:round/>
+                      <a:headEnd type="none" w="med" len="med"/>
+                      <a:tailEnd type="none" w="med" len="med"/>
+                    </a:lnB>
+                    <a:lnTlToBr w="12700" cmpd="sng">
+                      <a:noFill/>
+                      <a:prstDash val="solid"/>
+                    </a:lnTlToBr>
+                    <a:lnBlToTr w="12700" cmpd="sng">
+                      <a:noFill/>
+                      <a:prstDash val="solid"/>
+                    </a:lnBlToTr>
+                  </a:tcPr>
+                </a:tc>
+                <a:extLst>
+                  <a:ext uri="{0D108BD9-81ED-4DB2-BD59-A6C34878D82A}">
+                    <a16:rowId xmlns:a16="http://schemas.microsoft.com/office/drawing/2014/main" val="3388432686"/>
+                  </a:ext>
+                </a:extLst>
+              </a:tr>
+              <a:tr h="267465">
+                <a:tc>
+                  <a:txBody>
+                    <a:bodyPr/>
+                    <a:lstStyle/>
+                    <a:p>
+                      <a:pPr algn="l"/>
+                      <a:r>
+                        <a:rPr lang="en-US" sz="1200" dirty="0" err="1"/>
+                        <a:t>scale.data</a:t>
+                      </a:r>
+                      <a:endParaRPr lang="en-US" sz="1200" dirty="0"/>
+                    </a:p>
+                  </a:txBody>
+                  <a:tcPr anchor="ctr">
+                    <a:lnL w="12700" cap="flat" cmpd="sng" algn="ctr">
+                      <a:noFill/>
+                      <a:prstDash val="solid"/>
+                      <a:round/>
+                      <a:headEnd type="none" w="med" len="med"/>
+                      <a:tailEnd type="none" w="med" len="med"/>
+                    </a:lnL>
+                    <a:lnR w="12700" cap="flat" cmpd="sng" algn="ctr">
+                      <a:noFill/>
+                      <a:prstDash val="solid"/>
+                      <a:round/>
+                      <a:headEnd type="none" w="med" len="med"/>
+                      <a:tailEnd type="none" w="med" len="med"/>
+                    </a:lnR>
+                    <a:lnT w="12700" cap="flat" cmpd="sng" algn="ctr">
+                      <a:noFill/>
+                      <a:prstDash val="solid"/>
+                      <a:round/>
+                      <a:headEnd type="none" w="med" len="med"/>
+                      <a:tailEnd type="none" w="med" len="med"/>
+                    </a:lnT>
+                    <a:lnB w="12700" cap="flat" cmpd="sng" algn="ctr">
+                      <a:solidFill>
+                        <a:schemeClr val="tx1"/>
+                      </a:solidFill>
+                      <a:prstDash val="solid"/>
+                      <a:round/>
+                      <a:headEnd type="none" w="med" len="med"/>
+                      <a:tailEnd type="none" w="med" len="med"/>
+                    </a:lnB>
+                    <a:lnTlToBr w="12700" cmpd="sng">
+                      <a:noFill/>
+                      <a:prstDash val="solid"/>
+                    </a:lnTlToBr>
+                    <a:lnBlToTr w="12700" cmpd="sng">
+                      <a:noFill/>
+                      <a:prstDash val="solid"/>
+                    </a:lnBlToTr>
+                  </a:tcPr>
+                </a:tc>
+                <a:tc>
+                  <a:txBody>
+                    <a:bodyPr/>
+                    <a:lstStyle/>
+                    <a:p>
+                      <a:r>
+                        <a:rPr lang="en-US" sz="1200" dirty="0"/>
+                        <a:t>z-scored/variance-stabilized data </a:t>
+                      </a:r>
+                    </a:p>
+                  </a:txBody>
+                  <a:tcPr anchor="ctr">
+                    <a:lnL w="12700" cap="flat" cmpd="sng" algn="ctr">
+                      <a:noFill/>
+                      <a:prstDash val="solid"/>
+                      <a:round/>
+                      <a:headEnd type="none" w="med" len="med"/>
+                      <a:tailEnd type="none" w="med" len="med"/>
+                    </a:lnL>
+                    <a:lnR w="12700" cap="flat" cmpd="sng" algn="ctr">
+                      <a:noFill/>
+                      <a:prstDash val="solid"/>
+                      <a:round/>
+                      <a:headEnd type="none" w="med" len="med"/>
+                      <a:tailEnd type="none" w="med" len="med"/>
+                    </a:lnR>
+                    <a:lnT w="12700" cap="flat" cmpd="sng" algn="ctr">
+                      <a:noFill/>
+                      <a:prstDash val="solid"/>
+                      <a:round/>
+                      <a:headEnd type="none" w="med" len="med"/>
+                      <a:tailEnd type="none" w="med" len="med"/>
+                    </a:lnT>
+                    <a:lnB w="12700" cap="flat" cmpd="sng" algn="ctr">
+                      <a:solidFill>
+                        <a:schemeClr val="tx1"/>
+                      </a:solidFill>
+                      <a:prstDash val="solid"/>
+                      <a:round/>
+                      <a:headEnd type="none" w="med" len="med"/>
+                      <a:tailEnd type="none" w="med" len="med"/>
+                    </a:lnB>
+                    <a:lnTlToBr w="12700" cmpd="sng">
+                      <a:noFill/>
+                      <a:prstDash val="solid"/>
+                    </a:lnTlToBr>
+                    <a:lnBlToTr w="12700" cmpd="sng">
+                      <a:noFill/>
+                      <a:prstDash val="solid"/>
+                    </a:lnBlToTr>
+                  </a:tcPr>
+                </a:tc>
+                <a:extLst>
+                  <a:ext uri="{0D108BD9-81ED-4DB2-BD59-A6C34878D82A}">
+                    <a16:rowId xmlns:a16="http://schemas.microsoft.com/office/drawing/2014/main" val="1646932491"/>
+                  </a:ext>
+                </a:extLst>
+              </a:tr>
+            </a:tbl>
+          </a:graphicData>
+        </a:graphic>
+      </p:graphicFrame>
+      <p:pic>
+        <p:nvPicPr>
+          <p:cNvPr id="10" name="Picture 9">
+            <a:extLst>
+              <a:ext uri="{FF2B5EF4-FFF2-40B4-BE49-F238E27FC236}">
+                <a16:creationId xmlns:a16="http://schemas.microsoft.com/office/drawing/2014/main" id="{00AAB9B4-45E5-F698-CFBF-F93041C08715}"/>
+              </a:ext>
+            </a:extLst>
+          </p:cNvPr>
+          <p:cNvPicPr>
+            <a:picLocks noChangeAspect="1"/>
+          </p:cNvPicPr>
           <p:nvPr/>
-        </p:nvSpPr>
+        </p:nvPicPr>
+        <p:blipFill>
+          <a:blip r:embed="rId2"/>
+          <a:stretch>
+            <a:fillRect/>
+          </a:stretch>
+        </p:blipFill>
         <p:spPr>
           <a:xfrm>
-            <a:off x="1518437" y="3244334"/>
-            <a:ext cx="2869888" cy="369332"/>
+            <a:off x="4316233" y="5425007"/>
+            <a:ext cx="1779767" cy="439827"/>
+          </a:xfrm>
+          <a:prstGeom prst="rect">
+            <a:avLst/>
+          </a:prstGeom>
+          <a:ln>
+            <a:solidFill>
+              <a:schemeClr val="tx1"/>
+            </a:solidFill>
+          </a:ln>
+        </p:spPr>
+      </p:pic>
+      <p:pic>
+        <p:nvPicPr>
+          <p:cNvPr id="12" name="Picture 11">
+            <a:extLst>
+              <a:ext uri="{FF2B5EF4-FFF2-40B4-BE49-F238E27FC236}">
+                <a16:creationId xmlns:a16="http://schemas.microsoft.com/office/drawing/2014/main" id="{DCE10A96-9682-C442-CE17-A72318F4D29B}"/>
+              </a:ext>
+            </a:extLst>
+          </p:cNvPr>
+          <p:cNvPicPr>
+            <a:picLocks noChangeAspect="1"/>
+          </p:cNvPicPr>
+          <p:nvPr/>
+        </p:nvPicPr>
+        <p:blipFill>
+          <a:blip r:embed="rId3"/>
+          <a:stretch>
+            <a:fillRect/>
+          </a:stretch>
+        </p:blipFill>
+        <p:spPr>
+          <a:xfrm>
+            <a:off x="7005714" y="6146434"/>
+            <a:ext cx="1675632" cy="440004"/>
+          </a:xfrm>
+          <a:prstGeom prst="rect">
+            <a:avLst/>
+          </a:prstGeom>
+          <a:ln>
+            <a:solidFill>
+              <a:schemeClr val="tx1"/>
+            </a:solidFill>
+          </a:ln>
+        </p:spPr>
+      </p:pic>
+      <p:pic>
+        <p:nvPicPr>
+          <p:cNvPr id="14" name="Picture 13">
+            <a:extLst>
+              <a:ext uri="{FF2B5EF4-FFF2-40B4-BE49-F238E27FC236}">
+                <a16:creationId xmlns:a16="http://schemas.microsoft.com/office/drawing/2014/main" id="{7DA634FA-F5AA-CC77-5976-03044A0B1E3D}"/>
+              </a:ext>
+            </a:extLst>
+          </p:cNvPr>
+          <p:cNvPicPr>
+            <a:picLocks noChangeAspect="1"/>
+          </p:cNvPicPr>
+          <p:nvPr/>
+        </p:nvPicPr>
+        <p:blipFill>
+          <a:blip r:embed="rId4"/>
+          <a:stretch>
+            <a:fillRect/>
+          </a:stretch>
+        </p:blipFill>
+        <p:spPr>
+          <a:xfrm>
+            <a:off x="2215353" y="4853640"/>
+            <a:ext cx="1204860" cy="428652"/>
+          </a:xfrm>
+          <a:prstGeom prst="rect">
+            <a:avLst/>
+          </a:prstGeom>
+          <a:ln>
+            <a:solidFill>
+              <a:schemeClr val="tx1"/>
+            </a:solidFill>
+          </a:ln>
+        </p:spPr>
+      </p:pic>
+      <p:pic>
+        <p:nvPicPr>
+          <p:cNvPr id="1030" name="Picture 6">
+            <a:extLst>
+              <a:ext uri="{FF2B5EF4-FFF2-40B4-BE49-F238E27FC236}">
+                <a16:creationId xmlns:a16="http://schemas.microsoft.com/office/drawing/2014/main" id="{D8CBFF74-179F-4B4E-23DD-C1439945BBB2}"/>
+              </a:ext>
+            </a:extLst>
+          </p:cNvPr>
+          <p:cNvPicPr>
+            <a:picLocks noChangeAspect="1" noChangeArrowheads="1"/>
+          </p:cNvPicPr>
+          <p:nvPr/>
+        </p:nvPicPr>
+        <p:blipFill>
+          <a:blip r:embed="rId5">
+            <a:extLst>
+              <a:ext uri="{28A0092B-C50C-407E-A947-70E740481C1C}">
+                <a14:useLocalDpi xmlns:a14="http://schemas.microsoft.com/office/drawing/2010/main" val="0"/>
+              </a:ext>
+            </a:extLst>
+          </a:blip>
+          <a:srcRect/>
+          <a:stretch>
+            <a:fillRect/>
+          </a:stretch>
+        </p:blipFill>
+        <p:spPr bwMode="auto">
+          <a:xfrm>
+            <a:off x="7066337" y="4853640"/>
+            <a:ext cx="1315479" cy="548116"/>
           </a:xfrm>
           <a:prstGeom prst="rect">
             <a:avLst/>
           </a:prstGeom>
           <a:noFill/>
+          <a:ln>
+            <a:solidFill>
+              <a:schemeClr val="tx1"/>
+            </a:solidFill>
+          </a:ln>
+          <a:extLst>
+            <a:ext uri="{909E8E84-426E-40DD-AFC4-6F175D3DCCD1}">
+              <a14:hiddenFill xmlns:a14="http://schemas.microsoft.com/office/drawing/2010/main">
+                <a:solidFill>
+                  <a:srgbClr val="FFFFFF"/>
+                </a:solidFill>
+              </a14:hiddenFill>
+            </a:ext>
+          </a:extLst>
         </p:spPr>
-        <p:txBody>
-          <a:bodyPr wrap="none" rtlCol="0">
-            <a:spAutoFit/>
-          </a:bodyPr>
-          <a:lstStyle/>
-          <a:p>
-            <a:r>
-              <a:rPr lang="en-US" dirty="0"/>
-              <a:t>Idents(</a:t>
-            </a:r>
-            <a:r>
-              <a:rPr lang="en-US" dirty="0" err="1"/>
-              <a:t>srat</a:t>
-            </a:r>
-            <a:r>
-              <a:rPr lang="en-US" dirty="0"/>
-              <a:t>) &lt;- </a:t>
-            </a:r>
-            <a:r>
-              <a:rPr lang="en-US" dirty="0" err="1"/>
-              <a:t>srat$cell_type</a:t>
-            </a:r>
-            <a:endParaRPr lang="en-US" dirty="0"/>
-          </a:p>
-        </p:txBody>
-      </p:sp>
-      <p:sp>
-        <p:nvSpPr>
-          <p:cNvPr id="7" name="TextBox 6">
-            <a:extLst>
-              <a:ext uri="{FF2B5EF4-FFF2-40B4-BE49-F238E27FC236}">
-                <a16:creationId xmlns:a16="http://schemas.microsoft.com/office/drawing/2014/main" id="{13009E1D-6432-7979-3D61-A142610B46A3}"/>
-              </a:ext>
-            </a:extLst>
-          </p:cNvPr>
-          <p:cNvSpPr txBox="1"/>
+      </p:pic>
+      <p:pic>
+        <p:nvPicPr>
+          <p:cNvPr id="1032" name="Picture 8" descr="Bioconductor - ChAMP">
+            <a:extLst>
+              <a:ext uri="{FF2B5EF4-FFF2-40B4-BE49-F238E27FC236}">
+                <a16:creationId xmlns:a16="http://schemas.microsoft.com/office/drawing/2014/main" id="{EDD51476-EB90-4570-8D4A-AC25DCCC5EE1}"/>
+              </a:ext>
+            </a:extLst>
+          </p:cNvPr>
+          <p:cNvPicPr>
+            <a:picLocks noChangeAspect="1" noChangeArrowheads="1"/>
+          </p:cNvPicPr>
           <p:nvPr/>
-        </p:nvSpPr>
-        <p:spPr>
+        </p:nvPicPr>
+        <p:blipFill>
+          <a:blip r:embed="rId6">
+            <a:extLst>
+              <a:ext uri="{28A0092B-C50C-407E-A947-70E740481C1C}">
+                <a14:useLocalDpi xmlns:a14="http://schemas.microsoft.com/office/drawing/2010/main" val="0"/>
+              </a:ext>
+            </a:extLst>
+          </a:blip>
+          <a:srcRect/>
+          <a:stretch>
+            <a:fillRect/>
+          </a:stretch>
+        </p:blipFill>
+        <p:spPr bwMode="auto">
           <a:xfrm>
-            <a:off x="1411224" y="1758172"/>
-            <a:ext cx="2869888" cy="369332"/>
+            <a:off x="1921657" y="6081880"/>
+            <a:ext cx="1528376" cy="440005"/>
           </a:xfrm>
           <a:prstGeom prst="rect">
             <a:avLst/>
           </a:prstGeom>
           <a:noFill/>
+          <a:ln>
+            <a:solidFill>
+              <a:schemeClr val="tx1"/>
+            </a:solidFill>
+          </a:ln>
+          <a:extLst>
+            <a:ext uri="{909E8E84-426E-40DD-AFC4-6F175D3DCCD1}">
+              <a14:hiddenFill xmlns:a14="http://schemas.microsoft.com/office/drawing/2010/main">
+                <a:solidFill>
+                  <a:srgbClr val="FFFFFF"/>
+                </a:solidFill>
+              </a14:hiddenFill>
+            </a:ext>
+          </a:extLst>
         </p:spPr>
-        <p:txBody>
-          <a:bodyPr wrap="none" rtlCol="0">
-            <a:spAutoFit/>
-          </a:bodyPr>
+      </p:pic>
+      <p:sp>
+        <p:nvSpPr>
+          <p:cNvPr id="15" name="Arrow: Right 14">
+            <a:extLst>
+              <a:ext uri="{FF2B5EF4-FFF2-40B4-BE49-F238E27FC236}">
+                <a16:creationId xmlns:a16="http://schemas.microsoft.com/office/drawing/2014/main" id="{82CD3680-3250-35E9-9374-E33F97351A69}"/>
+              </a:ext>
+            </a:extLst>
+          </p:cNvPr>
+          <p:cNvSpPr/>
+          <p:nvPr/>
+        </p:nvSpPr>
+        <p:spPr>
+          <a:xfrm rot="20453824">
+            <a:off x="6379104" y="5068191"/>
+            <a:ext cx="383692" cy="428201"/>
+          </a:xfrm>
+          <a:prstGeom prst="rightArrow">
+            <a:avLst/>
+          </a:prstGeom>
+          <a:solidFill>
+            <a:schemeClr val="bg1">
+              <a:lumMod val="85000"/>
+            </a:schemeClr>
+          </a:solidFill>
+          <a:ln>
+            <a:noFill/>
+          </a:ln>
+        </p:spPr>
+        <p:style>
+          <a:lnRef idx="2">
+            <a:schemeClr val="accent1">
+              <a:shade val="15000"/>
+            </a:schemeClr>
+          </a:lnRef>
+          <a:fillRef idx="1">
+            <a:schemeClr val="accent1"/>
+          </a:fillRef>
+          <a:effectRef idx="0">
+            <a:schemeClr val="accent1"/>
+          </a:effectRef>
+          <a:fontRef idx="minor">
+            <a:schemeClr val="lt1"/>
+          </a:fontRef>
+        </p:style>
+        <p:txBody>
+          <a:bodyPr rtlCol="0" anchor="ctr"/>
           <a:lstStyle/>
           <a:p>
-            <a:r>
-              <a:rPr lang="en-US" dirty="0"/>
-              <a:t>Idents(</a:t>
-            </a:r>
-            <a:r>
-              <a:rPr lang="en-US" dirty="0" err="1"/>
-              <a:t>srat</a:t>
-            </a:r>
-            <a:r>
-              <a:rPr lang="en-US" dirty="0"/>
-              <a:t>) &lt;- </a:t>
-            </a:r>
-            <a:r>
-              <a:rPr lang="en-US" dirty="0" err="1"/>
-              <a:t>srat$cell_type</a:t>
-            </a:r>
-            <a:endParaRPr lang="en-US" dirty="0"/>
+            <a:pPr algn="ctr"/>
+            <a:endParaRPr lang="en-US"/>
+          </a:p>
+        </p:txBody>
+      </p:sp>
+      <p:sp>
+        <p:nvSpPr>
+          <p:cNvPr id="16" name="Arrow: Right 15">
+            <a:extLst>
+              <a:ext uri="{FF2B5EF4-FFF2-40B4-BE49-F238E27FC236}">
+                <a16:creationId xmlns:a16="http://schemas.microsoft.com/office/drawing/2014/main" id="{37DAEAD6-6293-C9E2-4D57-F07F457359F2}"/>
+              </a:ext>
+            </a:extLst>
+          </p:cNvPr>
+          <p:cNvSpPr/>
+          <p:nvPr/>
+        </p:nvSpPr>
+        <p:spPr>
+          <a:xfrm rot="1575842">
+            <a:off x="6359011" y="5810890"/>
+            <a:ext cx="383692" cy="428201"/>
+          </a:xfrm>
+          <a:prstGeom prst="rightArrow">
+            <a:avLst/>
+          </a:prstGeom>
+          <a:solidFill>
+            <a:schemeClr val="bg1">
+              <a:lumMod val="85000"/>
+            </a:schemeClr>
+          </a:solidFill>
+          <a:ln>
+            <a:noFill/>
+          </a:ln>
+        </p:spPr>
+        <p:style>
+          <a:lnRef idx="2">
+            <a:schemeClr val="accent1">
+              <a:shade val="15000"/>
+            </a:schemeClr>
+          </a:lnRef>
+          <a:fillRef idx="1">
+            <a:schemeClr val="accent1"/>
+          </a:fillRef>
+          <a:effectRef idx="0">
+            <a:schemeClr val="accent1"/>
+          </a:effectRef>
+          <a:fontRef idx="minor">
+            <a:schemeClr val="lt1"/>
+          </a:fontRef>
+        </p:style>
+        <p:txBody>
+          <a:bodyPr rtlCol="0" anchor="ctr"/>
+          <a:lstStyle/>
+          <a:p>
+            <a:pPr algn="ctr"/>
+            <a:endParaRPr lang="en-US"/>
+          </a:p>
+        </p:txBody>
+      </p:sp>
+      <p:sp>
+        <p:nvSpPr>
+          <p:cNvPr id="17" name="Arrow: Right 16">
+            <a:extLst>
+              <a:ext uri="{FF2B5EF4-FFF2-40B4-BE49-F238E27FC236}">
+                <a16:creationId xmlns:a16="http://schemas.microsoft.com/office/drawing/2014/main" id="{6AECF827-5D27-A487-9CE5-12D72F02F635}"/>
+              </a:ext>
+            </a:extLst>
+          </p:cNvPr>
+          <p:cNvSpPr/>
+          <p:nvPr/>
+        </p:nvSpPr>
+        <p:spPr>
+          <a:xfrm rot="12332173">
+            <a:off x="3670912" y="5092128"/>
+            <a:ext cx="383692" cy="428201"/>
+          </a:xfrm>
+          <a:prstGeom prst="rightArrow">
+            <a:avLst/>
+          </a:prstGeom>
+          <a:solidFill>
+            <a:schemeClr val="bg1">
+              <a:lumMod val="85000"/>
+            </a:schemeClr>
+          </a:solidFill>
+          <a:ln>
+            <a:noFill/>
+          </a:ln>
+        </p:spPr>
+        <p:style>
+          <a:lnRef idx="2">
+            <a:schemeClr val="accent1">
+              <a:shade val="15000"/>
+            </a:schemeClr>
+          </a:lnRef>
+          <a:fillRef idx="1">
+            <a:schemeClr val="accent1"/>
+          </a:fillRef>
+          <a:effectRef idx="0">
+            <a:schemeClr val="accent1"/>
+          </a:effectRef>
+          <a:fontRef idx="minor">
+            <a:schemeClr val="lt1"/>
+          </a:fontRef>
+        </p:style>
+        <p:txBody>
+          <a:bodyPr rtlCol="0" anchor="ctr"/>
+          <a:lstStyle/>
+          <a:p>
+            <a:pPr algn="ctr"/>
+            <a:endParaRPr lang="en-US"/>
+          </a:p>
+        </p:txBody>
+      </p:sp>
+      <p:sp>
+        <p:nvSpPr>
+          <p:cNvPr id="18" name="Arrow: Right 17">
+            <a:extLst>
+              <a:ext uri="{FF2B5EF4-FFF2-40B4-BE49-F238E27FC236}">
+                <a16:creationId xmlns:a16="http://schemas.microsoft.com/office/drawing/2014/main" id="{BEC94621-9190-7932-BFAA-D3D96ADD7B52}"/>
+              </a:ext>
+            </a:extLst>
+          </p:cNvPr>
+          <p:cNvSpPr/>
+          <p:nvPr/>
+        </p:nvSpPr>
+        <p:spPr>
+          <a:xfrm rot="9209502">
+            <a:off x="3665444" y="5821156"/>
+            <a:ext cx="383692" cy="428201"/>
+          </a:xfrm>
+          <a:prstGeom prst="rightArrow">
+            <a:avLst/>
+          </a:prstGeom>
+          <a:solidFill>
+            <a:schemeClr val="bg1">
+              <a:lumMod val="85000"/>
+            </a:schemeClr>
+          </a:solidFill>
+          <a:ln>
+            <a:noFill/>
+          </a:ln>
+        </p:spPr>
+        <p:style>
+          <a:lnRef idx="2">
+            <a:schemeClr val="accent1">
+              <a:shade val="15000"/>
+            </a:schemeClr>
+          </a:lnRef>
+          <a:fillRef idx="1">
+            <a:schemeClr val="accent1"/>
+          </a:fillRef>
+          <a:effectRef idx="0">
+            <a:schemeClr val="accent1"/>
+          </a:effectRef>
+          <a:fontRef idx="minor">
+            <a:schemeClr val="lt1"/>
+          </a:fontRef>
+        </p:style>
+        <p:txBody>
+          <a:bodyPr rtlCol="0" anchor="ctr"/>
+          <a:lstStyle/>
+          <a:p>
+            <a:pPr algn="ctr"/>
+            <a:endParaRPr lang="en-US"/>
           </a:p>
         </p:txBody>
       </p:sp>
     </p:spTree>
     <p:extLst>
       <p:ext uri="{BB962C8B-B14F-4D97-AF65-F5344CB8AC3E}">
-        <p14:creationId xmlns:p14="http://schemas.microsoft.com/office/powerpoint/2010/main" val="237000122"/>
+        <p14:creationId xmlns:p14="http://schemas.microsoft.com/office/powerpoint/2010/main" val="4110918473"/>
+      </p:ext>
+    </p:extLst>
+  </p:cSld>
+  <p:clrMapOvr>
+    <a:masterClrMapping/>
+  </p:clrMapOvr>
+</p:sld>
+</file>
+
+<file path=ppt/slides/slide6.xml><?xml version="1.0" encoding="utf-8"?>
+<p:sld xmlns:a="http://schemas.openxmlformats.org/drawingml/2006/main" xmlns:r="http://schemas.openxmlformats.org/officeDocument/2006/relationships" xmlns:p="http://schemas.openxmlformats.org/presentationml/2006/main">
+  <p:cSld>
+    <p:spTree>
+      <p:nvGrpSpPr>
+        <p:cNvPr id="1" name=""/>
+        <p:cNvGrpSpPr/>
+        <p:nvPr/>
+      </p:nvGrpSpPr>
+      <p:grpSpPr>
+        <a:xfrm>
+          <a:off x="0" y="0"/>
+          <a:ext cx="0" cy="0"/>
+          <a:chOff x="0" y="0"/>
+          <a:chExt cx="0" cy="0"/>
+        </a:xfrm>
+      </p:grpSpPr>
+      <p:sp>
+        <p:nvSpPr>
+          <p:cNvPr id="2" name="Title 1">
+            <a:extLst>
+              <a:ext uri="{FF2B5EF4-FFF2-40B4-BE49-F238E27FC236}">
+                <a16:creationId xmlns:a16="http://schemas.microsoft.com/office/drawing/2014/main" id="{61FCFAEE-71FB-72EA-197E-04A959CC83EF}"/>
+              </a:ext>
+            </a:extLst>
+          </p:cNvPr>
+          <p:cNvSpPr>
+            <a:spLocks noGrp="1"/>
+          </p:cNvSpPr>
+          <p:nvPr>
+            <p:ph type="title"/>
+          </p:nvPr>
+        </p:nvSpPr>
+        <p:spPr/>
+        <p:txBody>
+          <a:bodyPr/>
+          <a:lstStyle/>
+          <a:p>
+            <a:r>
+              <a:rPr lang="en-US" dirty="0"/>
+              <a:t>Code Availability and Readability</a:t>
+            </a:r>
+          </a:p>
+        </p:txBody>
+      </p:sp>
+    </p:spTree>
+    <p:extLst>
+      <p:ext uri="{BB962C8B-B14F-4D97-AF65-F5344CB8AC3E}">
+        <p14:creationId xmlns:p14="http://schemas.microsoft.com/office/powerpoint/2010/main" val="2249498869"/>
+      </p:ext>
+    </p:extLst>
+  </p:cSld>
+  <p:clrMapOvr>
+    <a:masterClrMapping/>
+  </p:clrMapOvr>
+</p:sld>
+</file>
+
+<file path=ppt/slides/slide7.xml><?xml version="1.0" encoding="utf-8"?>
+<p:sld xmlns:a="http://schemas.openxmlformats.org/drawingml/2006/main" xmlns:r="http://schemas.openxmlformats.org/officeDocument/2006/relationships" xmlns:p="http://schemas.openxmlformats.org/presentationml/2006/main">
+  <p:cSld>
+    <p:spTree>
+      <p:nvGrpSpPr>
+        <p:cNvPr id="1" name=""/>
+        <p:cNvGrpSpPr/>
+        <p:nvPr/>
+      </p:nvGrpSpPr>
+      <p:grpSpPr>
+        <a:xfrm>
+          <a:off x="0" y="0"/>
+          <a:ext cx="0" cy="0"/>
+          <a:chOff x="0" y="0"/>
+          <a:chExt cx="0" cy="0"/>
+        </a:xfrm>
+      </p:grpSpPr>
+      <p:sp>
+        <p:nvSpPr>
+          <p:cNvPr id="2" name="Title 1">
+            <a:extLst>
+              <a:ext uri="{FF2B5EF4-FFF2-40B4-BE49-F238E27FC236}">
+                <a16:creationId xmlns:a16="http://schemas.microsoft.com/office/drawing/2014/main" id="{CD43B99E-6447-04B6-9A03-5D54778593DD}"/>
+              </a:ext>
+            </a:extLst>
+          </p:cNvPr>
+          <p:cNvSpPr>
+            <a:spLocks noGrp="1"/>
+          </p:cNvSpPr>
+          <p:nvPr>
+            <p:ph type="title"/>
+          </p:nvPr>
+        </p:nvSpPr>
+        <p:spPr/>
+        <p:txBody>
+          <a:bodyPr/>
+          <a:lstStyle/>
+          <a:p>
+            <a:r>
+              <a:rPr lang="en-US" dirty="0"/>
+              <a:t>The Challenge of Reproducibility</a:t>
+            </a:r>
+          </a:p>
+        </p:txBody>
+      </p:sp>
+    </p:spTree>
+    <p:extLst>
+      <p:ext uri="{BB962C8B-B14F-4D97-AF65-F5344CB8AC3E}">
+        <p14:creationId xmlns:p14="http://schemas.microsoft.com/office/powerpoint/2010/main" val="1583192240"/>
       </p:ext>
     </p:extLst>
   </p:cSld>

--- a/M7_Summary/M7_Best_Practices.pptx
+++ b/M7_Summary/M7_Best_Practices.pptx
@@ -203,7 +203,7 @@
           <a:p>
             <a:fld id="{FF40CFF0-3E11-4AF6-9747-7919C58FBC48}" type="datetimeFigureOut">
               <a:rPr lang="en-US" smtClean="0"/>
-              <a:t>3/19/2024</a:t>
+              <a:t>3/21/2024</a:t>
             </a:fld>
             <a:endParaRPr lang="en-US"/>
           </a:p>
@@ -627,7 +627,7 @@
           <a:p>
             <a:fld id="{9F69634C-F75C-45F7-A87A-C5E2AF3ECA41}" type="datetimeFigureOut">
               <a:rPr lang="en-US" smtClean="0"/>
-              <a:t>3/19/2024</a:t>
+              <a:t>3/21/2024</a:t>
             </a:fld>
             <a:endParaRPr lang="en-US"/>
           </a:p>
@@ -792,7 +792,7 @@
           <a:p>
             <a:fld id="{9F69634C-F75C-45F7-A87A-C5E2AF3ECA41}" type="datetimeFigureOut">
               <a:rPr lang="en-US" smtClean="0"/>
-              <a:t>3/19/2024</a:t>
+              <a:t>3/21/2024</a:t>
             </a:fld>
             <a:endParaRPr lang="en-US"/>
           </a:p>
@@ -995,7 +995,7 @@
           <a:p>
             <a:fld id="{9F69634C-F75C-45F7-A87A-C5E2AF3ECA41}" type="datetimeFigureOut">
               <a:rPr lang="en-US" smtClean="0"/>
-              <a:t>3/19/2024</a:t>
+              <a:t>3/21/2024</a:t>
             </a:fld>
             <a:endParaRPr lang="en-US"/>
           </a:p>
@@ -1260,7 +1260,7 @@
           <a:p>
             <a:fld id="{9F69634C-F75C-45F7-A87A-C5E2AF3ECA41}" type="datetimeFigureOut">
               <a:rPr lang="en-US" smtClean="0"/>
-              <a:t>3/19/2024</a:t>
+              <a:t>3/21/2024</a:t>
             </a:fld>
             <a:endParaRPr lang="en-US"/>
           </a:p>
@@ -1373,7 +1373,7 @@
           <a:p>
             <a:fld id="{9F69634C-F75C-45F7-A87A-C5E2AF3ECA41}" type="datetimeFigureOut">
               <a:rPr lang="en-US" smtClean="0"/>
-              <a:t>3/19/2024</a:t>
+              <a:t>3/21/2024</a:t>
             </a:fld>
             <a:endParaRPr lang="en-US"/>
           </a:p>
@@ -1615,7 +1615,7 @@
           <a:p>
             <a:fld id="{9F69634C-F75C-45F7-A87A-C5E2AF3ECA41}" type="datetimeFigureOut">
               <a:rPr lang="en-US" smtClean="0"/>
-              <a:t>3/19/2024</a:t>
+              <a:t>3/21/2024</a:t>
             </a:fld>
             <a:endParaRPr lang="en-US"/>
           </a:p>
@@ -2515,6 +2515,388 @@
       </p:grpSpPr>
       <p:sp>
         <p:nvSpPr>
+          <p:cNvPr id="132" name="Arrow: Right 131">
+            <a:extLst>
+              <a:ext uri="{FF2B5EF4-FFF2-40B4-BE49-F238E27FC236}">
+                <a16:creationId xmlns:a16="http://schemas.microsoft.com/office/drawing/2014/main" id="{C0BD38B1-C263-F19A-A64A-BF9F410CE334}"/>
+              </a:ext>
+            </a:extLst>
+          </p:cNvPr>
+          <p:cNvSpPr/>
+          <p:nvPr/>
+        </p:nvSpPr>
+        <p:spPr>
+          <a:xfrm rot="3051569">
+            <a:off x="2618070" y="1924594"/>
+            <a:ext cx="816831" cy="233004"/>
+          </a:xfrm>
+          <a:custGeom>
+            <a:avLst/>
+            <a:gdLst>
+              <a:gd name="connsiteX0" fmla="*/ 0 w 935152"/>
+              <a:gd name="connsiteY0" fmla="*/ 58251 h 233004"/>
+              <a:gd name="connsiteX1" fmla="*/ 818650 w 935152"/>
+              <a:gd name="connsiteY1" fmla="*/ 58251 h 233004"/>
+              <a:gd name="connsiteX2" fmla="*/ 818650 w 935152"/>
+              <a:gd name="connsiteY2" fmla="*/ 0 h 233004"/>
+              <a:gd name="connsiteX3" fmla="*/ 935152 w 935152"/>
+              <a:gd name="connsiteY3" fmla="*/ 116502 h 233004"/>
+              <a:gd name="connsiteX4" fmla="*/ 818650 w 935152"/>
+              <a:gd name="connsiteY4" fmla="*/ 233004 h 233004"/>
+              <a:gd name="connsiteX5" fmla="*/ 818650 w 935152"/>
+              <a:gd name="connsiteY5" fmla="*/ 174753 h 233004"/>
+              <a:gd name="connsiteX6" fmla="*/ 0 w 935152"/>
+              <a:gd name="connsiteY6" fmla="*/ 174753 h 233004"/>
+              <a:gd name="connsiteX7" fmla="*/ 0 w 935152"/>
+              <a:gd name="connsiteY7" fmla="*/ 58251 h 233004"/>
+              <a:gd name="connsiteX0" fmla="*/ 0 w 935152"/>
+              <a:gd name="connsiteY0" fmla="*/ 58251 h 233004"/>
+              <a:gd name="connsiteX1" fmla="*/ 818650 w 935152"/>
+              <a:gd name="connsiteY1" fmla="*/ 58251 h 233004"/>
+              <a:gd name="connsiteX2" fmla="*/ 818650 w 935152"/>
+              <a:gd name="connsiteY2" fmla="*/ 0 h 233004"/>
+              <a:gd name="connsiteX3" fmla="*/ 935152 w 935152"/>
+              <a:gd name="connsiteY3" fmla="*/ 116502 h 233004"/>
+              <a:gd name="connsiteX4" fmla="*/ 818650 w 935152"/>
+              <a:gd name="connsiteY4" fmla="*/ 233004 h 233004"/>
+              <a:gd name="connsiteX5" fmla="*/ 818650 w 935152"/>
+              <a:gd name="connsiteY5" fmla="*/ 174753 h 233004"/>
+              <a:gd name="connsiteX6" fmla="*/ 32036 w 935152"/>
+              <a:gd name="connsiteY6" fmla="*/ 174907 h 233004"/>
+              <a:gd name="connsiteX7" fmla="*/ 0 w 935152"/>
+              <a:gd name="connsiteY7" fmla="*/ 58251 h 233004"/>
+              <a:gd name="connsiteX0" fmla="*/ 106200 w 903116"/>
+              <a:gd name="connsiteY0" fmla="*/ 58387 h 233004"/>
+              <a:gd name="connsiteX1" fmla="*/ 786614 w 903116"/>
+              <a:gd name="connsiteY1" fmla="*/ 58251 h 233004"/>
+              <a:gd name="connsiteX2" fmla="*/ 786614 w 903116"/>
+              <a:gd name="connsiteY2" fmla="*/ 0 h 233004"/>
+              <a:gd name="connsiteX3" fmla="*/ 903116 w 903116"/>
+              <a:gd name="connsiteY3" fmla="*/ 116502 h 233004"/>
+              <a:gd name="connsiteX4" fmla="*/ 786614 w 903116"/>
+              <a:gd name="connsiteY4" fmla="*/ 233004 h 233004"/>
+              <a:gd name="connsiteX5" fmla="*/ 786614 w 903116"/>
+              <a:gd name="connsiteY5" fmla="*/ 174753 h 233004"/>
+              <a:gd name="connsiteX6" fmla="*/ 0 w 903116"/>
+              <a:gd name="connsiteY6" fmla="*/ 174907 h 233004"/>
+              <a:gd name="connsiteX7" fmla="*/ 106200 w 903116"/>
+              <a:gd name="connsiteY7" fmla="*/ 58387 h 233004"/>
+              <a:gd name="connsiteX0" fmla="*/ 19915 w 816831"/>
+              <a:gd name="connsiteY0" fmla="*/ 58387 h 233004"/>
+              <a:gd name="connsiteX1" fmla="*/ 700329 w 816831"/>
+              <a:gd name="connsiteY1" fmla="*/ 58251 h 233004"/>
+              <a:gd name="connsiteX2" fmla="*/ 700329 w 816831"/>
+              <a:gd name="connsiteY2" fmla="*/ 0 h 233004"/>
+              <a:gd name="connsiteX3" fmla="*/ 816831 w 816831"/>
+              <a:gd name="connsiteY3" fmla="*/ 116502 h 233004"/>
+              <a:gd name="connsiteX4" fmla="*/ 700329 w 816831"/>
+              <a:gd name="connsiteY4" fmla="*/ 233004 h 233004"/>
+              <a:gd name="connsiteX5" fmla="*/ 700329 w 816831"/>
+              <a:gd name="connsiteY5" fmla="*/ 174753 h 233004"/>
+              <a:gd name="connsiteX6" fmla="*/ 0 w 816831"/>
+              <a:gd name="connsiteY6" fmla="*/ 174515 h 233004"/>
+              <a:gd name="connsiteX7" fmla="*/ 19915 w 816831"/>
+              <a:gd name="connsiteY7" fmla="*/ 58387 h 233004"/>
+              <a:gd name="connsiteX0" fmla="*/ 89451 w 816831"/>
+              <a:gd name="connsiteY0" fmla="*/ 59714 h 233004"/>
+              <a:gd name="connsiteX1" fmla="*/ 700329 w 816831"/>
+              <a:gd name="connsiteY1" fmla="*/ 58251 h 233004"/>
+              <a:gd name="connsiteX2" fmla="*/ 700329 w 816831"/>
+              <a:gd name="connsiteY2" fmla="*/ 0 h 233004"/>
+              <a:gd name="connsiteX3" fmla="*/ 816831 w 816831"/>
+              <a:gd name="connsiteY3" fmla="*/ 116502 h 233004"/>
+              <a:gd name="connsiteX4" fmla="*/ 700329 w 816831"/>
+              <a:gd name="connsiteY4" fmla="*/ 233004 h 233004"/>
+              <a:gd name="connsiteX5" fmla="*/ 700329 w 816831"/>
+              <a:gd name="connsiteY5" fmla="*/ 174753 h 233004"/>
+              <a:gd name="connsiteX6" fmla="*/ 0 w 816831"/>
+              <a:gd name="connsiteY6" fmla="*/ 174515 h 233004"/>
+              <a:gd name="connsiteX7" fmla="*/ 89451 w 816831"/>
+              <a:gd name="connsiteY7" fmla="*/ 59714 h 233004"/>
+            </a:gdLst>
+            <a:ahLst/>
+            <a:cxnLst>
+              <a:cxn ang="0">
+                <a:pos x="connsiteX0" y="connsiteY0"/>
+              </a:cxn>
+              <a:cxn ang="0">
+                <a:pos x="connsiteX1" y="connsiteY1"/>
+              </a:cxn>
+              <a:cxn ang="0">
+                <a:pos x="connsiteX2" y="connsiteY2"/>
+              </a:cxn>
+              <a:cxn ang="0">
+                <a:pos x="connsiteX3" y="connsiteY3"/>
+              </a:cxn>
+              <a:cxn ang="0">
+                <a:pos x="connsiteX4" y="connsiteY4"/>
+              </a:cxn>
+              <a:cxn ang="0">
+                <a:pos x="connsiteX5" y="connsiteY5"/>
+              </a:cxn>
+              <a:cxn ang="0">
+                <a:pos x="connsiteX6" y="connsiteY6"/>
+              </a:cxn>
+              <a:cxn ang="0">
+                <a:pos x="connsiteX7" y="connsiteY7"/>
+              </a:cxn>
+            </a:cxnLst>
+            <a:rect l="l" t="t" r="r" b="b"/>
+            <a:pathLst>
+              <a:path w="816831" h="233004">
+                <a:moveTo>
+                  <a:pt x="89451" y="59714"/>
+                </a:moveTo>
+                <a:lnTo>
+                  <a:pt x="700329" y="58251"/>
+                </a:lnTo>
+                <a:lnTo>
+                  <a:pt x="700329" y="0"/>
+                </a:lnTo>
+                <a:lnTo>
+                  <a:pt x="816831" y="116502"/>
+                </a:lnTo>
+                <a:lnTo>
+                  <a:pt x="700329" y="233004"/>
+                </a:lnTo>
+                <a:lnTo>
+                  <a:pt x="700329" y="174753"/>
+                </a:lnTo>
+                <a:lnTo>
+                  <a:pt x="0" y="174515"/>
+                </a:lnTo>
+                <a:lnTo>
+                  <a:pt x="89451" y="59714"/>
+                </a:lnTo>
+                <a:close/>
+              </a:path>
+            </a:pathLst>
+          </a:custGeom>
+          <a:solidFill>
+            <a:srgbClr val="CBCBCB"/>
+          </a:solidFill>
+          <a:ln>
+            <a:noFill/>
+          </a:ln>
+        </p:spPr>
+        <p:style>
+          <a:lnRef idx="2">
+            <a:schemeClr val="accent1">
+              <a:shade val="15000"/>
+            </a:schemeClr>
+          </a:lnRef>
+          <a:fillRef idx="1">
+            <a:schemeClr val="accent1"/>
+          </a:fillRef>
+          <a:effectRef idx="0">
+            <a:schemeClr val="accent1"/>
+          </a:effectRef>
+          <a:fontRef idx="minor">
+            <a:schemeClr val="lt1"/>
+          </a:fontRef>
+        </p:style>
+        <p:txBody>
+          <a:bodyPr rtlCol="0" anchor="ctr"/>
+          <a:lstStyle/>
+          <a:p>
+            <a:pPr algn="ctr"/>
+            <a:endParaRPr lang="en-US"/>
+          </a:p>
+        </p:txBody>
+      </p:sp>
+      <p:sp>
+        <p:nvSpPr>
+          <p:cNvPr id="133" name="Arrow: Right 132">
+            <a:extLst>
+              <a:ext uri="{FF2B5EF4-FFF2-40B4-BE49-F238E27FC236}">
+                <a16:creationId xmlns:a16="http://schemas.microsoft.com/office/drawing/2014/main" id="{CD7693BD-55C0-E18C-71F5-22464CE2F61A}"/>
+              </a:ext>
+            </a:extLst>
+          </p:cNvPr>
+          <p:cNvSpPr/>
+          <p:nvPr/>
+        </p:nvSpPr>
+        <p:spPr>
+          <a:xfrm rot="2822692">
+            <a:off x="3292811" y="1895403"/>
+            <a:ext cx="813132" cy="236716"/>
+          </a:xfrm>
+          <a:custGeom>
+            <a:avLst/>
+            <a:gdLst>
+              <a:gd name="connsiteX0" fmla="*/ 0 w 1067997"/>
+              <a:gd name="connsiteY0" fmla="*/ 59179 h 236716"/>
+              <a:gd name="connsiteX1" fmla="*/ 949639 w 1067997"/>
+              <a:gd name="connsiteY1" fmla="*/ 59179 h 236716"/>
+              <a:gd name="connsiteX2" fmla="*/ 949639 w 1067997"/>
+              <a:gd name="connsiteY2" fmla="*/ 0 h 236716"/>
+              <a:gd name="connsiteX3" fmla="*/ 1067997 w 1067997"/>
+              <a:gd name="connsiteY3" fmla="*/ 118358 h 236716"/>
+              <a:gd name="connsiteX4" fmla="*/ 949639 w 1067997"/>
+              <a:gd name="connsiteY4" fmla="*/ 236716 h 236716"/>
+              <a:gd name="connsiteX5" fmla="*/ 949639 w 1067997"/>
+              <a:gd name="connsiteY5" fmla="*/ 177537 h 236716"/>
+              <a:gd name="connsiteX6" fmla="*/ 0 w 1067997"/>
+              <a:gd name="connsiteY6" fmla="*/ 177537 h 236716"/>
+              <a:gd name="connsiteX7" fmla="*/ 0 w 1067997"/>
+              <a:gd name="connsiteY7" fmla="*/ 59179 h 236716"/>
+              <a:gd name="connsiteX0" fmla="*/ 0 w 1067997"/>
+              <a:gd name="connsiteY0" fmla="*/ 59179 h 236716"/>
+              <a:gd name="connsiteX1" fmla="*/ 949639 w 1067997"/>
+              <a:gd name="connsiteY1" fmla="*/ 59179 h 236716"/>
+              <a:gd name="connsiteX2" fmla="*/ 949639 w 1067997"/>
+              <a:gd name="connsiteY2" fmla="*/ 0 h 236716"/>
+              <a:gd name="connsiteX3" fmla="*/ 1067997 w 1067997"/>
+              <a:gd name="connsiteY3" fmla="*/ 118358 h 236716"/>
+              <a:gd name="connsiteX4" fmla="*/ 949639 w 1067997"/>
+              <a:gd name="connsiteY4" fmla="*/ 236716 h 236716"/>
+              <a:gd name="connsiteX5" fmla="*/ 949639 w 1067997"/>
+              <a:gd name="connsiteY5" fmla="*/ 177537 h 236716"/>
+              <a:gd name="connsiteX6" fmla="*/ 266704 w 1067997"/>
+              <a:gd name="connsiteY6" fmla="*/ 179594 h 236716"/>
+              <a:gd name="connsiteX7" fmla="*/ 0 w 1067997"/>
+              <a:gd name="connsiteY7" fmla="*/ 59179 h 236716"/>
+              <a:gd name="connsiteX0" fmla="*/ 92514 w 801293"/>
+              <a:gd name="connsiteY0" fmla="*/ 54678 h 236716"/>
+              <a:gd name="connsiteX1" fmla="*/ 682935 w 801293"/>
+              <a:gd name="connsiteY1" fmla="*/ 59179 h 236716"/>
+              <a:gd name="connsiteX2" fmla="*/ 682935 w 801293"/>
+              <a:gd name="connsiteY2" fmla="*/ 0 h 236716"/>
+              <a:gd name="connsiteX3" fmla="*/ 801293 w 801293"/>
+              <a:gd name="connsiteY3" fmla="*/ 118358 h 236716"/>
+              <a:gd name="connsiteX4" fmla="*/ 682935 w 801293"/>
+              <a:gd name="connsiteY4" fmla="*/ 236716 h 236716"/>
+              <a:gd name="connsiteX5" fmla="*/ 682935 w 801293"/>
+              <a:gd name="connsiteY5" fmla="*/ 177537 h 236716"/>
+              <a:gd name="connsiteX6" fmla="*/ 0 w 801293"/>
+              <a:gd name="connsiteY6" fmla="*/ 179594 h 236716"/>
+              <a:gd name="connsiteX7" fmla="*/ 92514 w 801293"/>
+              <a:gd name="connsiteY7" fmla="*/ 54678 h 236716"/>
+              <a:gd name="connsiteX0" fmla="*/ 104353 w 813132"/>
+              <a:gd name="connsiteY0" fmla="*/ 54678 h 236716"/>
+              <a:gd name="connsiteX1" fmla="*/ 694774 w 813132"/>
+              <a:gd name="connsiteY1" fmla="*/ 59179 h 236716"/>
+              <a:gd name="connsiteX2" fmla="*/ 694774 w 813132"/>
+              <a:gd name="connsiteY2" fmla="*/ 0 h 236716"/>
+              <a:gd name="connsiteX3" fmla="*/ 813132 w 813132"/>
+              <a:gd name="connsiteY3" fmla="*/ 118358 h 236716"/>
+              <a:gd name="connsiteX4" fmla="*/ 694774 w 813132"/>
+              <a:gd name="connsiteY4" fmla="*/ 236716 h 236716"/>
+              <a:gd name="connsiteX5" fmla="*/ 694774 w 813132"/>
+              <a:gd name="connsiteY5" fmla="*/ 177537 h 236716"/>
+              <a:gd name="connsiteX6" fmla="*/ 0 w 813132"/>
+              <a:gd name="connsiteY6" fmla="*/ 178332 h 236716"/>
+              <a:gd name="connsiteX7" fmla="*/ 104353 w 813132"/>
+              <a:gd name="connsiteY7" fmla="*/ 54678 h 236716"/>
+              <a:gd name="connsiteX0" fmla="*/ 119558 w 813132"/>
+              <a:gd name="connsiteY0" fmla="*/ 55819 h 236716"/>
+              <a:gd name="connsiteX1" fmla="*/ 694774 w 813132"/>
+              <a:gd name="connsiteY1" fmla="*/ 59179 h 236716"/>
+              <a:gd name="connsiteX2" fmla="*/ 694774 w 813132"/>
+              <a:gd name="connsiteY2" fmla="*/ 0 h 236716"/>
+              <a:gd name="connsiteX3" fmla="*/ 813132 w 813132"/>
+              <a:gd name="connsiteY3" fmla="*/ 118358 h 236716"/>
+              <a:gd name="connsiteX4" fmla="*/ 694774 w 813132"/>
+              <a:gd name="connsiteY4" fmla="*/ 236716 h 236716"/>
+              <a:gd name="connsiteX5" fmla="*/ 694774 w 813132"/>
+              <a:gd name="connsiteY5" fmla="*/ 177537 h 236716"/>
+              <a:gd name="connsiteX6" fmla="*/ 0 w 813132"/>
+              <a:gd name="connsiteY6" fmla="*/ 178332 h 236716"/>
+              <a:gd name="connsiteX7" fmla="*/ 119558 w 813132"/>
+              <a:gd name="connsiteY7" fmla="*/ 55819 h 236716"/>
+            </a:gdLst>
+            <a:ahLst/>
+            <a:cxnLst>
+              <a:cxn ang="0">
+                <a:pos x="connsiteX0" y="connsiteY0"/>
+              </a:cxn>
+              <a:cxn ang="0">
+                <a:pos x="connsiteX1" y="connsiteY1"/>
+              </a:cxn>
+              <a:cxn ang="0">
+                <a:pos x="connsiteX2" y="connsiteY2"/>
+              </a:cxn>
+              <a:cxn ang="0">
+                <a:pos x="connsiteX3" y="connsiteY3"/>
+              </a:cxn>
+              <a:cxn ang="0">
+                <a:pos x="connsiteX4" y="connsiteY4"/>
+              </a:cxn>
+              <a:cxn ang="0">
+                <a:pos x="connsiteX5" y="connsiteY5"/>
+              </a:cxn>
+              <a:cxn ang="0">
+                <a:pos x="connsiteX6" y="connsiteY6"/>
+              </a:cxn>
+              <a:cxn ang="0">
+                <a:pos x="connsiteX7" y="connsiteY7"/>
+              </a:cxn>
+            </a:cxnLst>
+            <a:rect l="l" t="t" r="r" b="b"/>
+            <a:pathLst>
+              <a:path w="813132" h="236716">
+                <a:moveTo>
+                  <a:pt x="119558" y="55819"/>
+                </a:moveTo>
+                <a:lnTo>
+                  <a:pt x="694774" y="59179"/>
+                </a:lnTo>
+                <a:lnTo>
+                  <a:pt x="694774" y="0"/>
+                </a:lnTo>
+                <a:lnTo>
+                  <a:pt x="813132" y="118358"/>
+                </a:lnTo>
+                <a:lnTo>
+                  <a:pt x="694774" y="236716"/>
+                </a:lnTo>
+                <a:lnTo>
+                  <a:pt x="694774" y="177537"/>
+                </a:lnTo>
+                <a:lnTo>
+                  <a:pt x="0" y="178332"/>
+                </a:lnTo>
+                <a:lnTo>
+                  <a:pt x="119558" y="55819"/>
+                </a:lnTo>
+                <a:close/>
+              </a:path>
+            </a:pathLst>
+          </a:custGeom>
+          <a:solidFill>
+            <a:srgbClr val="CBCBCB"/>
+          </a:solidFill>
+          <a:ln>
+            <a:noFill/>
+          </a:ln>
+        </p:spPr>
+        <p:style>
+          <a:lnRef idx="2">
+            <a:schemeClr val="accent1">
+              <a:shade val="15000"/>
+            </a:schemeClr>
+          </a:lnRef>
+          <a:fillRef idx="1">
+            <a:schemeClr val="accent1"/>
+          </a:fillRef>
+          <a:effectRef idx="0">
+            <a:schemeClr val="accent1"/>
+          </a:effectRef>
+          <a:fontRef idx="minor">
+            <a:schemeClr val="lt1"/>
+          </a:fontRef>
+        </p:style>
+        <p:txBody>
+          <a:bodyPr rtlCol="0" anchor="ctr"/>
+          <a:lstStyle/>
+          <a:p>
+            <a:pPr algn="ctr"/>
+            <a:endParaRPr lang="en-US"/>
+          </a:p>
+        </p:txBody>
+      </p:sp>
+      <p:sp>
+        <p:nvSpPr>
           <p:cNvPr id="2" name="Title 1">
             <a:extLst>
               <a:ext uri="{FF2B5EF4-FFF2-40B4-BE49-F238E27FC236}">
@@ -2537,6 +2919,5965 @@
             <a:r>
               <a:rPr lang="en-US" dirty="0"/>
               <a:t>The Pipelines</a:t>
+            </a:r>
+          </a:p>
+        </p:txBody>
+      </p:sp>
+      <p:grpSp>
+        <p:nvGrpSpPr>
+          <p:cNvPr id="3" name="Group 2">
+            <a:extLst>
+              <a:ext uri="{FF2B5EF4-FFF2-40B4-BE49-F238E27FC236}">
+                <a16:creationId xmlns:a16="http://schemas.microsoft.com/office/drawing/2014/main" id="{62D7A90A-E780-C2F0-18AD-25953CDF8861}"/>
+              </a:ext>
+            </a:extLst>
+          </p:cNvPr>
+          <p:cNvGrpSpPr/>
+          <p:nvPr/>
+        </p:nvGrpSpPr>
+        <p:grpSpPr>
+          <a:xfrm>
+            <a:off x="6540870" y="1029014"/>
+            <a:ext cx="3330054" cy="5781229"/>
+            <a:chOff x="5907" y="830328"/>
+            <a:chExt cx="3330054" cy="5781229"/>
+          </a:xfrm>
+        </p:grpSpPr>
+        <p:sp>
+          <p:nvSpPr>
+            <p:cNvPr id="4" name="Arrow: Right 147">
+              <a:extLst>
+                <a:ext uri="{FF2B5EF4-FFF2-40B4-BE49-F238E27FC236}">
+                  <a16:creationId xmlns:a16="http://schemas.microsoft.com/office/drawing/2014/main" id="{324A1DE7-073E-BD0B-E808-56BD08C47041}"/>
+                </a:ext>
+              </a:extLst>
+            </p:cNvPr>
+            <p:cNvSpPr/>
+            <p:nvPr/>
+          </p:nvSpPr>
+          <p:spPr>
+            <a:xfrm rot="2467564">
+              <a:off x="1207948" y="6331482"/>
+              <a:ext cx="666855" cy="193674"/>
+            </a:xfrm>
+            <a:custGeom>
+              <a:avLst/>
+              <a:gdLst>
+                <a:gd name="connsiteX0" fmla="*/ 0 w 865995"/>
+                <a:gd name="connsiteY0" fmla="*/ 96522 h 386089"/>
+                <a:gd name="connsiteX1" fmla="*/ 672951 w 865995"/>
+                <a:gd name="connsiteY1" fmla="*/ 96522 h 386089"/>
+                <a:gd name="connsiteX2" fmla="*/ 672951 w 865995"/>
+                <a:gd name="connsiteY2" fmla="*/ 0 h 386089"/>
+                <a:gd name="connsiteX3" fmla="*/ 865995 w 865995"/>
+                <a:gd name="connsiteY3" fmla="*/ 193045 h 386089"/>
+                <a:gd name="connsiteX4" fmla="*/ 672951 w 865995"/>
+                <a:gd name="connsiteY4" fmla="*/ 386089 h 386089"/>
+                <a:gd name="connsiteX5" fmla="*/ 672951 w 865995"/>
+                <a:gd name="connsiteY5" fmla="*/ 289567 h 386089"/>
+                <a:gd name="connsiteX6" fmla="*/ 0 w 865995"/>
+                <a:gd name="connsiteY6" fmla="*/ 289567 h 386089"/>
+                <a:gd name="connsiteX7" fmla="*/ 0 w 865995"/>
+                <a:gd name="connsiteY7" fmla="*/ 96522 h 386089"/>
+                <a:gd name="connsiteX0" fmla="*/ 0 w 865995"/>
+                <a:gd name="connsiteY0" fmla="*/ 0 h 289567"/>
+                <a:gd name="connsiteX1" fmla="*/ 672951 w 865995"/>
+                <a:gd name="connsiteY1" fmla="*/ 0 h 289567"/>
+                <a:gd name="connsiteX2" fmla="*/ 865995 w 865995"/>
+                <a:gd name="connsiteY2" fmla="*/ 96523 h 289567"/>
+                <a:gd name="connsiteX3" fmla="*/ 672951 w 865995"/>
+                <a:gd name="connsiteY3" fmla="*/ 289567 h 289567"/>
+                <a:gd name="connsiteX4" fmla="*/ 672951 w 865995"/>
+                <a:gd name="connsiteY4" fmla="*/ 193045 h 289567"/>
+                <a:gd name="connsiteX5" fmla="*/ 0 w 865995"/>
+                <a:gd name="connsiteY5" fmla="*/ 193045 h 289567"/>
+                <a:gd name="connsiteX6" fmla="*/ 0 w 865995"/>
+                <a:gd name="connsiteY6" fmla="*/ 0 h 289567"/>
+                <a:gd name="connsiteX0" fmla="*/ 0 w 672951"/>
+                <a:gd name="connsiteY0" fmla="*/ 0 h 289567"/>
+                <a:gd name="connsiteX1" fmla="*/ 672951 w 672951"/>
+                <a:gd name="connsiteY1" fmla="*/ 0 h 289567"/>
+                <a:gd name="connsiteX2" fmla="*/ 672951 w 672951"/>
+                <a:gd name="connsiteY2" fmla="*/ 289567 h 289567"/>
+                <a:gd name="connsiteX3" fmla="*/ 672951 w 672951"/>
+                <a:gd name="connsiteY3" fmla="*/ 193045 h 289567"/>
+                <a:gd name="connsiteX4" fmla="*/ 0 w 672951"/>
+                <a:gd name="connsiteY4" fmla="*/ 193045 h 289567"/>
+                <a:gd name="connsiteX5" fmla="*/ 0 w 672951"/>
+                <a:gd name="connsiteY5" fmla="*/ 0 h 289567"/>
+                <a:gd name="connsiteX0" fmla="*/ 0 w 672951"/>
+                <a:gd name="connsiteY0" fmla="*/ 0 h 193045"/>
+                <a:gd name="connsiteX1" fmla="*/ 672951 w 672951"/>
+                <a:gd name="connsiteY1" fmla="*/ 0 h 193045"/>
+                <a:gd name="connsiteX2" fmla="*/ 672951 w 672951"/>
+                <a:gd name="connsiteY2" fmla="*/ 193045 h 193045"/>
+                <a:gd name="connsiteX3" fmla="*/ 0 w 672951"/>
+                <a:gd name="connsiteY3" fmla="*/ 193045 h 193045"/>
+                <a:gd name="connsiteX4" fmla="*/ 0 w 672951"/>
+                <a:gd name="connsiteY4" fmla="*/ 0 h 193045"/>
+                <a:gd name="connsiteX0" fmla="*/ 0 w 672951"/>
+                <a:gd name="connsiteY0" fmla="*/ 0 h 193045"/>
+                <a:gd name="connsiteX1" fmla="*/ 629045 w 672951"/>
+                <a:gd name="connsiteY1" fmla="*/ 402 h 193045"/>
+                <a:gd name="connsiteX2" fmla="*/ 672951 w 672951"/>
+                <a:gd name="connsiteY2" fmla="*/ 193045 h 193045"/>
+                <a:gd name="connsiteX3" fmla="*/ 0 w 672951"/>
+                <a:gd name="connsiteY3" fmla="*/ 193045 h 193045"/>
+                <a:gd name="connsiteX4" fmla="*/ 0 w 672951"/>
+                <a:gd name="connsiteY4" fmla="*/ 0 h 193045"/>
+                <a:gd name="connsiteX0" fmla="*/ 0 w 629045"/>
+                <a:gd name="connsiteY0" fmla="*/ 0 h 193045"/>
+                <a:gd name="connsiteX1" fmla="*/ 629045 w 629045"/>
+                <a:gd name="connsiteY1" fmla="*/ 402 h 193045"/>
+                <a:gd name="connsiteX2" fmla="*/ 416461 w 629045"/>
+                <a:gd name="connsiteY2" fmla="*/ 192553 h 193045"/>
+                <a:gd name="connsiteX3" fmla="*/ 0 w 629045"/>
+                <a:gd name="connsiteY3" fmla="*/ 193045 h 193045"/>
+                <a:gd name="connsiteX4" fmla="*/ 0 w 629045"/>
+                <a:gd name="connsiteY4" fmla="*/ 0 h 193045"/>
+                <a:gd name="connsiteX0" fmla="*/ 0 w 637559"/>
+                <a:gd name="connsiteY0" fmla="*/ 709 h 193754"/>
+                <a:gd name="connsiteX1" fmla="*/ 637559 w 637559"/>
+                <a:gd name="connsiteY1" fmla="*/ 0 h 193754"/>
+                <a:gd name="connsiteX2" fmla="*/ 416461 w 637559"/>
+                <a:gd name="connsiteY2" fmla="*/ 193262 h 193754"/>
+                <a:gd name="connsiteX3" fmla="*/ 0 w 637559"/>
+                <a:gd name="connsiteY3" fmla="*/ 193754 h 193754"/>
+                <a:gd name="connsiteX4" fmla="*/ 0 w 637559"/>
+                <a:gd name="connsiteY4" fmla="*/ 709 h 193754"/>
+                <a:gd name="connsiteX0" fmla="*/ 0 w 824232"/>
+                <a:gd name="connsiteY0" fmla="*/ 0 h 194435"/>
+                <a:gd name="connsiteX1" fmla="*/ 824232 w 824232"/>
+                <a:gd name="connsiteY1" fmla="*/ 681 h 194435"/>
+                <a:gd name="connsiteX2" fmla="*/ 603134 w 824232"/>
+                <a:gd name="connsiteY2" fmla="*/ 193943 h 194435"/>
+                <a:gd name="connsiteX3" fmla="*/ 186673 w 824232"/>
+                <a:gd name="connsiteY3" fmla="*/ 194435 h 194435"/>
+                <a:gd name="connsiteX4" fmla="*/ 0 w 824232"/>
+                <a:gd name="connsiteY4" fmla="*/ 0 h 194435"/>
+                <a:gd name="connsiteX0" fmla="*/ 0 w 806312"/>
+                <a:gd name="connsiteY0" fmla="*/ 534 h 193754"/>
+                <a:gd name="connsiteX1" fmla="*/ 806312 w 806312"/>
+                <a:gd name="connsiteY1" fmla="*/ 0 h 193754"/>
+                <a:gd name="connsiteX2" fmla="*/ 585214 w 806312"/>
+                <a:gd name="connsiteY2" fmla="*/ 193262 h 193754"/>
+                <a:gd name="connsiteX3" fmla="*/ 168753 w 806312"/>
+                <a:gd name="connsiteY3" fmla="*/ 193754 h 193754"/>
+                <a:gd name="connsiteX4" fmla="*/ 0 w 806312"/>
+                <a:gd name="connsiteY4" fmla="*/ 534 h 193754"/>
+                <a:gd name="connsiteX0" fmla="*/ 0 w 806312"/>
+                <a:gd name="connsiteY0" fmla="*/ 534 h 194803"/>
+                <a:gd name="connsiteX1" fmla="*/ 806312 w 806312"/>
+                <a:gd name="connsiteY1" fmla="*/ 0 h 194803"/>
+                <a:gd name="connsiteX2" fmla="*/ 553548 w 806312"/>
+                <a:gd name="connsiteY2" fmla="*/ 194803 h 194803"/>
+                <a:gd name="connsiteX3" fmla="*/ 168753 w 806312"/>
+                <a:gd name="connsiteY3" fmla="*/ 193754 h 194803"/>
+                <a:gd name="connsiteX4" fmla="*/ 0 w 806312"/>
+                <a:gd name="connsiteY4" fmla="*/ 534 h 194803"/>
+                <a:gd name="connsiteX0" fmla="*/ 0 w 806312"/>
+                <a:gd name="connsiteY0" fmla="*/ 534 h 193754"/>
+                <a:gd name="connsiteX1" fmla="*/ 806312 w 806312"/>
+                <a:gd name="connsiteY1" fmla="*/ 0 h 193754"/>
+                <a:gd name="connsiteX2" fmla="*/ 551719 w 806312"/>
+                <a:gd name="connsiteY2" fmla="*/ 193009 h 193754"/>
+                <a:gd name="connsiteX3" fmla="*/ 168753 w 806312"/>
+                <a:gd name="connsiteY3" fmla="*/ 193754 h 193754"/>
+                <a:gd name="connsiteX4" fmla="*/ 0 w 806312"/>
+                <a:gd name="connsiteY4" fmla="*/ 534 h 193754"/>
+                <a:gd name="connsiteX0" fmla="*/ 0 w 806312"/>
+                <a:gd name="connsiteY0" fmla="*/ 534 h 195803"/>
+                <a:gd name="connsiteX1" fmla="*/ 806312 w 806312"/>
+                <a:gd name="connsiteY1" fmla="*/ 0 h 195803"/>
+                <a:gd name="connsiteX2" fmla="*/ 551719 w 806312"/>
+                <a:gd name="connsiteY2" fmla="*/ 193009 h 195803"/>
+                <a:gd name="connsiteX3" fmla="*/ 204081 w 806312"/>
+                <a:gd name="connsiteY3" fmla="*/ 195803 h 195803"/>
+                <a:gd name="connsiteX4" fmla="*/ 0 w 806312"/>
+                <a:gd name="connsiteY4" fmla="*/ 534 h 195803"/>
+                <a:gd name="connsiteX0" fmla="*/ 0 w 843224"/>
+                <a:gd name="connsiteY0" fmla="*/ 280 h 195549"/>
+                <a:gd name="connsiteX1" fmla="*/ 843225 w 843224"/>
+                <a:gd name="connsiteY1" fmla="*/ 0 h 195549"/>
+                <a:gd name="connsiteX2" fmla="*/ 551719 w 843224"/>
+                <a:gd name="connsiteY2" fmla="*/ 192755 h 195549"/>
+                <a:gd name="connsiteX3" fmla="*/ 204081 w 843224"/>
+                <a:gd name="connsiteY3" fmla="*/ 195549 h 195549"/>
+                <a:gd name="connsiteX4" fmla="*/ 0 w 843224"/>
+                <a:gd name="connsiteY4" fmla="*/ 280 h 195549"/>
+                <a:gd name="connsiteX0" fmla="*/ 1 w 858512"/>
+                <a:gd name="connsiteY0" fmla="*/ 1163 h 195549"/>
+                <a:gd name="connsiteX1" fmla="*/ 858512 w 858512"/>
+                <a:gd name="connsiteY1" fmla="*/ 0 h 195549"/>
+                <a:gd name="connsiteX2" fmla="*/ 567006 w 858512"/>
+                <a:gd name="connsiteY2" fmla="*/ 192755 h 195549"/>
+                <a:gd name="connsiteX3" fmla="*/ 219368 w 858512"/>
+                <a:gd name="connsiteY3" fmla="*/ 195549 h 195549"/>
+                <a:gd name="connsiteX4" fmla="*/ 1 w 858512"/>
+                <a:gd name="connsiteY4" fmla="*/ 1163 h 195549"/>
+                <a:gd name="connsiteX0" fmla="*/ 0 w 858511"/>
+                <a:gd name="connsiteY0" fmla="*/ 1163 h 193674"/>
+                <a:gd name="connsiteX1" fmla="*/ 858511 w 858511"/>
+                <a:gd name="connsiteY1" fmla="*/ 0 h 193674"/>
+                <a:gd name="connsiteX2" fmla="*/ 567005 w 858511"/>
+                <a:gd name="connsiteY2" fmla="*/ 192755 h 193674"/>
+                <a:gd name="connsiteX3" fmla="*/ 119587 w 858511"/>
+                <a:gd name="connsiteY3" fmla="*/ 193674 h 193674"/>
+                <a:gd name="connsiteX4" fmla="*/ 0 w 858511"/>
+                <a:gd name="connsiteY4" fmla="*/ 1163 h 193674"/>
+              </a:gdLst>
+              <a:ahLst/>
+              <a:cxnLst>
+                <a:cxn ang="0">
+                  <a:pos x="connsiteX0" y="connsiteY0"/>
+                </a:cxn>
+                <a:cxn ang="0">
+                  <a:pos x="connsiteX1" y="connsiteY1"/>
+                </a:cxn>
+                <a:cxn ang="0">
+                  <a:pos x="connsiteX2" y="connsiteY2"/>
+                </a:cxn>
+                <a:cxn ang="0">
+                  <a:pos x="connsiteX3" y="connsiteY3"/>
+                </a:cxn>
+                <a:cxn ang="0">
+                  <a:pos x="connsiteX4" y="connsiteY4"/>
+                </a:cxn>
+              </a:cxnLst>
+              <a:rect l="l" t="t" r="r" b="b"/>
+              <a:pathLst>
+                <a:path w="858511" h="193674">
+                  <a:moveTo>
+                    <a:pt x="0" y="1163"/>
+                  </a:moveTo>
+                  <a:lnTo>
+                    <a:pt x="858511" y="0"/>
+                  </a:lnTo>
+                  <a:lnTo>
+                    <a:pt x="567005" y="192755"/>
+                  </a:lnTo>
+                  <a:lnTo>
+                    <a:pt x="119587" y="193674"/>
+                  </a:lnTo>
+                  <a:lnTo>
+                    <a:pt x="0" y="1163"/>
+                  </a:lnTo>
+                  <a:close/>
+                </a:path>
+              </a:pathLst>
+            </a:custGeom>
+            <a:solidFill>
+              <a:srgbClr val="CBCBCB"/>
+            </a:solidFill>
+            <a:ln>
+              <a:noFill/>
+            </a:ln>
+          </p:spPr>
+          <p:style>
+            <a:lnRef idx="2">
+              <a:schemeClr val="accent1">
+                <a:shade val="15000"/>
+              </a:schemeClr>
+            </a:lnRef>
+            <a:fillRef idx="1">
+              <a:schemeClr val="accent1"/>
+            </a:fillRef>
+            <a:effectRef idx="0">
+              <a:schemeClr val="accent1"/>
+            </a:effectRef>
+            <a:fontRef idx="minor">
+              <a:schemeClr val="lt1"/>
+            </a:fontRef>
+          </p:style>
+          <p:txBody>
+            <a:bodyPr rtlCol="0" anchor="ctr"/>
+            <a:lstStyle/>
+            <a:p>
+              <a:pPr algn="ctr"/>
+              <a:endParaRPr lang="en-US"/>
+            </a:p>
+          </p:txBody>
+        </p:sp>
+        <p:sp>
+          <p:nvSpPr>
+            <p:cNvPr id="5" name="Arrow: Right 148">
+              <a:extLst>
+                <a:ext uri="{FF2B5EF4-FFF2-40B4-BE49-F238E27FC236}">
+                  <a16:creationId xmlns:a16="http://schemas.microsoft.com/office/drawing/2014/main" id="{1D24CFE5-D14D-34D8-1EB6-E533DD9C3486}"/>
+                </a:ext>
+              </a:extLst>
+            </p:cNvPr>
+            <p:cNvSpPr/>
+            <p:nvPr/>
+          </p:nvSpPr>
+          <p:spPr>
+            <a:xfrm rot="2467564">
+              <a:off x="1525932" y="830328"/>
+              <a:ext cx="476149" cy="386089"/>
+            </a:xfrm>
+            <a:custGeom>
+              <a:avLst/>
+              <a:gdLst>
+                <a:gd name="connsiteX0" fmla="*/ 0 w 865995"/>
+                <a:gd name="connsiteY0" fmla="*/ 96522 h 386089"/>
+                <a:gd name="connsiteX1" fmla="*/ 672951 w 865995"/>
+                <a:gd name="connsiteY1" fmla="*/ 96522 h 386089"/>
+                <a:gd name="connsiteX2" fmla="*/ 672951 w 865995"/>
+                <a:gd name="connsiteY2" fmla="*/ 0 h 386089"/>
+                <a:gd name="connsiteX3" fmla="*/ 865995 w 865995"/>
+                <a:gd name="connsiteY3" fmla="*/ 193045 h 386089"/>
+                <a:gd name="connsiteX4" fmla="*/ 672951 w 865995"/>
+                <a:gd name="connsiteY4" fmla="*/ 386089 h 386089"/>
+                <a:gd name="connsiteX5" fmla="*/ 672951 w 865995"/>
+                <a:gd name="connsiteY5" fmla="*/ 289567 h 386089"/>
+                <a:gd name="connsiteX6" fmla="*/ 0 w 865995"/>
+                <a:gd name="connsiteY6" fmla="*/ 289567 h 386089"/>
+                <a:gd name="connsiteX7" fmla="*/ 0 w 865995"/>
+                <a:gd name="connsiteY7" fmla="*/ 96522 h 386089"/>
+                <a:gd name="connsiteX0" fmla="*/ 370651 w 865995"/>
+                <a:gd name="connsiteY0" fmla="*/ 105869 h 386089"/>
+                <a:gd name="connsiteX1" fmla="*/ 672951 w 865995"/>
+                <a:gd name="connsiteY1" fmla="*/ 96522 h 386089"/>
+                <a:gd name="connsiteX2" fmla="*/ 672951 w 865995"/>
+                <a:gd name="connsiteY2" fmla="*/ 0 h 386089"/>
+                <a:gd name="connsiteX3" fmla="*/ 865995 w 865995"/>
+                <a:gd name="connsiteY3" fmla="*/ 193045 h 386089"/>
+                <a:gd name="connsiteX4" fmla="*/ 672951 w 865995"/>
+                <a:gd name="connsiteY4" fmla="*/ 386089 h 386089"/>
+                <a:gd name="connsiteX5" fmla="*/ 672951 w 865995"/>
+                <a:gd name="connsiteY5" fmla="*/ 289567 h 386089"/>
+                <a:gd name="connsiteX6" fmla="*/ 0 w 865995"/>
+                <a:gd name="connsiteY6" fmla="*/ 289567 h 386089"/>
+                <a:gd name="connsiteX7" fmla="*/ 370651 w 865995"/>
+                <a:gd name="connsiteY7" fmla="*/ 105869 h 386089"/>
+                <a:gd name="connsiteX0" fmla="*/ 219817 w 715161"/>
+                <a:gd name="connsiteY0" fmla="*/ 105869 h 386089"/>
+                <a:gd name="connsiteX1" fmla="*/ 522117 w 715161"/>
+                <a:gd name="connsiteY1" fmla="*/ 96522 h 386089"/>
+                <a:gd name="connsiteX2" fmla="*/ 522117 w 715161"/>
+                <a:gd name="connsiteY2" fmla="*/ 0 h 386089"/>
+                <a:gd name="connsiteX3" fmla="*/ 715161 w 715161"/>
+                <a:gd name="connsiteY3" fmla="*/ 193045 h 386089"/>
+                <a:gd name="connsiteX4" fmla="*/ 522117 w 715161"/>
+                <a:gd name="connsiteY4" fmla="*/ 386089 h 386089"/>
+                <a:gd name="connsiteX5" fmla="*/ 522117 w 715161"/>
+                <a:gd name="connsiteY5" fmla="*/ 289567 h 386089"/>
+                <a:gd name="connsiteX6" fmla="*/ 0 w 715161"/>
+                <a:gd name="connsiteY6" fmla="*/ 288530 h 386089"/>
+                <a:gd name="connsiteX7" fmla="*/ 219817 w 715161"/>
+                <a:gd name="connsiteY7" fmla="*/ 105869 h 386089"/>
+                <a:gd name="connsiteX0" fmla="*/ 201594 w 696938"/>
+                <a:gd name="connsiteY0" fmla="*/ 105869 h 386089"/>
+                <a:gd name="connsiteX1" fmla="*/ 503894 w 696938"/>
+                <a:gd name="connsiteY1" fmla="*/ 96522 h 386089"/>
+                <a:gd name="connsiteX2" fmla="*/ 503894 w 696938"/>
+                <a:gd name="connsiteY2" fmla="*/ 0 h 386089"/>
+                <a:gd name="connsiteX3" fmla="*/ 696938 w 696938"/>
+                <a:gd name="connsiteY3" fmla="*/ 193045 h 386089"/>
+                <a:gd name="connsiteX4" fmla="*/ 503894 w 696938"/>
+                <a:gd name="connsiteY4" fmla="*/ 386089 h 386089"/>
+                <a:gd name="connsiteX5" fmla="*/ 503894 w 696938"/>
+                <a:gd name="connsiteY5" fmla="*/ 289567 h 386089"/>
+                <a:gd name="connsiteX6" fmla="*/ 0 w 696938"/>
+                <a:gd name="connsiteY6" fmla="*/ 285264 h 386089"/>
+                <a:gd name="connsiteX7" fmla="*/ 201594 w 696938"/>
+                <a:gd name="connsiteY7" fmla="*/ 105869 h 386089"/>
+                <a:gd name="connsiteX0" fmla="*/ 196204 w 691548"/>
+                <a:gd name="connsiteY0" fmla="*/ 105869 h 386089"/>
+                <a:gd name="connsiteX1" fmla="*/ 498504 w 691548"/>
+                <a:gd name="connsiteY1" fmla="*/ 96522 h 386089"/>
+                <a:gd name="connsiteX2" fmla="*/ 498504 w 691548"/>
+                <a:gd name="connsiteY2" fmla="*/ 0 h 386089"/>
+                <a:gd name="connsiteX3" fmla="*/ 691548 w 691548"/>
+                <a:gd name="connsiteY3" fmla="*/ 193045 h 386089"/>
+                <a:gd name="connsiteX4" fmla="*/ 498504 w 691548"/>
+                <a:gd name="connsiteY4" fmla="*/ 386089 h 386089"/>
+                <a:gd name="connsiteX5" fmla="*/ 498504 w 691548"/>
+                <a:gd name="connsiteY5" fmla="*/ 289567 h 386089"/>
+                <a:gd name="connsiteX6" fmla="*/ 0 w 691548"/>
+                <a:gd name="connsiteY6" fmla="*/ 272128 h 386089"/>
+                <a:gd name="connsiteX7" fmla="*/ 196204 w 691548"/>
+                <a:gd name="connsiteY7" fmla="*/ 105869 h 386089"/>
+                <a:gd name="connsiteX0" fmla="*/ 223841 w 691548"/>
+                <a:gd name="connsiteY0" fmla="*/ 104102 h 386089"/>
+                <a:gd name="connsiteX1" fmla="*/ 498504 w 691548"/>
+                <a:gd name="connsiteY1" fmla="*/ 96522 h 386089"/>
+                <a:gd name="connsiteX2" fmla="*/ 498504 w 691548"/>
+                <a:gd name="connsiteY2" fmla="*/ 0 h 386089"/>
+                <a:gd name="connsiteX3" fmla="*/ 691548 w 691548"/>
+                <a:gd name="connsiteY3" fmla="*/ 193045 h 386089"/>
+                <a:gd name="connsiteX4" fmla="*/ 498504 w 691548"/>
+                <a:gd name="connsiteY4" fmla="*/ 386089 h 386089"/>
+                <a:gd name="connsiteX5" fmla="*/ 498504 w 691548"/>
+                <a:gd name="connsiteY5" fmla="*/ 289567 h 386089"/>
+                <a:gd name="connsiteX6" fmla="*/ 0 w 691548"/>
+                <a:gd name="connsiteY6" fmla="*/ 272128 h 386089"/>
+                <a:gd name="connsiteX7" fmla="*/ 223841 w 691548"/>
+                <a:gd name="connsiteY7" fmla="*/ 104102 h 386089"/>
+                <a:gd name="connsiteX0" fmla="*/ 285335 w 691548"/>
+                <a:gd name="connsiteY0" fmla="*/ 101906 h 386089"/>
+                <a:gd name="connsiteX1" fmla="*/ 498504 w 691548"/>
+                <a:gd name="connsiteY1" fmla="*/ 96522 h 386089"/>
+                <a:gd name="connsiteX2" fmla="*/ 498504 w 691548"/>
+                <a:gd name="connsiteY2" fmla="*/ 0 h 386089"/>
+                <a:gd name="connsiteX3" fmla="*/ 691548 w 691548"/>
+                <a:gd name="connsiteY3" fmla="*/ 193045 h 386089"/>
+                <a:gd name="connsiteX4" fmla="*/ 498504 w 691548"/>
+                <a:gd name="connsiteY4" fmla="*/ 386089 h 386089"/>
+                <a:gd name="connsiteX5" fmla="*/ 498504 w 691548"/>
+                <a:gd name="connsiteY5" fmla="*/ 289567 h 386089"/>
+                <a:gd name="connsiteX6" fmla="*/ 0 w 691548"/>
+                <a:gd name="connsiteY6" fmla="*/ 272128 h 386089"/>
+                <a:gd name="connsiteX7" fmla="*/ 285335 w 691548"/>
+                <a:gd name="connsiteY7" fmla="*/ 101906 h 386089"/>
+              </a:gdLst>
+              <a:ahLst/>
+              <a:cxnLst>
+                <a:cxn ang="0">
+                  <a:pos x="connsiteX0" y="connsiteY0"/>
+                </a:cxn>
+                <a:cxn ang="0">
+                  <a:pos x="connsiteX1" y="connsiteY1"/>
+                </a:cxn>
+                <a:cxn ang="0">
+                  <a:pos x="connsiteX2" y="connsiteY2"/>
+                </a:cxn>
+                <a:cxn ang="0">
+                  <a:pos x="connsiteX3" y="connsiteY3"/>
+                </a:cxn>
+                <a:cxn ang="0">
+                  <a:pos x="connsiteX4" y="connsiteY4"/>
+                </a:cxn>
+                <a:cxn ang="0">
+                  <a:pos x="connsiteX5" y="connsiteY5"/>
+                </a:cxn>
+                <a:cxn ang="0">
+                  <a:pos x="connsiteX6" y="connsiteY6"/>
+                </a:cxn>
+                <a:cxn ang="0">
+                  <a:pos x="connsiteX7" y="connsiteY7"/>
+                </a:cxn>
+              </a:cxnLst>
+              <a:rect l="l" t="t" r="r" b="b"/>
+              <a:pathLst>
+                <a:path w="691548" h="386089">
+                  <a:moveTo>
+                    <a:pt x="285335" y="101906"/>
+                  </a:moveTo>
+                  <a:lnTo>
+                    <a:pt x="498504" y="96522"/>
+                  </a:lnTo>
+                  <a:lnTo>
+                    <a:pt x="498504" y="0"/>
+                  </a:lnTo>
+                  <a:lnTo>
+                    <a:pt x="691548" y="193045"/>
+                  </a:lnTo>
+                  <a:lnTo>
+                    <a:pt x="498504" y="386089"/>
+                  </a:lnTo>
+                  <a:lnTo>
+                    <a:pt x="498504" y="289567"/>
+                  </a:lnTo>
+                  <a:lnTo>
+                    <a:pt x="0" y="272128"/>
+                  </a:lnTo>
+                  <a:lnTo>
+                    <a:pt x="285335" y="101906"/>
+                  </a:lnTo>
+                  <a:close/>
+                </a:path>
+              </a:pathLst>
+            </a:custGeom>
+            <a:solidFill>
+              <a:srgbClr val="CBCBCB"/>
+            </a:solidFill>
+            <a:ln>
+              <a:noFill/>
+            </a:ln>
+          </p:spPr>
+          <p:style>
+            <a:lnRef idx="2">
+              <a:schemeClr val="accent1">
+                <a:shade val="15000"/>
+              </a:schemeClr>
+            </a:lnRef>
+            <a:fillRef idx="1">
+              <a:schemeClr val="accent1"/>
+            </a:fillRef>
+            <a:effectRef idx="0">
+              <a:schemeClr val="accent1"/>
+            </a:effectRef>
+            <a:fontRef idx="minor">
+              <a:schemeClr val="lt1"/>
+            </a:fontRef>
+          </p:style>
+          <p:txBody>
+            <a:bodyPr rtlCol="0" anchor="ctr"/>
+            <a:lstStyle/>
+            <a:p>
+              <a:pPr algn="ctr"/>
+              <a:endParaRPr lang="en-US"/>
+            </a:p>
+          </p:txBody>
+        </p:sp>
+        <p:sp>
+          <p:nvSpPr>
+            <p:cNvPr id="6" name="Arrow: Right 5">
+              <a:extLst>
+                <a:ext uri="{FF2B5EF4-FFF2-40B4-BE49-F238E27FC236}">
+                  <a16:creationId xmlns:a16="http://schemas.microsoft.com/office/drawing/2014/main" id="{D47D99AF-80EC-8587-B272-002CC8C90161}"/>
+                </a:ext>
+              </a:extLst>
+            </p:cNvPr>
+            <p:cNvSpPr/>
+            <p:nvPr/>
+          </p:nvSpPr>
+          <p:spPr>
+            <a:xfrm rot="5400000">
+              <a:off x="840408" y="1446168"/>
+              <a:ext cx="125415" cy="386089"/>
+            </a:xfrm>
+            <a:prstGeom prst="rightArrow">
+              <a:avLst/>
+            </a:prstGeom>
+            <a:solidFill>
+              <a:srgbClr val="CBCBCB"/>
+            </a:solidFill>
+            <a:ln>
+              <a:noFill/>
+            </a:ln>
+          </p:spPr>
+          <p:style>
+            <a:lnRef idx="2">
+              <a:schemeClr val="accent1">
+                <a:shade val="15000"/>
+              </a:schemeClr>
+            </a:lnRef>
+            <a:fillRef idx="1">
+              <a:schemeClr val="accent1"/>
+            </a:fillRef>
+            <a:effectRef idx="0">
+              <a:schemeClr val="accent1"/>
+            </a:effectRef>
+            <a:fontRef idx="minor">
+              <a:schemeClr val="lt1"/>
+            </a:fontRef>
+          </p:style>
+          <p:txBody>
+            <a:bodyPr rtlCol="0" anchor="ctr"/>
+            <a:lstStyle/>
+            <a:p>
+              <a:pPr algn="ctr"/>
+              <a:endParaRPr lang="en-US"/>
+            </a:p>
+          </p:txBody>
+        </p:sp>
+        <p:grpSp>
+          <p:nvGrpSpPr>
+            <p:cNvPr id="7" name="Group 6">
+              <a:extLst>
+                <a:ext uri="{FF2B5EF4-FFF2-40B4-BE49-F238E27FC236}">
+                  <a16:creationId xmlns:a16="http://schemas.microsoft.com/office/drawing/2014/main" id="{8EB8894A-0EC9-50BA-A377-DBB18E07BD87}"/>
+                </a:ext>
+              </a:extLst>
+            </p:cNvPr>
+            <p:cNvGrpSpPr/>
+            <p:nvPr/>
+          </p:nvGrpSpPr>
+          <p:grpSpPr>
+            <a:xfrm>
+              <a:off x="145707" y="1023264"/>
+              <a:ext cx="1514816" cy="338554"/>
+              <a:chOff x="-48752" y="735655"/>
+              <a:chExt cx="2178750" cy="338554"/>
+            </a:xfrm>
+          </p:grpSpPr>
+          <p:sp>
+            <p:nvSpPr>
+              <p:cNvPr id="60" name="Rectangle 59">
+                <a:extLst>
+                  <a:ext uri="{FF2B5EF4-FFF2-40B4-BE49-F238E27FC236}">
+                    <a16:creationId xmlns:a16="http://schemas.microsoft.com/office/drawing/2014/main" id="{E53F54CB-A8C9-30E5-45B2-772F47320DF8}"/>
+                  </a:ext>
+                </a:extLst>
+              </p:cNvPr>
+              <p:cNvSpPr/>
+              <p:nvPr/>
+            </p:nvSpPr>
+            <p:spPr>
+              <a:xfrm>
+                <a:off x="113942" y="750352"/>
+                <a:ext cx="1898099" cy="303564"/>
+              </a:xfrm>
+              <a:prstGeom prst="rect">
+                <a:avLst/>
+              </a:prstGeom>
+              <a:solidFill>
+                <a:schemeClr val="bg1"/>
+              </a:solidFill>
+              <a:ln>
+                <a:solidFill>
+                  <a:schemeClr val="tx1"/>
+                </a:solidFill>
+              </a:ln>
+            </p:spPr>
+            <p:style>
+              <a:lnRef idx="2">
+                <a:schemeClr val="accent1">
+                  <a:shade val="15000"/>
+                </a:schemeClr>
+              </a:lnRef>
+              <a:fillRef idx="1">
+                <a:schemeClr val="accent1"/>
+              </a:fillRef>
+              <a:effectRef idx="0">
+                <a:schemeClr val="accent1"/>
+              </a:effectRef>
+              <a:fontRef idx="minor">
+                <a:schemeClr val="lt1"/>
+              </a:fontRef>
+            </p:style>
+            <p:txBody>
+              <a:bodyPr rtlCol="0" anchor="ctr"/>
+              <a:lstStyle/>
+              <a:p>
+                <a:pPr algn="ctr"/>
+                <a:endParaRPr lang="en-US" sz="1600">
+                  <a:solidFill>
+                    <a:schemeClr val="tx1"/>
+                  </a:solidFill>
+                </a:endParaRPr>
+              </a:p>
+            </p:txBody>
+          </p:sp>
+          <p:sp>
+            <p:nvSpPr>
+              <p:cNvPr id="61" name="TextBox 60">
+                <a:extLst>
+                  <a:ext uri="{FF2B5EF4-FFF2-40B4-BE49-F238E27FC236}">
+                    <a16:creationId xmlns:a16="http://schemas.microsoft.com/office/drawing/2014/main" id="{CC394AED-C5ED-37F2-619F-3A8809B8B1A8}"/>
+                  </a:ext>
+                </a:extLst>
+              </p:cNvPr>
+              <p:cNvSpPr txBox="1"/>
+              <p:nvPr/>
+            </p:nvSpPr>
+            <p:spPr>
+              <a:xfrm>
+                <a:off x="-48752" y="735655"/>
+                <a:ext cx="2178750" cy="338554"/>
+              </a:xfrm>
+              <a:prstGeom prst="rect">
+                <a:avLst/>
+              </a:prstGeom>
+              <a:noFill/>
+            </p:spPr>
+            <p:txBody>
+              <a:bodyPr wrap="square" rtlCol="0">
+                <a:spAutoFit/>
+              </a:bodyPr>
+              <a:lstStyle/>
+              <a:p>
+                <a:pPr algn="ctr"/>
+                <a:r>
+                  <a:rPr lang="en-US" sz="1600" b="1" dirty="0"/>
+                  <a:t>Normalization</a:t>
+                </a:r>
+              </a:p>
+            </p:txBody>
+          </p:sp>
+        </p:grpSp>
+        <p:grpSp>
+          <p:nvGrpSpPr>
+            <p:cNvPr id="8" name="Group 7">
+              <a:extLst>
+                <a:ext uri="{FF2B5EF4-FFF2-40B4-BE49-F238E27FC236}">
+                  <a16:creationId xmlns:a16="http://schemas.microsoft.com/office/drawing/2014/main" id="{91C82A7A-4D68-0201-6472-CCFDADD054F2}"/>
+                </a:ext>
+              </a:extLst>
+            </p:cNvPr>
+            <p:cNvGrpSpPr/>
+            <p:nvPr/>
+          </p:nvGrpSpPr>
+          <p:grpSpPr>
+            <a:xfrm>
+              <a:off x="5907" y="2432524"/>
+              <a:ext cx="1782247" cy="830997"/>
+              <a:chOff x="27906" y="5317845"/>
+              <a:chExt cx="2185416" cy="830997"/>
+            </a:xfrm>
+          </p:grpSpPr>
+          <p:sp>
+            <p:nvSpPr>
+              <p:cNvPr id="58" name="Rectangle 57">
+                <a:extLst>
+                  <a:ext uri="{FF2B5EF4-FFF2-40B4-BE49-F238E27FC236}">
+                    <a16:creationId xmlns:a16="http://schemas.microsoft.com/office/drawing/2014/main" id="{A087C29A-2FC8-C06D-7ADE-4B0CE3120364}"/>
+                  </a:ext>
+                </a:extLst>
+              </p:cNvPr>
+              <p:cNvSpPr/>
+              <p:nvPr/>
+            </p:nvSpPr>
+            <p:spPr>
+              <a:xfrm>
+                <a:off x="292267" y="5372080"/>
+                <a:ext cx="1658952" cy="729608"/>
+              </a:xfrm>
+              <a:prstGeom prst="rect">
+                <a:avLst/>
+              </a:prstGeom>
+              <a:solidFill>
+                <a:schemeClr val="bg1"/>
+              </a:solidFill>
+              <a:ln>
+                <a:solidFill>
+                  <a:schemeClr val="tx1"/>
+                </a:solidFill>
+              </a:ln>
+            </p:spPr>
+            <p:style>
+              <a:lnRef idx="2">
+                <a:schemeClr val="accent1">
+                  <a:shade val="15000"/>
+                </a:schemeClr>
+              </a:lnRef>
+              <a:fillRef idx="1">
+                <a:schemeClr val="accent1"/>
+              </a:fillRef>
+              <a:effectRef idx="0">
+                <a:schemeClr val="accent1"/>
+              </a:effectRef>
+              <a:fontRef idx="minor">
+                <a:schemeClr val="lt1"/>
+              </a:fontRef>
+            </p:style>
+            <p:txBody>
+              <a:bodyPr rtlCol="0" anchor="ctr"/>
+              <a:lstStyle/>
+              <a:p>
+                <a:pPr algn="ctr"/>
+                <a:endParaRPr lang="en-US">
+                  <a:solidFill>
+                    <a:schemeClr val="tx1"/>
+                  </a:solidFill>
+                </a:endParaRPr>
+              </a:p>
+            </p:txBody>
+          </p:sp>
+          <p:sp>
+            <p:nvSpPr>
+              <p:cNvPr id="59" name="TextBox 58">
+                <a:extLst>
+                  <a:ext uri="{FF2B5EF4-FFF2-40B4-BE49-F238E27FC236}">
+                    <a16:creationId xmlns:a16="http://schemas.microsoft.com/office/drawing/2014/main" id="{5968FF30-1C14-A126-682D-56F779A483B3}"/>
+                  </a:ext>
+                </a:extLst>
+              </p:cNvPr>
+              <p:cNvSpPr txBox="1"/>
+              <p:nvPr/>
+            </p:nvSpPr>
+            <p:spPr>
+              <a:xfrm>
+                <a:off x="27906" y="5317845"/>
+                <a:ext cx="2185416" cy="830997"/>
+              </a:xfrm>
+              <a:prstGeom prst="rect">
+                <a:avLst/>
+              </a:prstGeom>
+              <a:noFill/>
+            </p:spPr>
+            <p:txBody>
+              <a:bodyPr wrap="square" rtlCol="0">
+                <a:spAutoFit/>
+              </a:bodyPr>
+              <a:lstStyle/>
+              <a:p>
+                <a:pPr algn="ctr"/>
+                <a:r>
+                  <a:rPr lang="en-US" sz="1600" b="1" dirty="0"/>
+                  <a:t>Nonlinear Dimensional </a:t>
+                </a:r>
+              </a:p>
+              <a:p>
+                <a:pPr algn="ctr"/>
+                <a:r>
+                  <a:rPr lang="en-US" sz="1600" b="1" dirty="0"/>
+                  <a:t>Reduction </a:t>
+                </a:r>
+              </a:p>
+            </p:txBody>
+          </p:sp>
+        </p:grpSp>
+        <p:grpSp>
+          <p:nvGrpSpPr>
+            <p:cNvPr id="9" name="Group 8">
+              <a:extLst>
+                <a:ext uri="{FF2B5EF4-FFF2-40B4-BE49-F238E27FC236}">
+                  <a16:creationId xmlns:a16="http://schemas.microsoft.com/office/drawing/2014/main" id="{F40BA8D6-7389-B288-E723-C64341CFFEA2}"/>
+                </a:ext>
+              </a:extLst>
+            </p:cNvPr>
+            <p:cNvGrpSpPr/>
+            <p:nvPr/>
+          </p:nvGrpSpPr>
+          <p:grpSpPr>
+            <a:xfrm>
+              <a:off x="150425" y="3743219"/>
+              <a:ext cx="1505381" cy="715826"/>
+              <a:chOff x="76686" y="6031474"/>
+              <a:chExt cx="2316208" cy="715826"/>
+            </a:xfrm>
+          </p:grpSpPr>
+          <p:sp>
+            <p:nvSpPr>
+              <p:cNvPr id="56" name="Rectangle 55">
+                <a:extLst>
+                  <a:ext uri="{FF2B5EF4-FFF2-40B4-BE49-F238E27FC236}">
+                    <a16:creationId xmlns:a16="http://schemas.microsoft.com/office/drawing/2014/main" id="{147FD8CE-9FBB-72DC-C45C-126729A1CEBD}"/>
+                  </a:ext>
+                </a:extLst>
+              </p:cNvPr>
+              <p:cNvSpPr/>
+              <p:nvPr/>
+            </p:nvSpPr>
+            <p:spPr>
+              <a:xfrm>
+                <a:off x="134321" y="6031474"/>
+                <a:ext cx="2258573" cy="715826"/>
+              </a:xfrm>
+              <a:prstGeom prst="rect">
+                <a:avLst/>
+              </a:prstGeom>
+              <a:solidFill>
+                <a:schemeClr val="bg1"/>
+              </a:solidFill>
+              <a:ln>
+                <a:solidFill>
+                  <a:schemeClr val="tx1"/>
+                </a:solidFill>
+              </a:ln>
+            </p:spPr>
+            <p:style>
+              <a:lnRef idx="2">
+                <a:schemeClr val="accent1">
+                  <a:shade val="15000"/>
+                </a:schemeClr>
+              </a:lnRef>
+              <a:fillRef idx="1">
+                <a:schemeClr val="accent1"/>
+              </a:fillRef>
+              <a:effectRef idx="0">
+                <a:schemeClr val="accent1"/>
+              </a:effectRef>
+              <a:fontRef idx="minor">
+                <a:schemeClr val="lt1"/>
+              </a:fontRef>
+            </p:style>
+            <p:txBody>
+              <a:bodyPr rtlCol="0" anchor="ctr"/>
+              <a:lstStyle/>
+              <a:p>
+                <a:pPr algn="ctr"/>
+                <a:endParaRPr lang="en-US">
+                  <a:solidFill>
+                    <a:schemeClr val="tx1"/>
+                  </a:solidFill>
+                </a:endParaRPr>
+              </a:p>
+            </p:txBody>
+          </p:sp>
+          <p:sp>
+            <p:nvSpPr>
+              <p:cNvPr id="57" name="TextBox 56">
+                <a:extLst>
+                  <a:ext uri="{FF2B5EF4-FFF2-40B4-BE49-F238E27FC236}">
+                    <a16:creationId xmlns:a16="http://schemas.microsoft.com/office/drawing/2014/main" id="{E7F5DDE2-B34E-3715-22A0-B41CBC470DE1}"/>
+                  </a:ext>
+                </a:extLst>
+              </p:cNvPr>
+              <p:cNvSpPr txBox="1"/>
+              <p:nvPr/>
+            </p:nvSpPr>
+            <p:spPr>
+              <a:xfrm>
+                <a:off x="76686" y="6104631"/>
+                <a:ext cx="2308029" cy="584775"/>
+              </a:xfrm>
+              <a:prstGeom prst="rect">
+                <a:avLst/>
+              </a:prstGeom>
+              <a:noFill/>
+            </p:spPr>
+            <p:txBody>
+              <a:bodyPr wrap="square" rtlCol="0">
+                <a:spAutoFit/>
+              </a:bodyPr>
+              <a:lstStyle/>
+              <a:p>
+                <a:pPr algn="ctr"/>
+                <a:r>
+                  <a:rPr lang="en-US" sz="1600" b="1" dirty="0"/>
+                  <a:t>Clustering &amp;</a:t>
+                </a:r>
+              </a:p>
+              <a:p>
+                <a:pPr algn="ctr"/>
+                <a:r>
+                  <a:rPr lang="en-US" sz="1600" b="1" dirty="0"/>
+                  <a:t>Partitioning </a:t>
+                </a:r>
+              </a:p>
+            </p:txBody>
+          </p:sp>
+        </p:grpSp>
+        <p:grpSp>
+          <p:nvGrpSpPr>
+            <p:cNvPr id="10" name="Group 9">
+              <a:extLst>
+                <a:ext uri="{FF2B5EF4-FFF2-40B4-BE49-F238E27FC236}">
+                  <a16:creationId xmlns:a16="http://schemas.microsoft.com/office/drawing/2014/main" id="{894052C6-F6F6-66E6-7BBE-725C01A02CCE}"/>
+                </a:ext>
+              </a:extLst>
+            </p:cNvPr>
+            <p:cNvGrpSpPr/>
+            <p:nvPr/>
+          </p:nvGrpSpPr>
+          <p:grpSpPr>
+            <a:xfrm>
+              <a:off x="197769" y="1709177"/>
+              <a:ext cx="1410693" cy="338554"/>
+              <a:chOff x="656178" y="1316220"/>
+              <a:chExt cx="1537719" cy="338554"/>
+            </a:xfrm>
+          </p:grpSpPr>
+          <p:sp>
+            <p:nvSpPr>
+              <p:cNvPr id="54" name="Rectangle 53">
+                <a:extLst>
+                  <a:ext uri="{FF2B5EF4-FFF2-40B4-BE49-F238E27FC236}">
+                    <a16:creationId xmlns:a16="http://schemas.microsoft.com/office/drawing/2014/main" id="{058900AD-CE2C-8A95-ED89-855ED72A9DB5}"/>
+                  </a:ext>
+                </a:extLst>
+              </p:cNvPr>
+              <p:cNvSpPr/>
+              <p:nvPr/>
+            </p:nvSpPr>
+            <p:spPr>
+              <a:xfrm>
+                <a:off x="754184" y="1332386"/>
+                <a:ext cx="1271053" cy="303044"/>
+              </a:xfrm>
+              <a:prstGeom prst="rect">
+                <a:avLst/>
+              </a:prstGeom>
+              <a:solidFill>
+                <a:schemeClr val="bg1"/>
+              </a:solidFill>
+              <a:ln>
+                <a:solidFill>
+                  <a:schemeClr val="tx1"/>
+                </a:solidFill>
+              </a:ln>
+            </p:spPr>
+            <p:style>
+              <a:lnRef idx="2">
+                <a:schemeClr val="accent1">
+                  <a:shade val="15000"/>
+                </a:schemeClr>
+              </a:lnRef>
+              <a:fillRef idx="1">
+                <a:schemeClr val="accent1"/>
+              </a:fillRef>
+              <a:effectRef idx="0">
+                <a:schemeClr val="accent1"/>
+              </a:effectRef>
+              <a:fontRef idx="minor">
+                <a:schemeClr val="lt1"/>
+              </a:fontRef>
+            </p:style>
+            <p:txBody>
+              <a:bodyPr rtlCol="0" anchor="ctr"/>
+              <a:lstStyle/>
+              <a:p>
+                <a:pPr algn="ctr"/>
+                <a:endParaRPr lang="en-US">
+                  <a:solidFill>
+                    <a:schemeClr val="tx1"/>
+                  </a:solidFill>
+                </a:endParaRPr>
+              </a:p>
+            </p:txBody>
+          </p:sp>
+          <p:sp>
+            <p:nvSpPr>
+              <p:cNvPr id="55" name="TextBox 54">
+                <a:extLst>
+                  <a:ext uri="{FF2B5EF4-FFF2-40B4-BE49-F238E27FC236}">
+                    <a16:creationId xmlns:a16="http://schemas.microsoft.com/office/drawing/2014/main" id="{A42CD1D5-6AA2-1CE7-7AB9-B309B2F65ED5}"/>
+                  </a:ext>
+                </a:extLst>
+              </p:cNvPr>
+              <p:cNvSpPr txBox="1"/>
+              <p:nvPr/>
+            </p:nvSpPr>
+            <p:spPr>
+              <a:xfrm>
+                <a:off x="656178" y="1316220"/>
+                <a:ext cx="1537719" cy="338554"/>
+              </a:xfrm>
+              <a:prstGeom prst="rect">
+                <a:avLst/>
+              </a:prstGeom>
+              <a:noFill/>
+            </p:spPr>
+            <p:txBody>
+              <a:bodyPr wrap="square" rtlCol="0">
+                <a:spAutoFit/>
+              </a:bodyPr>
+              <a:lstStyle/>
+              <a:p>
+                <a:pPr algn="ctr"/>
+                <a:r>
+                  <a:rPr lang="en-US" sz="1600" b="1" dirty="0"/>
+                  <a:t>Integration</a:t>
+                </a:r>
+              </a:p>
+            </p:txBody>
+          </p:sp>
+        </p:grpSp>
+        <p:sp>
+          <p:nvSpPr>
+            <p:cNvPr id="11" name="TextBox 10">
+              <a:extLst>
+                <a:ext uri="{FF2B5EF4-FFF2-40B4-BE49-F238E27FC236}">
+                  <a16:creationId xmlns:a16="http://schemas.microsoft.com/office/drawing/2014/main" id="{1EBFEAAB-8E7A-4BDE-4BB7-8E5E7944E1E5}"/>
+                </a:ext>
+              </a:extLst>
+            </p:cNvPr>
+            <p:cNvSpPr txBox="1"/>
+            <p:nvPr/>
+          </p:nvSpPr>
+          <p:spPr>
+            <a:xfrm>
+              <a:off x="270028" y="1287315"/>
+              <a:ext cx="1266175" cy="276999"/>
+            </a:xfrm>
+            <a:prstGeom prst="rect">
+              <a:avLst/>
+            </a:prstGeom>
+            <a:noFill/>
+          </p:spPr>
+          <p:txBody>
+            <a:bodyPr wrap="square">
+              <a:spAutoFit/>
+            </a:bodyPr>
+            <a:lstStyle/>
+            <a:p>
+              <a:pPr algn="ctr"/>
+              <a:r>
+                <a:rPr lang="en-US" sz="1200" i="1" dirty="0" err="1"/>
+                <a:t>preprocess_cds</a:t>
+              </a:r>
+              <a:r>
+                <a:rPr lang="en-US" sz="1200" i="1" dirty="0"/>
+                <a:t>()</a:t>
+              </a:r>
+            </a:p>
+          </p:txBody>
+        </p:sp>
+        <p:sp>
+          <p:nvSpPr>
+            <p:cNvPr id="12" name="TextBox 11">
+              <a:extLst>
+                <a:ext uri="{FF2B5EF4-FFF2-40B4-BE49-F238E27FC236}">
+                  <a16:creationId xmlns:a16="http://schemas.microsoft.com/office/drawing/2014/main" id="{1D506C7E-F7D0-3CAD-C217-9EFFC9B5AEC8}"/>
+                </a:ext>
+              </a:extLst>
+            </p:cNvPr>
+            <p:cNvSpPr txBox="1"/>
+            <p:nvPr/>
+          </p:nvSpPr>
+          <p:spPr>
+            <a:xfrm>
+              <a:off x="339010" y="1964885"/>
+              <a:ext cx="1128210" cy="276999"/>
+            </a:xfrm>
+            <a:prstGeom prst="rect">
+              <a:avLst/>
+            </a:prstGeom>
+            <a:noFill/>
+          </p:spPr>
+          <p:txBody>
+            <a:bodyPr wrap="square">
+              <a:spAutoFit/>
+            </a:bodyPr>
+            <a:lstStyle/>
+            <a:p>
+              <a:pPr algn="ctr"/>
+              <a:r>
+                <a:rPr lang="en-US" sz="1200" i="1" dirty="0" err="1"/>
+                <a:t>align_cds</a:t>
+              </a:r>
+              <a:r>
+                <a:rPr lang="en-US" sz="1200" i="1" dirty="0"/>
+                <a:t>()</a:t>
+              </a:r>
+            </a:p>
+          </p:txBody>
+        </p:sp>
+        <p:sp>
+          <p:nvSpPr>
+            <p:cNvPr id="13" name="TextBox 12">
+              <a:extLst>
+                <a:ext uri="{FF2B5EF4-FFF2-40B4-BE49-F238E27FC236}">
+                  <a16:creationId xmlns:a16="http://schemas.microsoft.com/office/drawing/2014/main" id="{BA393ED3-7052-D27F-A316-54BFDD675162}"/>
+                </a:ext>
+              </a:extLst>
+            </p:cNvPr>
+            <p:cNvSpPr txBox="1"/>
+            <p:nvPr/>
+          </p:nvSpPr>
+          <p:spPr>
+            <a:xfrm>
+              <a:off x="113051" y="3180061"/>
+              <a:ext cx="1580128" cy="276999"/>
+            </a:xfrm>
+            <a:prstGeom prst="rect">
+              <a:avLst/>
+            </a:prstGeom>
+            <a:noFill/>
+          </p:spPr>
+          <p:txBody>
+            <a:bodyPr wrap="square">
+              <a:spAutoFit/>
+            </a:bodyPr>
+            <a:lstStyle/>
+            <a:p>
+              <a:pPr algn="ctr"/>
+              <a:r>
+                <a:rPr lang="en-US" sz="1200" i="1" dirty="0" err="1"/>
+                <a:t>reduce_dimension</a:t>
+              </a:r>
+              <a:r>
+                <a:rPr lang="en-US" sz="1200" i="1" dirty="0"/>
+                <a:t>() </a:t>
+              </a:r>
+            </a:p>
+          </p:txBody>
+        </p:sp>
+        <p:sp>
+          <p:nvSpPr>
+            <p:cNvPr id="14" name="TextBox 13">
+              <a:extLst>
+                <a:ext uri="{FF2B5EF4-FFF2-40B4-BE49-F238E27FC236}">
+                  <a16:creationId xmlns:a16="http://schemas.microsoft.com/office/drawing/2014/main" id="{4F4372FF-41DD-8489-7EEA-15F2DD7E9E85}"/>
+                </a:ext>
+              </a:extLst>
+            </p:cNvPr>
+            <p:cNvSpPr txBox="1"/>
+            <p:nvPr/>
+          </p:nvSpPr>
+          <p:spPr>
+            <a:xfrm>
+              <a:off x="316376" y="4424711"/>
+              <a:ext cx="1173478" cy="276999"/>
+            </a:xfrm>
+            <a:prstGeom prst="rect">
+              <a:avLst/>
+            </a:prstGeom>
+            <a:noFill/>
+          </p:spPr>
+          <p:txBody>
+            <a:bodyPr wrap="square">
+              <a:spAutoFit/>
+            </a:bodyPr>
+            <a:lstStyle/>
+            <a:p>
+              <a:pPr algn="ctr"/>
+              <a:r>
+                <a:rPr lang="en-US" sz="1200" i="1" dirty="0"/>
+                <a:t> </a:t>
+              </a:r>
+              <a:r>
+                <a:rPr lang="en-US" sz="1200" i="1" dirty="0" err="1"/>
+                <a:t>cluster_cells</a:t>
+              </a:r>
+              <a:r>
+                <a:rPr lang="en-US" sz="1200" i="1" dirty="0"/>
+                <a:t> ()</a:t>
+              </a:r>
+            </a:p>
+          </p:txBody>
+        </p:sp>
+        <p:sp>
+          <p:nvSpPr>
+            <p:cNvPr id="15" name="TextBox 14">
+              <a:extLst>
+                <a:ext uri="{FF2B5EF4-FFF2-40B4-BE49-F238E27FC236}">
+                  <a16:creationId xmlns:a16="http://schemas.microsoft.com/office/drawing/2014/main" id="{715B369E-017D-597C-4F32-7F8CC0B77C62}"/>
+                </a:ext>
+              </a:extLst>
+            </p:cNvPr>
+            <p:cNvSpPr txBox="1"/>
+            <p:nvPr/>
+          </p:nvSpPr>
+          <p:spPr>
+            <a:xfrm>
+              <a:off x="223406" y="6334558"/>
+              <a:ext cx="1359418" cy="276999"/>
+            </a:xfrm>
+            <a:prstGeom prst="rect">
+              <a:avLst/>
+            </a:prstGeom>
+            <a:noFill/>
+          </p:spPr>
+          <p:txBody>
+            <a:bodyPr wrap="square">
+              <a:spAutoFit/>
+            </a:bodyPr>
+            <a:lstStyle/>
+            <a:p>
+              <a:pPr algn="ctr"/>
+              <a:r>
+                <a:rPr lang="en-US" sz="1200" dirty="0" err="1"/>
+                <a:t>learn_graph</a:t>
+              </a:r>
+              <a:r>
+                <a:rPr lang="en-US" sz="1200" i="1" dirty="0"/>
+                <a:t>()</a:t>
+              </a:r>
+            </a:p>
+          </p:txBody>
+        </p:sp>
+        <p:grpSp>
+          <p:nvGrpSpPr>
+            <p:cNvPr id="16" name="Group 15">
+              <a:extLst>
+                <a:ext uri="{FF2B5EF4-FFF2-40B4-BE49-F238E27FC236}">
+                  <a16:creationId xmlns:a16="http://schemas.microsoft.com/office/drawing/2014/main" id="{B79C2915-D7C8-4D71-7BD0-69ADAB16240D}"/>
+                </a:ext>
+              </a:extLst>
+            </p:cNvPr>
+            <p:cNvGrpSpPr/>
+            <p:nvPr/>
+          </p:nvGrpSpPr>
+          <p:grpSpPr>
+            <a:xfrm>
+              <a:off x="197769" y="5757285"/>
+              <a:ext cx="1410693" cy="605189"/>
+              <a:chOff x="69690" y="5733577"/>
+              <a:chExt cx="2170519" cy="605189"/>
+            </a:xfrm>
+          </p:grpSpPr>
+          <p:sp>
+            <p:nvSpPr>
+              <p:cNvPr id="52" name="Rectangle 51">
+                <a:extLst>
+                  <a:ext uri="{FF2B5EF4-FFF2-40B4-BE49-F238E27FC236}">
+                    <a16:creationId xmlns:a16="http://schemas.microsoft.com/office/drawing/2014/main" id="{1CB98371-B8C2-D73C-E453-BAD57BFD3097}"/>
+                  </a:ext>
+                </a:extLst>
+              </p:cNvPr>
+              <p:cNvSpPr/>
+              <p:nvPr/>
+            </p:nvSpPr>
+            <p:spPr>
+              <a:xfrm>
+                <a:off x="297468" y="5733577"/>
+                <a:ext cx="1805536" cy="592240"/>
+              </a:xfrm>
+              <a:prstGeom prst="rect">
+                <a:avLst/>
+              </a:prstGeom>
+              <a:solidFill>
+                <a:schemeClr val="bg1"/>
+              </a:solidFill>
+              <a:ln>
+                <a:solidFill>
+                  <a:schemeClr val="tx1"/>
+                </a:solidFill>
+              </a:ln>
+            </p:spPr>
+            <p:style>
+              <a:lnRef idx="2">
+                <a:schemeClr val="accent1">
+                  <a:shade val="15000"/>
+                </a:schemeClr>
+              </a:lnRef>
+              <a:fillRef idx="1">
+                <a:schemeClr val="accent1"/>
+              </a:fillRef>
+              <a:effectRef idx="0">
+                <a:schemeClr val="accent1"/>
+              </a:effectRef>
+              <a:fontRef idx="minor">
+                <a:schemeClr val="lt1"/>
+              </a:fontRef>
+            </p:style>
+            <p:txBody>
+              <a:bodyPr rtlCol="0" anchor="ctr"/>
+              <a:lstStyle/>
+              <a:p>
+                <a:pPr algn="ctr"/>
+                <a:endParaRPr lang="en-US">
+                  <a:solidFill>
+                    <a:schemeClr val="tx1"/>
+                  </a:solidFill>
+                </a:endParaRPr>
+              </a:p>
+            </p:txBody>
+          </p:sp>
+          <p:sp>
+            <p:nvSpPr>
+              <p:cNvPr id="53" name="TextBox 52">
+                <a:extLst>
+                  <a:ext uri="{FF2B5EF4-FFF2-40B4-BE49-F238E27FC236}">
+                    <a16:creationId xmlns:a16="http://schemas.microsoft.com/office/drawing/2014/main" id="{C9185293-F8D6-93F5-D3A5-911FE0EBA7E5}"/>
+                  </a:ext>
+                </a:extLst>
+              </p:cNvPr>
+              <p:cNvSpPr txBox="1"/>
+              <p:nvPr/>
+            </p:nvSpPr>
+            <p:spPr>
+              <a:xfrm>
+                <a:off x="69690" y="5753991"/>
+                <a:ext cx="2170519" cy="584775"/>
+              </a:xfrm>
+              <a:prstGeom prst="rect">
+                <a:avLst/>
+              </a:prstGeom>
+              <a:noFill/>
+            </p:spPr>
+            <p:txBody>
+              <a:bodyPr wrap="square" rtlCol="0">
+                <a:spAutoFit/>
+              </a:bodyPr>
+              <a:lstStyle/>
+              <a:p>
+                <a:pPr algn="ctr"/>
+                <a:r>
+                  <a:rPr lang="en-US" sz="1600" b="1" dirty="0"/>
+                  <a:t>Trajectory Graph</a:t>
+                </a:r>
+              </a:p>
+            </p:txBody>
+          </p:sp>
+        </p:grpSp>
+        <p:sp>
+          <p:nvSpPr>
+            <p:cNvPr id="17" name="Arrow: Right 16">
+              <a:extLst>
+                <a:ext uri="{FF2B5EF4-FFF2-40B4-BE49-F238E27FC236}">
+                  <a16:creationId xmlns:a16="http://schemas.microsoft.com/office/drawing/2014/main" id="{446E3028-9053-77E6-FB1D-F0023C00C4E2}"/>
+                </a:ext>
+              </a:extLst>
+            </p:cNvPr>
+            <p:cNvSpPr/>
+            <p:nvPr/>
+          </p:nvSpPr>
+          <p:spPr>
+            <a:xfrm rot="5400000">
+              <a:off x="834853" y="2177973"/>
+              <a:ext cx="136524" cy="386089"/>
+            </a:xfrm>
+            <a:prstGeom prst="rightArrow">
+              <a:avLst/>
+            </a:prstGeom>
+            <a:solidFill>
+              <a:srgbClr val="CBCBCB"/>
+            </a:solidFill>
+            <a:ln>
+              <a:noFill/>
+            </a:ln>
+          </p:spPr>
+          <p:style>
+            <a:lnRef idx="2">
+              <a:schemeClr val="accent1">
+                <a:shade val="15000"/>
+              </a:schemeClr>
+            </a:lnRef>
+            <a:fillRef idx="1">
+              <a:schemeClr val="accent1"/>
+            </a:fillRef>
+            <a:effectRef idx="0">
+              <a:schemeClr val="accent1"/>
+            </a:effectRef>
+            <a:fontRef idx="minor">
+              <a:schemeClr val="lt1"/>
+            </a:fontRef>
+          </p:style>
+          <p:txBody>
+            <a:bodyPr rtlCol="0" anchor="ctr"/>
+            <a:lstStyle/>
+            <a:p>
+              <a:pPr algn="ctr"/>
+              <a:endParaRPr lang="en-US"/>
+            </a:p>
+          </p:txBody>
+        </p:sp>
+        <p:sp>
+          <p:nvSpPr>
+            <p:cNvPr id="18" name="Arrow: Right 17">
+              <a:extLst>
+                <a:ext uri="{FF2B5EF4-FFF2-40B4-BE49-F238E27FC236}">
+                  <a16:creationId xmlns:a16="http://schemas.microsoft.com/office/drawing/2014/main" id="{C91E73D0-A76C-704C-156A-69740BEE7A55}"/>
+                </a:ext>
+              </a:extLst>
+            </p:cNvPr>
+            <p:cNvSpPr/>
+            <p:nvPr/>
+          </p:nvSpPr>
+          <p:spPr>
+            <a:xfrm rot="5400000">
+              <a:off x="826630" y="3417258"/>
+              <a:ext cx="152971" cy="386089"/>
+            </a:xfrm>
+            <a:prstGeom prst="rightArrow">
+              <a:avLst/>
+            </a:prstGeom>
+            <a:solidFill>
+              <a:srgbClr val="CBCBCB"/>
+            </a:solidFill>
+            <a:ln>
+              <a:noFill/>
+            </a:ln>
+          </p:spPr>
+          <p:style>
+            <a:lnRef idx="2">
+              <a:schemeClr val="accent1">
+                <a:shade val="15000"/>
+              </a:schemeClr>
+            </a:lnRef>
+            <a:fillRef idx="1">
+              <a:schemeClr val="accent1"/>
+            </a:fillRef>
+            <a:effectRef idx="0">
+              <a:schemeClr val="accent1"/>
+            </a:effectRef>
+            <a:fontRef idx="minor">
+              <a:schemeClr val="lt1"/>
+            </a:fontRef>
+          </p:style>
+          <p:txBody>
+            <a:bodyPr rtlCol="0" anchor="ctr"/>
+            <a:lstStyle/>
+            <a:p>
+              <a:pPr algn="ctr"/>
+              <a:endParaRPr lang="en-US"/>
+            </a:p>
+          </p:txBody>
+        </p:sp>
+        <p:sp>
+          <p:nvSpPr>
+            <p:cNvPr id="19" name="Arrow: Right 18">
+              <a:extLst>
+                <a:ext uri="{FF2B5EF4-FFF2-40B4-BE49-F238E27FC236}">
+                  <a16:creationId xmlns:a16="http://schemas.microsoft.com/office/drawing/2014/main" id="{E8B7344B-C3CE-A925-2F40-7ED41485FFCD}"/>
+                </a:ext>
+              </a:extLst>
+            </p:cNvPr>
+            <p:cNvSpPr/>
+            <p:nvPr/>
+          </p:nvSpPr>
+          <p:spPr>
+            <a:xfrm rot="5400000">
+              <a:off x="826630" y="5468155"/>
+              <a:ext cx="152971" cy="386089"/>
+            </a:xfrm>
+            <a:prstGeom prst="rightArrow">
+              <a:avLst/>
+            </a:prstGeom>
+            <a:solidFill>
+              <a:srgbClr val="CBCBCB"/>
+            </a:solidFill>
+            <a:ln>
+              <a:noFill/>
+            </a:ln>
+          </p:spPr>
+          <p:style>
+            <a:lnRef idx="2">
+              <a:schemeClr val="accent1">
+                <a:shade val="15000"/>
+              </a:schemeClr>
+            </a:lnRef>
+            <a:fillRef idx="1">
+              <a:schemeClr val="accent1"/>
+            </a:fillRef>
+            <a:effectRef idx="0">
+              <a:schemeClr val="accent1"/>
+            </a:effectRef>
+            <a:fontRef idx="minor">
+              <a:schemeClr val="lt1"/>
+            </a:fontRef>
+          </p:style>
+          <p:txBody>
+            <a:bodyPr rtlCol="0" anchor="ctr"/>
+            <a:lstStyle/>
+            <a:p>
+              <a:pPr algn="ctr"/>
+              <a:endParaRPr lang="en-US"/>
+            </a:p>
+          </p:txBody>
+        </p:sp>
+        <p:grpSp>
+          <p:nvGrpSpPr>
+            <p:cNvPr id="20" name="Group 19">
+              <a:extLst>
+                <a:ext uri="{FF2B5EF4-FFF2-40B4-BE49-F238E27FC236}">
+                  <a16:creationId xmlns:a16="http://schemas.microsoft.com/office/drawing/2014/main" id="{05806F06-16BA-E55E-9C13-77B2560CC811}"/>
+                </a:ext>
+              </a:extLst>
+            </p:cNvPr>
+            <p:cNvGrpSpPr/>
+            <p:nvPr/>
+          </p:nvGrpSpPr>
+          <p:grpSpPr>
+            <a:xfrm>
+              <a:off x="1840551" y="1187401"/>
+              <a:ext cx="1410693" cy="338554"/>
+              <a:chOff x="136544" y="5759803"/>
+              <a:chExt cx="2170519" cy="338554"/>
+            </a:xfrm>
+          </p:grpSpPr>
+          <p:sp>
+            <p:nvSpPr>
+              <p:cNvPr id="50" name="Rectangle 49">
+                <a:extLst>
+                  <a:ext uri="{FF2B5EF4-FFF2-40B4-BE49-F238E27FC236}">
+                    <a16:creationId xmlns:a16="http://schemas.microsoft.com/office/drawing/2014/main" id="{1CABFD78-DB78-3B31-34BE-AFFBE1ECEAB6}"/>
+                  </a:ext>
+                </a:extLst>
+              </p:cNvPr>
+              <p:cNvSpPr/>
+              <p:nvPr/>
+            </p:nvSpPr>
+            <p:spPr>
+              <a:xfrm>
+                <a:off x="297468" y="5781482"/>
+                <a:ext cx="1805536" cy="272412"/>
+              </a:xfrm>
+              <a:prstGeom prst="rect">
+                <a:avLst/>
+              </a:prstGeom>
+              <a:solidFill>
+                <a:schemeClr val="bg1"/>
+              </a:solidFill>
+              <a:ln>
+                <a:solidFill>
+                  <a:schemeClr val="tx1"/>
+                </a:solidFill>
+              </a:ln>
+            </p:spPr>
+            <p:style>
+              <a:lnRef idx="2">
+                <a:schemeClr val="accent1">
+                  <a:shade val="15000"/>
+                </a:schemeClr>
+              </a:lnRef>
+              <a:fillRef idx="1">
+                <a:schemeClr val="accent1"/>
+              </a:fillRef>
+              <a:effectRef idx="0">
+                <a:schemeClr val="accent1"/>
+              </a:effectRef>
+              <a:fontRef idx="minor">
+                <a:schemeClr val="lt1"/>
+              </a:fontRef>
+            </p:style>
+            <p:txBody>
+              <a:bodyPr rtlCol="0" anchor="ctr"/>
+              <a:lstStyle/>
+              <a:p>
+                <a:pPr algn="ctr"/>
+                <a:endParaRPr lang="en-US">
+                  <a:solidFill>
+                    <a:schemeClr val="tx1"/>
+                  </a:solidFill>
+                </a:endParaRPr>
+              </a:p>
+            </p:txBody>
+          </p:sp>
+          <p:sp>
+            <p:nvSpPr>
+              <p:cNvPr id="51" name="TextBox 50">
+                <a:extLst>
+                  <a:ext uri="{FF2B5EF4-FFF2-40B4-BE49-F238E27FC236}">
+                    <a16:creationId xmlns:a16="http://schemas.microsoft.com/office/drawing/2014/main" id="{963B071B-5B82-601A-E27A-AC8908FC37CC}"/>
+                  </a:ext>
+                </a:extLst>
+              </p:cNvPr>
+              <p:cNvSpPr txBox="1"/>
+              <p:nvPr/>
+            </p:nvSpPr>
+            <p:spPr>
+              <a:xfrm>
+                <a:off x="136544" y="5759803"/>
+                <a:ext cx="2170519" cy="338554"/>
+              </a:xfrm>
+              <a:prstGeom prst="rect">
+                <a:avLst/>
+              </a:prstGeom>
+              <a:noFill/>
+            </p:spPr>
+            <p:txBody>
+              <a:bodyPr wrap="square" rtlCol="0">
+                <a:spAutoFit/>
+              </a:bodyPr>
+              <a:lstStyle/>
+              <a:p>
+                <a:pPr algn="ctr"/>
+                <a:r>
+                  <a:rPr lang="en-US" sz="1600" b="1" dirty="0"/>
+                  <a:t>Order Cells</a:t>
+                </a:r>
+              </a:p>
+            </p:txBody>
+          </p:sp>
+        </p:grpSp>
+        <p:grpSp>
+          <p:nvGrpSpPr>
+            <p:cNvPr id="21" name="Group 20">
+              <a:extLst>
+                <a:ext uri="{FF2B5EF4-FFF2-40B4-BE49-F238E27FC236}">
+                  <a16:creationId xmlns:a16="http://schemas.microsoft.com/office/drawing/2014/main" id="{C6742DD7-38BE-DAD8-93ED-8F2947C71F83}"/>
+                </a:ext>
+              </a:extLst>
+            </p:cNvPr>
+            <p:cNvGrpSpPr/>
+            <p:nvPr/>
+          </p:nvGrpSpPr>
+          <p:grpSpPr>
+            <a:xfrm>
+              <a:off x="1840551" y="1852412"/>
+              <a:ext cx="1410693" cy="584775"/>
+              <a:chOff x="136544" y="5759803"/>
+              <a:chExt cx="2170519" cy="584775"/>
+            </a:xfrm>
+          </p:grpSpPr>
+          <p:sp>
+            <p:nvSpPr>
+              <p:cNvPr id="48" name="Rectangle 47">
+                <a:extLst>
+                  <a:ext uri="{FF2B5EF4-FFF2-40B4-BE49-F238E27FC236}">
+                    <a16:creationId xmlns:a16="http://schemas.microsoft.com/office/drawing/2014/main" id="{181F2D59-045E-6A74-36DE-7F055B8AF58A}"/>
+                  </a:ext>
+                </a:extLst>
+              </p:cNvPr>
+              <p:cNvSpPr/>
+              <p:nvPr/>
+            </p:nvSpPr>
+            <p:spPr>
+              <a:xfrm>
+                <a:off x="297468" y="5781481"/>
+                <a:ext cx="1805536" cy="544335"/>
+              </a:xfrm>
+              <a:prstGeom prst="rect">
+                <a:avLst/>
+              </a:prstGeom>
+              <a:solidFill>
+                <a:schemeClr val="bg1"/>
+              </a:solidFill>
+              <a:ln>
+                <a:solidFill>
+                  <a:schemeClr val="tx1"/>
+                </a:solidFill>
+              </a:ln>
+            </p:spPr>
+            <p:style>
+              <a:lnRef idx="2">
+                <a:schemeClr val="accent1">
+                  <a:shade val="15000"/>
+                </a:schemeClr>
+              </a:lnRef>
+              <a:fillRef idx="1">
+                <a:schemeClr val="accent1"/>
+              </a:fillRef>
+              <a:effectRef idx="0">
+                <a:schemeClr val="accent1"/>
+              </a:effectRef>
+              <a:fontRef idx="minor">
+                <a:schemeClr val="lt1"/>
+              </a:fontRef>
+            </p:style>
+            <p:txBody>
+              <a:bodyPr rtlCol="0" anchor="ctr"/>
+              <a:lstStyle/>
+              <a:p>
+                <a:pPr algn="ctr"/>
+                <a:endParaRPr lang="en-US">
+                  <a:solidFill>
+                    <a:schemeClr val="tx1"/>
+                  </a:solidFill>
+                </a:endParaRPr>
+              </a:p>
+            </p:txBody>
+          </p:sp>
+          <p:sp>
+            <p:nvSpPr>
+              <p:cNvPr id="49" name="TextBox 48">
+                <a:extLst>
+                  <a:ext uri="{FF2B5EF4-FFF2-40B4-BE49-F238E27FC236}">
+                    <a16:creationId xmlns:a16="http://schemas.microsoft.com/office/drawing/2014/main" id="{3BC781A4-45EC-0F6C-7601-D73267A03F5C}"/>
+                  </a:ext>
+                </a:extLst>
+              </p:cNvPr>
+              <p:cNvSpPr txBox="1"/>
+              <p:nvPr/>
+            </p:nvSpPr>
+            <p:spPr>
+              <a:xfrm>
+                <a:off x="136544" y="5759803"/>
+                <a:ext cx="2170519" cy="584775"/>
+              </a:xfrm>
+              <a:prstGeom prst="rect">
+                <a:avLst/>
+              </a:prstGeom>
+              <a:noFill/>
+            </p:spPr>
+            <p:txBody>
+              <a:bodyPr wrap="square" rtlCol="0">
+                <a:spAutoFit/>
+              </a:bodyPr>
+              <a:lstStyle/>
+              <a:p>
+                <a:pPr algn="ctr"/>
+                <a:r>
+                  <a:rPr lang="en-US" sz="1600" b="1" dirty="0"/>
+                  <a:t>Subset Trajectory</a:t>
+                </a:r>
+              </a:p>
+            </p:txBody>
+          </p:sp>
+        </p:grpSp>
+        <p:grpSp>
+          <p:nvGrpSpPr>
+            <p:cNvPr id="22" name="Group 21">
+              <a:extLst>
+                <a:ext uri="{FF2B5EF4-FFF2-40B4-BE49-F238E27FC236}">
+                  <a16:creationId xmlns:a16="http://schemas.microsoft.com/office/drawing/2014/main" id="{4685DD61-3D0D-995B-2EB3-89B9E1997A88}"/>
+                </a:ext>
+              </a:extLst>
+            </p:cNvPr>
+            <p:cNvGrpSpPr/>
+            <p:nvPr/>
+          </p:nvGrpSpPr>
+          <p:grpSpPr>
+            <a:xfrm>
+              <a:off x="1840551" y="2934801"/>
+              <a:ext cx="1410693" cy="584775"/>
+              <a:chOff x="136544" y="5759803"/>
+              <a:chExt cx="2170519" cy="584775"/>
+            </a:xfrm>
+          </p:grpSpPr>
+          <p:sp>
+            <p:nvSpPr>
+              <p:cNvPr id="46" name="Rectangle 45">
+                <a:extLst>
+                  <a:ext uri="{FF2B5EF4-FFF2-40B4-BE49-F238E27FC236}">
+                    <a16:creationId xmlns:a16="http://schemas.microsoft.com/office/drawing/2014/main" id="{C87CEECC-3CA6-807C-3405-8906E6AAA070}"/>
+                  </a:ext>
+                </a:extLst>
+              </p:cNvPr>
+              <p:cNvSpPr/>
+              <p:nvPr/>
+            </p:nvSpPr>
+            <p:spPr>
+              <a:xfrm>
+                <a:off x="297468" y="5781481"/>
+                <a:ext cx="1805536" cy="544335"/>
+              </a:xfrm>
+              <a:prstGeom prst="rect">
+                <a:avLst/>
+              </a:prstGeom>
+              <a:solidFill>
+                <a:schemeClr val="bg1"/>
+              </a:solidFill>
+              <a:ln>
+                <a:solidFill>
+                  <a:schemeClr val="tx1"/>
+                </a:solidFill>
+              </a:ln>
+            </p:spPr>
+            <p:style>
+              <a:lnRef idx="2">
+                <a:schemeClr val="accent1">
+                  <a:shade val="15000"/>
+                </a:schemeClr>
+              </a:lnRef>
+              <a:fillRef idx="1">
+                <a:schemeClr val="accent1"/>
+              </a:fillRef>
+              <a:effectRef idx="0">
+                <a:schemeClr val="accent1"/>
+              </a:effectRef>
+              <a:fontRef idx="minor">
+                <a:schemeClr val="lt1"/>
+              </a:fontRef>
+            </p:style>
+            <p:txBody>
+              <a:bodyPr rtlCol="0" anchor="ctr"/>
+              <a:lstStyle/>
+              <a:p>
+                <a:pPr algn="ctr"/>
+                <a:endParaRPr lang="en-US">
+                  <a:solidFill>
+                    <a:schemeClr val="tx1"/>
+                  </a:solidFill>
+                </a:endParaRPr>
+              </a:p>
+            </p:txBody>
+          </p:sp>
+          <p:sp>
+            <p:nvSpPr>
+              <p:cNvPr id="47" name="TextBox 46">
+                <a:extLst>
+                  <a:ext uri="{FF2B5EF4-FFF2-40B4-BE49-F238E27FC236}">
+                    <a16:creationId xmlns:a16="http://schemas.microsoft.com/office/drawing/2014/main" id="{6FE2098F-9F89-765E-7DF4-3EA5405BECA0}"/>
+                  </a:ext>
+                </a:extLst>
+              </p:cNvPr>
+              <p:cNvSpPr txBox="1"/>
+              <p:nvPr/>
+            </p:nvSpPr>
+            <p:spPr>
+              <a:xfrm>
+                <a:off x="136544" y="5759803"/>
+                <a:ext cx="2170519" cy="584775"/>
+              </a:xfrm>
+              <a:prstGeom prst="rect">
+                <a:avLst/>
+              </a:prstGeom>
+              <a:noFill/>
+            </p:spPr>
+            <p:txBody>
+              <a:bodyPr wrap="square" rtlCol="0">
+                <a:spAutoFit/>
+              </a:bodyPr>
+              <a:lstStyle/>
+              <a:p>
+                <a:pPr algn="ctr"/>
+                <a:r>
+                  <a:rPr lang="en-US" sz="1600" b="1" dirty="0"/>
+                  <a:t>Reprocess Trajectory</a:t>
+                </a:r>
+              </a:p>
+            </p:txBody>
+          </p:sp>
+        </p:grpSp>
+        <p:grpSp>
+          <p:nvGrpSpPr>
+            <p:cNvPr id="23" name="Group 22">
+              <a:extLst>
+                <a:ext uri="{FF2B5EF4-FFF2-40B4-BE49-F238E27FC236}">
+                  <a16:creationId xmlns:a16="http://schemas.microsoft.com/office/drawing/2014/main" id="{0571DED2-7C15-0FBB-88C6-2A72E4CD8461}"/>
+                </a:ext>
+              </a:extLst>
+            </p:cNvPr>
+            <p:cNvGrpSpPr/>
+            <p:nvPr/>
+          </p:nvGrpSpPr>
+          <p:grpSpPr>
+            <a:xfrm>
+              <a:off x="1840551" y="3794444"/>
+              <a:ext cx="1410693" cy="589910"/>
+              <a:chOff x="130519" y="5781481"/>
+              <a:chExt cx="2170519" cy="589910"/>
+            </a:xfrm>
+          </p:grpSpPr>
+          <p:sp>
+            <p:nvSpPr>
+              <p:cNvPr id="44" name="Rectangle 43">
+                <a:extLst>
+                  <a:ext uri="{FF2B5EF4-FFF2-40B4-BE49-F238E27FC236}">
+                    <a16:creationId xmlns:a16="http://schemas.microsoft.com/office/drawing/2014/main" id="{8A50D698-C630-6C0B-CD21-233D8C1A83F8}"/>
+                  </a:ext>
+                </a:extLst>
+              </p:cNvPr>
+              <p:cNvSpPr/>
+              <p:nvPr/>
+            </p:nvSpPr>
+            <p:spPr>
+              <a:xfrm>
+                <a:off x="265017" y="5781481"/>
+                <a:ext cx="1856344" cy="544335"/>
+              </a:xfrm>
+              <a:prstGeom prst="rect">
+                <a:avLst/>
+              </a:prstGeom>
+              <a:solidFill>
+                <a:schemeClr val="bg1"/>
+              </a:solidFill>
+              <a:ln>
+                <a:solidFill>
+                  <a:schemeClr val="tx1"/>
+                </a:solidFill>
+              </a:ln>
+            </p:spPr>
+            <p:style>
+              <a:lnRef idx="2">
+                <a:schemeClr val="accent1">
+                  <a:shade val="15000"/>
+                </a:schemeClr>
+              </a:lnRef>
+              <a:fillRef idx="1">
+                <a:schemeClr val="accent1"/>
+              </a:fillRef>
+              <a:effectRef idx="0">
+                <a:schemeClr val="accent1"/>
+              </a:effectRef>
+              <a:fontRef idx="minor">
+                <a:schemeClr val="lt1"/>
+              </a:fontRef>
+            </p:style>
+            <p:txBody>
+              <a:bodyPr rtlCol="0" anchor="ctr"/>
+              <a:lstStyle/>
+              <a:p>
+                <a:pPr algn="ctr"/>
+                <a:endParaRPr lang="en-US">
+                  <a:solidFill>
+                    <a:schemeClr val="tx1"/>
+                  </a:solidFill>
+                </a:endParaRPr>
+              </a:p>
+            </p:txBody>
+          </p:sp>
+          <p:sp>
+            <p:nvSpPr>
+              <p:cNvPr id="45" name="TextBox 44">
+                <a:extLst>
+                  <a:ext uri="{FF2B5EF4-FFF2-40B4-BE49-F238E27FC236}">
+                    <a16:creationId xmlns:a16="http://schemas.microsoft.com/office/drawing/2014/main" id="{FD31BBA7-0EAF-EFC9-80C6-F2BA74BFEE12}"/>
+                  </a:ext>
+                </a:extLst>
+              </p:cNvPr>
+              <p:cNvSpPr txBox="1"/>
+              <p:nvPr/>
+            </p:nvSpPr>
+            <p:spPr>
+              <a:xfrm>
+                <a:off x="130519" y="5786616"/>
+                <a:ext cx="2170519" cy="584775"/>
+              </a:xfrm>
+              <a:prstGeom prst="rect">
+                <a:avLst/>
+              </a:prstGeom>
+              <a:noFill/>
+            </p:spPr>
+            <p:txBody>
+              <a:bodyPr wrap="square" rtlCol="0">
+                <a:spAutoFit/>
+              </a:bodyPr>
+              <a:lstStyle/>
+              <a:p>
+                <a:pPr algn="ctr"/>
+                <a:r>
+                  <a:rPr lang="en-US" sz="1600" b="1" dirty="0"/>
+                  <a:t>Find Altered Genes</a:t>
+                </a:r>
+              </a:p>
+            </p:txBody>
+          </p:sp>
+        </p:grpSp>
+        <p:grpSp>
+          <p:nvGrpSpPr>
+            <p:cNvPr id="24" name="Group 23">
+              <a:extLst>
+                <a:ext uri="{FF2B5EF4-FFF2-40B4-BE49-F238E27FC236}">
+                  <a16:creationId xmlns:a16="http://schemas.microsoft.com/office/drawing/2014/main" id="{CE194979-591F-61FB-0972-B5293B96613A}"/>
+                </a:ext>
+              </a:extLst>
+            </p:cNvPr>
+            <p:cNvGrpSpPr/>
+            <p:nvPr/>
+          </p:nvGrpSpPr>
+          <p:grpSpPr>
+            <a:xfrm>
+              <a:off x="1840551" y="4762902"/>
+              <a:ext cx="1410693" cy="584775"/>
+              <a:chOff x="199846" y="5774065"/>
+              <a:chExt cx="2170519" cy="584775"/>
+            </a:xfrm>
+          </p:grpSpPr>
+          <p:sp>
+            <p:nvSpPr>
+              <p:cNvPr id="42" name="Rectangle 41">
+                <a:extLst>
+                  <a:ext uri="{FF2B5EF4-FFF2-40B4-BE49-F238E27FC236}">
+                    <a16:creationId xmlns:a16="http://schemas.microsoft.com/office/drawing/2014/main" id="{194CEB7E-73B1-AE7B-6F6D-0976D3D5BBF9}"/>
+                  </a:ext>
+                </a:extLst>
+              </p:cNvPr>
+              <p:cNvSpPr/>
+              <p:nvPr/>
+            </p:nvSpPr>
+            <p:spPr>
+              <a:xfrm>
+                <a:off x="255376" y="5781481"/>
+                <a:ext cx="2059461" cy="544335"/>
+              </a:xfrm>
+              <a:prstGeom prst="rect">
+                <a:avLst/>
+              </a:prstGeom>
+              <a:solidFill>
+                <a:schemeClr val="bg1"/>
+              </a:solidFill>
+              <a:ln>
+                <a:solidFill>
+                  <a:schemeClr val="tx1"/>
+                </a:solidFill>
+              </a:ln>
+            </p:spPr>
+            <p:style>
+              <a:lnRef idx="2">
+                <a:schemeClr val="accent1">
+                  <a:shade val="15000"/>
+                </a:schemeClr>
+              </a:lnRef>
+              <a:fillRef idx="1">
+                <a:schemeClr val="accent1"/>
+              </a:fillRef>
+              <a:effectRef idx="0">
+                <a:schemeClr val="accent1"/>
+              </a:effectRef>
+              <a:fontRef idx="minor">
+                <a:schemeClr val="lt1"/>
+              </a:fontRef>
+            </p:style>
+            <p:txBody>
+              <a:bodyPr rtlCol="0" anchor="ctr"/>
+              <a:lstStyle/>
+              <a:p>
+                <a:pPr algn="ctr"/>
+                <a:endParaRPr lang="en-US">
+                  <a:solidFill>
+                    <a:schemeClr val="tx1"/>
+                  </a:solidFill>
+                </a:endParaRPr>
+              </a:p>
+            </p:txBody>
+          </p:sp>
+          <p:sp>
+            <p:nvSpPr>
+              <p:cNvPr id="43" name="TextBox 42">
+                <a:extLst>
+                  <a:ext uri="{FF2B5EF4-FFF2-40B4-BE49-F238E27FC236}">
+                    <a16:creationId xmlns:a16="http://schemas.microsoft.com/office/drawing/2014/main" id="{91E18D57-D2F1-299E-C0E4-1C9008040D5D}"/>
+                  </a:ext>
+                </a:extLst>
+              </p:cNvPr>
+              <p:cNvSpPr txBox="1"/>
+              <p:nvPr/>
+            </p:nvSpPr>
+            <p:spPr>
+              <a:xfrm>
+                <a:off x="199846" y="5774065"/>
+                <a:ext cx="2170519" cy="584775"/>
+              </a:xfrm>
+              <a:prstGeom prst="rect">
+                <a:avLst/>
+              </a:prstGeom>
+              <a:noFill/>
+            </p:spPr>
+            <p:txBody>
+              <a:bodyPr wrap="square" rtlCol="0">
+                <a:spAutoFit/>
+              </a:bodyPr>
+              <a:lstStyle/>
+              <a:p>
+                <a:pPr algn="ctr"/>
+                <a:r>
+                  <a:rPr lang="en-US" sz="1600" b="1" dirty="0"/>
+                  <a:t>Aggregate to Gene Modules</a:t>
+                </a:r>
+              </a:p>
+            </p:txBody>
+          </p:sp>
+        </p:grpSp>
+        <p:grpSp>
+          <p:nvGrpSpPr>
+            <p:cNvPr id="25" name="Group 24">
+              <a:extLst>
+                <a:ext uri="{FF2B5EF4-FFF2-40B4-BE49-F238E27FC236}">
+                  <a16:creationId xmlns:a16="http://schemas.microsoft.com/office/drawing/2014/main" id="{4D0941A5-6520-D6EB-2C94-B122A0AFBBE6}"/>
+                </a:ext>
+              </a:extLst>
+            </p:cNvPr>
+            <p:cNvGrpSpPr/>
+            <p:nvPr/>
+          </p:nvGrpSpPr>
+          <p:grpSpPr>
+            <a:xfrm>
+              <a:off x="1840551" y="5849744"/>
+              <a:ext cx="1410693" cy="584775"/>
+              <a:chOff x="183194" y="5775239"/>
+              <a:chExt cx="2170519" cy="584775"/>
+            </a:xfrm>
+          </p:grpSpPr>
+          <p:sp>
+            <p:nvSpPr>
+              <p:cNvPr id="40" name="Rectangle 39">
+                <a:extLst>
+                  <a:ext uri="{FF2B5EF4-FFF2-40B4-BE49-F238E27FC236}">
+                    <a16:creationId xmlns:a16="http://schemas.microsoft.com/office/drawing/2014/main" id="{19D20C2E-0BD1-827D-333E-BD36904998EB}"/>
+                  </a:ext>
+                </a:extLst>
+              </p:cNvPr>
+              <p:cNvSpPr/>
+              <p:nvPr/>
+            </p:nvSpPr>
+            <p:spPr>
+              <a:xfrm>
+                <a:off x="198991" y="5781481"/>
+                <a:ext cx="2134969" cy="544335"/>
+              </a:xfrm>
+              <a:prstGeom prst="rect">
+                <a:avLst/>
+              </a:prstGeom>
+              <a:solidFill>
+                <a:schemeClr val="bg1"/>
+              </a:solidFill>
+              <a:ln>
+                <a:solidFill>
+                  <a:schemeClr val="tx1"/>
+                </a:solidFill>
+              </a:ln>
+            </p:spPr>
+            <p:style>
+              <a:lnRef idx="2">
+                <a:schemeClr val="accent1">
+                  <a:shade val="15000"/>
+                </a:schemeClr>
+              </a:lnRef>
+              <a:fillRef idx="1">
+                <a:schemeClr val="accent1"/>
+              </a:fillRef>
+              <a:effectRef idx="0">
+                <a:schemeClr val="accent1"/>
+              </a:effectRef>
+              <a:fontRef idx="minor">
+                <a:schemeClr val="lt1"/>
+              </a:fontRef>
+            </p:style>
+            <p:txBody>
+              <a:bodyPr rtlCol="0" anchor="ctr"/>
+              <a:lstStyle/>
+              <a:p>
+                <a:pPr algn="ctr"/>
+                <a:endParaRPr lang="en-US">
+                  <a:solidFill>
+                    <a:schemeClr val="tx1"/>
+                  </a:solidFill>
+                </a:endParaRPr>
+              </a:p>
+            </p:txBody>
+          </p:sp>
+          <p:sp>
+            <p:nvSpPr>
+              <p:cNvPr id="41" name="TextBox 40">
+                <a:extLst>
+                  <a:ext uri="{FF2B5EF4-FFF2-40B4-BE49-F238E27FC236}">
+                    <a16:creationId xmlns:a16="http://schemas.microsoft.com/office/drawing/2014/main" id="{099983EA-379A-AEBC-34CF-7A2C479A113C}"/>
+                  </a:ext>
+                </a:extLst>
+              </p:cNvPr>
+              <p:cNvSpPr txBox="1"/>
+              <p:nvPr/>
+            </p:nvSpPr>
+            <p:spPr>
+              <a:xfrm>
+                <a:off x="183194" y="5775239"/>
+                <a:ext cx="2170519" cy="584775"/>
+              </a:xfrm>
+              <a:prstGeom prst="rect">
+                <a:avLst/>
+              </a:prstGeom>
+              <a:noFill/>
+            </p:spPr>
+            <p:txBody>
+              <a:bodyPr wrap="square" rtlCol="0">
+                <a:spAutoFit/>
+              </a:bodyPr>
+              <a:lstStyle/>
+              <a:p>
+                <a:pPr algn="ctr"/>
+                <a:r>
+                  <a:rPr lang="en-US" sz="1600" b="1" dirty="0"/>
+                  <a:t>Visualize Gene Modules</a:t>
+                </a:r>
+              </a:p>
+            </p:txBody>
+          </p:sp>
+        </p:grpSp>
+        <p:sp>
+          <p:nvSpPr>
+            <p:cNvPr id="26" name="TextBox 25">
+              <a:extLst>
+                <a:ext uri="{FF2B5EF4-FFF2-40B4-BE49-F238E27FC236}">
+                  <a16:creationId xmlns:a16="http://schemas.microsoft.com/office/drawing/2014/main" id="{3FC038B2-B5B8-A1F7-07BC-0B79E921FE20}"/>
+                </a:ext>
+              </a:extLst>
+            </p:cNvPr>
+            <p:cNvSpPr txBox="1"/>
+            <p:nvPr/>
+          </p:nvSpPr>
+          <p:spPr>
+            <a:xfrm>
+              <a:off x="1975356" y="2352876"/>
+              <a:ext cx="1141083" cy="461665"/>
+            </a:xfrm>
+            <a:prstGeom prst="rect">
+              <a:avLst/>
+            </a:prstGeom>
+            <a:noFill/>
+          </p:spPr>
+          <p:txBody>
+            <a:bodyPr wrap="square">
+              <a:spAutoFit/>
+            </a:bodyPr>
+            <a:lstStyle/>
+            <a:p>
+              <a:pPr algn="ctr"/>
+              <a:r>
+                <a:rPr lang="en-US" sz="1200" dirty="0" err="1"/>
+                <a:t>choose_graph</a:t>
+              </a:r>
+              <a:r>
+                <a:rPr lang="en-US" sz="1200" dirty="0"/>
+                <a:t>_</a:t>
+              </a:r>
+            </a:p>
+            <a:p>
+              <a:pPr algn="ctr"/>
+              <a:r>
+                <a:rPr lang="en-US" sz="1200" dirty="0"/>
+                <a:t>segments</a:t>
+              </a:r>
+              <a:r>
+                <a:rPr lang="en-US" sz="1200" i="1" dirty="0"/>
+                <a:t>()</a:t>
+              </a:r>
+            </a:p>
+          </p:txBody>
+        </p:sp>
+        <p:sp>
+          <p:nvSpPr>
+            <p:cNvPr id="27" name="TextBox 26">
+              <a:extLst>
+                <a:ext uri="{FF2B5EF4-FFF2-40B4-BE49-F238E27FC236}">
+                  <a16:creationId xmlns:a16="http://schemas.microsoft.com/office/drawing/2014/main" id="{8848383A-9671-0858-D564-F6B6FE26C05F}"/>
+                </a:ext>
+              </a:extLst>
+            </p:cNvPr>
+            <p:cNvSpPr txBox="1"/>
+            <p:nvPr/>
+          </p:nvSpPr>
+          <p:spPr>
+            <a:xfrm>
+              <a:off x="2047539" y="1423041"/>
+              <a:ext cx="996717" cy="276999"/>
+            </a:xfrm>
+            <a:prstGeom prst="rect">
+              <a:avLst/>
+            </a:prstGeom>
+            <a:noFill/>
+          </p:spPr>
+          <p:txBody>
+            <a:bodyPr wrap="square">
+              <a:spAutoFit/>
+            </a:bodyPr>
+            <a:lstStyle/>
+            <a:p>
+              <a:pPr algn="ctr"/>
+              <a:r>
+                <a:rPr lang="en-US" sz="1200" i="1" dirty="0" err="1"/>
+                <a:t>order_cells</a:t>
+              </a:r>
+              <a:r>
+                <a:rPr lang="en-US" sz="1200" i="1" dirty="0"/>
+                <a:t>()</a:t>
+              </a:r>
+            </a:p>
+          </p:txBody>
+        </p:sp>
+        <p:sp>
+          <p:nvSpPr>
+            <p:cNvPr id="28" name="Arrow: Right 27">
+              <a:extLst>
+                <a:ext uri="{FF2B5EF4-FFF2-40B4-BE49-F238E27FC236}">
+                  <a16:creationId xmlns:a16="http://schemas.microsoft.com/office/drawing/2014/main" id="{38A5CFA9-697B-13D9-5FF1-ACFD11BDCB54}"/>
+                </a:ext>
+              </a:extLst>
+            </p:cNvPr>
+            <p:cNvSpPr/>
+            <p:nvPr/>
+          </p:nvSpPr>
+          <p:spPr>
+            <a:xfrm rot="5400000">
+              <a:off x="2483190" y="2660109"/>
+              <a:ext cx="125415" cy="386089"/>
+            </a:xfrm>
+            <a:prstGeom prst="rightArrow">
+              <a:avLst/>
+            </a:prstGeom>
+            <a:solidFill>
+              <a:srgbClr val="CBCBCB"/>
+            </a:solidFill>
+            <a:ln>
+              <a:noFill/>
+            </a:ln>
+          </p:spPr>
+          <p:style>
+            <a:lnRef idx="2">
+              <a:schemeClr val="accent1">
+                <a:shade val="15000"/>
+              </a:schemeClr>
+            </a:lnRef>
+            <a:fillRef idx="1">
+              <a:schemeClr val="accent1"/>
+            </a:fillRef>
+            <a:effectRef idx="0">
+              <a:schemeClr val="accent1"/>
+            </a:effectRef>
+            <a:fontRef idx="minor">
+              <a:schemeClr val="lt1"/>
+            </a:fontRef>
+          </p:style>
+          <p:txBody>
+            <a:bodyPr rtlCol="0" anchor="ctr"/>
+            <a:lstStyle/>
+            <a:p>
+              <a:pPr algn="ctr"/>
+              <a:endParaRPr lang="en-US"/>
+            </a:p>
+          </p:txBody>
+        </p:sp>
+        <p:sp>
+          <p:nvSpPr>
+            <p:cNvPr id="29" name="TextBox 28">
+              <a:extLst>
+                <a:ext uri="{FF2B5EF4-FFF2-40B4-BE49-F238E27FC236}">
+                  <a16:creationId xmlns:a16="http://schemas.microsoft.com/office/drawing/2014/main" id="{30F4B6E1-E8BD-6CBD-0BCA-4B1689860EFD}"/>
+                </a:ext>
+              </a:extLst>
+            </p:cNvPr>
+            <p:cNvSpPr txBox="1"/>
+            <p:nvPr/>
+          </p:nvSpPr>
+          <p:spPr>
+            <a:xfrm>
+              <a:off x="1755833" y="4293919"/>
+              <a:ext cx="1580128" cy="276999"/>
+            </a:xfrm>
+            <a:prstGeom prst="rect">
+              <a:avLst/>
+            </a:prstGeom>
+            <a:noFill/>
+          </p:spPr>
+          <p:txBody>
+            <a:bodyPr wrap="square">
+              <a:spAutoFit/>
+            </a:bodyPr>
+            <a:lstStyle/>
+            <a:p>
+              <a:pPr algn="ctr"/>
+              <a:r>
+                <a:rPr lang="en-US" sz="1200" i="1" dirty="0" err="1"/>
+                <a:t>find_gene_modules</a:t>
+              </a:r>
+              <a:r>
+                <a:rPr lang="en-US" sz="1200" i="1" dirty="0"/>
+                <a:t>() </a:t>
+              </a:r>
+            </a:p>
+          </p:txBody>
+        </p:sp>
+        <p:sp>
+          <p:nvSpPr>
+            <p:cNvPr id="30" name="Arrow: Right 29">
+              <a:extLst>
+                <a:ext uri="{FF2B5EF4-FFF2-40B4-BE49-F238E27FC236}">
+                  <a16:creationId xmlns:a16="http://schemas.microsoft.com/office/drawing/2014/main" id="{B4FB8CE5-7C80-CB75-DEA1-B6E780AB34FB}"/>
+                </a:ext>
+              </a:extLst>
+            </p:cNvPr>
+            <p:cNvSpPr/>
+            <p:nvPr/>
+          </p:nvSpPr>
+          <p:spPr>
+            <a:xfrm rot="5400000">
+              <a:off x="2469412" y="4460087"/>
+              <a:ext cx="152971" cy="386089"/>
+            </a:xfrm>
+            <a:prstGeom prst="rightArrow">
+              <a:avLst/>
+            </a:prstGeom>
+            <a:solidFill>
+              <a:srgbClr val="CBCBCB"/>
+            </a:solidFill>
+            <a:ln>
+              <a:noFill/>
+            </a:ln>
+          </p:spPr>
+          <p:style>
+            <a:lnRef idx="2">
+              <a:schemeClr val="accent1">
+                <a:shade val="15000"/>
+              </a:schemeClr>
+            </a:lnRef>
+            <a:fillRef idx="1">
+              <a:schemeClr val="accent1"/>
+            </a:fillRef>
+            <a:effectRef idx="0">
+              <a:schemeClr val="accent1"/>
+            </a:effectRef>
+            <a:fontRef idx="minor">
+              <a:schemeClr val="lt1"/>
+            </a:fontRef>
+          </p:style>
+          <p:txBody>
+            <a:bodyPr rtlCol="0" anchor="ctr"/>
+            <a:lstStyle/>
+            <a:p>
+              <a:pPr algn="ctr"/>
+              <a:endParaRPr lang="en-US"/>
+            </a:p>
+          </p:txBody>
+        </p:sp>
+        <p:sp>
+          <p:nvSpPr>
+            <p:cNvPr id="31" name="TextBox 30">
+              <a:extLst>
+                <a:ext uri="{FF2B5EF4-FFF2-40B4-BE49-F238E27FC236}">
+                  <a16:creationId xmlns:a16="http://schemas.microsoft.com/office/drawing/2014/main" id="{14D2480B-0DF0-092B-7517-CBED75CB7641}"/>
+                </a:ext>
+              </a:extLst>
+            </p:cNvPr>
+            <p:cNvSpPr txBox="1"/>
+            <p:nvPr/>
+          </p:nvSpPr>
+          <p:spPr>
+            <a:xfrm>
+              <a:off x="1862336" y="5252207"/>
+              <a:ext cx="1367122" cy="461665"/>
+            </a:xfrm>
+            <a:prstGeom prst="rect">
+              <a:avLst/>
+            </a:prstGeom>
+            <a:noFill/>
+          </p:spPr>
+          <p:txBody>
+            <a:bodyPr wrap="square">
+              <a:spAutoFit/>
+            </a:bodyPr>
+            <a:lstStyle/>
+            <a:p>
+              <a:pPr algn="ctr"/>
+              <a:r>
+                <a:rPr lang="en-US" sz="1200" i="1" dirty="0" err="1"/>
+                <a:t>aggregate_gene</a:t>
+              </a:r>
+              <a:r>
+                <a:rPr lang="en-US" sz="1200" i="1" dirty="0"/>
+                <a:t>_</a:t>
+              </a:r>
+            </a:p>
+            <a:p>
+              <a:pPr algn="ctr"/>
+              <a:r>
+                <a:rPr lang="en-US" sz="1200" i="1" dirty="0"/>
+                <a:t>expression() </a:t>
+              </a:r>
+            </a:p>
+          </p:txBody>
+        </p:sp>
+        <p:sp>
+          <p:nvSpPr>
+            <p:cNvPr id="32" name="Arrow: Right 31">
+              <a:extLst>
+                <a:ext uri="{FF2B5EF4-FFF2-40B4-BE49-F238E27FC236}">
+                  <a16:creationId xmlns:a16="http://schemas.microsoft.com/office/drawing/2014/main" id="{C4D322AC-4153-142C-5026-E2688F5374D4}"/>
+                </a:ext>
+              </a:extLst>
+            </p:cNvPr>
+            <p:cNvSpPr/>
+            <p:nvPr/>
+          </p:nvSpPr>
+          <p:spPr>
+            <a:xfrm rot="5400000">
+              <a:off x="2469412" y="3448288"/>
+              <a:ext cx="152971" cy="386089"/>
+            </a:xfrm>
+            <a:prstGeom prst="rightArrow">
+              <a:avLst/>
+            </a:prstGeom>
+            <a:solidFill>
+              <a:srgbClr val="CBCBCB"/>
+            </a:solidFill>
+            <a:ln>
+              <a:noFill/>
+            </a:ln>
+          </p:spPr>
+          <p:style>
+            <a:lnRef idx="2">
+              <a:schemeClr val="accent1">
+                <a:shade val="15000"/>
+              </a:schemeClr>
+            </a:lnRef>
+            <a:fillRef idx="1">
+              <a:schemeClr val="accent1"/>
+            </a:fillRef>
+            <a:effectRef idx="0">
+              <a:schemeClr val="accent1"/>
+            </a:effectRef>
+            <a:fontRef idx="minor">
+              <a:schemeClr val="lt1"/>
+            </a:fontRef>
+          </p:style>
+          <p:txBody>
+            <a:bodyPr rtlCol="0" anchor="ctr"/>
+            <a:lstStyle/>
+            <a:p>
+              <a:pPr algn="ctr"/>
+              <a:endParaRPr lang="en-US"/>
+            </a:p>
+          </p:txBody>
+        </p:sp>
+        <p:sp>
+          <p:nvSpPr>
+            <p:cNvPr id="33" name="Arrow: Right 32">
+              <a:extLst>
+                <a:ext uri="{FF2B5EF4-FFF2-40B4-BE49-F238E27FC236}">
+                  <a16:creationId xmlns:a16="http://schemas.microsoft.com/office/drawing/2014/main" id="{0475F9B5-A41A-D71D-2C28-6D9285142907}"/>
+                </a:ext>
+              </a:extLst>
+            </p:cNvPr>
+            <p:cNvSpPr/>
+            <p:nvPr/>
+          </p:nvSpPr>
+          <p:spPr>
+            <a:xfrm rot="5400000">
+              <a:off x="2469412" y="5575486"/>
+              <a:ext cx="152971" cy="386089"/>
+            </a:xfrm>
+            <a:prstGeom prst="rightArrow">
+              <a:avLst/>
+            </a:prstGeom>
+            <a:solidFill>
+              <a:srgbClr val="CBCBCB"/>
+            </a:solidFill>
+            <a:ln>
+              <a:noFill/>
+            </a:ln>
+          </p:spPr>
+          <p:style>
+            <a:lnRef idx="2">
+              <a:schemeClr val="accent1">
+                <a:shade val="15000"/>
+              </a:schemeClr>
+            </a:lnRef>
+            <a:fillRef idx="1">
+              <a:schemeClr val="accent1"/>
+            </a:fillRef>
+            <a:effectRef idx="0">
+              <a:schemeClr val="accent1"/>
+            </a:effectRef>
+            <a:fontRef idx="minor">
+              <a:schemeClr val="lt1"/>
+            </a:fontRef>
+          </p:style>
+          <p:txBody>
+            <a:bodyPr rtlCol="0" anchor="ctr"/>
+            <a:lstStyle/>
+            <a:p>
+              <a:pPr algn="ctr"/>
+              <a:endParaRPr lang="en-US"/>
+            </a:p>
+          </p:txBody>
+        </p:sp>
+        <p:sp>
+          <p:nvSpPr>
+            <p:cNvPr id="34" name="Rectangle 33">
+              <a:extLst>
+                <a:ext uri="{FF2B5EF4-FFF2-40B4-BE49-F238E27FC236}">
+                  <a16:creationId xmlns:a16="http://schemas.microsoft.com/office/drawing/2014/main" id="{8B882A42-CA5B-87D0-61C1-EE17C602966E}"/>
+                </a:ext>
+              </a:extLst>
+            </p:cNvPr>
+            <p:cNvSpPr/>
+            <p:nvPr/>
+          </p:nvSpPr>
+          <p:spPr>
+            <a:xfrm>
+              <a:off x="72136" y="919698"/>
+              <a:ext cx="3247136" cy="5658958"/>
+            </a:xfrm>
+            <a:prstGeom prst="rect">
+              <a:avLst/>
+            </a:prstGeom>
+            <a:noFill/>
+            <a:ln>
+              <a:solidFill>
+                <a:schemeClr val="tx1"/>
+              </a:solidFill>
+            </a:ln>
+          </p:spPr>
+          <p:style>
+            <a:lnRef idx="2">
+              <a:schemeClr val="accent1">
+                <a:shade val="15000"/>
+              </a:schemeClr>
+            </a:lnRef>
+            <a:fillRef idx="1">
+              <a:schemeClr val="accent1"/>
+            </a:fillRef>
+            <a:effectRef idx="0">
+              <a:schemeClr val="accent1"/>
+            </a:effectRef>
+            <a:fontRef idx="minor">
+              <a:schemeClr val="lt1"/>
+            </a:fontRef>
+          </p:style>
+          <p:txBody>
+            <a:bodyPr rtlCol="0" anchor="ctr"/>
+            <a:lstStyle/>
+            <a:p>
+              <a:pPr algn="ctr"/>
+              <a:endParaRPr lang="en-US"/>
+            </a:p>
+          </p:txBody>
+        </p:sp>
+        <p:grpSp>
+          <p:nvGrpSpPr>
+            <p:cNvPr id="35" name="Group 34">
+              <a:extLst>
+                <a:ext uri="{FF2B5EF4-FFF2-40B4-BE49-F238E27FC236}">
+                  <a16:creationId xmlns:a16="http://schemas.microsoft.com/office/drawing/2014/main" id="{FBC75112-5246-3FE7-0CB9-A8D694D49EE5}"/>
+                </a:ext>
+              </a:extLst>
+            </p:cNvPr>
+            <p:cNvGrpSpPr/>
+            <p:nvPr/>
+          </p:nvGrpSpPr>
+          <p:grpSpPr>
+            <a:xfrm>
+              <a:off x="197769" y="4934824"/>
+              <a:ext cx="1410693" cy="604375"/>
+              <a:chOff x="127265" y="5734193"/>
+              <a:chExt cx="2170519" cy="604375"/>
+            </a:xfrm>
+          </p:grpSpPr>
+          <p:sp>
+            <p:nvSpPr>
+              <p:cNvPr id="38" name="Rectangle 37">
+                <a:extLst>
+                  <a:ext uri="{FF2B5EF4-FFF2-40B4-BE49-F238E27FC236}">
+                    <a16:creationId xmlns:a16="http://schemas.microsoft.com/office/drawing/2014/main" id="{DBCD8A28-3908-9603-3707-F5E54C3AB975}"/>
+                  </a:ext>
+                </a:extLst>
+              </p:cNvPr>
+              <p:cNvSpPr/>
+              <p:nvPr/>
+            </p:nvSpPr>
+            <p:spPr>
+              <a:xfrm>
+                <a:off x="297469" y="5734193"/>
+                <a:ext cx="1805535" cy="591623"/>
+              </a:xfrm>
+              <a:prstGeom prst="rect">
+                <a:avLst/>
+              </a:prstGeom>
+              <a:solidFill>
+                <a:schemeClr val="bg1"/>
+              </a:solidFill>
+              <a:ln>
+                <a:solidFill>
+                  <a:schemeClr val="tx1"/>
+                </a:solidFill>
+              </a:ln>
+            </p:spPr>
+            <p:style>
+              <a:lnRef idx="2">
+                <a:schemeClr val="accent1">
+                  <a:shade val="15000"/>
+                </a:schemeClr>
+              </a:lnRef>
+              <a:fillRef idx="1">
+                <a:schemeClr val="accent1"/>
+              </a:fillRef>
+              <a:effectRef idx="0">
+                <a:schemeClr val="accent1"/>
+              </a:effectRef>
+              <a:fontRef idx="minor">
+                <a:schemeClr val="lt1"/>
+              </a:fontRef>
+            </p:style>
+            <p:txBody>
+              <a:bodyPr rtlCol="0" anchor="ctr"/>
+              <a:lstStyle/>
+              <a:p>
+                <a:pPr algn="ctr"/>
+                <a:endParaRPr lang="en-US">
+                  <a:solidFill>
+                    <a:schemeClr val="tx1"/>
+                  </a:solidFill>
+                </a:endParaRPr>
+              </a:p>
+            </p:txBody>
+          </p:sp>
+          <p:sp>
+            <p:nvSpPr>
+              <p:cNvPr id="39" name="TextBox 38">
+                <a:extLst>
+                  <a:ext uri="{FF2B5EF4-FFF2-40B4-BE49-F238E27FC236}">
+                    <a16:creationId xmlns:a16="http://schemas.microsoft.com/office/drawing/2014/main" id="{5B2CC85E-01C3-76D4-EF39-D2AA89A435F2}"/>
+                  </a:ext>
+                </a:extLst>
+              </p:cNvPr>
+              <p:cNvSpPr txBox="1"/>
+              <p:nvPr/>
+            </p:nvSpPr>
+            <p:spPr>
+              <a:xfrm>
+                <a:off x="127265" y="5753793"/>
+                <a:ext cx="2170519" cy="584775"/>
+              </a:xfrm>
+              <a:prstGeom prst="rect">
+                <a:avLst/>
+              </a:prstGeom>
+              <a:noFill/>
+            </p:spPr>
+            <p:txBody>
+              <a:bodyPr wrap="square" rtlCol="0">
+                <a:spAutoFit/>
+              </a:bodyPr>
+              <a:lstStyle/>
+              <a:p>
+                <a:pPr algn="ctr"/>
+                <a:r>
+                  <a:rPr lang="en-US" sz="1600" b="1" dirty="0"/>
+                  <a:t>Cell Type Annotation</a:t>
+                </a:r>
+              </a:p>
+            </p:txBody>
+          </p:sp>
+        </p:grpSp>
+        <p:sp>
+          <p:nvSpPr>
+            <p:cNvPr id="36" name="Arrow: Right 35">
+              <a:extLst>
+                <a:ext uri="{FF2B5EF4-FFF2-40B4-BE49-F238E27FC236}">
+                  <a16:creationId xmlns:a16="http://schemas.microsoft.com/office/drawing/2014/main" id="{D8BFF939-B291-BCCE-DBE3-95C1F5DAF35D}"/>
+                </a:ext>
+              </a:extLst>
+            </p:cNvPr>
+            <p:cNvSpPr/>
+            <p:nvPr/>
+          </p:nvSpPr>
+          <p:spPr>
+            <a:xfrm rot="5400000">
+              <a:off x="826630" y="4581189"/>
+              <a:ext cx="152971" cy="386089"/>
+            </a:xfrm>
+            <a:prstGeom prst="rightArrow">
+              <a:avLst/>
+            </a:prstGeom>
+            <a:solidFill>
+              <a:srgbClr val="CBCBCB"/>
+            </a:solidFill>
+            <a:ln>
+              <a:noFill/>
+            </a:ln>
+          </p:spPr>
+          <p:style>
+            <a:lnRef idx="2">
+              <a:schemeClr val="accent1">
+                <a:shade val="15000"/>
+              </a:schemeClr>
+            </a:lnRef>
+            <a:fillRef idx="1">
+              <a:schemeClr val="accent1"/>
+            </a:fillRef>
+            <a:effectRef idx="0">
+              <a:schemeClr val="accent1"/>
+            </a:effectRef>
+            <a:fontRef idx="minor">
+              <a:schemeClr val="lt1"/>
+            </a:fontRef>
+          </p:style>
+          <p:txBody>
+            <a:bodyPr rtlCol="0" anchor="ctr"/>
+            <a:lstStyle/>
+            <a:p>
+              <a:pPr algn="ctr"/>
+              <a:endParaRPr lang="en-US"/>
+            </a:p>
+          </p:txBody>
+        </p:sp>
+        <p:sp>
+          <p:nvSpPr>
+            <p:cNvPr id="37" name="Arrow: Right 36">
+              <a:extLst>
+                <a:ext uri="{FF2B5EF4-FFF2-40B4-BE49-F238E27FC236}">
+                  <a16:creationId xmlns:a16="http://schemas.microsoft.com/office/drawing/2014/main" id="{F61D32A1-2840-06E3-A08A-2C7E51B67BFE}"/>
+                </a:ext>
+              </a:extLst>
+            </p:cNvPr>
+            <p:cNvSpPr/>
+            <p:nvPr/>
+          </p:nvSpPr>
+          <p:spPr>
+            <a:xfrm rot="5400000">
+              <a:off x="2483190" y="1584593"/>
+              <a:ext cx="125415" cy="386089"/>
+            </a:xfrm>
+            <a:prstGeom prst="rightArrow">
+              <a:avLst/>
+            </a:prstGeom>
+            <a:solidFill>
+              <a:srgbClr val="CBCBCB"/>
+            </a:solidFill>
+            <a:ln>
+              <a:noFill/>
+            </a:ln>
+          </p:spPr>
+          <p:style>
+            <a:lnRef idx="2">
+              <a:schemeClr val="accent1">
+                <a:shade val="15000"/>
+              </a:schemeClr>
+            </a:lnRef>
+            <a:fillRef idx="1">
+              <a:schemeClr val="accent1"/>
+            </a:fillRef>
+            <a:effectRef idx="0">
+              <a:schemeClr val="accent1"/>
+            </a:effectRef>
+            <a:fontRef idx="minor">
+              <a:schemeClr val="lt1"/>
+            </a:fontRef>
+          </p:style>
+          <p:txBody>
+            <a:bodyPr rtlCol="0" anchor="ctr"/>
+            <a:lstStyle/>
+            <a:p>
+              <a:pPr algn="ctr"/>
+              <a:endParaRPr lang="en-US"/>
+            </a:p>
+          </p:txBody>
+        </p:sp>
+      </p:grpSp>
+      <p:grpSp>
+        <p:nvGrpSpPr>
+          <p:cNvPr id="62" name="Group 61">
+            <a:extLst>
+              <a:ext uri="{FF2B5EF4-FFF2-40B4-BE49-F238E27FC236}">
+                <a16:creationId xmlns:a16="http://schemas.microsoft.com/office/drawing/2014/main" id="{11A38DB7-AEC2-E6BF-CDDD-0846D1948959}"/>
+              </a:ext>
+            </a:extLst>
+          </p:cNvPr>
+          <p:cNvGrpSpPr/>
+          <p:nvPr/>
+        </p:nvGrpSpPr>
+        <p:grpSpPr>
+          <a:xfrm>
+            <a:off x="1252003" y="5041043"/>
+            <a:ext cx="1264277" cy="635064"/>
+            <a:chOff x="299002" y="659303"/>
+            <a:chExt cx="1236904" cy="251922"/>
+          </a:xfrm>
+        </p:grpSpPr>
+        <p:sp>
+          <p:nvSpPr>
+            <p:cNvPr id="63" name="Rectangle 62">
+              <a:extLst>
+                <a:ext uri="{FF2B5EF4-FFF2-40B4-BE49-F238E27FC236}">
+                  <a16:creationId xmlns:a16="http://schemas.microsoft.com/office/drawing/2014/main" id="{26C52022-F4BD-54CC-6F5B-DAD1A24F5057}"/>
+                </a:ext>
+              </a:extLst>
+            </p:cNvPr>
+            <p:cNvSpPr/>
+            <p:nvPr userDrawn="1"/>
+          </p:nvSpPr>
+          <p:spPr>
+            <a:xfrm>
+              <a:off x="299002" y="659303"/>
+              <a:ext cx="1236904" cy="251922"/>
+            </a:xfrm>
+            <a:prstGeom prst="rect">
+              <a:avLst/>
+            </a:prstGeom>
+            <a:solidFill>
+              <a:schemeClr val="tx1">
+                <a:lumMod val="65000"/>
+                <a:lumOff val="35000"/>
+              </a:schemeClr>
+            </a:solidFill>
+            <a:ln>
+              <a:noFill/>
+            </a:ln>
+          </p:spPr>
+          <p:style>
+            <a:lnRef idx="2">
+              <a:schemeClr val="accent1">
+                <a:shade val="15000"/>
+              </a:schemeClr>
+            </a:lnRef>
+            <a:fillRef idx="1">
+              <a:schemeClr val="accent1"/>
+            </a:fillRef>
+            <a:effectRef idx="0">
+              <a:schemeClr val="accent1"/>
+            </a:effectRef>
+            <a:fontRef idx="minor">
+              <a:schemeClr val="lt1"/>
+            </a:fontRef>
+          </p:style>
+          <p:txBody>
+            <a:bodyPr rtlCol="0" anchor="ctr"/>
+            <a:lstStyle/>
+            <a:p>
+              <a:pPr algn="ctr"/>
+              <a:endParaRPr lang="en-US">
+                <a:ln>
+                  <a:noFill/>
+                </a:ln>
+              </a:endParaRPr>
+            </a:p>
+          </p:txBody>
+        </p:sp>
+        <p:sp>
+          <p:nvSpPr>
+            <p:cNvPr id="64" name="Rectangle 63">
+              <a:extLst>
+                <a:ext uri="{FF2B5EF4-FFF2-40B4-BE49-F238E27FC236}">
+                  <a16:creationId xmlns:a16="http://schemas.microsoft.com/office/drawing/2014/main" id="{A0357073-B7A6-69B3-4F83-BA10986F2E3D}"/>
+                </a:ext>
+              </a:extLst>
+            </p:cNvPr>
+            <p:cNvSpPr/>
+            <p:nvPr userDrawn="1"/>
+          </p:nvSpPr>
+          <p:spPr>
+            <a:xfrm>
+              <a:off x="299002" y="661684"/>
+              <a:ext cx="1217854" cy="238429"/>
+            </a:xfrm>
+            <a:prstGeom prst="rect">
+              <a:avLst/>
+            </a:prstGeom>
+            <a:solidFill>
+              <a:schemeClr val="bg1">
+                <a:lumMod val="75000"/>
+              </a:schemeClr>
+            </a:solidFill>
+            <a:ln>
+              <a:noFill/>
+            </a:ln>
+          </p:spPr>
+          <p:style>
+            <a:lnRef idx="2">
+              <a:schemeClr val="accent1">
+                <a:shade val="15000"/>
+              </a:schemeClr>
+            </a:lnRef>
+            <a:fillRef idx="1">
+              <a:schemeClr val="accent1"/>
+            </a:fillRef>
+            <a:effectRef idx="0">
+              <a:schemeClr val="accent1"/>
+            </a:effectRef>
+            <a:fontRef idx="minor">
+              <a:schemeClr val="lt1"/>
+            </a:fontRef>
+          </p:style>
+          <p:txBody>
+            <a:bodyPr rtlCol="0" anchor="ctr"/>
+            <a:lstStyle/>
+            <a:p>
+              <a:pPr algn="ctr"/>
+              <a:endParaRPr lang="en-US">
+                <a:ln>
+                  <a:noFill/>
+                </a:ln>
+              </a:endParaRPr>
+            </a:p>
+          </p:txBody>
+        </p:sp>
+      </p:grpSp>
+      <p:grpSp>
+        <p:nvGrpSpPr>
+          <p:cNvPr id="101" name="Group 100">
+            <a:extLst>
+              <a:ext uri="{FF2B5EF4-FFF2-40B4-BE49-F238E27FC236}">
+                <a16:creationId xmlns:a16="http://schemas.microsoft.com/office/drawing/2014/main" id="{266C8285-C57C-DA60-BE95-32EAB3A31144}"/>
+              </a:ext>
+            </a:extLst>
+          </p:cNvPr>
+          <p:cNvGrpSpPr/>
+          <p:nvPr/>
+        </p:nvGrpSpPr>
+        <p:grpSpPr>
+          <a:xfrm>
+            <a:off x="969589" y="5028783"/>
+            <a:ext cx="1770098" cy="858361"/>
+            <a:chOff x="-42697" y="3662050"/>
+            <a:chExt cx="1770098" cy="858361"/>
+          </a:xfrm>
+        </p:grpSpPr>
+        <p:sp>
+          <p:nvSpPr>
+            <p:cNvPr id="102" name="Rectangle 101">
+              <a:extLst>
+                <a:ext uri="{FF2B5EF4-FFF2-40B4-BE49-F238E27FC236}">
+                  <a16:creationId xmlns:a16="http://schemas.microsoft.com/office/drawing/2014/main" id="{12616EA0-4C1C-AB8F-E3E4-3D71C565CD3E}"/>
+                </a:ext>
+              </a:extLst>
+            </p:cNvPr>
+            <p:cNvSpPr/>
+            <p:nvPr/>
+          </p:nvSpPr>
+          <p:spPr>
+            <a:xfrm>
+              <a:off x="231253" y="3671011"/>
+              <a:ext cx="1222198" cy="611905"/>
+            </a:xfrm>
+            <a:prstGeom prst="rect">
+              <a:avLst/>
+            </a:prstGeom>
+            <a:solidFill>
+              <a:schemeClr val="bg1"/>
+            </a:solidFill>
+            <a:ln>
+              <a:solidFill>
+                <a:schemeClr val="tx1"/>
+              </a:solidFill>
+            </a:ln>
+          </p:spPr>
+          <p:style>
+            <a:lnRef idx="2">
+              <a:schemeClr val="accent1">
+                <a:shade val="15000"/>
+              </a:schemeClr>
+            </a:lnRef>
+            <a:fillRef idx="1">
+              <a:schemeClr val="accent1"/>
+            </a:fillRef>
+            <a:effectRef idx="0">
+              <a:schemeClr val="accent1"/>
+            </a:effectRef>
+            <a:fontRef idx="minor">
+              <a:schemeClr val="lt1"/>
+            </a:fontRef>
+          </p:style>
+          <p:txBody>
+            <a:bodyPr rtlCol="0" anchor="ctr"/>
+            <a:lstStyle/>
+            <a:p>
+              <a:pPr algn="ctr">
+                <a:lnSpc>
+                  <a:spcPts val="1500"/>
+                </a:lnSpc>
+              </a:pPr>
+              <a:endParaRPr lang="en-US">
+                <a:solidFill>
+                  <a:schemeClr val="tx1"/>
+                </a:solidFill>
+              </a:endParaRPr>
+            </a:p>
+          </p:txBody>
+        </p:sp>
+        <p:sp>
+          <p:nvSpPr>
+            <p:cNvPr id="103" name="TextBox 102">
+              <a:extLst>
+                <a:ext uri="{FF2B5EF4-FFF2-40B4-BE49-F238E27FC236}">
+                  <a16:creationId xmlns:a16="http://schemas.microsoft.com/office/drawing/2014/main" id="{B556A956-1B48-6DAE-E33F-4B735546E063}"/>
+                </a:ext>
+              </a:extLst>
+            </p:cNvPr>
+            <p:cNvSpPr txBox="1"/>
+            <p:nvPr/>
+          </p:nvSpPr>
+          <p:spPr>
+            <a:xfrm>
+              <a:off x="76785" y="3662050"/>
+              <a:ext cx="1487583" cy="675441"/>
+            </a:xfrm>
+            <a:prstGeom prst="rect">
+              <a:avLst/>
+            </a:prstGeom>
+            <a:noFill/>
+          </p:spPr>
+          <p:txBody>
+            <a:bodyPr wrap="square" rtlCol="0">
+              <a:spAutoFit/>
+            </a:bodyPr>
+            <a:lstStyle/>
+            <a:p>
+              <a:pPr algn="ctr">
+                <a:lnSpc>
+                  <a:spcPts val="1500"/>
+                </a:lnSpc>
+              </a:pPr>
+              <a:r>
+                <a:rPr lang="en-US" sz="1600" b="1" dirty="0"/>
+                <a:t>Linear Dimensional </a:t>
+              </a:r>
+            </a:p>
+            <a:p>
+              <a:pPr algn="ctr">
+                <a:lnSpc>
+                  <a:spcPts val="1500"/>
+                </a:lnSpc>
+              </a:pPr>
+              <a:r>
+                <a:rPr lang="en-US" sz="1600" b="1" dirty="0"/>
+                <a:t>Reduction </a:t>
+              </a:r>
+            </a:p>
+          </p:txBody>
+        </p:sp>
+        <p:sp>
+          <p:nvSpPr>
+            <p:cNvPr id="104" name="TextBox 103">
+              <a:extLst>
+                <a:ext uri="{FF2B5EF4-FFF2-40B4-BE49-F238E27FC236}">
+                  <a16:creationId xmlns:a16="http://schemas.microsoft.com/office/drawing/2014/main" id="{C74D5891-2B99-911C-1311-A5087A80EC31}"/>
+                </a:ext>
+              </a:extLst>
+            </p:cNvPr>
+            <p:cNvSpPr txBox="1"/>
+            <p:nvPr/>
+          </p:nvSpPr>
+          <p:spPr>
+            <a:xfrm>
+              <a:off x="-42697" y="4243412"/>
+              <a:ext cx="1770098" cy="276999"/>
+            </a:xfrm>
+            <a:prstGeom prst="rect">
+              <a:avLst/>
+            </a:prstGeom>
+            <a:noFill/>
+          </p:spPr>
+          <p:txBody>
+            <a:bodyPr wrap="square">
+              <a:spAutoFit/>
+            </a:bodyPr>
+            <a:lstStyle/>
+            <a:p>
+              <a:pPr algn="ctr"/>
+              <a:r>
+                <a:rPr lang="en-US" sz="1200" i="1" dirty="0" err="1"/>
+                <a:t>RunPCA</a:t>
+              </a:r>
+              <a:r>
+                <a:rPr lang="en-US" sz="1200" i="1" dirty="0"/>
+                <a:t>(), </a:t>
+              </a:r>
+              <a:r>
+                <a:rPr lang="en-US" sz="1200" i="1" dirty="0" err="1"/>
+                <a:t>ElbowPlot</a:t>
+              </a:r>
+              <a:r>
+                <a:rPr lang="en-US" sz="1200" i="1" dirty="0"/>
+                <a:t>() </a:t>
+              </a:r>
+            </a:p>
+          </p:txBody>
+        </p:sp>
+      </p:grpSp>
+      <p:grpSp>
+        <p:nvGrpSpPr>
+          <p:cNvPr id="105" name="Group 104">
+            <a:extLst>
+              <a:ext uri="{FF2B5EF4-FFF2-40B4-BE49-F238E27FC236}">
+                <a16:creationId xmlns:a16="http://schemas.microsoft.com/office/drawing/2014/main" id="{63E6C1F4-4E4C-D42A-C0C0-9E1857EF2D60}"/>
+              </a:ext>
+            </a:extLst>
+          </p:cNvPr>
+          <p:cNvGrpSpPr/>
+          <p:nvPr/>
+        </p:nvGrpSpPr>
+        <p:grpSpPr>
+          <a:xfrm>
+            <a:off x="3053882" y="3311459"/>
+            <a:ext cx="1410693" cy="638712"/>
+            <a:chOff x="105943" y="5254920"/>
+            <a:chExt cx="1410693" cy="638712"/>
+          </a:xfrm>
+        </p:grpSpPr>
+        <p:sp>
+          <p:nvSpPr>
+            <p:cNvPr id="106" name="Rectangle 105">
+              <a:extLst>
+                <a:ext uri="{FF2B5EF4-FFF2-40B4-BE49-F238E27FC236}">
+                  <a16:creationId xmlns:a16="http://schemas.microsoft.com/office/drawing/2014/main" id="{A9699690-DAA3-1BC5-CDD4-84C59BAC149C}"/>
+                </a:ext>
+              </a:extLst>
+            </p:cNvPr>
+            <p:cNvSpPr/>
+            <p:nvPr/>
+          </p:nvSpPr>
+          <p:spPr>
+            <a:xfrm>
+              <a:off x="297489" y="5303690"/>
+              <a:ext cx="1089727" cy="239860"/>
+            </a:xfrm>
+            <a:prstGeom prst="rect">
+              <a:avLst/>
+            </a:prstGeom>
+            <a:solidFill>
+              <a:schemeClr val="bg1"/>
+            </a:solidFill>
+            <a:ln>
+              <a:solidFill>
+                <a:schemeClr val="tx1"/>
+              </a:solidFill>
+            </a:ln>
+          </p:spPr>
+          <p:style>
+            <a:lnRef idx="2">
+              <a:schemeClr val="accent1">
+                <a:shade val="15000"/>
+              </a:schemeClr>
+            </a:lnRef>
+            <a:fillRef idx="1">
+              <a:schemeClr val="accent1"/>
+            </a:fillRef>
+            <a:effectRef idx="0">
+              <a:schemeClr val="accent1"/>
+            </a:effectRef>
+            <a:fontRef idx="minor">
+              <a:schemeClr val="lt1"/>
+            </a:fontRef>
+          </p:style>
+          <p:txBody>
+            <a:bodyPr rtlCol="0" anchor="ctr"/>
+            <a:lstStyle/>
+            <a:p>
+              <a:pPr algn="ctr"/>
+              <a:endParaRPr lang="en-US">
+                <a:solidFill>
+                  <a:schemeClr val="tx1"/>
+                </a:solidFill>
+              </a:endParaRPr>
+            </a:p>
+          </p:txBody>
+        </p:sp>
+        <p:sp>
+          <p:nvSpPr>
+            <p:cNvPr id="107" name="TextBox 106">
+              <a:extLst>
+                <a:ext uri="{FF2B5EF4-FFF2-40B4-BE49-F238E27FC236}">
+                  <a16:creationId xmlns:a16="http://schemas.microsoft.com/office/drawing/2014/main" id="{CE44106C-6228-5582-9113-9AC210593AEE}"/>
+                </a:ext>
+              </a:extLst>
+            </p:cNvPr>
+            <p:cNvSpPr txBox="1"/>
+            <p:nvPr/>
+          </p:nvSpPr>
+          <p:spPr>
+            <a:xfrm>
+              <a:off x="105943" y="5254920"/>
+              <a:ext cx="1410693" cy="338554"/>
+            </a:xfrm>
+            <a:prstGeom prst="rect">
+              <a:avLst/>
+            </a:prstGeom>
+            <a:noFill/>
+          </p:spPr>
+          <p:txBody>
+            <a:bodyPr wrap="square" rtlCol="0">
+              <a:spAutoFit/>
+            </a:bodyPr>
+            <a:lstStyle/>
+            <a:p>
+              <a:pPr algn="ctr"/>
+              <a:r>
+                <a:rPr lang="en-US" sz="1600" b="1" dirty="0"/>
+                <a:t>Clustering</a:t>
+              </a:r>
+            </a:p>
+          </p:txBody>
+        </p:sp>
+        <p:sp>
+          <p:nvSpPr>
+            <p:cNvPr id="108" name="TextBox 107">
+              <a:extLst>
+                <a:ext uri="{FF2B5EF4-FFF2-40B4-BE49-F238E27FC236}">
+                  <a16:creationId xmlns:a16="http://schemas.microsoft.com/office/drawing/2014/main" id="{4B03EF8C-F6F4-E757-305D-169DA7A2AF8D}"/>
+                </a:ext>
+              </a:extLst>
+            </p:cNvPr>
+            <p:cNvSpPr txBox="1"/>
+            <p:nvPr/>
+          </p:nvSpPr>
+          <p:spPr>
+            <a:xfrm>
+              <a:off x="208654" y="5407986"/>
+              <a:ext cx="1267397" cy="485646"/>
+            </a:xfrm>
+            <a:prstGeom prst="rect">
+              <a:avLst/>
+            </a:prstGeom>
+            <a:noFill/>
+          </p:spPr>
+          <p:txBody>
+            <a:bodyPr wrap="square">
+              <a:spAutoFit/>
+            </a:bodyPr>
+            <a:lstStyle/>
+            <a:p>
+              <a:pPr algn="ctr">
+                <a:lnSpc>
+                  <a:spcPts val="1000"/>
+                </a:lnSpc>
+              </a:pPr>
+              <a:r>
+                <a:rPr lang="en-US" sz="1200" i="1" dirty="0"/>
+                <a:t> </a:t>
+              </a:r>
+              <a:r>
+                <a:rPr lang="en-US" sz="1200" i="1" dirty="0" err="1"/>
+                <a:t>FindNeighbors</a:t>
+              </a:r>
+              <a:r>
+                <a:rPr lang="en-US" sz="1200" i="1" dirty="0"/>
+                <a:t>(),</a:t>
+              </a:r>
+              <a:r>
+                <a:rPr lang="en-US" sz="1200" i="1" dirty="0" err="1"/>
+                <a:t>FindClusters</a:t>
+              </a:r>
+              <a:r>
+                <a:rPr lang="en-US" sz="1200" i="1" dirty="0"/>
+                <a:t>()</a:t>
+              </a:r>
+            </a:p>
+          </p:txBody>
+        </p:sp>
+      </p:grpSp>
+      <p:grpSp>
+        <p:nvGrpSpPr>
+          <p:cNvPr id="109" name="Group 108">
+            <a:extLst>
+              <a:ext uri="{FF2B5EF4-FFF2-40B4-BE49-F238E27FC236}">
+                <a16:creationId xmlns:a16="http://schemas.microsoft.com/office/drawing/2014/main" id="{3136763A-592F-80E2-5101-29F035541AF7}"/>
+              </a:ext>
+            </a:extLst>
+          </p:cNvPr>
+          <p:cNvGrpSpPr/>
+          <p:nvPr/>
+        </p:nvGrpSpPr>
+        <p:grpSpPr>
+          <a:xfrm>
+            <a:off x="2863336" y="4370180"/>
+            <a:ext cx="1791785" cy="867408"/>
+            <a:chOff x="-53540" y="6027627"/>
+            <a:chExt cx="1791785" cy="867408"/>
+          </a:xfrm>
+        </p:grpSpPr>
+        <p:sp>
+          <p:nvSpPr>
+            <p:cNvPr id="110" name="TextBox 109">
+              <a:extLst>
+                <a:ext uri="{FF2B5EF4-FFF2-40B4-BE49-F238E27FC236}">
+                  <a16:creationId xmlns:a16="http://schemas.microsoft.com/office/drawing/2014/main" id="{E9F350A5-ABF2-33EF-9681-09C28F038CE1}"/>
+                </a:ext>
+              </a:extLst>
+            </p:cNvPr>
+            <p:cNvSpPr txBox="1"/>
+            <p:nvPr/>
+          </p:nvSpPr>
+          <p:spPr>
+            <a:xfrm>
+              <a:off x="-53540" y="6618036"/>
+              <a:ext cx="1791785" cy="276999"/>
+            </a:xfrm>
+            <a:prstGeom prst="rect">
+              <a:avLst/>
+            </a:prstGeom>
+            <a:noFill/>
+          </p:spPr>
+          <p:txBody>
+            <a:bodyPr wrap="square">
+              <a:spAutoFit/>
+            </a:bodyPr>
+            <a:lstStyle/>
+            <a:p>
+              <a:pPr algn="ctr"/>
+              <a:r>
+                <a:rPr lang="en-US" sz="1200" i="1" dirty="0" err="1"/>
+                <a:t>RunUMAP</a:t>
+              </a:r>
+              <a:r>
+                <a:rPr lang="en-US" sz="1200" i="1" dirty="0"/>
+                <a:t>(), </a:t>
+              </a:r>
+              <a:r>
+                <a:rPr lang="en-US" sz="1200" i="1" dirty="0" err="1"/>
+                <a:t>DimPlot</a:t>
+              </a:r>
+              <a:r>
+                <a:rPr lang="en-US" sz="1200" i="1" dirty="0"/>
+                <a:t>()</a:t>
+              </a:r>
+            </a:p>
+          </p:txBody>
+        </p:sp>
+        <p:sp>
+          <p:nvSpPr>
+            <p:cNvPr id="111" name="Rectangle 110">
+              <a:extLst>
+                <a:ext uri="{FF2B5EF4-FFF2-40B4-BE49-F238E27FC236}">
+                  <a16:creationId xmlns:a16="http://schemas.microsoft.com/office/drawing/2014/main" id="{24B3FF62-3A55-6AD1-4776-C3EC507A9B68}"/>
+                </a:ext>
+              </a:extLst>
+            </p:cNvPr>
+            <p:cNvSpPr/>
+            <p:nvPr/>
+          </p:nvSpPr>
+          <p:spPr>
+            <a:xfrm>
+              <a:off x="289902" y="6032340"/>
+              <a:ext cx="1104900" cy="632460"/>
+            </a:xfrm>
+            <a:prstGeom prst="rect">
+              <a:avLst/>
+            </a:prstGeom>
+            <a:solidFill>
+              <a:schemeClr val="bg1"/>
+            </a:solidFill>
+            <a:ln>
+              <a:solidFill>
+                <a:schemeClr val="tx1"/>
+              </a:solidFill>
+            </a:ln>
+          </p:spPr>
+          <p:style>
+            <a:lnRef idx="2">
+              <a:schemeClr val="accent1">
+                <a:shade val="15000"/>
+              </a:schemeClr>
+            </a:lnRef>
+            <a:fillRef idx="1">
+              <a:schemeClr val="accent1"/>
+            </a:fillRef>
+            <a:effectRef idx="0">
+              <a:schemeClr val="accent1"/>
+            </a:effectRef>
+            <a:fontRef idx="minor">
+              <a:schemeClr val="lt1"/>
+            </a:fontRef>
+          </p:style>
+          <p:txBody>
+            <a:bodyPr rtlCol="0" anchor="ctr"/>
+            <a:lstStyle/>
+            <a:p>
+              <a:pPr algn="ctr">
+                <a:lnSpc>
+                  <a:spcPts val="1500"/>
+                </a:lnSpc>
+              </a:pPr>
+              <a:endParaRPr lang="en-US">
+                <a:solidFill>
+                  <a:schemeClr val="tx1"/>
+                </a:solidFill>
+              </a:endParaRPr>
+            </a:p>
+          </p:txBody>
+        </p:sp>
+        <p:sp>
+          <p:nvSpPr>
+            <p:cNvPr id="112" name="TextBox 111">
+              <a:extLst>
+                <a:ext uri="{FF2B5EF4-FFF2-40B4-BE49-F238E27FC236}">
+                  <a16:creationId xmlns:a16="http://schemas.microsoft.com/office/drawing/2014/main" id="{AB12A1CD-0A7A-BA6D-0CCE-C76E80E1562A}"/>
+                </a:ext>
+              </a:extLst>
+            </p:cNvPr>
+            <p:cNvSpPr txBox="1"/>
+            <p:nvPr/>
+          </p:nvSpPr>
+          <p:spPr>
+            <a:xfrm>
+              <a:off x="137006" y="6027627"/>
+              <a:ext cx="1410693" cy="675441"/>
+            </a:xfrm>
+            <a:prstGeom prst="rect">
+              <a:avLst/>
+            </a:prstGeom>
+            <a:noFill/>
+          </p:spPr>
+          <p:txBody>
+            <a:bodyPr wrap="square" rtlCol="0">
+              <a:spAutoFit/>
+            </a:bodyPr>
+            <a:lstStyle/>
+            <a:p>
+              <a:pPr algn="ctr">
+                <a:lnSpc>
+                  <a:spcPts val="1500"/>
+                </a:lnSpc>
+              </a:pPr>
+              <a:r>
+                <a:rPr lang="en-US" sz="1600" b="1" dirty="0"/>
+                <a:t>Nonlinear Dimension Reduction</a:t>
+              </a:r>
+            </a:p>
+          </p:txBody>
+        </p:sp>
+      </p:grpSp>
+      <p:grpSp>
+        <p:nvGrpSpPr>
+          <p:cNvPr id="128" name="Group 127">
+            <a:extLst>
+              <a:ext uri="{FF2B5EF4-FFF2-40B4-BE49-F238E27FC236}">
+                <a16:creationId xmlns:a16="http://schemas.microsoft.com/office/drawing/2014/main" id="{2BED54B4-C051-0B85-8C8B-A18582326FEE}"/>
+              </a:ext>
+            </a:extLst>
+          </p:cNvPr>
+          <p:cNvGrpSpPr/>
+          <p:nvPr/>
+        </p:nvGrpSpPr>
+        <p:grpSpPr>
+          <a:xfrm>
+            <a:off x="921059" y="1885176"/>
+            <a:ext cx="1842877" cy="2957797"/>
+            <a:chOff x="2112366" y="662646"/>
+            <a:chExt cx="1842877" cy="2957797"/>
+          </a:xfrm>
+        </p:grpSpPr>
+        <p:grpSp>
+          <p:nvGrpSpPr>
+            <p:cNvPr id="65" name="Group 64">
+              <a:extLst>
+                <a:ext uri="{FF2B5EF4-FFF2-40B4-BE49-F238E27FC236}">
+                  <a16:creationId xmlns:a16="http://schemas.microsoft.com/office/drawing/2014/main" id="{B3125BC3-DD64-DFF1-5261-4A852BD9E1FC}"/>
+                </a:ext>
+              </a:extLst>
+            </p:cNvPr>
+            <p:cNvGrpSpPr/>
+            <p:nvPr/>
+          </p:nvGrpSpPr>
+          <p:grpSpPr>
+            <a:xfrm>
+              <a:off x="2541467" y="3145241"/>
+              <a:ext cx="976179" cy="261249"/>
+              <a:chOff x="299002" y="659303"/>
+              <a:chExt cx="1236904" cy="251922"/>
+            </a:xfrm>
+          </p:grpSpPr>
+          <p:sp>
+            <p:nvSpPr>
+              <p:cNvPr id="66" name="Rectangle 65">
+                <a:extLst>
+                  <a:ext uri="{FF2B5EF4-FFF2-40B4-BE49-F238E27FC236}">
+                    <a16:creationId xmlns:a16="http://schemas.microsoft.com/office/drawing/2014/main" id="{B99769D3-B07E-B581-8509-D257D909595C}"/>
+                  </a:ext>
+                </a:extLst>
+              </p:cNvPr>
+              <p:cNvSpPr/>
+              <p:nvPr userDrawn="1"/>
+            </p:nvSpPr>
+            <p:spPr>
+              <a:xfrm>
+                <a:off x="299002" y="659303"/>
+                <a:ext cx="1236904" cy="251922"/>
+              </a:xfrm>
+              <a:prstGeom prst="rect">
+                <a:avLst/>
+              </a:prstGeom>
+              <a:solidFill>
+                <a:schemeClr val="tx1">
+                  <a:lumMod val="65000"/>
+                  <a:lumOff val="35000"/>
+                </a:schemeClr>
+              </a:solidFill>
+              <a:ln>
+                <a:noFill/>
+              </a:ln>
+            </p:spPr>
+            <p:style>
+              <a:lnRef idx="2">
+                <a:schemeClr val="accent1">
+                  <a:shade val="15000"/>
+                </a:schemeClr>
+              </a:lnRef>
+              <a:fillRef idx="1">
+                <a:schemeClr val="accent1"/>
+              </a:fillRef>
+              <a:effectRef idx="0">
+                <a:schemeClr val="accent1"/>
+              </a:effectRef>
+              <a:fontRef idx="minor">
+                <a:schemeClr val="lt1"/>
+              </a:fontRef>
+            </p:style>
+            <p:txBody>
+              <a:bodyPr rtlCol="0" anchor="ctr"/>
+              <a:lstStyle/>
+              <a:p>
+                <a:pPr algn="ctr"/>
+                <a:endParaRPr lang="en-US">
+                  <a:ln>
+                    <a:noFill/>
+                  </a:ln>
+                </a:endParaRPr>
+              </a:p>
+            </p:txBody>
+          </p:sp>
+          <p:sp>
+            <p:nvSpPr>
+              <p:cNvPr id="67" name="Rectangle 66">
+                <a:extLst>
+                  <a:ext uri="{FF2B5EF4-FFF2-40B4-BE49-F238E27FC236}">
+                    <a16:creationId xmlns:a16="http://schemas.microsoft.com/office/drawing/2014/main" id="{E21FA750-0D84-0421-CCFD-D11C9F223AB5}"/>
+                  </a:ext>
+                </a:extLst>
+              </p:cNvPr>
+              <p:cNvSpPr/>
+              <p:nvPr userDrawn="1"/>
+            </p:nvSpPr>
+            <p:spPr>
+              <a:xfrm>
+                <a:off x="299002" y="661684"/>
+                <a:ext cx="1217854" cy="238429"/>
+              </a:xfrm>
+              <a:prstGeom prst="rect">
+                <a:avLst/>
+              </a:prstGeom>
+              <a:solidFill>
+                <a:schemeClr val="bg1">
+                  <a:lumMod val="75000"/>
+                </a:schemeClr>
+              </a:solidFill>
+              <a:ln>
+                <a:noFill/>
+              </a:ln>
+            </p:spPr>
+            <p:style>
+              <a:lnRef idx="2">
+                <a:schemeClr val="accent1">
+                  <a:shade val="15000"/>
+                </a:schemeClr>
+              </a:lnRef>
+              <a:fillRef idx="1">
+                <a:schemeClr val="accent1"/>
+              </a:fillRef>
+              <a:effectRef idx="0">
+                <a:schemeClr val="accent1"/>
+              </a:effectRef>
+              <a:fontRef idx="minor">
+                <a:schemeClr val="lt1"/>
+              </a:fontRef>
+            </p:style>
+            <p:txBody>
+              <a:bodyPr rtlCol="0" anchor="ctr"/>
+              <a:lstStyle/>
+              <a:p>
+                <a:pPr algn="ctr"/>
+                <a:endParaRPr lang="en-US">
+                  <a:ln>
+                    <a:noFill/>
+                  </a:ln>
+                </a:endParaRPr>
+              </a:p>
+            </p:txBody>
+          </p:sp>
+        </p:grpSp>
+        <p:grpSp>
+          <p:nvGrpSpPr>
+            <p:cNvPr id="68" name="Group 67">
+              <a:extLst>
+                <a:ext uri="{FF2B5EF4-FFF2-40B4-BE49-F238E27FC236}">
+                  <a16:creationId xmlns:a16="http://schemas.microsoft.com/office/drawing/2014/main" id="{9C4A3E64-A45A-216A-CF04-C3DA5AF371AC}"/>
+                </a:ext>
+              </a:extLst>
+            </p:cNvPr>
+            <p:cNvGrpSpPr/>
+            <p:nvPr/>
+          </p:nvGrpSpPr>
+          <p:grpSpPr>
+            <a:xfrm>
+              <a:off x="2373532" y="2428777"/>
+              <a:ext cx="1340964" cy="285563"/>
+              <a:chOff x="299002" y="659303"/>
+              <a:chExt cx="1236904" cy="251922"/>
+            </a:xfrm>
+          </p:grpSpPr>
+          <p:sp>
+            <p:nvSpPr>
+              <p:cNvPr id="69" name="Rectangle 68">
+                <a:extLst>
+                  <a:ext uri="{FF2B5EF4-FFF2-40B4-BE49-F238E27FC236}">
+                    <a16:creationId xmlns:a16="http://schemas.microsoft.com/office/drawing/2014/main" id="{F76B23A3-A66A-D754-EC65-B81585F4461D}"/>
+                  </a:ext>
+                </a:extLst>
+              </p:cNvPr>
+              <p:cNvSpPr/>
+              <p:nvPr userDrawn="1"/>
+            </p:nvSpPr>
+            <p:spPr>
+              <a:xfrm>
+                <a:off x="299002" y="659303"/>
+                <a:ext cx="1236904" cy="251922"/>
+              </a:xfrm>
+              <a:prstGeom prst="rect">
+                <a:avLst/>
+              </a:prstGeom>
+              <a:solidFill>
+                <a:schemeClr val="tx1">
+                  <a:lumMod val="65000"/>
+                  <a:lumOff val="35000"/>
+                </a:schemeClr>
+              </a:solidFill>
+              <a:ln>
+                <a:noFill/>
+              </a:ln>
+            </p:spPr>
+            <p:style>
+              <a:lnRef idx="2">
+                <a:schemeClr val="accent1">
+                  <a:shade val="15000"/>
+                </a:schemeClr>
+              </a:lnRef>
+              <a:fillRef idx="1">
+                <a:schemeClr val="accent1"/>
+              </a:fillRef>
+              <a:effectRef idx="0">
+                <a:schemeClr val="accent1"/>
+              </a:effectRef>
+              <a:fontRef idx="minor">
+                <a:schemeClr val="lt1"/>
+              </a:fontRef>
+            </p:style>
+            <p:txBody>
+              <a:bodyPr rtlCol="0" anchor="ctr"/>
+              <a:lstStyle/>
+              <a:p>
+                <a:pPr algn="ctr"/>
+                <a:endParaRPr lang="en-US">
+                  <a:ln>
+                    <a:noFill/>
+                  </a:ln>
+                </a:endParaRPr>
+              </a:p>
+            </p:txBody>
+          </p:sp>
+          <p:sp>
+            <p:nvSpPr>
+              <p:cNvPr id="70" name="Rectangle 69">
+                <a:extLst>
+                  <a:ext uri="{FF2B5EF4-FFF2-40B4-BE49-F238E27FC236}">
+                    <a16:creationId xmlns:a16="http://schemas.microsoft.com/office/drawing/2014/main" id="{E16A5C77-66A2-5367-C8DB-7DF59D6AD18D}"/>
+                  </a:ext>
+                </a:extLst>
+              </p:cNvPr>
+              <p:cNvSpPr/>
+              <p:nvPr userDrawn="1"/>
+            </p:nvSpPr>
+            <p:spPr>
+              <a:xfrm>
+                <a:off x="299002" y="661684"/>
+                <a:ext cx="1217854" cy="238429"/>
+              </a:xfrm>
+              <a:prstGeom prst="rect">
+                <a:avLst/>
+              </a:prstGeom>
+              <a:solidFill>
+                <a:schemeClr val="bg1">
+                  <a:lumMod val="75000"/>
+                </a:schemeClr>
+              </a:solidFill>
+              <a:ln>
+                <a:noFill/>
+              </a:ln>
+            </p:spPr>
+            <p:style>
+              <a:lnRef idx="2">
+                <a:schemeClr val="accent1">
+                  <a:shade val="15000"/>
+                </a:schemeClr>
+              </a:lnRef>
+              <a:fillRef idx="1">
+                <a:schemeClr val="accent1"/>
+              </a:fillRef>
+              <a:effectRef idx="0">
+                <a:schemeClr val="accent1"/>
+              </a:effectRef>
+              <a:fontRef idx="minor">
+                <a:schemeClr val="lt1"/>
+              </a:fontRef>
+            </p:style>
+            <p:txBody>
+              <a:bodyPr rtlCol="0" anchor="ctr"/>
+              <a:lstStyle/>
+              <a:p>
+                <a:pPr algn="ctr"/>
+                <a:endParaRPr lang="en-US">
+                  <a:ln>
+                    <a:noFill/>
+                  </a:ln>
+                </a:endParaRPr>
+              </a:p>
+            </p:txBody>
+          </p:sp>
+        </p:grpSp>
+        <p:grpSp>
+          <p:nvGrpSpPr>
+            <p:cNvPr id="71" name="Group 70">
+              <a:extLst>
+                <a:ext uri="{FF2B5EF4-FFF2-40B4-BE49-F238E27FC236}">
+                  <a16:creationId xmlns:a16="http://schemas.microsoft.com/office/drawing/2014/main" id="{D0E3E3DE-BC6A-613F-4345-1F5F987F8577}"/>
+                </a:ext>
+              </a:extLst>
+            </p:cNvPr>
+            <p:cNvGrpSpPr/>
+            <p:nvPr/>
+          </p:nvGrpSpPr>
+          <p:grpSpPr>
+            <a:xfrm>
+              <a:off x="2541467" y="1879717"/>
+              <a:ext cx="1055553" cy="253597"/>
+              <a:chOff x="299002" y="659303"/>
+              <a:chExt cx="1236904" cy="251922"/>
+            </a:xfrm>
+          </p:grpSpPr>
+          <p:sp>
+            <p:nvSpPr>
+              <p:cNvPr id="72" name="Rectangle 71">
+                <a:extLst>
+                  <a:ext uri="{FF2B5EF4-FFF2-40B4-BE49-F238E27FC236}">
+                    <a16:creationId xmlns:a16="http://schemas.microsoft.com/office/drawing/2014/main" id="{6823F47D-61C5-CF4C-5A27-3F8DF6AD9AC9}"/>
+                  </a:ext>
+                </a:extLst>
+              </p:cNvPr>
+              <p:cNvSpPr/>
+              <p:nvPr userDrawn="1"/>
+            </p:nvSpPr>
+            <p:spPr>
+              <a:xfrm>
+                <a:off x="299002" y="659303"/>
+                <a:ext cx="1236904" cy="251922"/>
+              </a:xfrm>
+              <a:prstGeom prst="rect">
+                <a:avLst/>
+              </a:prstGeom>
+              <a:solidFill>
+                <a:schemeClr val="tx1">
+                  <a:lumMod val="65000"/>
+                  <a:lumOff val="35000"/>
+                </a:schemeClr>
+              </a:solidFill>
+              <a:ln>
+                <a:noFill/>
+              </a:ln>
+            </p:spPr>
+            <p:style>
+              <a:lnRef idx="2">
+                <a:schemeClr val="accent1">
+                  <a:shade val="15000"/>
+                </a:schemeClr>
+              </a:lnRef>
+              <a:fillRef idx="1">
+                <a:schemeClr val="accent1"/>
+              </a:fillRef>
+              <a:effectRef idx="0">
+                <a:schemeClr val="accent1"/>
+              </a:effectRef>
+              <a:fontRef idx="minor">
+                <a:schemeClr val="lt1"/>
+              </a:fontRef>
+            </p:style>
+            <p:txBody>
+              <a:bodyPr rtlCol="0" anchor="ctr"/>
+              <a:lstStyle/>
+              <a:p>
+                <a:pPr algn="ctr"/>
+                <a:endParaRPr lang="en-US">
+                  <a:ln>
+                    <a:noFill/>
+                  </a:ln>
+                </a:endParaRPr>
+              </a:p>
+            </p:txBody>
+          </p:sp>
+          <p:sp>
+            <p:nvSpPr>
+              <p:cNvPr id="73" name="Rectangle 72">
+                <a:extLst>
+                  <a:ext uri="{FF2B5EF4-FFF2-40B4-BE49-F238E27FC236}">
+                    <a16:creationId xmlns:a16="http://schemas.microsoft.com/office/drawing/2014/main" id="{534E20F0-40EA-ED58-F194-7A35B36B4B72}"/>
+                  </a:ext>
+                </a:extLst>
+              </p:cNvPr>
+              <p:cNvSpPr/>
+              <p:nvPr userDrawn="1"/>
+            </p:nvSpPr>
+            <p:spPr>
+              <a:xfrm>
+                <a:off x="299002" y="661684"/>
+                <a:ext cx="1217854" cy="238429"/>
+              </a:xfrm>
+              <a:prstGeom prst="rect">
+                <a:avLst/>
+              </a:prstGeom>
+              <a:solidFill>
+                <a:schemeClr val="bg1">
+                  <a:lumMod val="75000"/>
+                </a:schemeClr>
+              </a:solidFill>
+              <a:ln>
+                <a:noFill/>
+              </a:ln>
+            </p:spPr>
+            <p:style>
+              <a:lnRef idx="2">
+                <a:schemeClr val="accent1">
+                  <a:shade val="15000"/>
+                </a:schemeClr>
+              </a:lnRef>
+              <a:fillRef idx="1">
+                <a:schemeClr val="accent1"/>
+              </a:fillRef>
+              <a:effectRef idx="0">
+                <a:schemeClr val="accent1"/>
+              </a:effectRef>
+              <a:fontRef idx="minor">
+                <a:schemeClr val="lt1"/>
+              </a:fontRef>
+            </p:style>
+            <p:txBody>
+              <a:bodyPr rtlCol="0" anchor="ctr"/>
+              <a:lstStyle/>
+              <a:p>
+                <a:pPr algn="ctr"/>
+                <a:endParaRPr lang="en-US">
+                  <a:ln>
+                    <a:noFill/>
+                  </a:ln>
+                </a:endParaRPr>
+              </a:p>
+            </p:txBody>
+          </p:sp>
+        </p:grpSp>
+        <p:grpSp>
+          <p:nvGrpSpPr>
+            <p:cNvPr id="74" name="Group 73">
+              <a:extLst>
+                <a:ext uri="{FF2B5EF4-FFF2-40B4-BE49-F238E27FC236}">
+                  <a16:creationId xmlns:a16="http://schemas.microsoft.com/office/drawing/2014/main" id="{5F890E18-9C09-04CA-8D36-CF269C01CA9C}"/>
+                </a:ext>
+              </a:extLst>
+            </p:cNvPr>
+            <p:cNvGrpSpPr/>
+            <p:nvPr/>
+          </p:nvGrpSpPr>
+          <p:grpSpPr>
+            <a:xfrm>
+              <a:off x="2553787" y="1293128"/>
+              <a:ext cx="973384" cy="251922"/>
+              <a:chOff x="299002" y="659303"/>
+              <a:chExt cx="1236904" cy="251922"/>
+            </a:xfrm>
+          </p:grpSpPr>
+          <p:sp>
+            <p:nvSpPr>
+              <p:cNvPr id="75" name="Rectangle 74">
+                <a:extLst>
+                  <a:ext uri="{FF2B5EF4-FFF2-40B4-BE49-F238E27FC236}">
+                    <a16:creationId xmlns:a16="http://schemas.microsoft.com/office/drawing/2014/main" id="{5BF6FFB3-A178-71FF-62CB-5AE5887F1AE6}"/>
+                  </a:ext>
+                </a:extLst>
+              </p:cNvPr>
+              <p:cNvSpPr/>
+              <p:nvPr userDrawn="1"/>
+            </p:nvSpPr>
+            <p:spPr>
+              <a:xfrm>
+                <a:off x="299002" y="659303"/>
+                <a:ext cx="1236904" cy="251922"/>
+              </a:xfrm>
+              <a:prstGeom prst="rect">
+                <a:avLst/>
+              </a:prstGeom>
+              <a:solidFill>
+                <a:schemeClr val="tx1">
+                  <a:lumMod val="65000"/>
+                  <a:lumOff val="35000"/>
+                </a:schemeClr>
+              </a:solidFill>
+              <a:ln>
+                <a:noFill/>
+              </a:ln>
+            </p:spPr>
+            <p:style>
+              <a:lnRef idx="2">
+                <a:schemeClr val="accent1">
+                  <a:shade val="15000"/>
+                </a:schemeClr>
+              </a:lnRef>
+              <a:fillRef idx="1">
+                <a:schemeClr val="accent1"/>
+              </a:fillRef>
+              <a:effectRef idx="0">
+                <a:schemeClr val="accent1"/>
+              </a:effectRef>
+              <a:fontRef idx="minor">
+                <a:schemeClr val="lt1"/>
+              </a:fontRef>
+            </p:style>
+            <p:txBody>
+              <a:bodyPr rtlCol="0" anchor="ctr"/>
+              <a:lstStyle/>
+              <a:p>
+                <a:pPr algn="ctr"/>
+                <a:endParaRPr lang="en-US">
+                  <a:ln>
+                    <a:noFill/>
+                  </a:ln>
+                </a:endParaRPr>
+              </a:p>
+            </p:txBody>
+          </p:sp>
+          <p:sp>
+            <p:nvSpPr>
+              <p:cNvPr id="76" name="Rectangle 75">
+                <a:extLst>
+                  <a:ext uri="{FF2B5EF4-FFF2-40B4-BE49-F238E27FC236}">
+                    <a16:creationId xmlns:a16="http://schemas.microsoft.com/office/drawing/2014/main" id="{57C1F8E1-D427-F657-FEA9-69FF93F91309}"/>
+                  </a:ext>
+                </a:extLst>
+              </p:cNvPr>
+              <p:cNvSpPr/>
+              <p:nvPr userDrawn="1"/>
+            </p:nvSpPr>
+            <p:spPr>
+              <a:xfrm>
+                <a:off x="299002" y="661684"/>
+                <a:ext cx="1217854" cy="238429"/>
+              </a:xfrm>
+              <a:prstGeom prst="rect">
+                <a:avLst/>
+              </a:prstGeom>
+              <a:solidFill>
+                <a:schemeClr val="bg1">
+                  <a:lumMod val="75000"/>
+                </a:schemeClr>
+              </a:solidFill>
+              <a:ln>
+                <a:noFill/>
+              </a:ln>
+            </p:spPr>
+            <p:style>
+              <a:lnRef idx="2">
+                <a:schemeClr val="accent1">
+                  <a:shade val="15000"/>
+                </a:schemeClr>
+              </a:lnRef>
+              <a:fillRef idx="1">
+                <a:schemeClr val="accent1"/>
+              </a:fillRef>
+              <a:effectRef idx="0">
+                <a:schemeClr val="accent1"/>
+              </a:effectRef>
+              <a:fontRef idx="minor">
+                <a:schemeClr val="lt1"/>
+              </a:fontRef>
+            </p:style>
+            <p:txBody>
+              <a:bodyPr rtlCol="0" anchor="ctr"/>
+              <a:lstStyle/>
+              <a:p>
+                <a:pPr algn="ctr"/>
+                <a:endParaRPr lang="en-US">
+                  <a:ln>
+                    <a:noFill/>
+                  </a:ln>
+                </a:endParaRPr>
+              </a:p>
+            </p:txBody>
+          </p:sp>
+        </p:grpSp>
+        <p:grpSp>
+          <p:nvGrpSpPr>
+            <p:cNvPr id="77" name="Group 76">
+              <a:extLst>
+                <a:ext uri="{FF2B5EF4-FFF2-40B4-BE49-F238E27FC236}">
+                  <a16:creationId xmlns:a16="http://schemas.microsoft.com/office/drawing/2014/main" id="{8CDB625D-433A-7876-0492-65E367F402D3}"/>
+                </a:ext>
+              </a:extLst>
+            </p:cNvPr>
+            <p:cNvGrpSpPr/>
+            <p:nvPr/>
+          </p:nvGrpSpPr>
+          <p:grpSpPr>
+            <a:xfrm>
+              <a:off x="2438698" y="719343"/>
+              <a:ext cx="1236904" cy="251922"/>
+              <a:chOff x="299002" y="659303"/>
+              <a:chExt cx="1236904" cy="251922"/>
+            </a:xfrm>
+          </p:grpSpPr>
+          <p:sp>
+            <p:nvSpPr>
+              <p:cNvPr id="78" name="Rectangle 77">
+                <a:extLst>
+                  <a:ext uri="{FF2B5EF4-FFF2-40B4-BE49-F238E27FC236}">
+                    <a16:creationId xmlns:a16="http://schemas.microsoft.com/office/drawing/2014/main" id="{6F47E281-AF3F-38C4-B26E-5C472FCD7BA9}"/>
+                  </a:ext>
+                </a:extLst>
+              </p:cNvPr>
+              <p:cNvSpPr/>
+              <p:nvPr userDrawn="1"/>
+            </p:nvSpPr>
+            <p:spPr>
+              <a:xfrm>
+                <a:off x="299002" y="659303"/>
+                <a:ext cx="1236904" cy="251922"/>
+              </a:xfrm>
+              <a:prstGeom prst="rect">
+                <a:avLst/>
+              </a:prstGeom>
+              <a:solidFill>
+                <a:schemeClr val="tx1">
+                  <a:lumMod val="65000"/>
+                  <a:lumOff val="35000"/>
+                </a:schemeClr>
+              </a:solidFill>
+              <a:ln>
+                <a:noFill/>
+              </a:ln>
+            </p:spPr>
+            <p:style>
+              <a:lnRef idx="2">
+                <a:schemeClr val="accent1">
+                  <a:shade val="15000"/>
+                </a:schemeClr>
+              </a:lnRef>
+              <a:fillRef idx="1">
+                <a:schemeClr val="accent1"/>
+              </a:fillRef>
+              <a:effectRef idx="0">
+                <a:schemeClr val="accent1"/>
+              </a:effectRef>
+              <a:fontRef idx="minor">
+                <a:schemeClr val="lt1"/>
+              </a:fontRef>
+            </p:style>
+            <p:txBody>
+              <a:bodyPr rtlCol="0" anchor="ctr"/>
+              <a:lstStyle/>
+              <a:p>
+                <a:pPr algn="ctr"/>
+                <a:endParaRPr lang="en-US">
+                  <a:ln>
+                    <a:noFill/>
+                  </a:ln>
+                </a:endParaRPr>
+              </a:p>
+            </p:txBody>
+          </p:sp>
+          <p:sp>
+            <p:nvSpPr>
+              <p:cNvPr id="79" name="Rectangle 78">
+                <a:extLst>
+                  <a:ext uri="{FF2B5EF4-FFF2-40B4-BE49-F238E27FC236}">
+                    <a16:creationId xmlns:a16="http://schemas.microsoft.com/office/drawing/2014/main" id="{000628A2-DFED-B2A7-E250-119A0DF07E97}"/>
+                  </a:ext>
+                </a:extLst>
+              </p:cNvPr>
+              <p:cNvSpPr/>
+              <p:nvPr userDrawn="1"/>
+            </p:nvSpPr>
+            <p:spPr>
+              <a:xfrm>
+                <a:off x="299002" y="661684"/>
+                <a:ext cx="1217854" cy="238429"/>
+              </a:xfrm>
+              <a:prstGeom prst="rect">
+                <a:avLst/>
+              </a:prstGeom>
+              <a:solidFill>
+                <a:schemeClr val="bg1">
+                  <a:lumMod val="75000"/>
+                </a:schemeClr>
+              </a:solidFill>
+              <a:ln>
+                <a:noFill/>
+              </a:ln>
+            </p:spPr>
+            <p:style>
+              <a:lnRef idx="2">
+                <a:schemeClr val="accent1">
+                  <a:shade val="15000"/>
+                </a:schemeClr>
+              </a:lnRef>
+              <a:fillRef idx="1">
+                <a:schemeClr val="accent1"/>
+              </a:fillRef>
+              <a:effectRef idx="0">
+                <a:schemeClr val="accent1"/>
+              </a:effectRef>
+              <a:fontRef idx="minor">
+                <a:schemeClr val="lt1"/>
+              </a:fontRef>
+            </p:style>
+            <p:txBody>
+              <a:bodyPr rtlCol="0" anchor="ctr"/>
+              <a:lstStyle/>
+              <a:p>
+                <a:pPr algn="ctr"/>
+                <a:endParaRPr lang="en-US">
+                  <a:ln>
+                    <a:noFill/>
+                  </a:ln>
+                </a:endParaRPr>
+              </a:p>
+            </p:txBody>
+          </p:sp>
+        </p:grpSp>
+        <p:grpSp>
+          <p:nvGrpSpPr>
+            <p:cNvPr id="80" name="Group 79">
+              <a:extLst>
+                <a:ext uri="{FF2B5EF4-FFF2-40B4-BE49-F238E27FC236}">
+                  <a16:creationId xmlns:a16="http://schemas.microsoft.com/office/drawing/2014/main" id="{12668160-EA4E-1439-A760-490E7DDAC900}"/>
+                </a:ext>
+              </a:extLst>
+            </p:cNvPr>
+            <p:cNvGrpSpPr/>
+            <p:nvPr/>
+          </p:nvGrpSpPr>
+          <p:grpSpPr>
+            <a:xfrm>
+              <a:off x="2132719" y="662646"/>
+              <a:ext cx="1802171" cy="509230"/>
+              <a:chOff x="-58733" y="576728"/>
+              <a:chExt cx="1802171" cy="509230"/>
+            </a:xfrm>
+          </p:grpSpPr>
+          <p:sp>
+            <p:nvSpPr>
+              <p:cNvPr id="81" name="Rectangle 80">
+                <a:extLst>
+                  <a:ext uri="{FF2B5EF4-FFF2-40B4-BE49-F238E27FC236}">
+                    <a16:creationId xmlns:a16="http://schemas.microsoft.com/office/drawing/2014/main" id="{4AC7F712-3686-A8CB-58CF-B79F4112CE41}"/>
+                  </a:ext>
+                </a:extLst>
+              </p:cNvPr>
+              <p:cNvSpPr/>
+              <p:nvPr/>
+            </p:nvSpPr>
+            <p:spPr>
+              <a:xfrm>
+                <a:off x="247246" y="635806"/>
+                <a:ext cx="1190212" cy="224619"/>
+              </a:xfrm>
+              <a:prstGeom prst="rect">
+                <a:avLst/>
+              </a:prstGeom>
+              <a:solidFill>
+                <a:schemeClr val="bg1"/>
+              </a:solidFill>
+              <a:ln>
+                <a:solidFill>
+                  <a:schemeClr val="tx1"/>
+                </a:solidFill>
+              </a:ln>
+            </p:spPr>
+            <p:style>
+              <a:lnRef idx="2">
+                <a:schemeClr val="accent1">
+                  <a:shade val="15000"/>
+                </a:schemeClr>
+              </a:lnRef>
+              <a:fillRef idx="1">
+                <a:schemeClr val="accent1"/>
+              </a:fillRef>
+              <a:effectRef idx="0">
+                <a:schemeClr val="accent1"/>
+              </a:effectRef>
+              <a:fontRef idx="minor">
+                <a:schemeClr val="lt1"/>
+              </a:fontRef>
+            </p:style>
+            <p:txBody>
+              <a:bodyPr rtlCol="0" anchor="ctr"/>
+              <a:lstStyle/>
+              <a:p>
+                <a:pPr algn="ctr"/>
+                <a:endParaRPr lang="en-US" sz="1600">
+                  <a:solidFill>
+                    <a:schemeClr val="tx1"/>
+                  </a:solidFill>
+                </a:endParaRPr>
+              </a:p>
+            </p:txBody>
+          </p:sp>
+          <p:sp>
+            <p:nvSpPr>
+              <p:cNvPr id="82" name="TextBox 81">
+                <a:extLst>
+                  <a:ext uri="{FF2B5EF4-FFF2-40B4-BE49-F238E27FC236}">
+                    <a16:creationId xmlns:a16="http://schemas.microsoft.com/office/drawing/2014/main" id="{D9CEC707-6A73-A73E-D95D-6477A4132787}"/>
+                  </a:ext>
+                </a:extLst>
+              </p:cNvPr>
+              <p:cNvSpPr txBox="1"/>
+              <p:nvPr/>
+            </p:nvSpPr>
+            <p:spPr>
+              <a:xfrm>
+                <a:off x="84423" y="576728"/>
+                <a:ext cx="1514816" cy="338554"/>
+              </a:xfrm>
+              <a:prstGeom prst="rect">
+                <a:avLst/>
+              </a:prstGeom>
+              <a:noFill/>
+            </p:spPr>
+            <p:txBody>
+              <a:bodyPr wrap="square" rtlCol="0">
+                <a:spAutoFit/>
+              </a:bodyPr>
+              <a:lstStyle/>
+              <a:p>
+                <a:pPr algn="ctr"/>
+                <a:r>
+                  <a:rPr lang="en-US" sz="1600" b="1" dirty="0"/>
+                  <a:t>Importation</a:t>
+                </a:r>
+              </a:p>
+            </p:txBody>
+          </p:sp>
+          <p:sp>
+            <p:nvSpPr>
+              <p:cNvPr id="83" name="TextBox 82">
+                <a:extLst>
+                  <a:ext uri="{FF2B5EF4-FFF2-40B4-BE49-F238E27FC236}">
+                    <a16:creationId xmlns:a16="http://schemas.microsoft.com/office/drawing/2014/main" id="{E34AC2D7-2918-4DA6-B566-79ED79871D2D}"/>
+                  </a:ext>
+                </a:extLst>
+              </p:cNvPr>
+              <p:cNvSpPr txBox="1"/>
+              <p:nvPr/>
+            </p:nvSpPr>
+            <p:spPr>
+              <a:xfrm>
+                <a:off x="-58733" y="808959"/>
+                <a:ext cx="1802171" cy="276999"/>
+              </a:xfrm>
+              <a:prstGeom prst="rect">
+                <a:avLst/>
+              </a:prstGeom>
+              <a:noFill/>
+            </p:spPr>
+            <p:txBody>
+              <a:bodyPr wrap="square">
+                <a:spAutoFit/>
+              </a:bodyPr>
+              <a:lstStyle/>
+              <a:p>
+                <a:pPr algn="ctr"/>
+                <a:r>
+                  <a:rPr lang="en-US" sz="1200" i="1" dirty="0" err="1"/>
+                  <a:t>CreateSeuratObject</a:t>
+                </a:r>
+                <a:r>
+                  <a:rPr lang="en-US" sz="1200" i="1" dirty="0"/>
+                  <a:t>()</a:t>
+                </a:r>
+              </a:p>
+            </p:txBody>
+          </p:sp>
+        </p:grpSp>
+        <p:sp>
+          <p:nvSpPr>
+            <p:cNvPr id="84" name="Arrow: Right 83">
+              <a:extLst>
+                <a:ext uri="{FF2B5EF4-FFF2-40B4-BE49-F238E27FC236}">
+                  <a16:creationId xmlns:a16="http://schemas.microsoft.com/office/drawing/2014/main" id="{E1DBD404-B544-0A25-A064-1AB8CA21C412}"/>
+                </a:ext>
+              </a:extLst>
+            </p:cNvPr>
+            <p:cNvSpPr/>
+            <p:nvPr/>
+          </p:nvSpPr>
+          <p:spPr>
+            <a:xfrm rot="5400000">
+              <a:off x="2971097" y="1006106"/>
+              <a:ext cx="125415" cy="386089"/>
+            </a:xfrm>
+            <a:prstGeom prst="rightArrow">
+              <a:avLst/>
+            </a:prstGeom>
+            <a:solidFill>
+              <a:srgbClr val="CBCBCB"/>
+            </a:solidFill>
+            <a:ln>
+              <a:noFill/>
+            </a:ln>
+          </p:spPr>
+          <p:style>
+            <a:lnRef idx="2">
+              <a:schemeClr val="accent1">
+                <a:shade val="15000"/>
+              </a:schemeClr>
+            </a:lnRef>
+            <a:fillRef idx="1">
+              <a:schemeClr val="accent1"/>
+            </a:fillRef>
+            <a:effectRef idx="0">
+              <a:schemeClr val="accent1"/>
+            </a:effectRef>
+            <a:fontRef idx="minor">
+              <a:schemeClr val="lt1"/>
+            </a:fontRef>
+          </p:style>
+          <p:txBody>
+            <a:bodyPr rtlCol="0" anchor="ctr"/>
+            <a:lstStyle/>
+            <a:p>
+              <a:pPr algn="ctr"/>
+              <a:endParaRPr lang="en-US"/>
+            </a:p>
+          </p:txBody>
+        </p:sp>
+        <p:grpSp>
+          <p:nvGrpSpPr>
+            <p:cNvPr id="85" name="Group 84">
+              <a:extLst>
+                <a:ext uri="{FF2B5EF4-FFF2-40B4-BE49-F238E27FC236}">
+                  <a16:creationId xmlns:a16="http://schemas.microsoft.com/office/drawing/2014/main" id="{B128A13B-CABC-E0DF-24D8-5350640A843F}"/>
+                </a:ext>
+              </a:extLst>
+            </p:cNvPr>
+            <p:cNvGrpSpPr/>
+            <p:nvPr/>
+          </p:nvGrpSpPr>
+          <p:grpSpPr>
+            <a:xfrm>
+              <a:off x="2112366" y="1280677"/>
+              <a:ext cx="1842877" cy="467807"/>
+              <a:chOff x="-79086" y="1165285"/>
+              <a:chExt cx="1842877" cy="467807"/>
+            </a:xfrm>
+          </p:grpSpPr>
+          <p:sp>
+            <p:nvSpPr>
+              <p:cNvPr id="86" name="Rectangle 85">
+                <a:extLst>
+                  <a:ext uri="{FF2B5EF4-FFF2-40B4-BE49-F238E27FC236}">
+                    <a16:creationId xmlns:a16="http://schemas.microsoft.com/office/drawing/2014/main" id="{B637F796-E3B0-1461-11DB-7D58C37ED645}"/>
+                  </a:ext>
+                </a:extLst>
+              </p:cNvPr>
+              <p:cNvSpPr/>
+              <p:nvPr/>
+            </p:nvSpPr>
+            <p:spPr>
+              <a:xfrm>
+                <a:off x="362315" y="1176695"/>
+                <a:ext cx="936626" cy="233005"/>
+              </a:xfrm>
+              <a:prstGeom prst="rect">
+                <a:avLst/>
+              </a:prstGeom>
+              <a:solidFill>
+                <a:schemeClr val="bg1"/>
+              </a:solidFill>
+              <a:ln>
+                <a:solidFill>
+                  <a:schemeClr val="tx1"/>
+                </a:solidFill>
+              </a:ln>
+            </p:spPr>
+            <p:style>
+              <a:lnRef idx="2">
+                <a:schemeClr val="accent1">
+                  <a:shade val="15000"/>
+                </a:schemeClr>
+              </a:lnRef>
+              <a:fillRef idx="1">
+                <a:schemeClr val="accent1"/>
+              </a:fillRef>
+              <a:effectRef idx="0">
+                <a:schemeClr val="accent1"/>
+              </a:effectRef>
+              <a:fontRef idx="minor">
+                <a:schemeClr val="lt1"/>
+              </a:fontRef>
+            </p:style>
+            <p:txBody>
+              <a:bodyPr rtlCol="0" anchor="ctr"/>
+              <a:lstStyle/>
+              <a:p>
+                <a:pPr algn="ctr"/>
+                <a:endParaRPr lang="en-US">
+                  <a:solidFill>
+                    <a:schemeClr val="tx1"/>
+                  </a:solidFill>
+                </a:endParaRPr>
+              </a:p>
+            </p:txBody>
+          </p:sp>
+          <p:sp>
+            <p:nvSpPr>
+              <p:cNvPr id="87" name="TextBox 86">
+                <a:extLst>
+                  <a:ext uri="{FF2B5EF4-FFF2-40B4-BE49-F238E27FC236}">
+                    <a16:creationId xmlns:a16="http://schemas.microsoft.com/office/drawing/2014/main" id="{4257B11A-F6A6-1939-1E6C-3E105F7DA10C}"/>
+                  </a:ext>
+                </a:extLst>
+              </p:cNvPr>
+              <p:cNvSpPr txBox="1"/>
+              <p:nvPr/>
+            </p:nvSpPr>
+            <p:spPr>
+              <a:xfrm>
+                <a:off x="303021" y="1165285"/>
+                <a:ext cx="1087127" cy="290721"/>
+              </a:xfrm>
+              <a:prstGeom prst="rect">
+                <a:avLst/>
+              </a:prstGeom>
+              <a:noFill/>
+            </p:spPr>
+            <p:txBody>
+              <a:bodyPr wrap="square" rtlCol="0">
+                <a:spAutoFit/>
+              </a:bodyPr>
+              <a:lstStyle/>
+              <a:p>
+                <a:pPr algn="ctr">
+                  <a:lnSpc>
+                    <a:spcPts val="1500"/>
+                  </a:lnSpc>
+                </a:pPr>
+                <a:r>
+                  <a:rPr lang="en-US" sz="1600" b="1" dirty="0"/>
+                  <a:t>Curation</a:t>
+                </a:r>
+              </a:p>
+            </p:txBody>
+          </p:sp>
+          <p:sp>
+            <p:nvSpPr>
+              <p:cNvPr id="88" name="TextBox 87">
+                <a:extLst>
+                  <a:ext uri="{FF2B5EF4-FFF2-40B4-BE49-F238E27FC236}">
+                    <a16:creationId xmlns:a16="http://schemas.microsoft.com/office/drawing/2014/main" id="{FA4E74F1-39CB-7819-CD34-2459CEB334CB}"/>
+                  </a:ext>
+                </a:extLst>
+              </p:cNvPr>
+              <p:cNvSpPr txBox="1"/>
+              <p:nvPr/>
+            </p:nvSpPr>
+            <p:spPr>
+              <a:xfrm>
+                <a:off x="-79086" y="1356093"/>
+                <a:ext cx="1842877" cy="276999"/>
+              </a:xfrm>
+              <a:prstGeom prst="rect">
+                <a:avLst/>
+              </a:prstGeom>
+              <a:noFill/>
+            </p:spPr>
+            <p:txBody>
+              <a:bodyPr wrap="square">
+                <a:spAutoFit/>
+              </a:bodyPr>
+              <a:lstStyle/>
+              <a:p>
+                <a:pPr algn="ctr"/>
+                <a:r>
+                  <a:rPr lang="en-US" sz="1200" i="1" dirty="0" err="1"/>
+                  <a:t>PercentageFeatureSet</a:t>
+                </a:r>
+                <a:r>
+                  <a:rPr lang="en-US" sz="1200" i="1" dirty="0"/>
+                  <a:t>()</a:t>
+                </a:r>
+              </a:p>
+            </p:txBody>
+          </p:sp>
+        </p:grpSp>
+        <p:grpSp>
+          <p:nvGrpSpPr>
+            <p:cNvPr id="89" name="Group 88">
+              <a:extLst>
+                <a:ext uri="{FF2B5EF4-FFF2-40B4-BE49-F238E27FC236}">
+                  <a16:creationId xmlns:a16="http://schemas.microsoft.com/office/drawing/2014/main" id="{3CCF7ACB-C702-B1B7-42B1-093AC071F96A}"/>
+                </a:ext>
+              </a:extLst>
+            </p:cNvPr>
+            <p:cNvGrpSpPr/>
+            <p:nvPr/>
+          </p:nvGrpSpPr>
+          <p:grpSpPr>
+            <a:xfrm>
+              <a:off x="2512771" y="1820224"/>
+              <a:ext cx="1042066" cy="515839"/>
+              <a:chOff x="306971" y="1673082"/>
+              <a:chExt cx="1042066" cy="515839"/>
+            </a:xfrm>
+          </p:grpSpPr>
+          <p:sp>
+            <p:nvSpPr>
+              <p:cNvPr id="90" name="Rectangle 89">
+                <a:extLst>
+                  <a:ext uri="{FF2B5EF4-FFF2-40B4-BE49-F238E27FC236}">
+                    <a16:creationId xmlns:a16="http://schemas.microsoft.com/office/drawing/2014/main" id="{D81B4ED3-2A5E-CA22-4D14-6616AED6C935}"/>
+                  </a:ext>
+                </a:extLst>
+              </p:cNvPr>
+              <p:cNvSpPr/>
+              <p:nvPr/>
+            </p:nvSpPr>
+            <p:spPr>
+              <a:xfrm>
+                <a:off x="335668" y="1733056"/>
+                <a:ext cx="1013369" cy="230047"/>
+              </a:xfrm>
+              <a:prstGeom prst="rect">
+                <a:avLst/>
+              </a:prstGeom>
+              <a:solidFill>
+                <a:schemeClr val="bg1"/>
+              </a:solidFill>
+              <a:ln>
+                <a:solidFill>
+                  <a:schemeClr val="tx1"/>
+                </a:solidFill>
+              </a:ln>
+            </p:spPr>
+            <p:style>
+              <a:lnRef idx="2">
+                <a:schemeClr val="accent1">
+                  <a:shade val="15000"/>
+                </a:schemeClr>
+              </a:lnRef>
+              <a:fillRef idx="1">
+                <a:schemeClr val="accent1"/>
+              </a:fillRef>
+              <a:effectRef idx="0">
+                <a:schemeClr val="accent1"/>
+              </a:effectRef>
+              <a:fontRef idx="minor">
+                <a:schemeClr val="lt1"/>
+              </a:fontRef>
+            </p:style>
+            <p:txBody>
+              <a:bodyPr rtlCol="0" anchor="ctr"/>
+              <a:lstStyle/>
+              <a:p>
+                <a:pPr algn="ctr"/>
+                <a:endParaRPr lang="en-US" sz="1600" b="1" dirty="0">
+                  <a:solidFill>
+                    <a:schemeClr val="tx1"/>
+                  </a:solidFill>
+                </a:endParaRPr>
+              </a:p>
+            </p:txBody>
+          </p:sp>
+          <p:sp>
+            <p:nvSpPr>
+              <p:cNvPr id="91" name="TextBox 90">
+                <a:extLst>
+                  <a:ext uri="{FF2B5EF4-FFF2-40B4-BE49-F238E27FC236}">
+                    <a16:creationId xmlns:a16="http://schemas.microsoft.com/office/drawing/2014/main" id="{D16212D4-98A5-E1C8-A3D8-CF014B1F38B4}"/>
+                  </a:ext>
+                </a:extLst>
+              </p:cNvPr>
+              <p:cNvSpPr txBox="1"/>
+              <p:nvPr/>
+            </p:nvSpPr>
+            <p:spPr>
+              <a:xfrm>
+                <a:off x="306971" y="1673082"/>
+                <a:ext cx="1025571" cy="338554"/>
+              </a:xfrm>
+              <a:prstGeom prst="rect">
+                <a:avLst/>
+              </a:prstGeom>
+              <a:noFill/>
+            </p:spPr>
+            <p:txBody>
+              <a:bodyPr wrap="square" rtlCol="0">
+                <a:spAutoFit/>
+              </a:bodyPr>
+              <a:lstStyle/>
+              <a:p>
+                <a:pPr algn="ctr"/>
+                <a:r>
+                  <a:rPr lang="en-US" sz="1600" b="1" dirty="0"/>
+                  <a:t>Filtering</a:t>
+                </a:r>
+              </a:p>
+            </p:txBody>
+          </p:sp>
+          <p:sp>
+            <p:nvSpPr>
+              <p:cNvPr id="92" name="TextBox 91">
+                <a:extLst>
+                  <a:ext uri="{FF2B5EF4-FFF2-40B4-BE49-F238E27FC236}">
+                    <a16:creationId xmlns:a16="http://schemas.microsoft.com/office/drawing/2014/main" id="{FA622FAC-25EB-1112-96D9-8594A576B003}"/>
+                  </a:ext>
+                </a:extLst>
+              </p:cNvPr>
+              <p:cNvSpPr txBox="1"/>
+              <p:nvPr/>
+            </p:nvSpPr>
+            <p:spPr>
+              <a:xfrm>
+                <a:off x="424282" y="1911922"/>
+                <a:ext cx="836140" cy="276999"/>
+              </a:xfrm>
+              <a:prstGeom prst="rect">
+                <a:avLst/>
+              </a:prstGeom>
+              <a:noFill/>
+            </p:spPr>
+            <p:txBody>
+              <a:bodyPr wrap="square">
+                <a:spAutoFit/>
+              </a:bodyPr>
+              <a:lstStyle/>
+              <a:p>
+                <a:pPr algn="ctr"/>
+                <a:r>
+                  <a:rPr lang="en-US" sz="1200" i="1" dirty="0"/>
+                  <a:t>subset()</a:t>
+                </a:r>
+              </a:p>
+            </p:txBody>
+          </p:sp>
+        </p:grpSp>
+        <p:grpSp>
+          <p:nvGrpSpPr>
+            <p:cNvPr id="93" name="Group 92">
+              <a:extLst>
+                <a:ext uri="{FF2B5EF4-FFF2-40B4-BE49-F238E27FC236}">
+                  <a16:creationId xmlns:a16="http://schemas.microsoft.com/office/drawing/2014/main" id="{A6CE139C-353A-E5FD-9114-F65684FB1459}"/>
+                </a:ext>
+              </a:extLst>
+            </p:cNvPr>
+            <p:cNvGrpSpPr/>
+            <p:nvPr/>
+          </p:nvGrpSpPr>
+          <p:grpSpPr>
+            <a:xfrm>
+              <a:off x="2221762" y="2389452"/>
+              <a:ext cx="1624084" cy="649813"/>
+              <a:chOff x="46979" y="2267710"/>
+              <a:chExt cx="1624084" cy="649813"/>
+            </a:xfrm>
+          </p:grpSpPr>
+          <p:sp>
+            <p:nvSpPr>
+              <p:cNvPr id="94" name="Rectangle 93">
+                <a:extLst>
+                  <a:ext uri="{FF2B5EF4-FFF2-40B4-BE49-F238E27FC236}">
+                    <a16:creationId xmlns:a16="http://schemas.microsoft.com/office/drawing/2014/main" id="{21351652-265B-82EE-424B-6F9A89AFDE80}"/>
+                  </a:ext>
+                </a:extLst>
+              </p:cNvPr>
+              <p:cNvSpPr/>
+              <p:nvPr/>
+            </p:nvSpPr>
+            <p:spPr>
+              <a:xfrm>
+                <a:off x="198749" y="2308113"/>
+                <a:ext cx="1287206" cy="256032"/>
+              </a:xfrm>
+              <a:prstGeom prst="rect">
+                <a:avLst/>
+              </a:prstGeom>
+              <a:solidFill>
+                <a:schemeClr val="bg1"/>
+              </a:solidFill>
+              <a:ln>
+                <a:solidFill>
+                  <a:schemeClr val="tx1"/>
+                </a:solidFill>
+              </a:ln>
+            </p:spPr>
+            <p:style>
+              <a:lnRef idx="2">
+                <a:schemeClr val="accent1">
+                  <a:shade val="15000"/>
+                </a:schemeClr>
+              </a:lnRef>
+              <a:fillRef idx="1">
+                <a:schemeClr val="accent1"/>
+              </a:fillRef>
+              <a:effectRef idx="0">
+                <a:schemeClr val="accent1"/>
+              </a:effectRef>
+              <a:fontRef idx="minor">
+                <a:schemeClr val="lt1"/>
+              </a:fontRef>
+            </p:style>
+            <p:txBody>
+              <a:bodyPr rtlCol="0" anchor="ctr"/>
+              <a:lstStyle/>
+              <a:p>
+                <a:pPr algn="ctr"/>
+                <a:endParaRPr lang="en-US">
+                  <a:solidFill>
+                    <a:schemeClr val="tx1"/>
+                  </a:solidFill>
+                </a:endParaRPr>
+              </a:p>
+            </p:txBody>
+          </p:sp>
+          <p:sp>
+            <p:nvSpPr>
+              <p:cNvPr id="95" name="TextBox 94">
+                <a:extLst>
+                  <a:ext uri="{FF2B5EF4-FFF2-40B4-BE49-F238E27FC236}">
+                    <a16:creationId xmlns:a16="http://schemas.microsoft.com/office/drawing/2014/main" id="{F61BE614-6DEA-9947-0B3D-7CFEA8125DEE}"/>
+                  </a:ext>
+                </a:extLst>
+              </p:cNvPr>
+              <p:cNvSpPr txBox="1"/>
+              <p:nvPr/>
+            </p:nvSpPr>
+            <p:spPr>
+              <a:xfrm>
+                <a:off x="135381" y="2267710"/>
+                <a:ext cx="1413943" cy="338554"/>
+              </a:xfrm>
+              <a:prstGeom prst="rect">
+                <a:avLst/>
+              </a:prstGeom>
+              <a:noFill/>
+            </p:spPr>
+            <p:txBody>
+              <a:bodyPr wrap="square" rtlCol="0">
+                <a:spAutoFit/>
+              </a:bodyPr>
+              <a:lstStyle/>
+              <a:p>
+                <a:pPr algn="ctr"/>
+                <a:r>
+                  <a:rPr lang="en-US" sz="1600" b="1" dirty="0"/>
+                  <a:t>Normalization</a:t>
+                </a:r>
+              </a:p>
+            </p:txBody>
+          </p:sp>
+          <p:sp>
+            <p:nvSpPr>
+              <p:cNvPr id="96" name="TextBox 95">
+                <a:extLst>
+                  <a:ext uri="{FF2B5EF4-FFF2-40B4-BE49-F238E27FC236}">
+                    <a16:creationId xmlns:a16="http://schemas.microsoft.com/office/drawing/2014/main" id="{AE23ADD1-7439-665D-7FB1-9CD10C2D7568}"/>
+                  </a:ext>
+                </a:extLst>
+              </p:cNvPr>
+              <p:cNvSpPr txBox="1"/>
+              <p:nvPr/>
+            </p:nvSpPr>
+            <p:spPr>
+              <a:xfrm>
+                <a:off x="46979" y="2560117"/>
+                <a:ext cx="1624084" cy="357406"/>
+              </a:xfrm>
+              <a:prstGeom prst="rect">
+                <a:avLst/>
+              </a:prstGeom>
+              <a:noFill/>
+            </p:spPr>
+            <p:txBody>
+              <a:bodyPr wrap="square">
+                <a:spAutoFit/>
+              </a:bodyPr>
+              <a:lstStyle/>
+              <a:p>
+                <a:pPr algn="ctr">
+                  <a:lnSpc>
+                    <a:spcPts val="1000"/>
+                  </a:lnSpc>
+                </a:pPr>
+                <a:r>
+                  <a:rPr lang="en-US" sz="1200" i="1" dirty="0" err="1"/>
+                  <a:t>NormalizeData</a:t>
+                </a:r>
+                <a:r>
+                  <a:rPr lang="en-US" sz="1200" i="1" dirty="0"/>
+                  <a:t>()</a:t>
+                </a:r>
+              </a:p>
+              <a:p>
+                <a:pPr marL="0" marR="0" lvl="0" indent="0" algn="ctr" defTabSz="914400" rtl="0" eaLnBrk="1" fontAlgn="auto" latinLnBrk="0" hangingPunct="1">
+                  <a:lnSpc>
+                    <a:spcPts val="1000"/>
+                  </a:lnSpc>
+                  <a:spcBef>
+                    <a:spcPts val="0"/>
+                  </a:spcBef>
+                  <a:spcAft>
+                    <a:spcPts val="0"/>
+                  </a:spcAft>
+                  <a:buClrTx/>
+                  <a:buSzTx/>
+                  <a:buFontTx/>
+                  <a:buNone/>
+                  <a:tabLst/>
+                  <a:defRPr/>
+                </a:pPr>
+                <a:r>
+                  <a:rPr lang="en-US" sz="1200" i="1" dirty="0" err="1"/>
+                  <a:t>FindVariableFeatures</a:t>
+                </a:r>
+                <a:r>
+                  <a:rPr lang="en-US" sz="1200" i="1" dirty="0"/>
+                  <a:t>()</a:t>
+                </a:r>
+              </a:p>
+            </p:txBody>
+          </p:sp>
+        </p:grpSp>
+        <p:grpSp>
+          <p:nvGrpSpPr>
+            <p:cNvPr id="97" name="Group 96">
+              <a:extLst>
+                <a:ext uri="{FF2B5EF4-FFF2-40B4-BE49-F238E27FC236}">
+                  <a16:creationId xmlns:a16="http://schemas.microsoft.com/office/drawing/2014/main" id="{381D4F42-7942-20F5-8F00-A91456DC089A}"/>
+                </a:ext>
+              </a:extLst>
+            </p:cNvPr>
+            <p:cNvGrpSpPr/>
+            <p:nvPr/>
+          </p:nvGrpSpPr>
+          <p:grpSpPr>
+            <a:xfrm>
+              <a:off x="2458934" y="3089622"/>
+              <a:ext cx="1149740" cy="530821"/>
+              <a:chOff x="245062" y="2961530"/>
+              <a:chExt cx="1149740" cy="530821"/>
+            </a:xfrm>
+          </p:grpSpPr>
+          <p:sp>
+            <p:nvSpPr>
+              <p:cNvPr id="98" name="Rectangle 97">
+                <a:extLst>
+                  <a:ext uri="{FF2B5EF4-FFF2-40B4-BE49-F238E27FC236}">
+                    <a16:creationId xmlns:a16="http://schemas.microsoft.com/office/drawing/2014/main" id="{AE53E359-37D0-CFFF-23EF-7EED9B961F76}"/>
+                  </a:ext>
+                </a:extLst>
+              </p:cNvPr>
+              <p:cNvSpPr/>
+              <p:nvPr/>
+            </p:nvSpPr>
+            <p:spPr>
+              <a:xfrm>
+                <a:off x="334099" y="3019864"/>
+                <a:ext cx="930345" cy="240544"/>
+              </a:xfrm>
+              <a:prstGeom prst="rect">
+                <a:avLst/>
+              </a:prstGeom>
+              <a:solidFill>
+                <a:schemeClr val="bg1"/>
+              </a:solidFill>
+              <a:ln>
+                <a:solidFill>
+                  <a:schemeClr val="tx1"/>
+                </a:solidFill>
+              </a:ln>
+            </p:spPr>
+            <p:style>
+              <a:lnRef idx="2">
+                <a:schemeClr val="accent1">
+                  <a:shade val="15000"/>
+                </a:schemeClr>
+              </a:lnRef>
+              <a:fillRef idx="1">
+                <a:schemeClr val="accent1"/>
+              </a:fillRef>
+              <a:effectRef idx="0">
+                <a:schemeClr val="accent1"/>
+              </a:effectRef>
+              <a:fontRef idx="minor">
+                <a:schemeClr val="lt1"/>
+              </a:fontRef>
+            </p:style>
+            <p:txBody>
+              <a:bodyPr rtlCol="0" anchor="ctr"/>
+              <a:lstStyle/>
+              <a:p>
+                <a:pPr algn="ctr"/>
+                <a:endParaRPr lang="en-US">
+                  <a:solidFill>
+                    <a:schemeClr val="tx1"/>
+                  </a:solidFill>
+                </a:endParaRPr>
+              </a:p>
+            </p:txBody>
+          </p:sp>
+          <p:sp>
+            <p:nvSpPr>
+              <p:cNvPr id="99" name="TextBox 98">
+                <a:extLst>
+                  <a:ext uri="{FF2B5EF4-FFF2-40B4-BE49-F238E27FC236}">
+                    <a16:creationId xmlns:a16="http://schemas.microsoft.com/office/drawing/2014/main" id="{0C8BDD44-E75E-07BD-0994-15C8E0FB0338}"/>
+                  </a:ext>
+                </a:extLst>
+              </p:cNvPr>
+              <p:cNvSpPr txBox="1"/>
+              <p:nvPr/>
+            </p:nvSpPr>
+            <p:spPr>
+              <a:xfrm>
+                <a:off x="245062" y="2961530"/>
+                <a:ext cx="1149740" cy="338554"/>
+              </a:xfrm>
+              <a:prstGeom prst="rect">
+                <a:avLst/>
+              </a:prstGeom>
+              <a:noFill/>
+            </p:spPr>
+            <p:txBody>
+              <a:bodyPr wrap="square" rtlCol="0">
+                <a:spAutoFit/>
+              </a:bodyPr>
+              <a:lstStyle/>
+              <a:p>
+                <a:pPr algn="ctr"/>
+                <a:r>
+                  <a:rPr lang="en-US" sz="1600" b="1" dirty="0"/>
+                  <a:t>Scaling</a:t>
+                </a:r>
+              </a:p>
+            </p:txBody>
+          </p:sp>
+          <p:sp>
+            <p:nvSpPr>
+              <p:cNvPr id="100" name="TextBox 99">
+                <a:extLst>
+                  <a:ext uri="{FF2B5EF4-FFF2-40B4-BE49-F238E27FC236}">
+                    <a16:creationId xmlns:a16="http://schemas.microsoft.com/office/drawing/2014/main" id="{21AA22F0-123F-A62C-223B-B5B86655C4EE}"/>
+                  </a:ext>
+                </a:extLst>
+              </p:cNvPr>
+              <p:cNvSpPr txBox="1"/>
+              <p:nvPr/>
+            </p:nvSpPr>
+            <p:spPr>
+              <a:xfrm>
+                <a:off x="373089" y="3215352"/>
+                <a:ext cx="938526" cy="276999"/>
+              </a:xfrm>
+              <a:prstGeom prst="rect">
+                <a:avLst/>
+              </a:prstGeom>
+              <a:noFill/>
+            </p:spPr>
+            <p:txBody>
+              <a:bodyPr wrap="square">
+                <a:spAutoFit/>
+              </a:bodyPr>
+              <a:lstStyle/>
+              <a:p>
+                <a:pPr algn="ctr"/>
+                <a:r>
+                  <a:rPr lang="en-US" sz="1200" i="1" dirty="0" err="1"/>
+                  <a:t>ScaleData</a:t>
+                </a:r>
+                <a:r>
+                  <a:rPr lang="en-US" sz="1200" i="1" dirty="0"/>
+                  <a:t>()</a:t>
+                </a:r>
+              </a:p>
+            </p:txBody>
+          </p:sp>
+        </p:grpSp>
+        <p:sp>
+          <p:nvSpPr>
+            <p:cNvPr id="113" name="Arrow: Right 112">
+              <a:extLst>
+                <a:ext uri="{FF2B5EF4-FFF2-40B4-BE49-F238E27FC236}">
+                  <a16:creationId xmlns:a16="http://schemas.microsoft.com/office/drawing/2014/main" id="{CED24589-B630-857D-398D-809C131107C1}"/>
+                </a:ext>
+              </a:extLst>
+            </p:cNvPr>
+            <p:cNvSpPr/>
+            <p:nvPr/>
+          </p:nvSpPr>
+          <p:spPr>
+            <a:xfrm rot="5400000">
+              <a:off x="2965542" y="1589161"/>
+              <a:ext cx="136524" cy="386089"/>
+            </a:xfrm>
+            <a:prstGeom prst="rightArrow">
+              <a:avLst/>
+            </a:prstGeom>
+            <a:solidFill>
+              <a:srgbClr val="CBCBCB"/>
+            </a:solidFill>
+            <a:ln>
+              <a:noFill/>
+            </a:ln>
+          </p:spPr>
+          <p:style>
+            <a:lnRef idx="2">
+              <a:schemeClr val="accent1">
+                <a:shade val="15000"/>
+              </a:schemeClr>
+            </a:lnRef>
+            <a:fillRef idx="1">
+              <a:schemeClr val="accent1"/>
+            </a:fillRef>
+            <a:effectRef idx="0">
+              <a:schemeClr val="accent1"/>
+            </a:effectRef>
+            <a:fontRef idx="minor">
+              <a:schemeClr val="lt1"/>
+            </a:fontRef>
+          </p:style>
+          <p:txBody>
+            <a:bodyPr rtlCol="0" anchor="ctr"/>
+            <a:lstStyle/>
+            <a:p>
+              <a:pPr algn="ctr"/>
+              <a:endParaRPr lang="en-US"/>
+            </a:p>
+          </p:txBody>
+        </p:sp>
+        <p:sp>
+          <p:nvSpPr>
+            <p:cNvPr id="114" name="Arrow: Right 113">
+              <a:extLst>
+                <a:ext uri="{FF2B5EF4-FFF2-40B4-BE49-F238E27FC236}">
+                  <a16:creationId xmlns:a16="http://schemas.microsoft.com/office/drawing/2014/main" id="{24DBF688-B47A-5913-BF21-753594D62A71}"/>
+                </a:ext>
+              </a:extLst>
+            </p:cNvPr>
+            <p:cNvSpPr/>
+            <p:nvPr/>
+          </p:nvSpPr>
+          <p:spPr>
+            <a:xfrm rot="5400000">
+              <a:off x="2976370" y="2147038"/>
+              <a:ext cx="114868" cy="386089"/>
+            </a:xfrm>
+            <a:prstGeom prst="rightArrow">
+              <a:avLst/>
+            </a:prstGeom>
+            <a:solidFill>
+              <a:srgbClr val="CBCBCB"/>
+            </a:solidFill>
+            <a:ln>
+              <a:noFill/>
+            </a:ln>
+          </p:spPr>
+          <p:style>
+            <a:lnRef idx="2">
+              <a:schemeClr val="accent1">
+                <a:shade val="15000"/>
+              </a:schemeClr>
+            </a:lnRef>
+            <a:fillRef idx="1">
+              <a:schemeClr val="accent1"/>
+            </a:fillRef>
+            <a:effectRef idx="0">
+              <a:schemeClr val="accent1"/>
+            </a:effectRef>
+            <a:fontRef idx="minor">
+              <a:schemeClr val="lt1"/>
+            </a:fontRef>
+          </p:style>
+          <p:txBody>
+            <a:bodyPr rtlCol="0" anchor="ctr"/>
+            <a:lstStyle/>
+            <a:p>
+              <a:pPr algn="ctr"/>
+              <a:endParaRPr lang="en-US"/>
+            </a:p>
+          </p:txBody>
+        </p:sp>
+        <p:sp>
+          <p:nvSpPr>
+            <p:cNvPr id="115" name="Arrow: Right 114">
+              <a:extLst>
+                <a:ext uri="{FF2B5EF4-FFF2-40B4-BE49-F238E27FC236}">
+                  <a16:creationId xmlns:a16="http://schemas.microsoft.com/office/drawing/2014/main" id="{7EB71390-0859-CF8B-11FC-3991C6A41099}"/>
+                </a:ext>
+              </a:extLst>
+            </p:cNvPr>
+            <p:cNvSpPr/>
+            <p:nvPr/>
+          </p:nvSpPr>
+          <p:spPr>
+            <a:xfrm rot="5400000">
+              <a:off x="2980902" y="2862322"/>
+              <a:ext cx="105805" cy="386089"/>
+            </a:xfrm>
+            <a:prstGeom prst="rightArrow">
+              <a:avLst/>
+            </a:prstGeom>
+            <a:solidFill>
+              <a:srgbClr val="CBCBCB"/>
+            </a:solidFill>
+            <a:ln>
+              <a:noFill/>
+            </a:ln>
+          </p:spPr>
+          <p:style>
+            <a:lnRef idx="2">
+              <a:schemeClr val="accent1">
+                <a:shade val="15000"/>
+              </a:schemeClr>
+            </a:lnRef>
+            <a:fillRef idx="1">
+              <a:schemeClr val="accent1"/>
+            </a:fillRef>
+            <a:effectRef idx="0">
+              <a:schemeClr val="accent1"/>
+            </a:effectRef>
+            <a:fontRef idx="minor">
+              <a:schemeClr val="lt1"/>
+            </a:fontRef>
+          </p:style>
+          <p:txBody>
+            <a:bodyPr rtlCol="0" anchor="ctr"/>
+            <a:lstStyle/>
+            <a:p>
+              <a:pPr algn="ctr"/>
+              <a:endParaRPr lang="en-US"/>
+            </a:p>
+          </p:txBody>
+        </p:sp>
+      </p:grpSp>
+      <p:sp>
+        <p:nvSpPr>
+          <p:cNvPr id="116" name="Arrow: Right 115">
+            <a:extLst>
+              <a:ext uri="{FF2B5EF4-FFF2-40B4-BE49-F238E27FC236}">
+                <a16:creationId xmlns:a16="http://schemas.microsoft.com/office/drawing/2014/main" id="{08CC1379-8D06-7ED5-6386-47826A51268E}"/>
+              </a:ext>
+            </a:extLst>
+          </p:cNvPr>
+          <p:cNvSpPr/>
+          <p:nvPr/>
+        </p:nvSpPr>
+        <p:spPr>
+          <a:xfrm rot="2677752">
+            <a:off x="2423575" y="5964930"/>
+            <a:ext cx="499190" cy="193481"/>
+          </a:xfrm>
+          <a:custGeom>
+            <a:avLst/>
+            <a:gdLst>
+              <a:gd name="connsiteX0" fmla="*/ 0 w 700951"/>
+              <a:gd name="connsiteY0" fmla="*/ 96522 h 386089"/>
+              <a:gd name="connsiteX1" fmla="*/ 507907 w 700951"/>
+              <a:gd name="connsiteY1" fmla="*/ 96522 h 386089"/>
+              <a:gd name="connsiteX2" fmla="*/ 507907 w 700951"/>
+              <a:gd name="connsiteY2" fmla="*/ 0 h 386089"/>
+              <a:gd name="connsiteX3" fmla="*/ 700951 w 700951"/>
+              <a:gd name="connsiteY3" fmla="*/ 193045 h 386089"/>
+              <a:gd name="connsiteX4" fmla="*/ 507907 w 700951"/>
+              <a:gd name="connsiteY4" fmla="*/ 386089 h 386089"/>
+              <a:gd name="connsiteX5" fmla="*/ 507907 w 700951"/>
+              <a:gd name="connsiteY5" fmla="*/ 289567 h 386089"/>
+              <a:gd name="connsiteX6" fmla="*/ 0 w 700951"/>
+              <a:gd name="connsiteY6" fmla="*/ 289567 h 386089"/>
+              <a:gd name="connsiteX7" fmla="*/ 0 w 700951"/>
+              <a:gd name="connsiteY7" fmla="*/ 96522 h 386089"/>
+              <a:gd name="connsiteX0" fmla="*/ 0 w 700951"/>
+              <a:gd name="connsiteY0" fmla="*/ 0 h 289567"/>
+              <a:gd name="connsiteX1" fmla="*/ 507907 w 700951"/>
+              <a:gd name="connsiteY1" fmla="*/ 0 h 289567"/>
+              <a:gd name="connsiteX2" fmla="*/ 700951 w 700951"/>
+              <a:gd name="connsiteY2" fmla="*/ 96523 h 289567"/>
+              <a:gd name="connsiteX3" fmla="*/ 507907 w 700951"/>
+              <a:gd name="connsiteY3" fmla="*/ 289567 h 289567"/>
+              <a:gd name="connsiteX4" fmla="*/ 507907 w 700951"/>
+              <a:gd name="connsiteY4" fmla="*/ 193045 h 289567"/>
+              <a:gd name="connsiteX5" fmla="*/ 0 w 700951"/>
+              <a:gd name="connsiteY5" fmla="*/ 193045 h 289567"/>
+              <a:gd name="connsiteX6" fmla="*/ 0 w 700951"/>
+              <a:gd name="connsiteY6" fmla="*/ 0 h 289567"/>
+              <a:gd name="connsiteX0" fmla="*/ 0 w 507907"/>
+              <a:gd name="connsiteY0" fmla="*/ 0 h 289567"/>
+              <a:gd name="connsiteX1" fmla="*/ 507907 w 507907"/>
+              <a:gd name="connsiteY1" fmla="*/ 0 h 289567"/>
+              <a:gd name="connsiteX2" fmla="*/ 507907 w 507907"/>
+              <a:gd name="connsiteY2" fmla="*/ 289567 h 289567"/>
+              <a:gd name="connsiteX3" fmla="*/ 507907 w 507907"/>
+              <a:gd name="connsiteY3" fmla="*/ 193045 h 289567"/>
+              <a:gd name="connsiteX4" fmla="*/ 0 w 507907"/>
+              <a:gd name="connsiteY4" fmla="*/ 193045 h 289567"/>
+              <a:gd name="connsiteX5" fmla="*/ 0 w 507907"/>
+              <a:gd name="connsiteY5" fmla="*/ 0 h 289567"/>
+              <a:gd name="connsiteX0" fmla="*/ 0 w 507907"/>
+              <a:gd name="connsiteY0" fmla="*/ 0 h 193045"/>
+              <a:gd name="connsiteX1" fmla="*/ 507907 w 507907"/>
+              <a:gd name="connsiteY1" fmla="*/ 0 h 193045"/>
+              <a:gd name="connsiteX2" fmla="*/ 507907 w 507907"/>
+              <a:gd name="connsiteY2" fmla="*/ 193045 h 193045"/>
+              <a:gd name="connsiteX3" fmla="*/ 0 w 507907"/>
+              <a:gd name="connsiteY3" fmla="*/ 193045 h 193045"/>
+              <a:gd name="connsiteX4" fmla="*/ 0 w 507907"/>
+              <a:gd name="connsiteY4" fmla="*/ 0 h 193045"/>
+              <a:gd name="connsiteX0" fmla="*/ 0 w 507907"/>
+              <a:gd name="connsiteY0" fmla="*/ 0 h 193045"/>
+              <a:gd name="connsiteX1" fmla="*/ 507907 w 507907"/>
+              <a:gd name="connsiteY1" fmla="*/ 0 h 193045"/>
+              <a:gd name="connsiteX2" fmla="*/ 311510 w 507907"/>
+              <a:gd name="connsiteY2" fmla="*/ 191432 h 193045"/>
+              <a:gd name="connsiteX3" fmla="*/ 0 w 507907"/>
+              <a:gd name="connsiteY3" fmla="*/ 193045 h 193045"/>
+              <a:gd name="connsiteX4" fmla="*/ 0 w 507907"/>
+              <a:gd name="connsiteY4" fmla="*/ 0 h 193045"/>
+              <a:gd name="connsiteX0" fmla="*/ 0 w 454827"/>
+              <a:gd name="connsiteY0" fmla="*/ 436 h 193481"/>
+              <a:gd name="connsiteX1" fmla="*/ 454827 w 454827"/>
+              <a:gd name="connsiteY1" fmla="*/ 0 h 193481"/>
+              <a:gd name="connsiteX2" fmla="*/ 311510 w 454827"/>
+              <a:gd name="connsiteY2" fmla="*/ 191868 h 193481"/>
+              <a:gd name="connsiteX3" fmla="*/ 0 w 454827"/>
+              <a:gd name="connsiteY3" fmla="*/ 193481 h 193481"/>
+              <a:gd name="connsiteX4" fmla="*/ 0 w 454827"/>
+              <a:gd name="connsiteY4" fmla="*/ 436 h 193481"/>
+              <a:gd name="connsiteX0" fmla="*/ 0 w 454827"/>
+              <a:gd name="connsiteY0" fmla="*/ 436 h 193481"/>
+              <a:gd name="connsiteX1" fmla="*/ 454827 w 454827"/>
+              <a:gd name="connsiteY1" fmla="*/ 0 h 193481"/>
+              <a:gd name="connsiteX2" fmla="*/ 303547 w 454827"/>
+              <a:gd name="connsiteY2" fmla="*/ 191802 h 193481"/>
+              <a:gd name="connsiteX3" fmla="*/ 0 w 454827"/>
+              <a:gd name="connsiteY3" fmla="*/ 193481 h 193481"/>
+              <a:gd name="connsiteX4" fmla="*/ 0 w 454827"/>
+              <a:gd name="connsiteY4" fmla="*/ 436 h 193481"/>
+              <a:gd name="connsiteX0" fmla="*/ 0 w 454827"/>
+              <a:gd name="connsiteY0" fmla="*/ 436 h 193481"/>
+              <a:gd name="connsiteX1" fmla="*/ 454827 w 454827"/>
+              <a:gd name="connsiteY1" fmla="*/ 0 h 193481"/>
+              <a:gd name="connsiteX2" fmla="*/ 279001 w 454827"/>
+              <a:gd name="connsiteY2" fmla="*/ 191628 h 193481"/>
+              <a:gd name="connsiteX3" fmla="*/ 0 w 454827"/>
+              <a:gd name="connsiteY3" fmla="*/ 193481 h 193481"/>
+              <a:gd name="connsiteX4" fmla="*/ 0 w 454827"/>
+              <a:gd name="connsiteY4" fmla="*/ 436 h 193481"/>
+            </a:gdLst>
+            <a:ahLst/>
+            <a:cxnLst>
+              <a:cxn ang="0">
+                <a:pos x="connsiteX0" y="connsiteY0"/>
+              </a:cxn>
+              <a:cxn ang="0">
+                <a:pos x="connsiteX1" y="connsiteY1"/>
+              </a:cxn>
+              <a:cxn ang="0">
+                <a:pos x="connsiteX2" y="connsiteY2"/>
+              </a:cxn>
+              <a:cxn ang="0">
+                <a:pos x="connsiteX3" y="connsiteY3"/>
+              </a:cxn>
+              <a:cxn ang="0">
+                <a:pos x="connsiteX4" y="connsiteY4"/>
+              </a:cxn>
+            </a:cxnLst>
+            <a:rect l="l" t="t" r="r" b="b"/>
+            <a:pathLst>
+              <a:path w="454827" h="193481">
+                <a:moveTo>
+                  <a:pt x="0" y="436"/>
+                </a:moveTo>
+                <a:lnTo>
+                  <a:pt x="454827" y="0"/>
+                </a:lnTo>
+                <a:lnTo>
+                  <a:pt x="279001" y="191628"/>
+                </a:lnTo>
+                <a:lnTo>
+                  <a:pt x="0" y="193481"/>
+                </a:lnTo>
+                <a:lnTo>
+                  <a:pt x="0" y="436"/>
+                </a:lnTo>
+                <a:close/>
+              </a:path>
+            </a:pathLst>
+          </a:custGeom>
+          <a:solidFill>
+            <a:srgbClr val="CBCBCB"/>
+          </a:solidFill>
+          <a:ln>
+            <a:noFill/>
+          </a:ln>
+        </p:spPr>
+        <p:style>
+          <a:lnRef idx="2">
+            <a:schemeClr val="accent1">
+              <a:shade val="15000"/>
+            </a:schemeClr>
+          </a:lnRef>
+          <a:fillRef idx="1">
+            <a:schemeClr val="accent1"/>
+          </a:fillRef>
+          <a:effectRef idx="0">
+            <a:schemeClr val="accent1"/>
+          </a:effectRef>
+          <a:fontRef idx="minor">
+            <a:schemeClr val="lt1"/>
+          </a:fontRef>
+        </p:style>
+        <p:txBody>
+          <a:bodyPr rtlCol="0" anchor="ctr"/>
+          <a:lstStyle/>
+          <a:p>
+            <a:pPr algn="ctr"/>
+            <a:endParaRPr lang="en-US" dirty="0"/>
+          </a:p>
+        </p:txBody>
+      </p:sp>
+      <p:sp>
+        <p:nvSpPr>
+          <p:cNvPr id="118" name="Arrow: Right 117">
+            <a:extLst>
+              <a:ext uri="{FF2B5EF4-FFF2-40B4-BE49-F238E27FC236}">
+                <a16:creationId xmlns:a16="http://schemas.microsoft.com/office/drawing/2014/main" id="{00503929-E5FD-D4D9-4CA7-3BC87FBE33AC}"/>
+              </a:ext>
+            </a:extLst>
+          </p:cNvPr>
+          <p:cNvSpPr/>
+          <p:nvPr/>
+        </p:nvSpPr>
+        <p:spPr>
+          <a:xfrm rot="5400000">
+            <a:off x="3615468" y="3924991"/>
+            <a:ext cx="287518" cy="386089"/>
+          </a:xfrm>
+          <a:prstGeom prst="rightArrow">
+            <a:avLst/>
+          </a:prstGeom>
+          <a:solidFill>
+            <a:srgbClr val="CBCBCB"/>
+          </a:solidFill>
+          <a:ln>
+            <a:noFill/>
+          </a:ln>
+        </p:spPr>
+        <p:style>
+          <a:lnRef idx="2">
+            <a:schemeClr val="accent1">
+              <a:shade val="15000"/>
+            </a:schemeClr>
+          </a:lnRef>
+          <a:fillRef idx="1">
+            <a:schemeClr val="accent1"/>
+          </a:fillRef>
+          <a:effectRef idx="0">
+            <a:schemeClr val="accent1"/>
+          </a:effectRef>
+          <a:fontRef idx="minor">
+            <a:schemeClr val="lt1"/>
+          </a:fontRef>
+        </p:style>
+        <p:txBody>
+          <a:bodyPr rtlCol="0" anchor="ctr"/>
+          <a:lstStyle/>
+          <a:p>
+            <a:pPr algn="ctr"/>
+            <a:endParaRPr lang="en-US"/>
+          </a:p>
+        </p:txBody>
+      </p:sp>
+      <p:grpSp>
+        <p:nvGrpSpPr>
+          <p:cNvPr id="119" name="Group 118">
+            <a:extLst>
+              <a:ext uri="{FF2B5EF4-FFF2-40B4-BE49-F238E27FC236}">
+                <a16:creationId xmlns:a16="http://schemas.microsoft.com/office/drawing/2014/main" id="{8491B6F9-0BE8-12F0-5FF5-68724D05305E}"/>
+              </a:ext>
+            </a:extLst>
+          </p:cNvPr>
+          <p:cNvGrpSpPr/>
+          <p:nvPr/>
+        </p:nvGrpSpPr>
+        <p:grpSpPr>
+          <a:xfrm>
+            <a:off x="3053882" y="2430073"/>
+            <a:ext cx="1410693" cy="507411"/>
+            <a:chOff x="153675" y="4647854"/>
+            <a:chExt cx="1410693" cy="507411"/>
+          </a:xfrm>
+        </p:grpSpPr>
+        <p:sp>
+          <p:nvSpPr>
+            <p:cNvPr id="120" name="Rectangle 119">
+              <a:extLst>
+                <a:ext uri="{FF2B5EF4-FFF2-40B4-BE49-F238E27FC236}">
+                  <a16:creationId xmlns:a16="http://schemas.microsoft.com/office/drawing/2014/main" id="{F85B3908-44B3-2B71-DCE1-118368C38B1A}"/>
+                </a:ext>
+              </a:extLst>
+            </p:cNvPr>
+            <p:cNvSpPr/>
+            <p:nvPr/>
+          </p:nvSpPr>
+          <p:spPr>
+            <a:xfrm>
+              <a:off x="297489" y="4695928"/>
+              <a:ext cx="1089727" cy="245166"/>
+            </a:xfrm>
+            <a:prstGeom prst="rect">
+              <a:avLst/>
+            </a:prstGeom>
+            <a:solidFill>
+              <a:schemeClr val="bg1"/>
+            </a:solidFill>
+            <a:ln>
+              <a:solidFill>
+                <a:schemeClr val="tx1"/>
+              </a:solidFill>
+            </a:ln>
+          </p:spPr>
+          <p:style>
+            <a:lnRef idx="2">
+              <a:schemeClr val="accent1">
+                <a:shade val="15000"/>
+              </a:schemeClr>
+            </a:lnRef>
+            <a:fillRef idx="1">
+              <a:schemeClr val="accent1"/>
+            </a:fillRef>
+            <a:effectRef idx="0">
+              <a:schemeClr val="accent1"/>
+            </a:effectRef>
+            <a:fontRef idx="minor">
+              <a:schemeClr val="lt1"/>
+            </a:fontRef>
+          </p:style>
+          <p:txBody>
+            <a:bodyPr rtlCol="0" anchor="ctr"/>
+            <a:lstStyle/>
+            <a:p>
+              <a:pPr algn="ctr"/>
+              <a:endParaRPr lang="en-US">
+                <a:solidFill>
+                  <a:schemeClr val="tx1"/>
+                </a:solidFill>
+              </a:endParaRPr>
+            </a:p>
+          </p:txBody>
+        </p:sp>
+        <p:sp>
+          <p:nvSpPr>
+            <p:cNvPr id="121" name="TextBox 120">
+              <a:extLst>
+                <a:ext uri="{FF2B5EF4-FFF2-40B4-BE49-F238E27FC236}">
+                  <a16:creationId xmlns:a16="http://schemas.microsoft.com/office/drawing/2014/main" id="{621DF42B-AFC7-1737-0460-8192937DFD2B}"/>
+                </a:ext>
+              </a:extLst>
+            </p:cNvPr>
+            <p:cNvSpPr txBox="1"/>
+            <p:nvPr/>
+          </p:nvSpPr>
+          <p:spPr>
+            <a:xfrm>
+              <a:off x="153675" y="4647854"/>
+              <a:ext cx="1410693" cy="338554"/>
+            </a:xfrm>
+            <a:prstGeom prst="rect">
+              <a:avLst/>
+            </a:prstGeom>
+            <a:noFill/>
+          </p:spPr>
+          <p:txBody>
+            <a:bodyPr wrap="square" rtlCol="0">
+              <a:spAutoFit/>
+            </a:bodyPr>
+            <a:lstStyle/>
+            <a:p>
+              <a:pPr algn="ctr"/>
+              <a:r>
+                <a:rPr lang="en-US" sz="1600" b="1" dirty="0"/>
+                <a:t>Integration</a:t>
+              </a:r>
+            </a:p>
+          </p:txBody>
+        </p:sp>
+        <p:sp>
+          <p:nvSpPr>
+            <p:cNvPr id="122" name="TextBox 121">
+              <a:extLst>
+                <a:ext uri="{FF2B5EF4-FFF2-40B4-BE49-F238E27FC236}">
+                  <a16:creationId xmlns:a16="http://schemas.microsoft.com/office/drawing/2014/main" id="{3CCA6251-1893-048A-310F-B32C3B5F6141}"/>
+                </a:ext>
+              </a:extLst>
+            </p:cNvPr>
+            <p:cNvSpPr txBox="1"/>
+            <p:nvPr/>
+          </p:nvSpPr>
+          <p:spPr>
+            <a:xfrm>
+              <a:off x="202829" y="4878266"/>
+              <a:ext cx="1279047" cy="276999"/>
+            </a:xfrm>
+            <a:prstGeom prst="rect">
+              <a:avLst/>
+            </a:prstGeom>
+            <a:noFill/>
+          </p:spPr>
+          <p:txBody>
+            <a:bodyPr wrap="square">
+              <a:spAutoFit/>
+            </a:bodyPr>
+            <a:lstStyle/>
+            <a:p>
+              <a:pPr algn="ctr"/>
+              <a:r>
+                <a:rPr lang="en-US" sz="1200" i="1" dirty="0" err="1"/>
+                <a:t>IntegrateLayers</a:t>
+              </a:r>
+              <a:r>
+                <a:rPr lang="en-US" sz="1200" i="1" dirty="0"/>
+                <a:t>() </a:t>
+              </a:r>
+            </a:p>
+          </p:txBody>
+        </p:sp>
+      </p:grpSp>
+      <p:sp>
+        <p:nvSpPr>
+          <p:cNvPr id="123" name="Arrow: Right 122">
+            <a:extLst>
+              <a:ext uri="{FF2B5EF4-FFF2-40B4-BE49-F238E27FC236}">
+                <a16:creationId xmlns:a16="http://schemas.microsoft.com/office/drawing/2014/main" id="{C84A4A59-7C8F-D4D2-1E4B-FA603D2569D7}"/>
+              </a:ext>
+            </a:extLst>
+          </p:cNvPr>
+          <p:cNvSpPr/>
+          <p:nvPr/>
+        </p:nvSpPr>
+        <p:spPr>
+          <a:xfrm rot="5400000">
+            <a:off x="3589951" y="2904107"/>
+            <a:ext cx="338554" cy="386089"/>
+          </a:xfrm>
+          <a:prstGeom prst="rightArrow">
+            <a:avLst/>
+          </a:prstGeom>
+          <a:solidFill>
+            <a:srgbClr val="CBCBCB"/>
+          </a:solidFill>
+          <a:ln>
+            <a:noFill/>
+          </a:ln>
+        </p:spPr>
+        <p:style>
+          <a:lnRef idx="2">
+            <a:schemeClr val="accent1">
+              <a:shade val="15000"/>
+            </a:schemeClr>
+          </a:lnRef>
+          <a:fillRef idx="1">
+            <a:schemeClr val="accent1"/>
+          </a:fillRef>
+          <a:effectRef idx="0">
+            <a:schemeClr val="accent1"/>
+          </a:effectRef>
+          <a:fontRef idx="minor">
+            <a:schemeClr val="lt1"/>
+          </a:fontRef>
+        </p:style>
+        <p:txBody>
+          <a:bodyPr rtlCol="0" anchor="ctr"/>
+          <a:lstStyle/>
+          <a:p>
+            <a:pPr algn="ctr"/>
+            <a:endParaRPr lang="en-US"/>
+          </a:p>
+        </p:txBody>
+      </p:sp>
+      <p:sp>
+        <p:nvSpPr>
+          <p:cNvPr id="125" name="Arrow: Right 124">
+            <a:extLst>
+              <a:ext uri="{FF2B5EF4-FFF2-40B4-BE49-F238E27FC236}">
+                <a16:creationId xmlns:a16="http://schemas.microsoft.com/office/drawing/2014/main" id="{2EDA4E6B-ACCA-B139-FBA3-0FDFEF21F213}"/>
+              </a:ext>
+            </a:extLst>
+          </p:cNvPr>
+          <p:cNvSpPr/>
+          <p:nvPr/>
+        </p:nvSpPr>
+        <p:spPr>
+          <a:xfrm rot="3030882">
+            <a:off x="2967079" y="1930363"/>
+            <a:ext cx="832694" cy="233004"/>
+          </a:xfrm>
+          <a:custGeom>
+            <a:avLst/>
+            <a:gdLst>
+              <a:gd name="connsiteX0" fmla="*/ 0 w 1003426"/>
+              <a:gd name="connsiteY0" fmla="*/ 58251 h 233004"/>
+              <a:gd name="connsiteX1" fmla="*/ 886924 w 1003426"/>
+              <a:gd name="connsiteY1" fmla="*/ 58251 h 233004"/>
+              <a:gd name="connsiteX2" fmla="*/ 886924 w 1003426"/>
+              <a:gd name="connsiteY2" fmla="*/ 0 h 233004"/>
+              <a:gd name="connsiteX3" fmla="*/ 1003426 w 1003426"/>
+              <a:gd name="connsiteY3" fmla="*/ 116502 h 233004"/>
+              <a:gd name="connsiteX4" fmla="*/ 886924 w 1003426"/>
+              <a:gd name="connsiteY4" fmla="*/ 233004 h 233004"/>
+              <a:gd name="connsiteX5" fmla="*/ 886924 w 1003426"/>
+              <a:gd name="connsiteY5" fmla="*/ 174753 h 233004"/>
+              <a:gd name="connsiteX6" fmla="*/ 0 w 1003426"/>
+              <a:gd name="connsiteY6" fmla="*/ 174753 h 233004"/>
+              <a:gd name="connsiteX7" fmla="*/ 0 w 1003426"/>
+              <a:gd name="connsiteY7" fmla="*/ 58251 h 233004"/>
+              <a:gd name="connsiteX0" fmla="*/ 0 w 1003426"/>
+              <a:gd name="connsiteY0" fmla="*/ 58251 h 233004"/>
+              <a:gd name="connsiteX1" fmla="*/ 886924 w 1003426"/>
+              <a:gd name="connsiteY1" fmla="*/ 58251 h 233004"/>
+              <a:gd name="connsiteX2" fmla="*/ 886924 w 1003426"/>
+              <a:gd name="connsiteY2" fmla="*/ 0 h 233004"/>
+              <a:gd name="connsiteX3" fmla="*/ 1003426 w 1003426"/>
+              <a:gd name="connsiteY3" fmla="*/ 116502 h 233004"/>
+              <a:gd name="connsiteX4" fmla="*/ 886924 w 1003426"/>
+              <a:gd name="connsiteY4" fmla="*/ 233004 h 233004"/>
+              <a:gd name="connsiteX5" fmla="*/ 886924 w 1003426"/>
+              <a:gd name="connsiteY5" fmla="*/ 174753 h 233004"/>
+              <a:gd name="connsiteX6" fmla="*/ 170732 w 1003426"/>
+              <a:gd name="connsiteY6" fmla="*/ 173494 h 233004"/>
+              <a:gd name="connsiteX7" fmla="*/ 0 w 1003426"/>
+              <a:gd name="connsiteY7" fmla="*/ 58251 h 233004"/>
+              <a:gd name="connsiteX0" fmla="*/ 89962 w 832694"/>
+              <a:gd name="connsiteY0" fmla="*/ 60148 h 233004"/>
+              <a:gd name="connsiteX1" fmla="*/ 716192 w 832694"/>
+              <a:gd name="connsiteY1" fmla="*/ 58251 h 233004"/>
+              <a:gd name="connsiteX2" fmla="*/ 716192 w 832694"/>
+              <a:gd name="connsiteY2" fmla="*/ 0 h 233004"/>
+              <a:gd name="connsiteX3" fmla="*/ 832694 w 832694"/>
+              <a:gd name="connsiteY3" fmla="*/ 116502 h 233004"/>
+              <a:gd name="connsiteX4" fmla="*/ 716192 w 832694"/>
+              <a:gd name="connsiteY4" fmla="*/ 233004 h 233004"/>
+              <a:gd name="connsiteX5" fmla="*/ 716192 w 832694"/>
+              <a:gd name="connsiteY5" fmla="*/ 174753 h 233004"/>
+              <a:gd name="connsiteX6" fmla="*/ 0 w 832694"/>
+              <a:gd name="connsiteY6" fmla="*/ 173494 h 233004"/>
+              <a:gd name="connsiteX7" fmla="*/ 89962 w 832694"/>
+              <a:gd name="connsiteY7" fmla="*/ 60148 h 233004"/>
+            </a:gdLst>
+            <a:ahLst/>
+            <a:cxnLst>
+              <a:cxn ang="0">
+                <a:pos x="connsiteX0" y="connsiteY0"/>
+              </a:cxn>
+              <a:cxn ang="0">
+                <a:pos x="connsiteX1" y="connsiteY1"/>
+              </a:cxn>
+              <a:cxn ang="0">
+                <a:pos x="connsiteX2" y="connsiteY2"/>
+              </a:cxn>
+              <a:cxn ang="0">
+                <a:pos x="connsiteX3" y="connsiteY3"/>
+              </a:cxn>
+              <a:cxn ang="0">
+                <a:pos x="connsiteX4" y="connsiteY4"/>
+              </a:cxn>
+              <a:cxn ang="0">
+                <a:pos x="connsiteX5" y="connsiteY5"/>
+              </a:cxn>
+              <a:cxn ang="0">
+                <a:pos x="connsiteX6" y="connsiteY6"/>
+              </a:cxn>
+              <a:cxn ang="0">
+                <a:pos x="connsiteX7" y="connsiteY7"/>
+              </a:cxn>
+            </a:cxnLst>
+            <a:rect l="l" t="t" r="r" b="b"/>
+            <a:pathLst>
+              <a:path w="832694" h="233004">
+                <a:moveTo>
+                  <a:pt x="89962" y="60148"/>
+                </a:moveTo>
+                <a:lnTo>
+                  <a:pt x="716192" y="58251"/>
+                </a:lnTo>
+                <a:lnTo>
+                  <a:pt x="716192" y="0"/>
+                </a:lnTo>
+                <a:lnTo>
+                  <a:pt x="832694" y="116502"/>
+                </a:lnTo>
+                <a:lnTo>
+                  <a:pt x="716192" y="233004"/>
+                </a:lnTo>
+                <a:lnTo>
+                  <a:pt x="716192" y="174753"/>
+                </a:lnTo>
+                <a:lnTo>
+                  <a:pt x="0" y="173494"/>
+                </a:lnTo>
+                <a:lnTo>
+                  <a:pt x="89962" y="60148"/>
+                </a:lnTo>
+                <a:close/>
+              </a:path>
+            </a:pathLst>
+          </a:custGeom>
+          <a:solidFill>
+            <a:srgbClr val="CBCBCB"/>
+          </a:solidFill>
+          <a:ln>
+            <a:noFill/>
+          </a:ln>
+        </p:spPr>
+        <p:style>
+          <a:lnRef idx="2">
+            <a:schemeClr val="accent1">
+              <a:shade val="15000"/>
+            </a:schemeClr>
+          </a:lnRef>
+          <a:fillRef idx="1">
+            <a:schemeClr val="accent1"/>
+          </a:fillRef>
+          <a:effectRef idx="0">
+            <a:schemeClr val="accent1"/>
+          </a:effectRef>
+          <a:fontRef idx="minor">
+            <a:schemeClr val="lt1"/>
+          </a:fontRef>
+        </p:style>
+        <p:txBody>
+          <a:bodyPr rtlCol="0" anchor="ctr"/>
+          <a:lstStyle/>
+          <a:p>
+            <a:pPr algn="ctr"/>
+            <a:endParaRPr lang="en-US"/>
+          </a:p>
+        </p:txBody>
+      </p:sp>
+      <p:sp>
+        <p:nvSpPr>
+          <p:cNvPr id="126" name="Rectangle 125">
+            <a:extLst>
+              <a:ext uri="{FF2B5EF4-FFF2-40B4-BE49-F238E27FC236}">
+                <a16:creationId xmlns:a16="http://schemas.microsoft.com/office/drawing/2014/main" id="{61825D02-398E-5EEC-0A44-4D2C6DD7F610}"/>
+              </a:ext>
+            </a:extLst>
+          </p:cNvPr>
+          <p:cNvSpPr/>
+          <p:nvPr/>
+        </p:nvSpPr>
+        <p:spPr>
+          <a:xfrm>
+            <a:off x="891355" y="1756338"/>
+            <a:ext cx="3886765" cy="4411100"/>
+          </a:xfrm>
+          <a:prstGeom prst="rect">
+            <a:avLst/>
+          </a:prstGeom>
+          <a:noFill/>
+          <a:ln>
+            <a:solidFill>
+              <a:schemeClr val="tx1"/>
+            </a:solidFill>
+          </a:ln>
+        </p:spPr>
+        <p:style>
+          <a:lnRef idx="2">
+            <a:schemeClr val="accent1">
+              <a:shade val="15000"/>
+            </a:schemeClr>
+          </a:lnRef>
+          <a:fillRef idx="1">
+            <a:schemeClr val="accent1"/>
+          </a:fillRef>
+          <a:effectRef idx="0">
+            <a:schemeClr val="accent1"/>
+          </a:effectRef>
+          <a:fontRef idx="minor">
+            <a:schemeClr val="lt1"/>
+          </a:fontRef>
+        </p:style>
+        <p:txBody>
+          <a:bodyPr rtlCol="0" anchor="ctr"/>
+          <a:lstStyle/>
+          <a:p>
+            <a:pPr algn="ctr"/>
+            <a:endParaRPr lang="en-US"/>
+          </a:p>
+        </p:txBody>
+      </p:sp>
+      <p:sp>
+        <p:nvSpPr>
+          <p:cNvPr id="127" name="TextBox 126">
+            <a:extLst>
+              <a:ext uri="{FF2B5EF4-FFF2-40B4-BE49-F238E27FC236}">
+                <a16:creationId xmlns:a16="http://schemas.microsoft.com/office/drawing/2014/main" id="{9A525E04-8623-1A95-5245-F85C6ADC6861}"/>
+              </a:ext>
+            </a:extLst>
+          </p:cNvPr>
+          <p:cNvSpPr txBox="1"/>
+          <p:nvPr/>
+        </p:nvSpPr>
+        <p:spPr>
+          <a:xfrm>
+            <a:off x="7103002" y="742112"/>
+            <a:ext cx="2375587" cy="369332"/>
+          </a:xfrm>
+          <a:prstGeom prst="rect">
+            <a:avLst/>
+          </a:prstGeom>
+          <a:noFill/>
+        </p:spPr>
+        <p:txBody>
+          <a:bodyPr wrap="none" rtlCol="0">
+            <a:spAutoFit/>
+          </a:bodyPr>
+          <a:lstStyle/>
+          <a:p>
+            <a:r>
+              <a:rPr lang="en-US" b="1" dirty="0"/>
+              <a:t>Cell Trajectory Analysis</a:t>
+            </a:r>
+          </a:p>
+        </p:txBody>
+      </p:sp>
+      <p:sp>
+        <p:nvSpPr>
+          <p:cNvPr id="134" name="TextBox 133">
+            <a:extLst>
+              <a:ext uri="{FF2B5EF4-FFF2-40B4-BE49-F238E27FC236}">
+                <a16:creationId xmlns:a16="http://schemas.microsoft.com/office/drawing/2014/main" id="{EC679C93-D243-E43E-740E-AE3A48DBCF4E}"/>
+              </a:ext>
+            </a:extLst>
+          </p:cNvPr>
+          <p:cNvSpPr txBox="1"/>
+          <p:nvPr/>
+        </p:nvSpPr>
+        <p:spPr>
+          <a:xfrm>
+            <a:off x="862080" y="1394255"/>
+            <a:ext cx="3938771" cy="369332"/>
+          </a:xfrm>
+          <a:prstGeom prst="rect">
+            <a:avLst/>
+          </a:prstGeom>
+          <a:noFill/>
+        </p:spPr>
+        <p:txBody>
+          <a:bodyPr wrap="none" rtlCol="0">
+            <a:spAutoFit/>
+          </a:bodyPr>
+          <a:lstStyle/>
+          <a:p>
+            <a:r>
+              <a:rPr lang="en-US" b="1" dirty="0"/>
+              <a:t>Single Cell Gene Expression with Seurat</a:t>
             </a:r>
           </a:p>
         </p:txBody>
@@ -3909,6 +10250,339 @@
           </a:p>
         </p:txBody>
       </p:sp>
+      <p:sp>
+        <p:nvSpPr>
+          <p:cNvPr id="3" name="TextBox 2">
+            <a:extLst>
+              <a:ext uri="{FF2B5EF4-FFF2-40B4-BE49-F238E27FC236}">
+                <a16:creationId xmlns:a16="http://schemas.microsoft.com/office/drawing/2014/main" id="{FFF2319A-75EC-1E74-4B9B-26A7E9941208}"/>
+              </a:ext>
+            </a:extLst>
+          </p:cNvPr>
+          <p:cNvSpPr txBox="1"/>
+          <p:nvPr/>
+        </p:nvSpPr>
+        <p:spPr>
+          <a:xfrm>
+            <a:off x="859536" y="766016"/>
+            <a:ext cx="3276987" cy="461665"/>
+          </a:xfrm>
+          <a:prstGeom prst="rect">
+            <a:avLst/>
+          </a:prstGeom>
+          <a:noFill/>
+          <a:ln>
+            <a:solidFill>
+              <a:schemeClr val="tx1"/>
+            </a:solidFill>
+          </a:ln>
+        </p:spPr>
+        <p:txBody>
+          <a:bodyPr wrap="none" rtlCol="0">
+            <a:spAutoFit/>
+          </a:bodyPr>
+          <a:lstStyle/>
+          <a:p>
+            <a:r>
+              <a:rPr lang="en-US" sz="2400" b="1" dirty="0"/>
+              <a:t>A Plea for Open Science </a:t>
+            </a:r>
+          </a:p>
+        </p:txBody>
+      </p:sp>
+      <p:pic>
+        <p:nvPicPr>
+          <p:cNvPr id="1026" name="Picture 2" descr="The six core principles of Open Science which guide the Open Traits Network.">
+            <a:extLst>
+              <a:ext uri="{FF2B5EF4-FFF2-40B4-BE49-F238E27FC236}">
+                <a16:creationId xmlns:a16="http://schemas.microsoft.com/office/drawing/2014/main" id="{D9674B6E-B5A3-4FA9-0507-ADDFA863450F}"/>
+              </a:ext>
+            </a:extLst>
+          </p:cNvPr>
+          <p:cNvPicPr>
+            <a:picLocks noChangeAspect="1" noChangeArrowheads="1"/>
+          </p:cNvPicPr>
+          <p:nvPr/>
+        </p:nvPicPr>
+        <p:blipFill>
+          <a:blip r:embed="rId2">
+            <a:extLst>
+              <a:ext uri="{28A0092B-C50C-407E-A947-70E740481C1C}">
+                <a14:useLocalDpi xmlns:a14="http://schemas.microsoft.com/office/drawing/2010/main" val="0"/>
+              </a:ext>
+            </a:extLst>
+          </a:blip>
+          <a:srcRect/>
+          <a:stretch>
+            <a:fillRect/>
+          </a:stretch>
+        </p:blipFill>
+        <p:spPr bwMode="auto">
+          <a:xfrm>
+            <a:off x="5961507" y="766016"/>
+            <a:ext cx="5465273" cy="3420618"/>
+          </a:xfrm>
+          <a:prstGeom prst="rect">
+            <a:avLst/>
+          </a:prstGeom>
+          <a:noFill/>
+          <a:extLst>
+            <a:ext uri="{909E8E84-426E-40DD-AFC4-6F175D3DCCD1}">
+              <a14:hiddenFill xmlns:a14="http://schemas.microsoft.com/office/drawing/2010/main">
+                <a:solidFill>
+                  <a:srgbClr val="FFFFFF"/>
+                </a:solidFill>
+              </a14:hiddenFill>
+            </a:ext>
+          </a:extLst>
+        </p:spPr>
+      </p:pic>
+      <p:sp>
+        <p:nvSpPr>
+          <p:cNvPr id="4" name="TextBox 3">
+            <a:extLst>
+              <a:ext uri="{FF2B5EF4-FFF2-40B4-BE49-F238E27FC236}">
+                <a16:creationId xmlns:a16="http://schemas.microsoft.com/office/drawing/2014/main" id="{B8129F9B-3BBC-5AF2-64EC-0642A3177E34}"/>
+              </a:ext>
+            </a:extLst>
+          </p:cNvPr>
+          <p:cNvSpPr txBox="1"/>
+          <p:nvPr/>
+        </p:nvSpPr>
+        <p:spPr>
+          <a:xfrm>
+            <a:off x="277749" y="1567669"/>
+            <a:ext cx="5489067" cy="4524315"/>
+          </a:xfrm>
+          <a:prstGeom prst="rect">
+            <a:avLst/>
+          </a:prstGeom>
+          <a:noFill/>
+        </p:spPr>
+        <p:txBody>
+          <a:bodyPr wrap="square" rtlCol="0">
+            <a:spAutoFit/>
+          </a:bodyPr>
+          <a:lstStyle/>
+          <a:p>
+            <a:r>
+              <a:rPr lang="en-US" dirty="0"/>
+              <a:t>Please post you code to a software repository (GitHub or bitbucket, etc.) so that other researchers can make use of your contribution.</a:t>
+            </a:r>
+          </a:p>
+          <a:p>
+            <a:endParaRPr lang="en-US" dirty="0"/>
+          </a:p>
+          <a:p>
+            <a:r>
+              <a:rPr lang="en-US" dirty="0"/>
+              <a:t>Please take the </a:t>
+            </a:r>
+            <a:r>
+              <a:rPr lang="en-US" b="1" dirty="0"/>
+              <a:t>extra 10% time </a:t>
+            </a:r>
+            <a:r>
+              <a:rPr lang="en-US" dirty="0"/>
+              <a:t>to document your code with code comments and other information so that your </a:t>
+            </a:r>
+            <a:r>
+              <a:rPr lang="en-US" b="1" dirty="0"/>
+              <a:t>shared code is not useless </a:t>
+            </a:r>
+            <a:r>
+              <a:rPr lang="en-US" dirty="0"/>
+              <a:t>to other people.</a:t>
+            </a:r>
+          </a:p>
+          <a:p>
+            <a:endParaRPr lang="en-US" dirty="0"/>
+          </a:p>
+          <a:p>
+            <a:r>
+              <a:rPr lang="en-US" dirty="0"/>
+              <a:t>Other researchers should be able to reproduce all the figures in your study by simply running your source code files.</a:t>
+            </a:r>
+          </a:p>
+          <a:p>
+            <a:endParaRPr lang="en-US" dirty="0"/>
+          </a:p>
+          <a:p>
+            <a:r>
+              <a:rPr lang="en-US" dirty="0"/>
+              <a:t>Consider how many </a:t>
+            </a:r>
+            <a:r>
+              <a:rPr lang="en-US" b="1" dirty="0"/>
+              <a:t>person-hours science has wasted </a:t>
+            </a:r>
+            <a:r>
+              <a:rPr lang="en-US" dirty="0"/>
+              <a:t>on researchers futilely trying to reproduce a previous publication’s result or process a new dataset with a previously developed pipeline.</a:t>
+            </a:r>
+          </a:p>
+        </p:txBody>
+      </p:sp>
+      <p:sp>
+        <p:nvSpPr>
+          <p:cNvPr id="6" name="TextBox 5">
+            <a:extLst>
+              <a:ext uri="{FF2B5EF4-FFF2-40B4-BE49-F238E27FC236}">
+                <a16:creationId xmlns:a16="http://schemas.microsoft.com/office/drawing/2014/main" id="{65F4288C-0C81-EB54-A8A6-69CFF6F01EAE}"/>
+              </a:ext>
+            </a:extLst>
+          </p:cNvPr>
+          <p:cNvSpPr txBox="1"/>
+          <p:nvPr/>
+        </p:nvSpPr>
+        <p:spPr>
+          <a:xfrm>
+            <a:off x="277749" y="6627168"/>
+            <a:ext cx="3079242" cy="230832"/>
+          </a:xfrm>
+          <a:prstGeom prst="rect">
+            <a:avLst/>
+          </a:prstGeom>
+          <a:noFill/>
+        </p:spPr>
+        <p:txBody>
+          <a:bodyPr wrap="square">
+            <a:spAutoFit/>
+          </a:bodyPr>
+          <a:lstStyle/>
+          <a:p>
+            <a:r>
+              <a:rPr lang="en-US" sz="900" i="1" dirty="0"/>
+              <a:t>https://www.nature.com/articles/s41559-020-1109-6</a:t>
+            </a:r>
+          </a:p>
+        </p:txBody>
+      </p:sp>
+      <p:sp>
+        <p:nvSpPr>
+          <p:cNvPr id="7" name="TextBox 6">
+            <a:extLst>
+              <a:ext uri="{FF2B5EF4-FFF2-40B4-BE49-F238E27FC236}">
+                <a16:creationId xmlns:a16="http://schemas.microsoft.com/office/drawing/2014/main" id="{EBF1563E-7FA6-A0F9-F216-DCAA46714D7B}"/>
+              </a:ext>
+            </a:extLst>
+          </p:cNvPr>
+          <p:cNvSpPr txBox="1"/>
+          <p:nvPr/>
+        </p:nvSpPr>
+        <p:spPr>
+          <a:xfrm>
+            <a:off x="6938791" y="4811744"/>
+            <a:ext cx="1755352" cy="1477328"/>
+          </a:xfrm>
+          <a:prstGeom prst="rect">
+            <a:avLst/>
+          </a:prstGeom>
+          <a:noFill/>
+        </p:spPr>
+        <p:txBody>
+          <a:bodyPr wrap="none" rtlCol="0">
+            <a:spAutoFit/>
+          </a:bodyPr>
+          <a:lstStyle/>
+          <a:p>
+            <a:r>
+              <a:rPr lang="en-US" b="1" dirty="0"/>
+              <a:t>FAIR</a:t>
+            </a:r>
+            <a:r>
+              <a:rPr lang="en-US" dirty="0"/>
+              <a:t> Data </a:t>
+            </a:r>
+          </a:p>
+          <a:p>
+            <a:pPr marL="285750" indent="-285750">
+              <a:buFont typeface="Arial" panose="020B0604020202020204" pitchFamily="34" charset="0"/>
+              <a:buChar char="•"/>
+            </a:pPr>
+            <a:r>
+              <a:rPr lang="en-US" b="1" dirty="0"/>
+              <a:t>F</a:t>
+            </a:r>
+            <a:r>
+              <a:rPr lang="en-US" dirty="0"/>
+              <a:t>indable</a:t>
+            </a:r>
+          </a:p>
+          <a:p>
+            <a:pPr marL="285750" indent="-285750">
+              <a:buFont typeface="Arial" panose="020B0604020202020204" pitchFamily="34" charset="0"/>
+              <a:buChar char="•"/>
+            </a:pPr>
+            <a:r>
+              <a:rPr lang="en-US" b="1" dirty="0"/>
+              <a:t>A</a:t>
+            </a:r>
+            <a:r>
+              <a:rPr lang="en-US" dirty="0"/>
+              <a:t>ccessible</a:t>
+            </a:r>
+          </a:p>
+          <a:p>
+            <a:pPr marL="285750" indent="-285750">
+              <a:buFont typeface="Arial" panose="020B0604020202020204" pitchFamily="34" charset="0"/>
+              <a:buChar char="•"/>
+            </a:pPr>
+            <a:r>
+              <a:rPr lang="en-US" b="1" dirty="0"/>
+              <a:t>I</a:t>
+            </a:r>
+            <a:r>
+              <a:rPr lang="en-US" dirty="0"/>
+              <a:t>nteroperable</a:t>
+            </a:r>
+          </a:p>
+          <a:p>
+            <a:pPr marL="285750" indent="-285750">
+              <a:buFont typeface="Arial" panose="020B0604020202020204" pitchFamily="34" charset="0"/>
+              <a:buChar char="•"/>
+            </a:pPr>
+            <a:r>
+              <a:rPr lang="en-US" b="1" dirty="0"/>
+              <a:t>R</a:t>
+            </a:r>
+            <a:r>
+              <a:rPr lang="en-US" dirty="0"/>
+              <a:t>eusable</a:t>
+            </a:r>
+          </a:p>
+        </p:txBody>
+      </p:sp>
+      <p:pic>
+        <p:nvPicPr>
+          <p:cNvPr id="8" name="Picture 7">
+            <a:extLst>
+              <a:ext uri="{FF2B5EF4-FFF2-40B4-BE49-F238E27FC236}">
+                <a16:creationId xmlns:a16="http://schemas.microsoft.com/office/drawing/2014/main" id="{131CA56B-F432-804C-F23F-C88E9435E8A4}"/>
+              </a:ext>
+            </a:extLst>
+          </p:cNvPr>
+          <p:cNvPicPr>
+            <a:picLocks noChangeAspect="1"/>
+          </p:cNvPicPr>
+          <p:nvPr/>
+        </p:nvPicPr>
+        <p:blipFill>
+          <a:blip r:embed="rId3"/>
+          <a:stretch>
+            <a:fillRect/>
+          </a:stretch>
+        </p:blipFill>
+        <p:spPr>
+          <a:xfrm>
+            <a:off x="8900160" y="5274183"/>
+            <a:ext cx="1981200" cy="552450"/>
+          </a:xfrm>
+          <a:prstGeom prst="rect">
+            <a:avLst/>
+          </a:prstGeom>
+        </p:spPr>
+      </p:pic>
     </p:spTree>
     <p:extLst>
       <p:ext uri="{BB962C8B-B14F-4D97-AF65-F5344CB8AC3E}">
@@ -3963,6 +10637,41 @@
             <a:r>
               <a:rPr lang="en-US" dirty="0"/>
               <a:t>The Challenge of Reproducibility</a:t>
+            </a:r>
+          </a:p>
+        </p:txBody>
+      </p:sp>
+      <p:sp>
+        <p:nvSpPr>
+          <p:cNvPr id="4" name="TextBox 3">
+            <a:extLst>
+              <a:ext uri="{FF2B5EF4-FFF2-40B4-BE49-F238E27FC236}">
+                <a16:creationId xmlns:a16="http://schemas.microsoft.com/office/drawing/2014/main" id="{FBB465FF-77F1-494A-1CC8-270A63C3DA00}"/>
+              </a:ext>
+            </a:extLst>
+          </p:cNvPr>
+          <p:cNvSpPr txBox="1"/>
+          <p:nvPr/>
+        </p:nvSpPr>
+        <p:spPr>
+          <a:xfrm>
+            <a:off x="585216" y="1280160"/>
+            <a:ext cx="3213893" cy="369332"/>
+          </a:xfrm>
+          <a:prstGeom prst="rect">
+            <a:avLst/>
+          </a:prstGeom>
+          <a:noFill/>
+        </p:spPr>
+        <p:txBody>
+          <a:bodyPr wrap="none" rtlCol="0">
+            <a:spAutoFit/>
+          </a:bodyPr>
+          <a:lstStyle/>
+          <a:p>
+            <a:r>
+              <a:rPr lang="en-US" dirty="0"/>
+              <a:t>Part of the challenge of making  </a:t>
             </a:r>
           </a:p>
         </p:txBody>

--- a/M7_Summary/M7_Best_Practices.pptx
+++ b/M7_Summary/M7_Best_Practices.pptx
@@ -5,16 +5,18 @@
     <p:sldMasterId id="2147483656" r:id="rId1"/>
   </p:sldMasterIdLst>
   <p:notesMasterIdLst>
-    <p:notesMasterId r:id="rId9"/>
+    <p:notesMasterId r:id="rId11"/>
   </p:notesMasterIdLst>
   <p:sldIdLst>
     <p:sldId id="256" r:id="rId2"/>
     <p:sldId id="266" r:id="rId3"/>
-    <p:sldId id="267" r:id="rId4"/>
-    <p:sldId id="262" r:id="rId5"/>
-    <p:sldId id="263" r:id="rId6"/>
-    <p:sldId id="264" r:id="rId7"/>
-    <p:sldId id="265" r:id="rId8"/>
+    <p:sldId id="263" r:id="rId4"/>
+    <p:sldId id="267" r:id="rId5"/>
+    <p:sldId id="268" r:id="rId6"/>
+    <p:sldId id="269" r:id="rId7"/>
+    <p:sldId id="262" r:id="rId8"/>
+    <p:sldId id="264" r:id="rId9"/>
+    <p:sldId id="265" r:id="rId10"/>
   </p:sldIdLst>
   <p:sldSz cx="12192000" cy="6858000"/>
   <p:notesSz cx="6858000" cy="9144000"/>
@@ -203,7 +205,7 @@
           <a:p>
             <a:fld id="{FF40CFF0-3E11-4AF6-9747-7919C58FBC48}" type="datetimeFigureOut">
               <a:rPr lang="en-US" smtClean="0"/>
-              <a:t>3/21/2024</a:t>
+              <a:t>3/22/2024</a:t>
             </a:fld>
             <a:endParaRPr lang="en-US"/>
           </a:p>
@@ -627,7 +629,7 @@
           <a:p>
             <a:fld id="{9F69634C-F75C-45F7-A87A-C5E2AF3ECA41}" type="datetimeFigureOut">
               <a:rPr lang="en-US" smtClean="0"/>
-              <a:t>3/21/2024</a:t>
+              <a:t>3/22/2024</a:t>
             </a:fld>
             <a:endParaRPr lang="en-US"/>
           </a:p>
@@ -792,7 +794,7 @@
           <a:p>
             <a:fld id="{9F69634C-F75C-45F7-A87A-C5E2AF3ECA41}" type="datetimeFigureOut">
               <a:rPr lang="en-US" smtClean="0"/>
-              <a:t>3/21/2024</a:t>
+              <a:t>3/22/2024</a:t>
             </a:fld>
             <a:endParaRPr lang="en-US"/>
           </a:p>
@@ -995,7 +997,7 @@
           <a:p>
             <a:fld id="{9F69634C-F75C-45F7-A87A-C5E2AF3ECA41}" type="datetimeFigureOut">
               <a:rPr lang="en-US" smtClean="0"/>
-              <a:t>3/21/2024</a:t>
+              <a:t>3/22/2024</a:t>
             </a:fld>
             <a:endParaRPr lang="en-US"/>
           </a:p>
@@ -1260,7 +1262,7 @@
           <a:p>
             <a:fld id="{9F69634C-F75C-45F7-A87A-C5E2AF3ECA41}" type="datetimeFigureOut">
               <a:rPr lang="en-US" smtClean="0"/>
-              <a:t>3/21/2024</a:t>
+              <a:t>3/22/2024</a:t>
             </a:fld>
             <a:endParaRPr lang="en-US"/>
           </a:p>
@@ -1373,7 +1375,7 @@
           <a:p>
             <a:fld id="{9F69634C-F75C-45F7-A87A-C5E2AF3ECA41}" type="datetimeFigureOut">
               <a:rPr lang="en-US" smtClean="0"/>
-              <a:t>3/21/2024</a:t>
+              <a:t>3/22/2024</a:t>
             </a:fld>
             <a:endParaRPr lang="en-US"/>
           </a:p>
@@ -1615,7 +1617,7 @@
           <a:p>
             <a:fld id="{9F69634C-F75C-45F7-A87A-C5E2AF3ECA41}" type="datetimeFigureOut">
               <a:rPr lang="en-US" smtClean="0"/>
-              <a:t>3/21/2024</a:t>
+              <a:t>3/22/2024</a:t>
             </a:fld>
             <a:endParaRPr lang="en-US"/>
           </a:p>
@@ -2527,7 +2529,7 @@
         </p:nvSpPr>
         <p:spPr>
           <a:xfrm rot="3051569">
-            <a:off x="2618070" y="1924594"/>
+            <a:off x="3038694" y="1924594"/>
             <a:ext cx="816831" cy="233004"/>
           </a:xfrm>
           <a:custGeom>
@@ -2718,7 +2720,7 @@
         </p:nvSpPr>
         <p:spPr>
           <a:xfrm rot="2822692">
-            <a:off x="3292811" y="1895403"/>
+            <a:off x="3713435" y="1895403"/>
             <a:ext cx="813132" cy="236716"/>
           </a:xfrm>
           <a:custGeom>
@@ -2937,7 +2939,7 @@
         </p:nvGrpSpPr>
         <p:grpSpPr>
           <a:xfrm>
-            <a:off x="6540870" y="1029014"/>
+            <a:off x="6540870" y="946718"/>
             <a:ext cx="3330054" cy="5781229"/>
             <a:chOff x="5907" y="830328"/>
             <a:chExt cx="3330054" cy="5781229"/>
@@ -5784,7 +5786,7 @@
         </p:nvGrpSpPr>
         <p:grpSpPr>
           <a:xfrm>
-            <a:off x="1252003" y="5041043"/>
+            <a:off x="1672627" y="5041043"/>
             <a:ext cx="1264277" cy="635064"/>
             <a:chOff x="299002" y="659303"/>
             <a:chExt cx="1236904" cy="251922"/>
@@ -5922,7 +5924,7 @@
         </p:nvGrpSpPr>
         <p:grpSpPr>
           <a:xfrm>
-            <a:off x="969589" y="5028783"/>
+            <a:off x="1390213" y="5028783"/>
             <a:ext cx="1770098" cy="858361"/>
             <a:chOff x="-42697" y="3662050"/>
             <a:chExt cx="1770098" cy="858361"/>
@@ -6104,7 +6106,7 @@
         </p:nvGrpSpPr>
         <p:grpSpPr>
           <a:xfrm>
-            <a:off x="3053882" y="3311459"/>
+            <a:off x="3474506" y="3311459"/>
             <a:ext cx="1410693" cy="638712"/>
             <a:chOff x="105943" y="5254920"/>
             <a:chExt cx="1410693" cy="638712"/>
@@ -6275,7 +6277,7 @@
         </p:nvGrpSpPr>
         <p:grpSpPr>
           <a:xfrm>
-            <a:off x="2863336" y="4370180"/>
+            <a:off x="3283960" y="4370180"/>
             <a:ext cx="1791785" cy="867408"/>
             <a:chOff x="-53540" y="6027627"/>
             <a:chExt cx="1791785" cy="867408"/>
@@ -6446,7 +6448,7 @@
         </p:nvGrpSpPr>
         <p:grpSpPr>
           <a:xfrm>
-            <a:off x="921059" y="1885176"/>
+            <a:off x="1341683" y="1885176"/>
             <a:ext cx="1842877" cy="2957797"/>
             <a:chOff x="2112366" y="662646"/>
             <a:chExt cx="1842877" cy="2957797"/>
@@ -8171,7 +8173,7 @@
         </p:nvSpPr>
         <p:spPr>
           <a:xfrm rot="2677752">
-            <a:off x="2423575" y="5964930"/>
+            <a:off x="2844199" y="5964930"/>
             <a:ext cx="499190" cy="193481"/>
           </a:xfrm>
           <a:custGeom>
@@ -8356,7 +8358,7 @@
         </p:nvSpPr>
         <p:spPr>
           <a:xfrm rot="5400000">
-            <a:off x="3615468" y="3924991"/>
+            <a:off x="4036092" y="3924991"/>
             <a:ext cx="287518" cy="386089"/>
           </a:xfrm>
           <a:prstGeom prst="rightArrow">
@@ -8408,7 +8410,7 @@
         </p:nvGrpSpPr>
         <p:grpSpPr>
           <a:xfrm>
-            <a:off x="3053882" y="2430073"/>
+            <a:off x="3474506" y="2430073"/>
             <a:ext cx="1410693" cy="507411"/>
             <a:chOff x="153675" y="4647854"/>
             <a:chExt cx="1410693" cy="507411"/>
@@ -8563,7 +8565,7 @@
         </p:nvSpPr>
         <p:spPr>
           <a:xfrm rot="5400000">
-            <a:off x="3589951" y="2904107"/>
+            <a:off x="4010575" y="2904107"/>
             <a:ext cx="338554" cy="386089"/>
           </a:xfrm>
           <a:prstGeom prst="rightArrow">
@@ -8615,7 +8617,7 @@
         </p:nvSpPr>
         <p:spPr>
           <a:xfrm rot="3030882">
-            <a:off x="2967079" y="1930363"/>
+            <a:off x="3387703" y="1930363"/>
             <a:ext cx="832694" cy="233004"/>
           </a:xfrm>
           <a:custGeom>
@@ -8774,7 +8776,7 @@
         </p:nvSpPr>
         <p:spPr>
           <a:xfrm>
-            <a:off x="891355" y="1756338"/>
+            <a:off x="1311979" y="1756338"/>
             <a:ext cx="3886765" cy="4411100"/>
           </a:xfrm>
           <a:prstGeom prst="rect">
@@ -8826,7 +8828,7 @@
         </p:nvSpPr>
         <p:spPr>
           <a:xfrm>
-            <a:off x="7103002" y="742112"/>
+            <a:off x="7103002" y="714680"/>
             <a:ext cx="2375587" cy="369332"/>
           </a:xfrm>
           <a:prstGeom prst="rect">
@@ -8861,7 +8863,7 @@
         </p:nvSpPr>
         <p:spPr>
           <a:xfrm>
-            <a:off x="862080" y="1394255"/>
+            <a:off x="1282704" y="1394255"/>
             <a:ext cx="3938771" cy="369332"/>
           </a:xfrm>
           <a:prstGeom prst="rect">
@@ -8917,157 +8919,6 @@
           <p:cNvPr id="2" name="Title 1">
             <a:extLst>
               <a:ext uri="{FF2B5EF4-FFF2-40B4-BE49-F238E27FC236}">
-                <a16:creationId xmlns:a16="http://schemas.microsoft.com/office/drawing/2014/main" id="{44B2448E-37E5-59FB-9B0F-DAFFBD1C3E14}"/>
-              </a:ext>
-            </a:extLst>
-          </p:cNvPr>
-          <p:cNvSpPr>
-            <a:spLocks noGrp="1"/>
-          </p:cNvSpPr>
-          <p:nvPr>
-            <p:ph type="title"/>
-          </p:nvPr>
-        </p:nvSpPr>
-        <p:spPr/>
-        <p:txBody>
-          <a:bodyPr/>
-          <a:lstStyle/>
-          <a:p>
-            <a:r>
-              <a:rPr lang="en-US" dirty="0"/>
-              <a:t>Topics Not Covered</a:t>
-            </a:r>
-          </a:p>
-        </p:txBody>
-      </p:sp>
-    </p:spTree>
-    <p:extLst>
-      <p:ext uri="{BB962C8B-B14F-4D97-AF65-F5344CB8AC3E}">
-        <p14:creationId xmlns:p14="http://schemas.microsoft.com/office/powerpoint/2010/main" val="3208252438"/>
-      </p:ext>
-    </p:extLst>
-  </p:cSld>
-  <p:clrMapOvr>
-    <a:masterClrMapping/>
-  </p:clrMapOvr>
-</p:sld>
-</file>
-
-<file path=ppt/slides/slide4.xml><?xml version="1.0" encoding="utf-8"?>
-<p:sld xmlns:a="http://schemas.openxmlformats.org/drawingml/2006/main" xmlns:r="http://schemas.openxmlformats.org/officeDocument/2006/relationships" xmlns:p="http://schemas.openxmlformats.org/presentationml/2006/main">
-  <p:cSld>
-    <p:spTree>
-      <p:nvGrpSpPr>
-        <p:cNvPr id="1" name=""/>
-        <p:cNvGrpSpPr/>
-        <p:nvPr/>
-      </p:nvGrpSpPr>
-      <p:grpSpPr>
-        <a:xfrm>
-          <a:off x="0" y="0"/>
-          <a:ext cx="0" cy="0"/>
-          <a:chOff x="0" y="0"/>
-          <a:chExt cx="0" cy="0"/>
-        </a:xfrm>
-      </p:grpSpPr>
-      <p:sp>
-        <p:nvSpPr>
-          <p:cNvPr id="2" name="Title 1">
-            <a:extLst>
-              <a:ext uri="{FF2B5EF4-FFF2-40B4-BE49-F238E27FC236}">
-                <a16:creationId xmlns:a16="http://schemas.microsoft.com/office/drawing/2014/main" id="{7F75882A-B3F5-795E-EC34-22235A84DDB1}"/>
-              </a:ext>
-            </a:extLst>
-          </p:cNvPr>
-          <p:cNvSpPr>
-            <a:spLocks noGrp="1"/>
-          </p:cNvSpPr>
-          <p:nvPr>
-            <p:ph type="title"/>
-          </p:nvPr>
-        </p:nvSpPr>
-        <p:spPr/>
-        <p:txBody>
-          <a:bodyPr/>
-          <a:lstStyle/>
-          <a:p>
-            <a:r>
-              <a:rPr lang="en-US" dirty="0"/>
-              <a:t>Importance of Sensitivity Analysis</a:t>
-            </a:r>
-          </a:p>
-        </p:txBody>
-      </p:sp>
-      <p:sp>
-        <p:nvSpPr>
-          <p:cNvPr id="3" name="TextBox 2">
-            <a:extLst>
-              <a:ext uri="{FF2B5EF4-FFF2-40B4-BE49-F238E27FC236}">
-                <a16:creationId xmlns:a16="http://schemas.microsoft.com/office/drawing/2014/main" id="{F396EB75-18CA-E31A-E305-646CE0E08854}"/>
-              </a:ext>
-            </a:extLst>
-          </p:cNvPr>
-          <p:cNvSpPr txBox="1"/>
-          <p:nvPr/>
-        </p:nvSpPr>
-        <p:spPr>
-          <a:xfrm>
-            <a:off x="274320" y="905256"/>
-            <a:ext cx="8029570" cy="369332"/>
-          </a:xfrm>
-          <a:prstGeom prst="rect">
-            <a:avLst/>
-          </a:prstGeom>
-          <a:noFill/>
-        </p:spPr>
-        <p:txBody>
-          <a:bodyPr wrap="none" rtlCol="0">
-            <a:spAutoFit/>
-          </a:bodyPr>
-          <a:lstStyle/>
-          <a:p>
-            <a:r>
-              <a:rPr lang="en-US" dirty="0"/>
-              <a:t>Are the trends in the clustering data versus a product of the clustering parameters? </a:t>
-            </a:r>
-          </a:p>
-        </p:txBody>
-      </p:sp>
-    </p:spTree>
-    <p:extLst>
-      <p:ext uri="{BB962C8B-B14F-4D97-AF65-F5344CB8AC3E}">
-        <p14:creationId xmlns:p14="http://schemas.microsoft.com/office/powerpoint/2010/main" val="3255020999"/>
-      </p:ext>
-    </p:extLst>
-  </p:cSld>
-  <p:clrMapOvr>
-    <a:masterClrMapping/>
-  </p:clrMapOvr>
-</p:sld>
-</file>
-
-<file path=ppt/slides/slide5.xml><?xml version="1.0" encoding="utf-8"?>
-<p:sld xmlns:a="http://schemas.openxmlformats.org/drawingml/2006/main" xmlns:r="http://schemas.openxmlformats.org/officeDocument/2006/relationships" xmlns:p="http://schemas.openxmlformats.org/presentationml/2006/main">
-  <p:cSld>
-    <p:spTree>
-      <p:nvGrpSpPr>
-        <p:cNvPr id="1" name=""/>
-        <p:cNvGrpSpPr/>
-        <p:nvPr/>
-      </p:nvGrpSpPr>
-      <p:grpSpPr>
-        <a:xfrm>
-          <a:off x="0" y="0"/>
-          <a:ext cx="0" cy="0"/>
-          <a:chOff x="0" y="0"/>
-          <a:chExt cx="0" cy="0"/>
-        </a:xfrm>
-      </p:grpSpPr>
-      <p:sp>
-        <p:nvSpPr>
-          <p:cNvPr id="2" name="Title 1">
-            <a:extLst>
-              <a:ext uri="{FF2B5EF4-FFF2-40B4-BE49-F238E27FC236}">
                 <a16:creationId xmlns:a16="http://schemas.microsoft.com/office/drawing/2014/main" id="{0F4AA5FF-2B5D-5715-5A2C-DC99958D206D}"/>
               </a:ext>
             </a:extLst>
@@ -9105,7 +8956,7 @@
         </p:nvSpPr>
         <p:spPr>
           <a:xfrm>
-            <a:off x="347472" y="1005840"/>
+            <a:off x="292610" y="867125"/>
             <a:ext cx="9666108" cy="4247317"/>
           </a:xfrm>
           <a:prstGeom prst="rect">
@@ -9121,7 +8972,7 @@
           <a:p>
             <a:r>
               <a:rPr lang="en-US" dirty="0"/>
-              <a:t>Be sure to check these before you convert the Seurat object to another S4 class:</a:t>
+              <a:t>Be sure to check these before you convert from the Seurat object to another S4 class:</a:t>
             </a:r>
           </a:p>
           <a:p>
@@ -9282,13 +9133,13 @@
           <p:nvPr>
             <p:extLst>
               <p:ext uri="{D42A27DB-BD31-4B8C-83A1-F6EECF244321}">
-                <p14:modId xmlns:p14="http://schemas.microsoft.com/office/powerpoint/2010/main" val="1192601685"/>
+                <p14:modId xmlns:p14="http://schemas.microsoft.com/office/powerpoint/2010/main" val="3257884328"/>
               </p:ext>
             </p:extLst>
           </p:nvPr>
         </p:nvGraphicFramePr>
         <p:xfrm>
-          <a:off x="8153792" y="2898648"/>
+          <a:off x="8108072" y="2541488"/>
           <a:ext cx="2672704" cy="1280160"/>
         </p:xfrm>
         <a:graphic>
@@ -10205,7 +10056,1320 @@
 </p:sld>
 </file>
 
+<file path=ppt/slides/slide4.xml><?xml version="1.0" encoding="utf-8"?>
+<p:sld xmlns:a="http://schemas.openxmlformats.org/drawingml/2006/main" xmlns:r="http://schemas.openxmlformats.org/officeDocument/2006/relationships" xmlns:p="http://schemas.openxmlformats.org/presentationml/2006/main">
+  <p:cSld>
+    <p:spTree>
+      <p:nvGrpSpPr>
+        <p:cNvPr id="1" name=""/>
+        <p:cNvGrpSpPr/>
+        <p:nvPr/>
+      </p:nvGrpSpPr>
+      <p:grpSpPr>
+        <a:xfrm>
+          <a:off x="0" y="0"/>
+          <a:ext cx="0" cy="0"/>
+          <a:chOff x="0" y="0"/>
+          <a:chExt cx="0" cy="0"/>
+        </a:xfrm>
+      </p:grpSpPr>
+      <p:sp>
+        <p:nvSpPr>
+          <p:cNvPr id="2" name="Title 1">
+            <a:extLst>
+              <a:ext uri="{FF2B5EF4-FFF2-40B4-BE49-F238E27FC236}">
+                <a16:creationId xmlns:a16="http://schemas.microsoft.com/office/drawing/2014/main" id="{44B2448E-37E5-59FB-9B0F-DAFFBD1C3E14}"/>
+              </a:ext>
+            </a:extLst>
+          </p:cNvPr>
+          <p:cNvSpPr>
+            <a:spLocks noGrp="1"/>
+          </p:cNvSpPr>
+          <p:nvPr>
+            <p:ph type="title"/>
+          </p:nvPr>
+        </p:nvSpPr>
+        <p:spPr/>
+        <p:txBody>
+          <a:bodyPr/>
+          <a:lstStyle/>
+          <a:p>
+            <a:r>
+              <a:rPr lang="en-US" dirty="0"/>
+              <a:t>Topics Not Covered: Optimal Cluster Parameters</a:t>
+            </a:r>
+          </a:p>
+        </p:txBody>
+      </p:sp>
+      <p:sp>
+        <p:nvSpPr>
+          <p:cNvPr id="3" name="TextBox 2">
+            <a:extLst>
+              <a:ext uri="{FF2B5EF4-FFF2-40B4-BE49-F238E27FC236}">
+                <a16:creationId xmlns:a16="http://schemas.microsoft.com/office/drawing/2014/main" id="{61507FDD-F4F0-357C-B211-4583190966AE}"/>
+              </a:ext>
+            </a:extLst>
+          </p:cNvPr>
+          <p:cNvSpPr txBox="1"/>
+          <p:nvPr/>
+        </p:nvSpPr>
+        <p:spPr>
+          <a:xfrm>
+            <a:off x="327406" y="1000871"/>
+            <a:ext cx="4838573" cy="1754326"/>
+          </a:xfrm>
+          <a:prstGeom prst="rect">
+            <a:avLst/>
+          </a:prstGeom>
+          <a:noFill/>
+        </p:spPr>
+        <p:txBody>
+          <a:bodyPr wrap="square" rtlCol="0">
+            <a:spAutoFit/>
+          </a:bodyPr>
+          <a:lstStyle/>
+          <a:p>
+            <a:r>
+              <a:rPr lang="en-US" dirty="0"/>
+              <a:t>In Depth: Optimal Cluster Parameters</a:t>
+            </a:r>
+          </a:p>
+          <a:p>
+            <a:pPr marL="285750" indent="-285750">
+              <a:buFont typeface="Arial" panose="020B0604020202020204" pitchFamily="34" charset="0"/>
+              <a:buChar char="•"/>
+            </a:pPr>
+            <a:r>
+              <a:rPr lang="en-US" b="1" dirty="0"/>
+              <a:t>Semi-automated</a:t>
+            </a:r>
+            <a:r>
+              <a:rPr lang="en-US" dirty="0"/>
+              <a:t>: do clusters separate the cell types of interest.</a:t>
+            </a:r>
+          </a:p>
+          <a:p>
+            <a:pPr marL="285750" indent="-285750">
+              <a:buFont typeface="Arial" panose="020B0604020202020204" pitchFamily="34" charset="0"/>
+              <a:buChar char="•"/>
+            </a:pPr>
+            <a:r>
+              <a:rPr lang="en-US" b="1" dirty="0"/>
+              <a:t>Automated</a:t>
+            </a:r>
+            <a:r>
+              <a:rPr lang="en-US" dirty="0"/>
+              <a:t>: is there evidence that a pair of clusters could be represented by one cluster (a static set of poison distributions).</a:t>
+            </a:r>
+          </a:p>
+        </p:txBody>
+      </p:sp>
+      <p:pic>
+        <p:nvPicPr>
+          <p:cNvPr id="1026" name="Picture 2" descr="Silhouette width">
+            <a:extLst>
+              <a:ext uri="{FF2B5EF4-FFF2-40B4-BE49-F238E27FC236}">
+                <a16:creationId xmlns:a16="http://schemas.microsoft.com/office/drawing/2014/main" id="{A235B3E6-DA40-ED93-47ED-D40D59403CF1}"/>
+              </a:ext>
+            </a:extLst>
+          </p:cNvPr>
+          <p:cNvPicPr>
+            <a:picLocks noChangeAspect="1" noChangeArrowheads="1"/>
+          </p:cNvPicPr>
+          <p:nvPr/>
+        </p:nvPicPr>
+        <p:blipFill>
+          <a:blip r:embed="rId2">
+            <a:extLst>
+              <a:ext uri="{28A0092B-C50C-407E-A947-70E740481C1C}">
+                <a14:useLocalDpi xmlns:a14="http://schemas.microsoft.com/office/drawing/2010/main" val="0"/>
+              </a:ext>
+            </a:extLst>
+          </a:blip>
+          <a:srcRect/>
+          <a:stretch>
+            <a:fillRect/>
+          </a:stretch>
+        </p:blipFill>
+        <p:spPr bwMode="auto">
+          <a:xfrm>
+            <a:off x="614686" y="3257890"/>
+            <a:ext cx="5300459" cy="2471849"/>
+          </a:xfrm>
+          <a:prstGeom prst="rect">
+            <a:avLst/>
+          </a:prstGeom>
+          <a:noFill/>
+          <a:extLst>
+            <a:ext uri="{909E8E84-426E-40DD-AFC4-6F175D3DCCD1}">
+              <a14:hiddenFill xmlns:a14="http://schemas.microsoft.com/office/drawing/2010/main">
+                <a:solidFill>
+                  <a:srgbClr val="FFFFFF"/>
+                </a:solidFill>
+              </a14:hiddenFill>
+            </a:ext>
+          </a:extLst>
+        </p:spPr>
+      </p:pic>
+      <p:pic>
+        <p:nvPicPr>
+          <p:cNvPr id="8" name="Picture 7">
+            <a:extLst>
+              <a:ext uri="{FF2B5EF4-FFF2-40B4-BE49-F238E27FC236}">
+                <a16:creationId xmlns:a16="http://schemas.microsoft.com/office/drawing/2014/main" id="{0C5376AA-F842-703C-B8A5-E4B82AD1D92F}"/>
+              </a:ext>
+            </a:extLst>
+          </p:cNvPr>
+          <p:cNvPicPr>
+            <a:picLocks noChangeAspect="1"/>
+          </p:cNvPicPr>
+          <p:nvPr/>
+        </p:nvPicPr>
+        <p:blipFill>
+          <a:blip r:embed="rId3"/>
+          <a:stretch>
+            <a:fillRect/>
+          </a:stretch>
+        </p:blipFill>
+        <p:spPr>
+          <a:xfrm>
+            <a:off x="6112560" y="1023045"/>
+            <a:ext cx="5556912" cy="2234845"/>
+          </a:xfrm>
+          <a:prstGeom prst="rect">
+            <a:avLst/>
+          </a:prstGeom>
+        </p:spPr>
+      </p:pic>
+      <p:pic>
+        <p:nvPicPr>
+          <p:cNvPr id="1029" name="Picture 5" descr="significance test by permutation">
+            <a:extLst>
+              <a:ext uri="{FF2B5EF4-FFF2-40B4-BE49-F238E27FC236}">
+                <a16:creationId xmlns:a16="http://schemas.microsoft.com/office/drawing/2014/main" id="{F5F6CDB7-C2D5-A0A6-3FE8-27D147B6BD11}"/>
+              </a:ext>
+            </a:extLst>
+          </p:cNvPr>
+          <p:cNvPicPr>
+            <a:picLocks noChangeAspect="1" noChangeArrowheads="1"/>
+          </p:cNvPicPr>
+          <p:nvPr/>
+        </p:nvPicPr>
+        <p:blipFill rotWithShape="1">
+          <a:blip r:embed="rId4">
+            <a:extLst>
+              <a:ext uri="{28A0092B-C50C-407E-A947-70E740481C1C}">
+                <a14:useLocalDpi xmlns:a14="http://schemas.microsoft.com/office/drawing/2010/main" val="0"/>
+              </a:ext>
+            </a:extLst>
+          </a:blip>
+          <a:srcRect l="7902" t="6399"/>
+          <a:stretch/>
+        </p:blipFill>
+        <p:spPr bwMode="auto">
+          <a:xfrm>
+            <a:off x="6360541" y="3326816"/>
+            <a:ext cx="5069459" cy="2865243"/>
+          </a:xfrm>
+          <a:prstGeom prst="rect">
+            <a:avLst/>
+          </a:prstGeom>
+          <a:noFill/>
+          <a:extLst>
+            <a:ext uri="{909E8E84-426E-40DD-AFC4-6F175D3DCCD1}">
+              <a14:hiddenFill xmlns:a14="http://schemas.microsoft.com/office/drawing/2010/main">
+                <a:solidFill>
+                  <a:srgbClr val="FFFFFF"/>
+                </a:solidFill>
+              </a14:hiddenFill>
+            </a:ext>
+          </a:extLst>
+        </p:spPr>
+      </p:pic>
+      <p:sp>
+        <p:nvSpPr>
+          <p:cNvPr id="10" name="TextBox 9">
+            <a:extLst>
+              <a:ext uri="{FF2B5EF4-FFF2-40B4-BE49-F238E27FC236}">
+                <a16:creationId xmlns:a16="http://schemas.microsoft.com/office/drawing/2014/main" id="{45245273-86A9-D55C-17BA-8DC313909909}"/>
+              </a:ext>
+            </a:extLst>
+          </p:cNvPr>
+          <p:cNvSpPr txBox="1"/>
+          <p:nvPr/>
+        </p:nvSpPr>
+        <p:spPr>
+          <a:xfrm>
+            <a:off x="169291" y="6336778"/>
+            <a:ext cx="6191250" cy="400110"/>
+          </a:xfrm>
+          <a:prstGeom prst="rect">
+            <a:avLst/>
+          </a:prstGeom>
+          <a:noFill/>
+        </p:spPr>
+        <p:txBody>
+          <a:bodyPr wrap="square">
+            <a:spAutoFit/>
+          </a:bodyPr>
+          <a:lstStyle/>
+          <a:p>
+            <a:r>
+              <a:rPr lang="en-US" sz="1000" b="0" i="0" dirty="0" err="1">
+                <a:solidFill>
+                  <a:srgbClr val="212121"/>
+                </a:solidFill>
+                <a:effectLst/>
+                <a:latin typeface="BlinkMacSystemFont"/>
+              </a:rPr>
+              <a:t>Grabski</a:t>
+            </a:r>
+            <a:r>
+              <a:rPr lang="en-US" sz="1000" b="0" i="0" dirty="0">
+                <a:solidFill>
+                  <a:srgbClr val="212121"/>
+                </a:solidFill>
+                <a:effectLst/>
+                <a:latin typeface="BlinkMacSystemFont"/>
+              </a:rPr>
+              <a:t> IN, et al. Nat Methods. 2023 Aug;20(8):1196-1202.</a:t>
+            </a:r>
+          </a:p>
+          <a:p>
+            <a:r>
+              <a:rPr lang="en-US" sz="1000" i="1" dirty="0"/>
+              <a:t>https://divingintogeneticsandgenomics.com/post/scrnaseq-clustering-significant-test-an-unsolvable-problem/</a:t>
+            </a:r>
+            <a:r>
+              <a:rPr lang="en-US" sz="1000" b="0" i="1" dirty="0">
+                <a:solidFill>
+                  <a:srgbClr val="212121"/>
+                </a:solidFill>
+                <a:effectLst/>
+                <a:latin typeface="BlinkMacSystemFont"/>
+              </a:rPr>
+              <a:t> </a:t>
+            </a:r>
+            <a:endParaRPr lang="en-US" sz="1000" i="1" dirty="0"/>
+          </a:p>
+        </p:txBody>
+      </p:sp>
+    </p:spTree>
+    <p:extLst>
+      <p:ext uri="{BB962C8B-B14F-4D97-AF65-F5344CB8AC3E}">
+        <p14:creationId xmlns:p14="http://schemas.microsoft.com/office/powerpoint/2010/main" val="3208252438"/>
+      </p:ext>
+    </p:extLst>
+  </p:cSld>
+  <p:clrMapOvr>
+    <a:masterClrMapping/>
+  </p:clrMapOvr>
+</p:sld>
+</file>
+
+<file path=ppt/slides/slide5.xml><?xml version="1.0" encoding="utf-8"?>
+<p:sld xmlns:a="http://schemas.openxmlformats.org/drawingml/2006/main" xmlns:r="http://schemas.openxmlformats.org/officeDocument/2006/relationships" xmlns:p="http://schemas.openxmlformats.org/presentationml/2006/main">
+  <p:cSld>
+    <p:spTree>
+      <p:nvGrpSpPr>
+        <p:cNvPr id="1" name=""/>
+        <p:cNvGrpSpPr/>
+        <p:nvPr/>
+      </p:nvGrpSpPr>
+      <p:grpSpPr>
+        <a:xfrm>
+          <a:off x="0" y="0"/>
+          <a:ext cx="0" cy="0"/>
+          <a:chOff x="0" y="0"/>
+          <a:chExt cx="0" cy="0"/>
+        </a:xfrm>
+      </p:grpSpPr>
+      <p:sp>
+        <p:nvSpPr>
+          <p:cNvPr id="2" name="Title 1">
+            <a:extLst>
+              <a:ext uri="{FF2B5EF4-FFF2-40B4-BE49-F238E27FC236}">
+                <a16:creationId xmlns:a16="http://schemas.microsoft.com/office/drawing/2014/main" id="{36ACC2ED-5B9B-ED64-3349-6BDD41BC4472}"/>
+              </a:ext>
+            </a:extLst>
+          </p:cNvPr>
+          <p:cNvSpPr>
+            <a:spLocks noGrp="1"/>
+          </p:cNvSpPr>
+          <p:nvPr>
+            <p:ph type="title"/>
+          </p:nvPr>
+        </p:nvSpPr>
+        <p:spPr/>
+        <p:txBody>
+          <a:bodyPr/>
+          <a:lstStyle/>
+          <a:p>
+            <a:r>
+              <a:rPr lang="en-US" dirty="0"/>
+              <a:t>Topics Not Covered: Cell Annotation</a:t>
+            </a:r>
+          </a:p>
+        </p:txBody>
+      </p:sp>
+      <p:pic>
+        <p:nvPicPr>
+          <p:cNvPr id="1026" name="Picture 2" descr="Flowchart of single-cell RNA-seq profiling analysis.">
+            <a:extLst>
+              <a:ext uri="{FF2B5EF4-FFF2-40B4-BE49-F238E27FC236}">
+                <a16:creationId xmlns:a16="http://schemas.microsoft.com/office/drawing/2014/main" id="{F120E051-D6C2-205D-3109-B8E03F0EAB61}"/>
+              </a:ext>
+            </a:extLst>
+          </p:cNvPr>
+          <p:cNvPicPr>
+            <a:picLocks noChangeAspect="1" noChangeArrowheads="1"/>
+          </p:cNvPicPr>
+          <p:nvPr/>
+        </p:nvPicPr>
+        <p:blipFill>
+          <a:blip r:embed="rId2">
+            <a:extLst>
+              <a:ext uri="{28A0092B-C50C-407E-A947-70E740481C1C}">
+                <a14:useLocalDpi xmlns:a14="http://schemas.microsoft.com/office/drawing/2010/main" val="0"/>
+              </a:ext>
+            </a:extLst>
+          </a:blip>
+          <a:srcRect/>
+          <a:stretch>
+            <a:fillRect/>
+          </a:stretch>
+        </p:blipFill>
+        <p:spPr bwMode="auto">
+          <a:xfrm>
+            <a:off x="1274191" y="1106424"/>
+            <a:ext cx="5454191" cy="4946904"/>
+          </a:xfrm>
+          <a:prstGeom prst="rect">
+            <a:avLst/>
+          </a:prstGeom>
+          <a:noFill/>
+          <a:extLst>
+            <a:ext uri="{909E8E84-426E-40DD-AFC4-6F175D3DCCD1}">
+              <a14:hiddenFill xmlns:a14="http://schemas.microsoft.com/office/drawing/2010/main">
+                <a:solidFill>
+                  <a:srgbClr val="FFFFFF"/>
+                </a:solidFill>
+              </a14:hiddenFill>
+            </a:ext>
+          </a:extLst>
+        </p:spPr>
+      </p:pic>
+      <p:sp>
+        <p:nvSpPr>
+          <p:cNvPr id="4" name="TextBox 3">
+            <a:extLst>
+              <a:ext uri="{FF2B5EF4-FFF2-40B4-BE49-F238E27FC236}">
+                <a16:creationId xmlns:a16="http://schemas.microsoft.com/office/drawing/2014/main" id="{AD1A4546-0F10-FC11-9D7C-0DB1CEAE311E}"/>
+              </a:ext>
+            </a:extLst>
+          </p:cNvPr>
+          <p:cNvSpPr txBox="1"/>
+          <p:nvPr/>
+        </p:nvSpPr>
+        <p:spPr>
+          <a:xfrm>
+            <a:off x="319278" y="6530579"/>
+            <a:ext cx="6185916" cy="261610"/>
+          </a:xfrm>
+          <a:prstGeom prst="rect">
+            <a:avLst/>
+          </a:prstGeom>
+          <a:noFill/>
+        </p:spPr>
+        <p:txBody>
+          <a:bodyPr wrap="square">
+            <a:spAutoFit/>
+          </a:bodyPr>
+          <a:lstStyle/>
+          <a:p>
+            <a:r>
+              <a:rPr lang="en-US" sz="1100" b="0" i="0" dirty="0">
+                <a:solidFill>
+                  <a:srgbClr val="212121"/>
+                </a:solidFill>
+                <a:effectLst/>
+                <a:latin typeface="Roboto" panose="02000000000000000000" pitchFamily="2" charset="0"/>
+              </a:rPr>
+              <a:t>Peng L</a:t>
+            </a:r>
+            <a:r>
+              <a:rPr lang="en-US" sz="1100" dirty="0">
+                <a:solidFill>
+                  <a:srgbClr val="212121"/>
+                </a:solidFill>
+                <a:latin typeface="Roboto" panose="02000000000000000000" pitchFamily="2" charset="0"/>
+              </a:rPr>
+              <a:t>. </a:t>
+            </a:r>
+            <a:r>
+              <a:rPr lang="en-US" sz="1100" b="0" i="0" dirty="0">
+                <a:solidFill>
+                  <a:srgbClr val="212121"/>
+                </a:solidFill>
+                <a:effectLst/>
+                <a:latin typeface="Roboto" panose="02000000000000000000" pitchFamily="2" charset="0"/>
+              </a:rPr>
+              <a:t>RNA Biol. 2020 Jun;17(6):765-783.</a:t>
+            </a:r>
+            <a:endParaRPr lang="en-US" sz="1100" dirty="0"/>
+          </a:p>
+        </p:txBody>
+      </p:sp>
+    </p:spTree>
+    <p:extLst>
+      <p:ext uri="{BB962C8B-B14F-4D97-AF65-F5344CB8AC3E}">
+        <p14:creationId xmlns:p14="http://schemas.microsoft.com/office/powerpoint/2010/main" val="364028309"/>
+      </p:ext>
+    </p:extLst>
+  </p:cSld>
+  <p:clrMapOvr>
+    <a:masterClrMapping/>
+  </p:clrMapOvr>
+</p:sld>
+</file>
+
 <file path=ppt/slides/slide6.xml><?xml version="1.0" encoding="utf-8"?>
+<p:sld xmlns:a="http://schemas.openxmlformats.org/drawingml/2006/main" xmlns:r="http://schemas.openxmlformats.org/officeDocument/2006/relationships" xmlns:p="http://schemas.openxmlformats.org/presentationml/2006/main">
+  <p:cSld>
+    <p:spTree>
+      <p:nvGrpSpPr>
+        <p:cNvPr id="1" name=""/>
+        <p:cNvGrpSpPr/>
+        <p:nvPr/>
+      </p:nvGrpSpPr>
+      <p:grpSpPr>
+        <a:xfrm>
+          <a:off x="0" y="0"/>
+          <a:ext cx="0" cy="0"/>
+          <a:chOff x="0" y="0"/>
+          <a:chExt cx="0" cy="0"/>
+        </a:xfrm>
+      </p:grpSpPr>
+      <p:sp>
+        <p:nvSpPr>
+          <p:cNvPr id="2" name="Title 1">
+            <a:extLst>
+              <a:ext uri="{FF2B5EF4-FFF2-40B4-BE49-F238E27FC236}">
+                <a16:creationId xmlns:a16="http://schemas.microsoft.com/office/drawing/2014/main" id="{537F9031-B128-502F-371B-E513D5D3AF9D}"/>
+              </a:ext>
+            </a:extLst>
+          </p:cNvPr>
+          <p:cNvSpPr>
+            <a:spLocks noGrp="1"/>
+          </p:cNvSpPr>
+          <p:nvPr>
+            <p:ph type="title"/>
+          </p:nvPr>
+        </p:nvSpPr>
+        <p:spPr/>
+        <p:txBody>
+          <a:bodyPr/>
+          <a:lstStyle/>
+          <a:p>
+            <a:r>
+              <a:rPr lang="en-US" dirty="0"/>
+              <a:t>Confirming Cell Types and </a:t>
+            </a:r>
+            <a:r>
+              <a:rPr lang="en-US" dirty="0" err="1"/>
+              <a:t>CLustering</a:t>
+            </a:r>
+            <a:endParaRPr lang="en-US" dirty="0"/>
+          </a:p>
+        </p:txBody>
+      </p:sp>
+      <p:sp>
+        <p:nvSpPr>
+          <p:cNvPr id="6" name="TextBox 5">
+            <a:extLst>
+              <a:ext uri="{FF2B5EF4-FFF2-40B4-BE49-F238E27FC236}">
+                <a16:creationId xmlns:a16="http://schemas.microsoft.com/office/drawing/2014/main" id="{AAB90577-07C1-4F13-EDB4-FBF0A68E9607}"/>
+              </a:ext>
+            </a:extLst>
+          </p:cNvPr>
+          <p:cNvSpPr txBox="1"/>
+          <p:nvPr/>
+        </p:nvSpPr>
+        <p:spPr>
+          <a:xfrm>
+            <a:off x="389674" y="3429000"/>
+            <a:ext cx="598241" cy="369332"/>
+          </a:xfrm>
+          <a:prstGeom prst="rect">
+            <a:avLst/>
+          </a:prstGeom>
+          <a:noFill/>
+        </p:spPr>
+        <p:txBody>
+          <a:bodyPr wrap="none" rtlCol="0">
+            <a:spAutoFit/>
+          </a:bodyPr>
+          <a:lstStyle/>
+          <a:p>
+            <a:r>
+              <a:rPr lang="en-US" dirty="0"/>
+              <a:t>FISH</a:t>
+            </a:r>
+          </a:p>
+        </p:txBody>
+      </p:sp>
+      <p:sp>
+        <p:nvSpPr>
+          <p:cNvPr id="7" name="TextBox 6">
+            <a:extLst>
+              <a:ext uri="{FF2B5EF4-FFF2-40B4-BE49-F238E27FC236}">
+                <a16:creationId xmlns:a16="http://schemas.microsoft.com/office/drawing/2014/main" id="{53816A60-55B8-4160-4BC5-878078D41C35}"/>
+              </a:ext>
+            </a:extLst>
+          </p:cNvPr>
+          <p:cNvSpPr txBox="1"/>
+          <p:nvPr/>
+        </p:nvSpPr>
+        <p:spPr>
+          <a:xfrm>
+            <a:off x="6096000" y="2753551"/>
+            <a:ext cx="1380186" cy="369332"/>
+          </a:xfrm>
+          <a:prstGeom prst="rect">
+            <a:avLst/>
+          </a:prstGeom>
+          <a:noFill/>
+        </p:spPr>
+        <p:txBody>
+          <a:bodyPr wrap="none" rtlCol="0">
+            <a:spAutoFit/>
+          </a:bodyPr>
+          <a:lstStyle/>
+          <a:p>
+            <a:r>
+              <a:rPr lang="en-US" dirty="0"/>
+              <a:t>FACS/CYTOF </a:t>
+            </a:r>
+          </a:p>
+        </p:txBody>
+      </p:sp>
+      <p:sp>
+        <p:nvSpPr>
+          <p:cNvPr id="8" name="TextBox 7">
+            <a:extLst>
+              <a:ext uri="{FF2B5EF4-FFF2-40B4-BE49-F238E27FC236}">
+                <a16:creationId xmlns:a16="http://schemas.microsoft.com/office/drawing/2014/main" id="{D9DACB60-2606-0553-0F38-6CDBAAE359B2}"/>
+              </a:ext>
+            </a:extLst>
+          </p:cNvPr>
+          <p:cNvSpPr txBox="1"/>
+          <p:nvPr/>
+        </p:nvSpPr>
+        <p:spPr>
+          <a:xfrm>
+            <a:off x="379729" y="4877930"/>
+            <a:ext cx="2800062" cy="369332"/>
+          </a:xfrm>
+          <a:prstGeom prst="rect">
+            <a:avLst/>
+          </a:prstGeom>
+          <a:noFill/>
+        </p:spPr>
+        <p:txBody>
+          <a:bodyPr wrap="none" rtlCol="0">
+            <a:spAutoFit/>
+          </a:bodyPr>
+          <a:lstStyle/>
+          <a:p>
+            <a:r>
+              <a:rPr lang="en-US" dirty="0" err="1"/>
+              <a:t>PHYTOMap</a:t>
+            </a:r>
+            <a:r>
+              <a:rPr lang="en-US" dirty="0"/>
+              <a:t> (FISH for plants)</a:t>
+            </a:r>
+          </a:p>
+        </p:txBody>
+      </p:sp>
+      <p:sp>
+        <p:nvSpPr>
+          <p:cNvPr id="9" name="TextBox 8">
+            <a:extLst>
+              <a:ext uri="{FF2B5EF4-FFF2-40B4-BE49-F238E27FC236}">
+                <a16:creationId xmlns:a16="http://schemas.microsoft.com/office/drawing/2014/main" id="{727D5C07-39C2-70CD-4C74-CE8F98E953AA}"/>
+              </a:ext>
+            </a:extLst>
+          </p:cNvPr>
+          <p:cNvSpPr txBox="1"/>
+          <p:nvPr/>
+        </p:nvSpPr>
+        <p:spPr>
+          <a:xfrm>
+            <a:off x="5475711" y="1401987"/>
+            <a:ext cx="551754" cy="369332"/>
+          </a:xfrm>
+          <a:prstGeom prst="rect">
+            <a:avLst/>
+          </a:prstGeom>
+          <a:noFill/>
+        </p:spPr>
+        <p:txBody>
+          <a:bodyPr wrap="none" rtlCol="0">
+            <a:spAutoFit/>
+          </a:bodyPr>
+          <a:lstStyle/>
+          <a:p>
+            <a:r>
+              <a:rPr lang="en-US" dirty="0"/>
+              <a:t>PCR</a:t>
+            </a:r>
+          </a:p>
+        </p:txBody>
+      </p:sp>
+      <p:sp>
+        <p:nvSpPr>
+          <p:cNvPr id="10" name="TextBox 9">
+            <a:extLst>
+              <a:ext uri="{FF2B5EF4-FFF2-40B4-BE49-F238E27FC236}">
+                <a16:creationId xmlns:a16="http://schemas.microsoft.com/office/drawing/2014/main" id="{237C3321-0CBE-DAC7-479F-544C700723D8}"/>
+              </a:ext>
+            </a:extLst>
+          </p:cNvPr>
+          <p:cNvSpPr txBox="1"/>
+          <p:nvPr/>
+        </p:nvSpPr>
+        <p:spPr>
+          <a:xfrm>
+            <a:off x="6096000" y="4577479"/>
+            <a:ext cx="1477456" cy="369332"/>
+          </a:xfrm>
+          <a:prstGeom prst="rect">
+            <a:avLst/>
+          </a:prstGeom>
+          <a:noFill/>
+        </p:spPr>
+        <p:txBody>
+          <a:bodyPr wrap="none" rtlCol="0">
+            <a:spAutoFit/>
+          </a:bodyPr>
+          <a:lstStyle/>
+          <a:p>
+            <a:r>
+              <a:rPr lang="en-US"/>
+              <a:t>Laser Capture</a:t>
+            </a:r>
+            <a:endParaRPr lang="en-US" dirty="0"/>
+          </a:p>
+        </p:txBody>
+      </p:sp>
+      <p:pic>
+        <p:nvPicPr>
+          <p:cNvPr id="4" name="Picture 3">
+            <a:extLst>
+              <a:ext uri="{FF2B5EF4-FFF2-40B4-BE49-F238E27FC236}">
+                <a16:creationId xmlns:a16="http://schemas.microsoft.com/office/drawing/2014/main" id="{9E56C68A-B37D-BF32-D8DA-30BBC7744D4A}"/>
+              </a:ext>
+            </a:extLst>
+          </p:cNvPr>
+          <p:cNvPicPr>
+            <a:picLocks noChangeAspect="1"/>
+          </p:cNvPicPr>
+          <p:nvPr/>
+        </p:nvPicPr>
+        <p:blipFill rotWithShape="1">
+          <a:blip r:embed="rId2"/>
+          <a:srcRect l="3058"/>
+          <a:stretch/>
+        </p:blipFill>
+        <p:spPr>
+          <a:xfrm>
+            <a:off x="379729" y="5247262"/>
+            <a:ext cx="4467671" cy="1196520"/>
+          </a:xfrm>
+          <a:prstGeom prst="rect">
+            <a:avLst/>
+          </a:prstGeom>
+        </p:spPr>
+      </p:pic>
+      <p:sp>
+        <p:nvSpPr>
+          <p:cNvPr id="12" name="TextBox 11">
+            <a:extLst>
+              <a:ext uri="{FF2B5EF4-FFF2-40B4-BE49-F238E27FC236}">
+                <a16:creationId xmlns:a16="http://schemas.microsoft.com/office/drawing/2014/main" id="{6EAF720C-6278-0CE7-50E4-78BEBFC8C360}"/>
+              </a:ext>
+            </a:extLst>
+          </p:cNvPr>
+          <p:cNvSpPr txBox="1"/>
+          <p:nvPr/>
+        </p:nvSpPr>
+        <p:spPr>
+          <a:xfrm>
+            <a:off x="688795" y="6395597"/>
+            <a:ext cx="2289069" cy="261610"/>
+          </a:xfrm>
+          <a:prstGeom prst="rect">
+            <a:avLst/>
+          </a:prstGeom>
+          <a:noFill/>
+        </p:spPr>
+        <p:txBody>
+          <a:bodyPr wrap="square">
+            <a:spAutoFit/>
+          </a:bodyPr>
+          <a:lstStyle/>
+          <a:p>
+            <a:r>
+              <a:rPr lang="en-US" sz="1100" b="0" i="0" dirty="0" err="1">
+                <a:solidFill>
+                  <a:srgbClr val="222222"/>
+                </a:solidFill>
+                <a:effectLst/>
+                <a:latin typeface="-apple-system"/>
+              </a:rPr>
+              <a:t>Nobori</a:t>
+            </a:r>
+            <a:r>
+              <a:rPr lang="en-US" sz="1100" b="0" i="0" dirty="0">
+                <a:solidFill>
+                  <a:srgbClr val="222222"/>
+                </a:solidFill>
+                <a:effectLst/>
+                <a:latin typeface="-apple-system"/>
+              </a:rPr>
+              <a:t>, T. </a:t>
+            </a:r>
+            <a:r>
+              <a:rPr lang="en-US" sz="1100" b="0" i="1" dirty="0">
+                <a:solidFill>
+                  <a:srgbClr val="222222"/>
+                </a:solidFill>
+                <a:effectLst/>
+                <a:latin typeface="-apple-system"/>
+              </a:rPr>
+              <a:t>Nat. Plants. </a:t>
+            </a:r>
+            <a:r>
+              <a:rPr lang="en-US" sz="1100" b="0" i="0" dirty="0">
+                <a:solidFill>
+                  <a:srgbClr val="222222"/>
+                </a:solidFill>
+                <a:effectLst/>
+                <a:latin typeface="-apple-system"/>
+              </a:rPr>
+              <a:t>(2023).</a:t>
+            </a:r>
+            <a:endParaRPr lang="en-US" sz="1100" dirty="0"/>
+          </a:p>
+        </p:txBody>
+      </p:sp>
+    </p:spTree>
+    <p:extLst>
+      <p:ext uri="{BB962C8B-B14F-4D97-AF65-F5344CB8AC3E}">
+        <p14:creationId xmlns:p14="http://schemas.microsoft.com/office/powerpoint/2010/main" val="671454169"/>
+      </p:ext>
+    </p:extLst>
+  </p:cSld>
+  <p:clrMapOvr>
+    <a:masterClrMapping/>
+  </p:clrMapOvr>
+</p:sld>
+</file>
+
+<file path=ppt/slides/slide7.xml><?xml version="1.0" encoding="utf-8"?>
+<p:sld xmlns:a="http://schemas.openxmlformats.org/drawingml/2006/main" xmlns:r="http://schemas.openxmlformats.org/officeDocument/2006/relationships" xmlns:p="http://schemas.openxmlformats.org/presentationml/2006/main">
+  <p:cSld>
+    <p:spTree>
+      <p:nvGrpSpPr>
+        <p:cNvPr id="1" name=""/>
+        <p:cNvGrpSpPr/>
+        <p:nvPr/>
+      </p:nvGrpSpPr>
+      <p:grpSpPr>
+        <a:xfrm>
+          <a:off x="0" y="0"/>
+          <a:ext cx="0" cy="0"/>
+          <a:chOff x="0" y="0"/>
+          <a:chExt cx="0" cy="0"/>
+        </a:xfrm>
+      </p:grpSpPr>
+      <p:sp>
+        <p:nvSpPr>
+          <p:cNvPr id="2" name="Title 1">
+            <a:extLst>
+              <a:ext uri="{FF2B5EF4-FFF2-40B4-BE49-F238E27FC236}">
+                <a16:creationId xmlns:a16="http://schemas.microsoft.com/office/drawing/2014/main" id="{7F75882A-B3F5-795E-EC34-22235A84DDB1}"/>
+              </a:ext>
+            </a:extLst>
+          </p:cNvPr>
+          <p:cNvSpPr>
+            <a:spLocks noGrp="1"/>
+          </p:cNvSpPr>
+          <p:nvPr>
+            <p:ph type="title"/>
+          </p:nvPr>
+        </p:nvSpPr>
+        <p:spPr/>
+        <p:txBody>
+          <a:bodyPr/>
+          <a:lstStyle/>
+          <a:p>
+            <a:r>
+              <a:rPr lang="en-US" dirty="0"/>
+              <a:t>Confirmation of Inferred Cell Trajectory</a:t>
+            </a:r>
+          </a:p>
+        </p:txBody>
+      </p:sp>
+      <p:sp>
+        <p:nvSpPr>
+          <p:cNvPr id="3" name="TextBox 2">
+            <a:extLst>
+              <a:ext uri="{FF2B5EF4-FFF2-40B4-BE49-F238E27FC236}">
+                <a16:creationId xmlns:a16="http://schemas.microsoft.com/office/drawing/2014/main" id="{F396EB75-18CA-E31A-E305-646CE0E08854}"/>
+              </a:ext>
+            </a:extLst>
+          </p:cNvPr>
+          <p:cNvSpPr txBox="1"/>
+          <p:nvPr/>
+        </p:nvSpPr>
+        <p:spPr>
+          <a:xfrm>
+            <a:off x="119743" y="844473"/>
+            <a:ext cx="4701159" cy="369332"/>
+          </a:xfrm>
+          <a:prstGeom prst="rect">
+            <a:avLst/>
+          </a:prstGeom>
+          <a:noFill/>
+        </p:spPr>
+        <p:txBody>
+          <a:bodyPr wrap="none" rtlCol="0">
+            <a:spAutoFit/>
+          </a:bodyPr>
+          <a:lstStyle/>
+          <a:p>
+            <a:r>
+              <a:rPr lang="en-US" dirty="0"/>
+              <a:t>How can inferred cell trajectories be confirmed?</a:t>
+            </a:r>
+          </a:p>
+        </p:txBody>
+      </p:sp>
+      <p:pic>
+        <p:nvPicPr>
+          <p:cNvPr id="2052" name="Picture 4">
+            <a:extLst>
+              <a:ext uri="{FF2B5EF4-FFF2-40B4-BE49-F238E27FC236}">
+                <a16:creationId xmlns:a16="http://schemas.microsoft.com/office/drawing/2014/main" id="{928A20BB-AA37-8AF3-43A5-8279E6DB636B}"/>
+              </a:ext>
+            </a:extLst>
+          </p:cNvPr>
+          <p:cNvPicPr>
+            <a:picLocks noChangeAspect="1" noChangeArrowheads="1"/>
+          </p:cNvPicPr>
+          <p:nvPr/>
+        </p:nvPicPr>
+        <p:blipFill rotWithShape="1">
+          <a:blip r:embed="rId2">
+            <a:extLst>
+              <a:ext uri="{28A0092B-C50C-407E-A947-70E740481C1C}">
+                <a14:useLocalDpi xmlns:a14="http://schemas.microsoft.com/office/drawing/2010/main" val="0"/>
+              </a:ext>
+            </a:extLst>
+          </a:blip>
+          <a:srcRect t="36476"/>
+          <a:stretch/>
+        </p:blipFill>
+        <p:spPr bwMode="auto">
+          <a:xfrm>
+            <a:off x="119743" y="4080755"/>
+            <a:ext cx="4158614" cy="2641693"/>
+          </a:xfrm>
+          <a:prstGeom prst="rect">
+            <a:avLst/>
+          </a:prstGeom>
+          <a:noFill/>
+          <a:extLst>
+            <a:ext uri="{909E8E84-426E-40DD-AFC4-6F175D3DCCD1}">
+              <a14:hiddenFill xmlns:a14="http://schemas.microsoft.com/office/drawing/2010/main">
+                <a:solidFill>
+                  <a:srgbClr val="FFFFFF"/>
+                </a:solidFill>
+              </a14:hiddenFill>
+            </a:ext>
+          </a:extLst>
+        </p:spPr>
+      </p:pic>
+      <p:sp>
+        <p:nvSpPr>
+          <p:cNvPr id="8" name="TextBox 7">
+            <a:extLst>
+              <a:ext uri="{FF2B5EF4-FFF2-40B4-BE49-F238E27FC236}">
+                <a16:creationId xmlns:a16="http://schemas.microsoft.com/office/drawing/2014/main" id="{A55F79DE-F470-99A7-E7CC-EACE1819A9D2}"/>
+              </a:ext>
+            </a:extLst>
+          </p:cNvPr>
+          <p:cNvSpPr txBox="1"/>
+          <p:nvPr/>
+        </p:nvSpPr>
+        <p:spPr>
+          <a:xfrm>
+            <a:off x="119743" y="3727590"/>
+            <a:ext cx="1449436" cy="369332"/>
+          </a:xfrm>
+          <a:prstGeom prst="rect">
+            <a:avLst/>
+          </a:prstGeom>
+          <a:noFill/>
+        </p:spPr>
+        <p:txBody>
+          <a:bodyPr wrap="none" rtlCol="0">
+            <a:spAutoFit/>
+          </a:bodyPr>
+          <a:lstStyle/>
+          <a:p>
+            <a:r>
+              <a:rPr lang="en-US" b="0" i="0" dirty="0">
+                <a:solidFill>
+                  <a:srgbClr val="222222"/>
+                </a:solidFill>
+                <a:effectLst/>
+                <a:latin typeface="Harding"/>
+              </a:rPr>
+              <a:t> CRISPR–Cas9</a:t>
+            </a:r>
+          </a:p>
+        </p:txBody>
+      </p:sp>
+      <p:sp>
+        <p:nvSpPr>
+          <p:cNvPr id="10" name="TextBox 9">
+            <a:extLst>
+              <a:ext uri="{FF2B5EF4-FFF2-40B4-BE49-F238E27FC236}">
+                <a16:creationId xmlns:a16="http://schemas.microsoft.com/office/drawing/2014/main" id="{3CF76252-64E4-D739-681C-6479D49CE3E6}"/>
+              </a:ext>
+            </a:extLst>
+          </p:cNvPr>
+          <p:cNvSpPr txBox="1"/>
+          <p:nvPr/>
+        </p:nvSpPr>
+        <p:spPr>
+          <a:xfrm>
+            <a:off x="119743" y="6629337"/>
+            <a:ext cx="6191250" cy="261610"/>
+          </a:xfrm>
+          <a:prstGeom prst="rect">
+            <a:avLst/>
+          </a:prstGeom>
+          <a:noFill/>
+        </p:spPr>
+        <p:txBody>
+          <a:bodyPr wrap="square">
+            <a:spAutoFit/>
+          </a:bodyPr>
+          <a:lstStyle/>
+          <a:p>
+            <a:r>
+              <a:rPr lang="en-US" sz="1050" dirty="0"/>
+              <a:t>https://www.nature.com/articles/s41576-018-0048-4</a:t>
+            </a:r>
+          </a:p>
+        </p:txBody>
+      </p:sp>
+      <p:sp>
+        <p:nvSpPr>
+          <p:cNvPr id="12" name="TextBox 11">
+            <a:extLst>
+              <a:ext uri="{FF2B5EF4-FFF2-40B4-BE49-F238E27FC236}">
+                <a16:creationId xmlns:a16="http://schemas.microsoft.com/office/drawing/2014/main" id="{7FAE4D76-1DA1-FE62-49B9-0B7D93F64C4A}"/>
+              </a:ext>
+            </a:extLst>
+          </p:cNvPr>
+          <p:cNvSpPr txBox="1"/>
+          <p:nvPr/>
+        </p:nvSpPr>
+        <p:spPr>
+          <a:xfrm>
+            <a:off x="9674688" y="959170"/>
+            <a:ext cx="2201418" cy="369332"/>
+          </a:xfrm>
+          <a:prstGeom prst="rect">
+            <a:avLst/>
+          </a:prstGeom>
+          <a:noFill/>
+        </p:spPr>
+        <p:txBody>
+          <a:bodyPr wrap="square">
+            <a:spAutoFit/>
+          </a:bodyPr>
+          <a:lstStyle/>
+          <a:p>
+            <a:r>
+              <a:rPr lang="en-US" b="0" i="0" dirty="0">
+                <a:solidFill>
+                  <a:srgbClr val="040C28"/>
+                </a:solidFill>
+                <a:effectLst/>
+                <a:latin typeface="Google Sans"/>
+              </a:rPr>
+              <a:t>Cre-</a:t>
+            </a:r>
+            <a:r>
+              <a:rPr lang="en-US" b="0" i="0" dirty="0" err="1">
+                <a:solidFill>
+                  <a:srgbClr val="040C28"/>
+                </a:solidFill>
+                <a:effectLst/>
+                <a:latin typeface="Google Sans"/>
+              </a:rPr>
+              <a:t>loxP</a:t>
+            </a:r>
+            <a:r>
+              <a:rPr lang="en-US" b="0" i="0" dirty="0">
+                <a:solidFill>
+                  <a:srgbClr val="040C28"/>
+                </a:solidFill>
+                <a:effectLst/>
+                <a:latin typeface="Google Sans"/>
+              </a:rPr>
+              <a:t> system</a:t>
+            </a:r>
+            <a:endParaRPr lang="en-US" dirty="0"/>
+          </a:p>
+        </p:txBody>
+      </p:sp>
+      <p:pic>
+        <p:nvPicPr>
+          <p:cNvPr id="2054" name="Picture 6" descr="Fig. 1">
+            <a:extLst>
+              <a:ext uri="{FF2B5EF4-FFF2-40B4-BE49-F238E27FC236}">
+                <a16:creationId xmlns:a16="http://schemas.microsoft.com/office/drawing/2014/main" id="{2CD6A90E-2C90-F206-D21F-347E8D3FEEDC}"/>
+              </a:ext>
+            </a:extLst>
+          </p:cNvPr>
+          <p:cNvPicPr>
+            <a:picLocks noChangeAspect="1" noChangeArrowheads="1"/>
+          </p:cNvPicPr>
+          <p:nvPr/>
+        </p:nvPicPr>
+        <p:blipFill rotWithShape="1">
+          <a:blip r:embed="rId3">
+            <a:clrChange>
+              <a:clrFrom>
+                <a:srgbClr val="FFFFFF"/>
+              </a:clrFrom>
+              <a:clrTo>
+                <a:srgbClr val="FFFFFF">
+                  <a:alpha val="0"/>
+                </a:srgbClr>
+              </a:clrTo>
+            </a:clrChange>
+            <a:extLst>
+              <a:ext uri="{28A0092B-C50C-407E-A947-70E740481C1C}">
+                <a14:useLocalDpi xmlns:a14="http://schemas.microsoft.com/office/drawing/2010/main" val="0"/>
+              </a:ext>
+            </a:extLst>
+          </a:blip>
+          <a:srcRect l="11410" r="18052" b="53704"/>
+          <a:stretch/>
+        </p:blipFill>
+        <p:spPr bwMode="auto">
+          <a:xfrm>
+            <a:off x="3869035" y="746809"/>
+            <a:ext cx="5339309" cy="4509550"/>
+          </a:xfrm>
+          <a:prstGeom prst="rect">
+            <a:avLst/>
+          </a:prstGeom>
+          <a:noFill/>
+          <a:extLst>
+            <a:ext uri="{909E8E84-426E-40DD-AFC4-6F175D3DCCD1}">
+              <a14:hiddenFill xmlns:a14="http://schemas.microsoft.com/office/drawing/2010/main">
+                <a:solidFill>
+                  <a:srgbClr val="FFFFFF"/>
+                </a:solidFill>
+              </a14:hiddenFill>
+            </a:ext>
+          </a:extLst>
+        </p:spPr>
+      </p:pic>
+      <p:sp>
+        <p:nvSpPr>
+          <p:cNvPr id="14" name="TextBox 13">
+            <a:extLst>
+              <a:ext uri="{FF2B5EF4-FFF2-40B4-BE49-F238E27FC236}">
+                <a16:creationId xmlns:a16="http://schemas.microsoft.com/office/drawing/2014/main" id="{E5775693-0DED-67ED-B86D-6F79A4B07D14}"/>
+              </a:ext>
+            </a:extLst>
+          </p:cNvPr>
+          <p:cNvSpPr txBox="1"/>
+          <p:nvPr/>
+        </p:nvSpPr>
+        <p:spPr>
+          <a:xfrm>
+            <a:off x="4889754" y="6629337"/>
+            <a:ext cx="2493645" cy="261610"/>
+          </a:xfrm>
+          <a:prstGeom prst="rect">
+            <a:avLst/>
+          </a:prstGeom>
+          <a:noFill/>
+        </p:spPr>
+        <p:txBody>
+          <a:bodyPr wrap="square">
+            <a:spAutoFit/>
+          </a:bodyPr>
+          <a:lstStyle/>
+          <a:p>
+            <a:r>
+              <a:rPr lang="en-US" sz="1050" b="0" i="0" dirty="0">
+                <a:solidFill>
+                  <a:srgbClr val="333333"/>
+                </a:solidFill>
+                <a:effectLst/>
+                <a:latin typeface="-apple-system"/>
+              </a:rPr>
+              <a:t>Zhang, Y et al. </a:t>
+            </a:r>
+            <a:r>
+              <a:rPr lang="en-US" sz="1050" b="0" i="1" dirty="0">
+                <a:solidFill>
+                  <a:srgbClr val="333333"/>
+                </a:solidFill>
+                <a:effectLst/>
+                <a:latin typeface="-apple-system"/>
+              </a:rPr>
+              <a:t>Stem Cell Res </a:t>
+            </a:r>
+            <a:r>
+              <a:rPr lang="en-US" sz="1050" b="0" i="1" dirty="0" err="1">
+                <a:solidFill>
+                  <a:srgbClr val="333333"/>
+                </a:solidFill>
+                <a:effectLst/>
+                <a:latin typeface="-apple-system"/>
+              </a:rPr>
+              <a:t>Ther</a:t>
+            </a:r>
+            <a:r>
+              <a:rPr lang="en-US" sz="1050" dirty="0">
+                <a:solidFill>
+                  <a:srgbClr val="333333"/>
+                </a:solidFill>
+                <a:latin typeface="-apple-system"/>
+              </a:rPr>
+              <a:t>. </a:t>
+            </a:r>
+            <a:r>
+              <a:rPr lang="en-US" sz="1050" b="0" i="0" dirty="0">
+                <a:solidFill>
+                  <a:srgbClr val="333333"/>
+                </a:solidFill>
+                <a:effectLst/>
+                <a:latin typeface="-apple-system"/>
+              </a:rPr>
+              <a:t>(2020)</a:t>
+            </a:r>
+            <a:endParaRPr lang="en-US" sz="1050" dirty="0"/>
+          </a:p>
+        </p:txBody>
+      </p:sp>
+      <p:pic>
+        <p:nvPicPr>
+          <p:cNvPr id="2056" name="Picture 8">
+            <a:extLst>
+              <a:ext uri="{FF2B5EF4-FFF2-40B4-BE49-F238E27FC236}">
+                <a16:creationId xmlns:a16="http://schemas.microsoft.com/office/drawing/2014/main" id="{9F8E964D-D5E6-C4DD-2165-38252B27C37A}"/>
+              </a:ext>
+            </a:extLst>
+          </p:cNvPr>
+          <p:cNvPicPr>
+            <a:picLocks noChangeAspect="1" noChangeArrowheads="1"/>
+          </p:cNvPicPr>
+          <p:nvPr/>
+        </p:nvPicPr>
+        <p:blipFill rotWithShape="1">
+          <a:blip r:embed="rId4">
+            <a:extLst>
+              <a:ext uri="{28A0092B-C50C-407E-A947-70E740481C1C}">
+                <a14:useLocalDpi xmlns:a14="http://schemas.microsoft.com/office/drawing/2010/main" val="0"/>
+              </a:ext>
+            </a:extLst>
+          </a:blip>
+          <a:srcRect b="60203"/>
+          <a:stretch/>
+        </p:blipFill>
+        <p:spPr bwMode="auto">
+          <a:xfrm>
+            <a:off x="9290640" y="1328502"/>
+            <a:ext cx="2450256" cy="1216020"/>
+          </a:xfrm>
+          <a:prstGeom prst="rect">
+            <a:avLst/>
+          </a:prstGeom>
+          <a:noFill/>
+          <a:extLst>
+            <a:ext uri="{909E8E84-426E-40DD-AFC4-6F175D3DCCD1}">
+              <a14:hiddenFill xmlns:a14="http://schemas.microsoft.com/office/drawing/2010/main">
+                <a:solidFill>
+                  <a:srgbClr val="FFFFFF"/>
+                </a:solidFill>
+              </a14:hiddenFill>
+            </a:ext>
+          </a:extLst>
+        </p:spPr>
+      </p:pic>
+      <p:sp>
+        <p:nvSpPr>
+          <p:cNvPr id="16" name="TextBox 15">
+            <a:extLst>
+              <a:ext uri="{FF2B5EF4-FFF2-40B4-BE49-F238E27FC236}">
+                <a16:creationId xmlns:a16="http://schemas.microsoft.com/office/drawing/2014/main" id="{ADF89AA4-AB13-88E4-7B9C-DEC60AD144BA}"/>
+              </a:ext>
+            </a:extLst>
+          </p:cNvPr>
+          <p:cNvSpPr txBox="1"/>
+          <p:nvPr/>
+        </p:nvSpPr>
+        <p:spPr>
+          <a:xfrm>
+            <a:off x="10318895" y="6045223"/>
+            <a:ext cx="1753362" cy="261610"/>
+          </a:xfrm>
+          <a:prstGeom prst="rect">
+            <a:avLst/>
+          </a:prstGeom>
+          <a:noFill/>
+        </p:spPr>
+        <p:txBody>
+          <a:bodyPr wrap="square">
+            <a:spAutoFit/>
+          </a:bodyPr>
+          <a:lstStyle/>
+          <a:p>
+            <a:r>
+              <a:rPr lang="en-US" sz="1050" dirty="0"/>
+              <a:t>Kretzschmar, K. Cell (2012)</a:t>
+            </a:r>
+          </a:p>
+        </p:txBody>
+      </p:sp>
+    </p:spTree>
+    <p:extLst>
+      <p:ext uri="{BB962C8B-B14F-4D97-AF65-F5344CB8AC3E}">
+        <p14:creationId xmlns:p14="http://schemas.microsoft.com/office/powerpoint/2010/main" val="3255020999"/>
+      </p:ext>
+    </p:extLst>
+  </p:cSld>
+  <p:clrMapOvr>
+    <a:masterClrMapping/>
+  </p:clrMapOvr>
+</p:sld>
+</file>
+
+<file path=ppt/slides/slide8.xml><?xml version="1.0" encoding="utf-8"?>
 <p:sld xmlns:a="http://schemas.openxmlformats.org/drawingml/2006/main" xmlns:r="http://schemas.openxmlformats.org/officeDocument/2006/relationships" xmlns:p="http://schemas.openxmlformats.org/presentationml/2006/main">
   <p:cSld>
     <p:spTree>
@@ -10596,7 +11760,7 @@
 </p:sld>
 </file>
 
-<file path=ppt/slides/slide7.xml><?xml version="1.0" encoding="utf-8"?>
+<file path=ppt/slides/slide9.xml><?xml version="1.0" encoding="utf-8"?>
 <p:sld xmlns:a="http://schemas.openxmlformats.org/drawingml/2006/main" xmlns:r="http://schemas.openxmlformats.org/officeDocument/2006/relationships" xmlns:p="http://schemas.openxmlformats.org/presentationml/2006/main">
   <p:cSld>
     <p:spTree>

--- a/M7_Summary/M7_Best_Practices.pptx
+++ b/M7_Summary/M7_Best_Practices.pptx
@@ -205,7 +205,7 @@
           <a:p>
             <a:fld id="{FF40CFF0-3E11-4AF6-9747-7919C58FBC48}" type="datetimeFigureOut">
               <a:rPr lang="en-US" smtClean="0"/>
-              <a:t>3/22/2024</a:t>
+              <a:t>4/1/2024</a:t>
             </a:fld>
             <a:endParaRPr lang="en-US"/>
           </a:p>
@@ -629,7 +629,7 @@
           <a:p>
             <a:fld id="{9F69634C-F75C-45F7-A87A-C5E2AF3ECA41}" type="datetimeFigureOut">
               <a:rPr lang="en-US" smtClean="0"/>
-              <a:t>3/22/2024</a:t>
+              <a:t>4/1/2024</a:t>
             </a:fld>
             <a:endParaRPr lang="en-US"/>
           </a:p>
@@ -794,7 +794,7 @@
           <a:p>
             <a:fld id="{9F69634C-F75C-45F7-A87A-C5E2AF3ECA41}" type="datetimeFigureOut">
               <a:rPr lang="en-US" smtClean="0"/>
-              <a:t>3/22/2024</a:t>
+              <a:t>4/1/2024</a:t>
             </a:fld>
             <a:endParaRPr lang="en-US"/>
           </a:p>
@@ -997,7 +997,7 @@
           <a:p>
             <a:fld id="{9F69634C-F75C-45F7-A87A-C5E2AF3ECA41}" type="datetimeFigureOut">
               <a:rPr lang="en-US" smtClean="0"/>
-              <a:t>3/22/2024</a:t>
+              <a:t>4/1/2024</a:t>
             </a:fld>
             <a:endParaRPr lang="en-US"/>
           </a:p>
@@ -1262,7 +1262,7 @@
           <a:p>
             <a:fld id="{9F69634C-F75C-45F7-A87A-C5E2AF3ECA41}" type="datetimeFigureOut">
               <a:rPr lang="en-US" smtClean="0"/>
-              <a:t>3/22/2024</a:t>
+              <a:t>4/1/2024</a:t>
             </a:fld>
             <a:endParaRPr lang="en-US"/>
           </a:p>
@@ -1375,7 +1375,7 @@
           <a:p>
             <a:fld id="{9F69634C-F75C-45F7-A87A-C5E2AF3ECA41}" type="datetimeFigureOut">
               <a:rPr lang="en-US" smtClean="0"/>
-              <a:t>3/22/2024</a:t>
+              <a:t>4/1/2024</a:t>
             </a:fld>
             <a:endParaRPr lang="en-US"/>
           </a:p>
@@ -1617,7 +1617,7 @@
           <a:p>
             <a:fld id="{9F69634C-F75C-45F7-A87A-C5E2AF3ECA41}" type="datetimeFigureOut">
               <a:rPr lang="en-US" smtClean="0"/>
-              <a:t>3/22/2024</a:t>
+              <a:t>4/1/2024</a:t>
             </a:fld>
             <a:endParaRPr lang="en-US"/>
           </a:p>

--- a/M7_Summary/M7_Best_Practices.pptx
+++ b/M7_Summary/M7_Best_Practices.pptx
@@ -5,7 +5,7 @@
     <p:sldMasterId id="2147483656" r:id="rId1"/>
   </p:sldMasterIdLst>
   <p:notesMasterIdLst>
-    <p:notesMasterId r:id="rId11"/>
+    <p:notesMasterId r:id="rId13"/>
   </p:notesMasterIdLst>
   <p:sldIdLst>
     <p:sldId id="256" r:id="rId2"/>
@@ -17,6 +17,8 @@
     <p:sldId id="262" r:id="rId8"/>
     <p:sldId id="264" r:id="rId9"/>
     <p:sldId id="265" r:id="rId10"/>
+    <p:sldId id="260" r:id="rId11"/>
+    <p:sldId id="270" r:id="rId12"/>
   </p:sldIdLst>
   <p:sldSz cx="12192000" cy="6858000"/>
   <p:notesSz cx="6858000" cy="9144000"/>
@@ -2489,6 +2491,644 @@
     <p:extLst>
       <p:ext uri="{BB962C8B-B14F-4D97-AF65-F5344CB8AC3E}">
         <p14:creationId xmlns:p14="http://schemas.microsoft.com/office/powerpoint/2010/main" val="2380909950"/>
+      </p:ext>
+    </p:extLst>
+  </p:cSld>
+  <p:clrMapOvr>
+    <a:masterClrMapping/>
+  </p:clrMapOvr>
+</p:sld>
+</file>
+
+<file path=ppt/slides/slide10.xml><?xml version="1.0" encoding="utf-8"?>
+<p:sld xmlns:a="http://schemas.openxmlformats.org/drawingml/2006/main" xmlns:r="http://schemas.openxmlformats.org/officeDocument/2006/relationships" xmlns:p="http://schemas.openxmlformats.org/presentationml/2006/main">
+  <p:cSld>
+    <p:spTree>
+      <p:nvGrpSpPr>
+        <p:cNvPr id="1" name=""/>
+        <p:cNvGrpSpPr/>
+        <p:nvPr/>
+      </p:nvGrpSpPr>
+      <p:grpSpPr>
+        <a:xfrm>
+          <a:off x="0" y="0"/>
+          <a:ext cx="0" cy="0"/>
+          <a:chOff x="0" y="0"/>
+          <a:chExt cx="0" cy="0"/>
+        </a:xfrm>
+      </p:grpSpPr>
+      <p:sp>
+        <p:nvSpPr>
+          <p:cNvPr id="2" name="Title 1">
+            <a:extLst>
+              <a:ext uri="{FF2B5EF4-FFF2-40B4-BE49-F238E27FC236}">
+                <a16:creationId xmlns:a16="http://schemas.microsoft.com/office/drawing/2014/main" id="{58765C25-9764-0E33-75E8-12E088084A39}"/>
+              </a:ext>
+            </a:extLst>
+          </p:cNvPr>
+          <p:cNvSpPr>
+            <a:spLocks noGrp="1"/>
+          </p:cNvSpPr>
+          <p:nvPr>
+            <p:ph type="title"/>
+          </p:nvPr>
+        </p:nvSpPr>
+        <p:spPr/>
+        <p:txBody>
+          <a:bodyPr/>
+          <a:lstStyle/>
+          <a:p>
+            <a:r>
+              <a:rPr lang="en-US" dirty="0"/>
+              <a:t>Learning Objectives</a:t>
+            </a:r>
+          </a:p>
+        </p:txBody>
+      </p:sp>
+      <p:sp>
+        <p:nvSpPr>
+          <p:cNvPr id="3" name="TextBox 2">
+            <a:extLst>
+              <a:ext uri="{FF2B5EF4-FFF2-40B4-BE49-F238E27FC236}">
+                <a16:creationId xmlns:a16="http://schemas.microsoft.com/office/drawing/2014/main" id="{6757D76D-6074-C2ED-67AD-8966978C323E}"/>
+              </a:ext>
+            </a:extLst>
+          </p:cNvPr>
+          <p:cNvSpPr txBox="1"/>
+          <p:nvPr/>
+        </p:nvSpPr>
+        <p:spPr>
+          <a:xfrm>
+            <a:off x="851317" y="2155350"/>
+            <a:ext cx="7806240" cy="1477328"/>
+          </a:xfrm>
+          <a:prstGeom prst="rect">
+            <a:avLst/>
+          </a:prstGeom>
+          <a:noFill/>
+        </p:spPr>
+        <p:txBody>
+          <a:bodyPr wrap="none" rtlCol="0">
+            <a:spAutoFit/>
+          </a:bodyPr>
+          <a:lstStyle/>
+          <a:p>
+            <a:pPr marL="342900" indent="-342900">
+              <a:buAutoNum type="arabicPeriod"/>
+            </a:pPr>
+            <a:r>
+              <a:rPr lang="en-US" dirty="0"/>
+              <a:t>Understand the </a:t>
+            </a:r>
+            <a:r>
+              <a:rPr lang="en-US" b="1" dirty="0"/>
+              <a:t>basic process </a:t>
+            </a:r>
+            <a:r>
+              <a:rPr lang="en-US" dirty="0"/>
+              <a:t>of </a:t>
+            </a:r>
+            <a:r>
+              <a:rPr lang="en-US" i="1" dirty="0"/>
+              <a:t>how</a:t>
+            </a:r>
+            <a:r>
+              <a:rPr lang="en-US" dirty="0"/>
+              <a:t> single cell RNA-seq is analyzed.</a:t>
+            </a:r>
+          </a:p>
+          <a:p>
+            <a:pPr marL="342900" indent="-342900">
+              <a:buAutoNum type="arabicPeriod"/>
+            </a:pPr>
+            <a:r>
+              <a:rPr lang="en-US" dirty="0"/>
+              <a:t>Familiarity with </a:t>
+            </a:r>
+            <a:r>
+              <a:rPr lang="en-US" b="1" dirty="0"/>
+              <a:t>standard processing pipeline </a:t>
+            </a:r>
+            <a:r>
+              <a:rPr lang="en-US" dirty="0"/>
+              <a:t>with Seurat.</a:t>
+            </a:r>
+          </a:p>
+          <a:p>
+            <a:pPr marL="342900" indent="-342900">
+              <a:buAutoNum type="arabicPeriod"/>
+            </a:pPr>
+            <a:r>
+              <a:rPr lang="en-US" dirty="0"/>
+              <a:t>Intuitive understanding of the </a:t>
+            </a:r>
+            <a:r>
+              <a:rPr lang="en-US" u="sng" dirty="0"/>
+              <a:t>need</a:t>
+            </a:r>
+            <a:r>
+              <a:rPr lang="en-US" dirty="0"/>
+              <a:t> and </a:t>
+            </a:r>
+            <a:r>
+              <a:rPr lang="en-US" u="sng" dirty="0"/>
+              <a:t>concept</a:t>
+            </a:r>
+            <a:r>
+              <a:rPr lang="en-US" dirty="0"/>
+              <a:t> for each part of the pipeline.</a:t>
+            </a:r>
+          </a:p>
+          <a:p>
+            <a:pPr marL="342900" indent="-342900">
+              <a:buAutoNum type="arabicPeriod"/>
+            </a:pPr>
+            <a:r>
+              <a:rPr lang="en-US" dirty="0"/>
+              <a:t>Performs </a:t>
+            </a:r>
+            <a:r>
+              <a:rPr lang="en-US" b="1" dirty="0"/>
+              <a:t>basic DGE </a:t>
+            </a:r>
+            <a:r>
+              <a:rPr lang="en-US" dirty="0"/>
+              <a:t>and </a:t>
+            </a:r>
+            <a:r>
+              <a:rPr lang="en-US" b="1" dirty="0"/>
+              <a:t>cell type labelling</a:t>
+            </a:r>
+            <a:r>
+              <a:rPr lang="en-US" dirty="0"/>
+              <a:t>.</a:t>
+            </a:r>
+          </a:p>
+          <a:p>
+            <a:pPr marL="342900" indent="-342900">
+              <a:buAutoNum type="arabicPeriod"/>
+            </a:pPr>
+            <a:r>
+              <a:rPr lang="en-US" dirty="0"/>
+              <a:t>Use Monocle to perform </a:t>
+            </a:r>
+            <a:r>
+              <a:rPr lang="en-US" b="1" dirty="0"/>
+              <a:t>cell trajectory </a:t>
+            </a:r>
+            <a:r>
+              <a:rPr lang="en-US" dirty="0"/>
+              <a:t>and</a:t>
+            </a:r>
+            <a:r>
+              <a:rPr lang="en-US" b="1" dirty="0"/>
+              <a:t> cell fate </a:t>
+            </a:r>
+            <a:r>
+              <a:rPr lang="en-US" dirty="0"/>
+              <a:t>analysis.</a:t>
+            </a:r>
+          </a:p>
+        </p:txBody>
+      </p:sp>
+      <p:sp>
+        <p:nvSpPr>
+          <p:cNvPr id="4" name="TextBox 3">
+            <a:extLst>
+              <a:ext uri="{FF2B5EF4-FFF2-40B4-BE49-F238E27FC236}">
+                <a16:creationId xmlns:a16="http://schemas.microsoft.com/office/drawing/2014/main" id="{37C6ECF8-D496-670E-A9DF-AE4459849618}"/>
+              </a:ext>
+            </a:extLst>
+          </p:cNvPr>
+          <p:cNvSpPr txBox="1"/>
+          <p:nvPr/>
+        </p:nvSpPr>
+        <p:spPr>
+          <a:xfrm>
+            <a:off x="409575" y="1048559"/>
+            <a:ext cx="10189082" cy="923330"/>
+          </a:xfrm>
+          <a:prstGeom prst="rect">
+            <a:avLst/>
+          </a:prstGeom>
+          <a:noFill/>
+        </p:spPr>
+        <p:txBody>
+          <a:bodyPr wrap="square" rtlCol="0">
+            <a:spAutoFit/>
+          </a:bodyPr>
+          <a:lstStyle/>
+          <a:p>
+            <a:r>
+              <a:rPr lang="en-US" b="1" dirty="0"/>
+              <a:t>Overarching Purpose</a:t>
+            </a:r>
+            <a:r>
+              <a:rPr lang="en-US" dirty="0"/>
+              <a:t>: to help participants beat the </a:t>
+            </a:r>
+            <a:r>
+              <a:rPr lang="en-US" u="sng" dirty="0"/>
+              <a:t>steep learning curve </a:t>
+            </a:r>
+            <a:r>
+              <a:rPr lang="en-US" dirty="0"/>
+              <a:t>with basics of processing and interpreting </a:t>
+            </a:r>
+            <a:r>
+              <a:rPr lang="en-US" dirty="0" err="1"/>
+              <a:t>scRNA</a:t>
+            </a:r>
+            <a:r>
+              <a:rPr lang="en-US" dirty="0"/>
+              <a:t>-Seq Data. Participants will be empowered to effectively learn new analysis techniques from the understanding developed in this workshop. </a:t>
+            </a:r>
+          </a:p>
+        </p:txBody>
+      </p:sp>
+      <p:sp>
+        <p:nvSpPr>
+          <p:cNvPr id="6" name="TextBox 5">
+            <a:extLst>
+              <a:ext uri="{FF2B5EF4-FFF2-40B4-BE49-F238E27FC236}">
+                <a16:creationId xmlns:a16="http://schemas.microsoft.com/office/drawing/2014/main" id="{5737BBDF-B1CC-0D5F-5B94-098270B7F3DC}"/>
+              </a:ext>
+            </a:extLst>
+          </p:cNvPr>
+          <p:cNvSpPr txBox="1"/>
+          <p:nvPr/>
+        </p:nvSpPr>
+        <p:spPr>
+          <a:xfrm>
+            <a:off x="409575" y="3966179"/>
+            <a:ext cx="3986784" cy="369332"/>
+          </a:xfrm>
+          <a:prstGeom prst="rect">
+            <a:avLst/>
+          </a:prstGeom>
+          <a:noFill/>
+        </p:spPr>
+        <p:txBody>
+          <a:bodyPr wrap="square" rtlCol="0">
+            <a:spAutoFit/>
+          </a:bodyPr>
+          <a:lstStyle/>
+          <a:p>
+            <a:r>
+              <a:rPr lang="en-US" dirty="0"/>
+              <a:t>What does this workshop </a:t>
+            </a:r>
+            <a:r>
+              <a:rPr lang="en-US" i="1" dirty="0"/>
+              <a:t>not cover</a:t>
+            </a:r>
+            <a:r>
+              <a:rPr lang="en-US" dirty="0"/>
+              <a:t>?</a:t>
+            </a:r>
+          </a:p>
+        </p:txBody>
+      </p:sp>
+      <p:sp>
+        <p:nvSpPr>
+          <p:cNvPr id="13" name="TextBox 12">
+            <a:extLst>
+              <a:ext uri="{FF2B5EF4-FFF2-40B4-BE49-F238E27FC236}">
+                <a16:creationId xmlns:a16="http://schemas.microsoft.com/office/drawing/2014/main" id="{A1E74A5C-BFC7-A063-2D15-8CB1B5099B4F}"/>
+              </a:ext>
+            </a:extLst>
+          </p:cNvPr>
+          <p:cNvSpPr txBox="1"/>
+          <p:nvPr/>
+        </p:nvSpPr>
+        <p:spPr>
+          <a:xfrm>
+            <a:off x="851317" y="4476989"/>
+            <a:ext cx="7052034" cy="2031325"/>
+          </a:xfrm>
+          <a:prstGeom prst="rect">
+            <a:avLst/>
+          </a:prstGeom>
+          <a:noFill/>
+        </p:spPr>
+        <p:txBody>
+          <a:bodyPr wrap="square" rtlCol="0">
+            <a:spAutoFit/>
+          </a:bodyPr>
+          <a:lstStyle/>
+          <a:p>
+            <a:pPr marL="342900" indent="-342900">
+              <a:buAutoNum type="arabicPeriod"/>
+            </a:pPr>
+            <a:r>
+              <a:rPr lang="en-US" dirty="0"/>
+              <a:t>How to </a:t>
+            </a:r>
+            <a:r>
+              <a:rPr lang="en-US" b="1" dirty="0"/>
+              <a:t>experimentally confirm </a:t>
+            </a:r>
+            <a:r>
+              <a:rPr lang="en-US" dirty="0"/>
+              <a:t>your single cell results following the standard of practice for your </a:t>
+            </a:r>
+            <a:r>
+              <a:rPr lang="en-US" b="1" dirty="0"/>
+              <a:t>subfield</a:t>
+            </a:r>
+            <a:r>
+              <a:rPr lang="en-US" dirty="0"/>
+              <a:t>.</a:t>
+            </a:r>
+          </a:p>
+          <a:p>
+            <a:pPr marL="342900" indent="-342900">
+              <a:buAutoNum type="arabicPeriod"/>
+            </a:pPr>
+            <a:r>
+              <a:rPr lang="en-US" dirty="0"/>
+              <a:t>How to generate </a:t>
+            </a:r>
+            <a:r>
+              <a:rPr lang="en-US" i="1" dirty="0"/>
+              <a:t>high fidelity </a:t>
+            </a:r>
+            <a:r>
+              <a:rPr lang="en-US" dirty="0"/>
+              <a:t>cell type labels (can take months/ years of effort).</a:t>
+            </a:r>
+          </a:p>
+          <a:p>
+            <a:pPr marL="342900" indent="-342900">
+              <a:buAutoNum type="arabicPeriod"/>
+            </a:pPr>
+            <a:r>
+              <a:rPr lang="en-US" dirty="0"/>
+              <a:t>A </a:t>
+            </a:r>
+            <a:r>
+              <a:rPr lang="en-US" b="1" dirty="0"/>
+              <a:t>mathematical understanding </a:t>
+            </a:r>
+            <a:r>
+              <a:rPr lang="en-US" dirty="0"/>
+              <a:t>of the processing pipeline.</a:t>
+            </a:r>
+          </a:p>
+          <a:p>
+            <a:pPr marL="342900" indent="-342900">
+              <a:buAutoNum type="arabicPeriod"/>
+            </a:pPr>
+            <a:r>
+              <a:rPr lang="en-US" dirty="0"/>
+              <a:t>How to tailor these </a:t>
+            </a:r>
+            <a:r>
+              <a:rPr lang="en-US" i="1" dirty="0"/>
+              <a:t>standard concepts </a:t>
+            </a:r>
+            <a:r>
+              <a:rPr lang="en-US" dirty="0"/>
+              <a:t>to your </a:t>
+            </a:r>
+            <a:r>
+              <a:rPr lang="en-US" b="1" dirty="0"/>
+              <a:t>specific research needs</a:t>
+            </a:r>
+            <a:r>
+              <a:rPr lang="en-US" dirty="0"/>
+              <a:t>.</a:t>
+            </a:r>
+          </a:p>
+        </p:txBody>
+      </p:sp>
+    </p:spTree>
+    <p:extLst>
+      <p:ext uri="{BB962C8B-B14F-4D97-AF65-F5344CB8AC3E}">
+        <p14:creationId xmlns:p14="http://schemas.microsoft.com/office/powerpoint/2010/main" val="1634902693"/>
+      </p:ext>
+    </p:extLst>
+  </p:cSld>
+  <p:clrMapOvr>
+    <a:masterClrMapping/>
+  </p:clrMapOvr>
+</p:sld>
+</file>
+
+<file path=ppt/slides/slide11.xml><?xml version="1.0" encoding="utf-8"?>
+<p:sld xmlns:a="http://schemas.openxmlformats.org/drawingml/2006/main" xmlns:r="http://schemas.openxmlformats.org/officeDocument/2006/relationships" xmlns:p="http://schemas.openxmlformats.org/presentationml/2006/main">
+  <p:cSld>
+    <p:spTree>
+      <p:nvGrpSpPr>
+        <p:cNvPr id="1" name=""/>
+        <p:cNvGrpSpPr/>
+        <p:nvPr/>
+      </p:nvGrpSpPr>
+      <p:grpSpPr>
+        <a:xfrm>
+          <a:off x="0" y="0"/>
+          <a:ext cx="0" cy="0"/>
+          <a:chOff x="0" y="0"/>
+          <a:chExt cx="0" cy="0"/>
+        </a:xfrm>
+      </p:grpSpPr>
+      <p:sp>
+        <p:nvSpPr>
+          <p:cNvPr id="2" name="Title 1">
+            <a:extLst>
+              <a:ext uri="{FF2B5EF4-FFF2-40B4-BE49-F238E27FC236}">
+                <a16:creationId xmlns:a16="http://schemas.microsoft.com/office/drawing/2014/main" id="{58765C25-9764-0E33-75E8-12E088084A39}"/>
+              </a:ext>
+            </a:extLst>
+          </p:cNvPr>
+          <p:cNvSpPr>
+            <a:spLocks noGrp="1"/>
+          </p:cNvSpPr>
+          <p:nvPr>
+            <p:ph type="title"/>
+          </p:nvPr>
+        </p:nvSpPr>
+        <p:spPr/>
+        <p:txBody>
+          <a:bodyPr/>
+          <a:lstStyle/>
+          <a:p>
+            <a:r>
+              <a:rPr lang="en-US" dirty="0"/>
+              <a:t>Post Workshop Assignment</a:t>
+            </a:r>
+          </a:p>
+        </p:txBody>
+      </p:sp>
+      <p:pic>
+        <p:nvPicPr>
+          <p:cNvPr id="9" name="Picture 8">
+            <a:extLst>
+              <a:ext uri="{FF2B5EF4-FFF2-40B4-BE49-F238E27FC236}">
+                <a16:creationId xmlns:a16="http://schemas.microsoft.com/office/drawing/2014/main" id="{6FE7108D-A252-880A-29EF-7A19351F8BD6}"/>
+              </a:ext>
+            </a:extLst>
+          </p:cNvPr>
+          <p:cNvPicPr>
+            <a:picLocks noChangeAspect="1"/>
+          </p:cNvPicPr>
+          <p:nvPr/>
+        </p:nvPicPr>
+        <p:blipFill>
+          <a:blip r:embed="rId2"/>
+          <a:stretch>
+            <a:fillRect/>
+          </a:stretch>
+        </p:blipFill>
+        <p:spPr>
+          <a:xfrm>
+            <a:off x="267527" y="869285"/>
+            <a:ext cx="5721793" cy="1774433"/>
+          </a:xfrm>
+          <a:prstGeom prst="rect">
+            <a:avLst/>
+          </a:prstGeom>
+        </p:spPr>
+      </p:pic>
+      <p:pic>
+        <p:nvPicPr>
+          <p:cNvPr id="1026" name="Picture 2" descr="Fig. 2">
+            <a:extLst>
+              <a:ext uri="{FF2B5EF4-FFF2-40B4-BE49-F238E27FC236}">
+                <a16:creationId xmlns:a16="http://schemas.microsoft.com/office/drawing/2014/main" id="{C30EB48F-5A05-9871-AED8-BC86F6590615}"/>
+              </a:ext>
+            </a:extLst>
+          </p:cNvPr>
+          <p:cNvPicPr>
+            <a:picLocks noChangeAspect="1" noChangeArrowheads="1"/>
+          </p:cNvPicPr>
+          <p:nvPr/>
+        </p:nvPicPr>
+        <p:blipFill rotWithShape="1">
+          <a:blip r:embed="rId3">
+            <a:extLst>
+              <a:ext uri="{28A0092B-C50C-407E-A947-70E740481C1C}">
+                <a14:useLocalDpi xmlns:a14="http://schemas.microsoft.com/office/drawing/2010/main" val="0"/>
+              </a:ext>
+            </a:extLst>
+          </a:blip>
+          <a:srcRect r="75369" b="47145"/>
+          <a:stretch/>
+        </p:blipFill>
+        <p:spPr bwMode="auto">
+          <a:xfrm>
+            <a:off x="6612268" y="869285"/>
+            <a:ext cx="2191657" cy="5473458"/>
+          </a:xfrm>
+          <a:prstGeom prst="rect">
+            <a:avLst/>
+          </a:prstGeom>
+          <a:noFill/>
+          <a:extLst>
+            <a:ext uri="{909E8E84-426E-40DD-AFC4-6F175D3DCCD1}">
+              <a14:hiddenFill xmlns:a14="http://schemas.microsoft.com/office/drawing/2010/main">
+                <a:solidFill>
+                  <a:srgbClr val="FFFFFF"/>
+                </a:solidFill>
+              </a14:hiddenFill>
+            </a:ext>
+          </a:extLst>
+        </p:spPr>
+      </p:pic>
+      <p:pic>
+        <p:nvPicPr>
+          <p:cNvPr id="10" name="Picture 2" descr="Fig. 2">
+            <a:extLst>
+              <a:ext uri="{FF2B5EF4-FFF2-40B4-BE49-F238E27FC236}">
+                <a16:creationId xmlns:a16="http://schemas.microsoft.com/office/drawing/2014/main" id="{A0ED3315-D036-A48E-D118-4F6E10332981}"/>
+              </a:ext>
+            </a:extLst>
+          </p:cNvPr>
+          <p:cNvPicPr>
+            <a:picLocks noChangeAspect="1" noChangeArrowheads="1"/>
+          </p:cNvPicPr>
+          <p:nvPr/>
+        </p:nvPicPr>
+        <p:blipFill rotWithShape="1">
+          <a:blip r:embed="rId3">
+            <a:extLst>
+              <a:ext uri="{28A0092B-C50C-407E-A947-70E740481C1C}">
+                <a14:useLocalDpi xmlns:a14="http://schemas.microsoft.com/office/drawing/2010/main" val="0"/>
+              </a:ext>
+            </a:extLst>
+          </a:blip>
+          <a:srcRect l="50246" b="60389"/>
+          <a:stretch/>
+        </p:blipFill>
+        <p:spPr bwMode="auto">
+          <a:xfrm>
+            <a:off x="988864" y="2975374"/>
+            <a:ext cx="3974659" cy="3682708"/>
+          </a:xfrm>
+          <a:prstGeom prst="rect">
+            <a:avLst/>
+          </a:prstGeom>
+          <a:noFill/>
+          <a:extLst>
+            <a:ext uri="{909E8E84-426E-40DD-AFC4-6F175D3DCCD1}">
+              <a14:hiddenFill xmlns:a14="http://schemas.microsoft.com/office/drawing/2010/main">
+                <a:solidFill>
+                  <a:srgbClr val="FFFFFF"/>
+                </a:solidFill>
+              </a14:hiddenFill>
+            </a:ext>
+          </a:extLst>
+        </p:spPr>
+      </p:pic>
+      <p:pic>
+        <p:nvPicPr>
+          <p:cNvPr id="11" name="Picture 2" descr="Fig. 2">
+            <a:extLst>
+              <a:ext uri="{FF2B5EF4-FFF2-40B4-BE49-F238E27FC236}">
+                <a16:creationId xmlns:a16="http://schemas.microsoft.com/office/drawing/2014/main" id="{CBB7283C-B804-6853-9C89-0D9360A1E7FA}"/>
+              </a:ext>
+            </a:extLst>
+          </p:cNvPr>
+          <p:cNvPicPr>
+            <a:picLocks noChangeAspect="1" noChangeArrowheads="1"/>
+          </p:cNvPicPr>
+          <p:nvPr/>
+        </p:nvPicPr>
+        <p:blipFill rotWithShape="1">
+          <a:blip r:embed="rId3">
+            <a:extLst>
+              <a:ext uri="{28A0092B-C50C-407E-A947-70E740481C1C}">
+                <a14:useLocalDpi xmlns:a14="http://schemas.microsoft.com/office/drawing/2010/main" val="0"/>
+              </a:ext>
+            </a:extLst>
+          </a:blip>
+          <a:srcRect t="49590" r="75369"/>
+          <a:stretch/>
+        </p:blipFill>
+        <p:spPr bwMode="auto">
+          <a:xfrm>
+            <a:off x="9443849" y="1026099"/>
+            <a:ext cx="2017642" cy="4805801"/>
+          </a:xfrm>
+          <a:prstGeom prst="rect">
+            <a:avLst/>
+          </a:prstGeom>
+          <a:noFill/>
+          <a:extLst>
+            <a:ext uri="{909E8E84-426E-40DD-AFC4-6F175D3DCCD1}">
+              <a14:hiddenFill xmlns:a14="http://schemas.microsoft.com/office/drawing/2010/main">
+                <a:solidFill>
+                  <a:srgbClr val="FFFFFF"/>
+                </a:solidFill>
+              </a14:hiddenFill>
+            </a:ext>
+          </a:extLst>
+        </p:spPr>
+      </p:pic>
+    </p:spTree>
+    <p:extLst>
+      <p:ext uri="{BB962C8B-B14F-4D97-AF65-F5344CB8AC3E}">
+        <p14:creationId xmlns:p14="http://schemas.microsoft.com/office/powerpoint/2010/main" val="3770920332"/>
       </p:ext>
     </p:extLst>
   </p:cSld>

--- a/M7_Summary/M7_Best_Practices.pptx
+++ b/M7_Summary/M7_Best_Practices.pptx
@@ -5,7 +5,7 @@
     <p:sldMasterId id="2147483656" r:id="rId1"/>
   </p:sldMasterIdLst>
   <p:notesMasterIdLst>
-    <p:notesMasterId r:id="rId13"/>
+    <p:notesMasterId r:id="rId14"/>
   </p:notesMasterIdLst>
   <p:sldIdLst>
     <p:sldId id="256" r:id="rId2"/>
@@ -15,10 +15,11 @@
     <p:sldId id="268" r:id="rId6"/>
     <p:sldId id="269" r:id="rId7"/>
     <p:sldId id="262" r:id="rId8"/>
-    <p:sldId id="264" r:id="rId9"/>
-    <p:sldId id="265" r:id="rId10"/>
-    <p:sldId id="260" r:id="rId11"/>
-    <p:sldId id="270" r:id="rId12"/>
+    <p:sldId id="271" r:id="rId9"/>
+    <p:sldId id="264" r:id="rId10"/>
+    <p:sldId id="265" r:id="rId11"/>
+    <p:sldId id="260" r:id="rId12"/>
+    <p:sldId id="270" r:id="rId13"/>
   </p:sldIdLst>
   <p:sldSz cx="12192000" cy="6858000"/>
   <p:notesSz cx="6858000" cy="9144000"/>
@@ -2522,6 +2523,99 @@
           <p:cNvPr id="2" name="Title 1">
             <a:extLst>
               <a:ext uri="{FF2B5EF4-FFF2-40B4-BE49-F238E27FC236}">
+                <a16:creationId xmlns:a16="http://schemas.microsoft.com/office/drawing/2014/main" id="{CD43B99E-6447-04B6-9A03-5D54778593DD}"/>
+              </a:ext>
+            </a:extLst>
+          </p:cNvPr>
+          <p:cNvSpPr>
+            <a:spLocks noGrp="1"/>
+          </p:cNvSpPr>
+          <p:nvPr>
+            <p:ph type="title"/>
+          </p:nvPr>
+        </p:nvSpPr>
+        <p:spPr/>
+        <p:txBody>
+          <a:bodyPr/>
+          <a:lstStyle/>
+          <a:p>
+            <a:r>
+              <a:rPr lang="en-US" dirty="0"/>
+              <a:t>The Challenge of Reproducibility</a:t>
+            </a:r>
+          </a:p>
+        </p:txBody>
+      </p:sp>
+      <p:sp>
+        <p:nvSpPr>
+          <p:cNvPr id="4" name="TextBox 3">
+            <a:extLst>
+              <a:ext uri="{FF2B5EF4-FFF2-40B4-BE49-F238E27FC236}">
+                <a16:creationId xmlns:a16="http://schemas.microsoft.com/office/drawing/2014/main" id="{FBB465FF-77F1-494A-1CC8-270A63C3DA00}"/>
+              </a:ext>
+            </a:extLst>
+          </p:cNvPr>
+          <p:cNvSpPr txBox="1"/>
+          <p:nvPr/>
+        </p:nvSpPr>
+        <p:spPr>
+          <a:xfrm>
+            <a:off x="566166" y="1146810"/>
+            <a:ext cx="3213893" cy="369332"/>
+          </a:xfrm>
+          <a:prstGeom prst="rect">
+            <a:avLst/>
+          </a:prstGeom>
+          <a:noFill/>
+        </p:spPr>
+        <p:txBody>
+          <a:bodyPr wrap="none" rtlCol="0">
+            <a:spAutoFit/>
+          </a:bodyPr>
+          <a:lstStyle/>
+          <a:p>
+            <a:r>
+              <a:rPr lang="en-US" dirty="0"/>
+              <a:t>Part of the challenge of making  </a:t>
+            </a:r>
+          </a:p>
+        </p:txBody>
+      </p:sp>
+    </p:spTree>
+    <p:extLst>
+      <p:ext uri="{BB962C8B-B14F-4D97-AF65-F5344CB8AC3E}">
+        <p14:creationId xmlns:p14="http://schemas.microsoft.com/office/powerpoint/2010/main" val="1583192240"/>
+      </p:ext>
+    </p:extLst>
+  </p:cSld>
+  <p:clrMapOvr>
+    <a:masterClrMapping/>
+  </p:clrMapOvr>
+</p:sld>
+</file>
+
+<file path=ppt/slides/slide11.xml><?xml version="1.0" encoding="utf-8"?>
+<p:sld xmlns:a="http://schemas.openxmlformats.org/drawingml/2006/main" xmlns:r="http://schemas.openxmlformats.org/officeDocument/2006/relationships" xmlns:p="http://schemas.openxmlformats.org/presentationml/2006/main">
+  <p:cSld>
+    <p:spTree>
+      <p:nvGrpSpPr>
+        <p:cNvPr id="1" name=""/>
+        <p:cNvGrpSpPr/>
+        <p:nvPr/>
+      </p:nvGrpSpPr>
+      <p:grpSpPr>
+        <a:xfrm>
+          <a:off x="0" y="0"/>
+          <a:ext cx="0" cy="0"/>
+          <a:chOff x="0" y="0"/>
+          <a:chExt cx="0" cy="0"/>
+        </a:xfrm>
+      </p:grpSpPr>
+      <p:sp>
+        <p:nvSpPr>
+          <p:cNvPr id="2" name="Title 1">
+            <a:extLst>
+              <a:ext uri="{FF2B5EF4-FFF2-40B4-BE49-F238E27FC236}">
                 <a16:creationId xmlns:a16="http://schemas.microsoft.com/office/drawing/2014/main" id="{58765C25-9764-0E33-75E8-12E088084A39}"/>
               </a:ext>
             </a:extLst>
@@ -2915,7 +3009,7 @@
 </p:sld>
 </file>
 
-<file path=ppt/slides/slide11.xml><?xml version="1.0" encoding="utf-8"?>
+<file path=ppt/slides/slide12.xml><?xml version="1.0" encoding="utf-8"?>
 <p:sld xmlns:a="http://schemas.openxmlformats.org/drawingml/2006/main" xmlns:r="http://schemas.openxmlformats.org/officeDocument/2006/relationships" xmlns:p="http://schemas.openxmlformats.org/presentationml/2006/main">
   <p:cSld>
     <p:spTree>
@@ -11047,7 +11141,7 @@
           <a:p>
             <a:r>
               <a:rPr lang="en-US" dirty="0"/>
-              <a:t>Topics Not Covered: Cell Annotation</a:t>
+              <a:t>Topics Not Covered: High Fidelity Cell Annotation</a:t>
             </a:r>
           </a:p>
         </p:txBody>
@@ -11081,7 +11175,7 @@
         </p:blipFill>
         <p:spPr bwMode="auto">
           <a:xfrm>
-            <a:off x="1274191" y="1106424"/>
+            <a:off x="1245616" y="839724"/>
             <a:ext cx="5454191" cy="4946904"/>
           </a:xfrm>
           <a:prstGeom prst="rect">
@@ -11157,6 +11251,237 @@
               <a:t>RNA Biol. 2020 Jun;17(6):765-783.</a:t>
             </a:r>
             <a:endParaRPr lang="en-US" sz="1100" dirty="0"/>
+          </a:p>
+        </p:txBody>
+      </p:sp>
+      <p:sp>
+        <p:nvSpPr>
+          <p:cNvPr id="3" name="TextBox 2">
+            <a:extLst>
+              <a:ext uri="{FF2B5EF4-FFF2-40B4-BE49-F238E27FC236}">
+                <a16:creationId xmlns:a16="http://schemas.microsoft.com/office/drawing/2014/main" id="{7723F501-D81A-A0F8-E4AD-18A1CDA473C6}"/>
+              </a:ext>
+            </a:extLst>
+          </p:cNvPr>
+          <p:cNvSpPr txBox="1"/>
+          <p:nvPr/>
+        </p:nvSpPr>
+        <p:spPr>
+          <a:xfrm>
+            <a:off x="8829676" y="3992877"/>
+            <a:ext cx="2602484" cy="646331"/>
+          </a:xfrm>
+          <a:prstGeom prst="rect">
+            <a:avLst/>
+          </a:prstGeom>
+          <a:noFill/>
+          <a:ln>
+            <a:solidFill>
+              <a:schemeClr val="tx1"/>
+            </a:solidFill>
+          </a:ln>
+        </p:spPr>
+        <p:txBody>
+          <a:bodyPr wrap="square" rtlCol="0">
+            <a:spAutoFit/>
+          </a:bodyPr>
+          <a:lstStyle/>
+          <a:p>
+            <a:pPr algn="ctr"/>
+            <a:r>
+              <a:rPr lang="en-US" dirty="0"/>
+              <a:t>Literature Consensus of Cell Type Markers</a:t>
+            </a:r>
+          </a:p>
+        </p:txBody>
+      </p:sp>
+      <p:sp>
+        <p:nvSpPr>
+          <p:cNvPr id="5" name="Arrow: Down 4">
+            <a:extLst>
+              <a:ext uri="{FF2B5EF4-FFF2-40B4-BE49-F238E27FC236}">
+                <a16:creationId xmlns:a16="http://schemas.microsoft.com/office/drawing/2014/main" id="{F5091898-A7B2-D343-90E5-76FF7B63433F}"/>
+              </a:ext>
+            </a:extLst>
+          </p:cNvPr>
+          <p:cNvSpPr/>
+          <p:nvPr/>
+        </p:nvSpPr>
+        <p:spPr>
+          <a:xfrm rot="5400000">
+            <a:off x="7385415" y="3326866"/>
+            <a:ext cx="767793" cy="1295400"/>
+          </a:xfrm>
+          <a:prstGeom prst="downArrow">
+            <a:avLst/>
+          </a:prstGeom>
+          <a:solidFill>
+            <a:schemeClr val="bg1">
+              <a:lumMod val="85000"/>
+            </a:schemeClr>
+          </a:solidFill>
+          <a:ln>
+            <a:noFill/>
+          </a:ln>
+        </p:spPr>
+        <p:style>
+          <a:lnRef idx="2">
+            <a:schemeClr val="accent1">
+              <a:shade val="15000"/>
+            </a:schemeClr>
+          </a:lnRef>
+          <a:fillRef idx="1">
+            <a:schemeClr val="accent1"/>
+          </a:fillRef>
+          <a:effectRef idx="0">
+            <a:schemeClr val="accent1"/>
+          </a:effectRef>
+          <a:fontRef idx="minor">
+            <a:schemeClr val="lt1"/>
+          </a:fontRef>
+        </p:style>
+        <p:txBody>
+          <a:bodyPr rtlCol="0" anchor="ctr"/>
+          <a:lstStyle/>
+          <a:p>
+            <a:pPr algn="ctr"/>
+            <a:endParaRPr lang="en-US"/>
+          </a:p>
+        </p:txBody>
+      </p:sp>
+      <p:sp>
+        <p:nvSpPr>
+          <p:cNvPr id="6" name="TextBox 5">
+            <a:extLst>
+              <a:ext uri="{FF2B5EF4-FFF2-40B4-BE49-F238E27FC236}">
+                <a16:creationId xmlns:a16="http://schemas.microsoft.com/office/drawing/2014/main" id="{DE867C3C-4930-F0C1-03B3-C282642C9FE0}"/>
+              </a:ext>
+            </a:extLst>
+          </p:cNvPr>
+          <p:cNvSpPr txBox="1"/>
+          <p:nvPr/>
+        </p:nvSpPr>
+        <p:spPr>
+          <a:xfrm>
+            <a:off x="8829676" y="3275076"/>
+            <a:ext cx="2602484" cy="646331"/>
+          </a:xfrm>
+          <a:prstGeom prst="rect">
+            <a:avLst/>
+          </a:prstGeom>
+          <a:noFill/>
+          <a:ln>
+            <a:solidFill>
+              <a:schemeClr val="tx1"/>
+            </a:solidFill>
+          </a:ln>
+        </p:spPr>
+        <p:txBody>
+          <a:bodyPr wrap="square" rtlCol="0">
+            <a:spAutoFit/>
+          </a:bodyPr>
+          <a:lstStyle/>
+          <a:p>
+            <a:pPr algn="ctr"/>
+            <a:r>
+              <a:rPr lang="en-US" dirty="0"/>
+              <a:t>Markers from Alternative Measurement Techniques</a:t>
+            </a:r>
+          </a:p>
+        </p:txBody>
+      </p:sp>
+      <p:sp>
+        <p:nvSpPr>
+          <p:cNvPr id="7" name="Arrow: Down 6">
+            <a:extLst>
+              <a:ext uri="{FF2B5EF4-FFF2-40B4-BE49-F238E27FC236}">
+                <a16:creationId xmlns:a16="http://schemas.microsoft.com/office/drawing/2014/main" id="{302F41CE-6730-1121-EBE6-8DF7A5CA8124}"/>
+              </a:ext>
+            </a:extLst>
+          </p:cNvPr>
+          <p:cNvSpPr/>
+          <p:nvPr/>
+        </p:nvSpPr>
+        <p:spPr>
+          <a:xfrm rot="16200000">
+            <a:off x="5077662" y="4875604"/>
+            <a:ext cx="767793" cy="1295400"/>
+          </a:xfrm>
+          <a:prstGeom prst="downArrow">
+            <a:avLst/>
+          </a:prstGeom>
+          <a:solidFill>
+            <a:schemeClr val="bg1">
+              <a:lumMod val="85000"/>
+            </a:schemeClr>
+          </a:solidFill>
+          <a:ln>
+            <a:noFill/>
+          </a:ln>
+        </p:spPr>
+        <p:style>
+          <a:lnRef idx="2">
+            <a:schemeClr val="accent1">
+              <a:shade val="15000"/>
+            </a:schemeClr>
+          </a:lnRef>
+          <a:fillRef idx="1">
+            <a:schemeClr val="accent1"/>
+          </a:fillRef>
+          <a:effectRef idx="0">
+            <a:schemeClr val="accent1"/>
+          </a:effectRef>
+          <a:fontRef idx="minor">
+            <a:schemeClr val="lt1"/>
+          </a:fontRef>
+        </p:style>
+        <p:txBody>
+          <a:bodyPr rtlCol="0" anchor="ctr"/>
+          <a:lstStyle/>
+          <a:p>
+            <a:pPr algn="ctr"/>
+            <a:endParaRPr lang="en-US"/>
+          </a:p>
+        </p:txBody>
+      </p:sp>
+      <p:sp>
+        <p:nvSpPr>
+          <p:cNvPr id="8" name="TextBox 7">
+            <a:extLst>
+              <a:ext uri="{FF2B5EF4-FFF2-40B4-BE49-F238E27FC236}">
+                <a16:creationId xmlns:a16="http://schemas.microsoft.com/office/drawing/2014/main" id="{9A211E81-5561-C271-01AB-0F058047F5B2}"/>
+              </a:ext>
+            </a:extLst>
+          </p:cNvPr>
+          <p:cNvSpPr txBox="1"/>
+          <p:nvPr/>
+        </p:nvSpPr>
+        <p:spPr>
+          <a:xfrm>
+            <a:off x="6531063" y="5253731"/>
+            <a:ext cx="1885949" cy="646331"/>
+          </a:xfrm>
+          <a:prstGeom prst="rect">
+            <a:avLst/>
+          </a:prstGeom>
+          <a:noFill/>
+          <a:ln>
+            <a:solidFill>
+              <a:schemeClr val="tx1"/>
+            </a:solidFill>
+          </a:ln>
+        </p:spPr>
+        <p:txBody>
+          <a:bodyPr wrap="square" rtlCol="0">
+            <a:spAutoFit/>
+          </a:bodyPr>
+          <a:lstStyle/>
+          <a:p>
+            <a:pPr algn="ctr"/>
+            <a:r>
+              <a:rPr lang="en-US" dirty="0"/>
+              <a:t>Empirical Confirmation</a:t>
+            </a:r>
           </a:p>
         </p:txBody>
       </p:sp>
@@ -11213,13 +11538,8 @@
           <a:p>
             <a:r>
               <a:rPr lang="en-US" dirty="0"/>
-              <a:t>Confirming Cell Types and </a:t>
-            </a:r>
-            <a:r>
-              <a:rPr lang="en-US" dirty="0" err="1"/>
-              <a:t>CLustering</a:t>
-            </a:r>
-            <a:endParaRPr lang="en-US" dirty="0"/>
+              <a:t>Confirming Cell Types and Clustering</a:t>
+            </a:r>
           </a:p>
         </p:txBody>
       </p:sp>
@@ -11237,8 +11557,8 @@
         </p:nvSpPr>
         <p:spPr>
           <a:xfrm>
-            <a:off x="389674" y="3429000"/>
-            <a:ext cx="598241" cy="369332"/>
+            <a:off x="433974" y="2706467"/>
+            <a:ext cx="3708195" cy="369332"/>
           </a:xfrm>
           <a:prstGeom prst="rect">
             <a:avLst/>
@@ -11253,7 +11573,7 @@
           <a:p>
             <a:r>
               <a:rPr lang="en-US" dirty="0"/>
-              <a:t>FISH</a:t>
+              <a:t>Florescent In Situ Hybridization (FISH)</a:t>
             </a:r>
           </a:p>
         </p:txBody>
@@ -11272,8 +11592,8 @@
         </p:nvSpPr>
         <p:spPr>
           <a:xfrm>
-            <a:off x="6096000" y="2753551"/>
-            <a:ext cx="1380186" cy="369332"/>
+            <a:off x="8729472" y="736261"/>
+            <a:ext cx="3332644" cy="369332"/>
           </a:xfrm>
           <a:prstGeom prst="rect">
             <a:avLst/>
@@ -11288,7 +11608,7 @@
           <a:p>
             <a:r>
               <a:rPr lang="en-US" dirty="0"/>
-              <a:t>FACS/CYTOF </a:t>
+              <a:t>Fluorescent Activated Cell Sorting</a:t>
             </a:r>
           </a:p>
         </p:txBody>
@@ -11346,8 +11666,8 @@
         </p:nvSpPr>
         <p:spPr>
           <a:xfrm>
-            <a:off x="5475711" y="1401987"/>
-            <a:ext cx="551754" cy="369332"/>
+            <a:off x="451948" y="848047"/>
+            <a:ext cx="3284297" cy="369332"/>
           </a:xfrm>
           <a:prstGeom prst="rect">
             <a:avLst/>
@@ -11362,44 +11682,8 @@
           <a:p>
             <a:r>
               <a:rPr lang="en-US" dirty="0"/>
-              <a:t>PCR</a:t>
-            </a:r>
-          </a:p>
-        </p:txBody>
-      </p:sp>
-      <p:sp>
-        <p:nvSpPr>
-          <p:cNvPr id="10" name="TextBox 9">
-            <a:extLst>
-              <a:ext uri="{FF2B5EF4-FFF2-40B4-BE49-F238E27FC236}">
-                <a16:creationId xmlns:a16="http://schemas.microsoft.com/office/drawing/2014/main" id="{237C3321-0CBE-DAC7-479F-544C700723D8}"/>
-              </a:ext>
-            </a:extLst>
-          </p:cNvPr>
-          <p:cNvSpPr txBox="1"/>
-          <p:nvPr/>
-        </p:nvSpPr>
-        <p:spPr>
-          <a:xfrm>
-            <a:off x="6096000" y="4577479"/>
-            <a:ext cx="1477456" cy="369332"/>
-          </a:xfrm>
-          <a:prstGeom prst="rect">
-            <a:avLst/>
-          </a:prstGeom>
-          <a:noFill/>
-        </p:spPr>
-        <p:txBody>
-          <a:bodyPr wrap="none" rtlCol="0">
-            <a:spAutoFit/>
-          </a:bodyPr>
-          <a:lstStyle/>
-          <a:p>
-            <a:r>
-              <a:rPr lang="en-US"/>
-              <a:t>Laser Capture</a:t>
-            </a:r>
-            <a:endParaRPr lang="en-US" dirty="0"/>
+              <a:t>Polymerase Chain Reaction (PCR)</a:t>
+            </a:r>
           </a:p>
         </p:txBody>
       </p:sp>
@@ -11424,7 +11708,7 @@
         </p:blipFill>
         <p:spPr>
           <a:xfrm>
-            <a:off x="379729" y="5247262"/>
+            <a:off x="670474" y="5247262"/>
             <a:ext cx="4467671" cy="1196520"/>
           </a:xfrm>
           <a:prstGeom prst="rect">
@@ -11446,8 +11730,8 @@
         </p:nvSpPr>
         <p:spPr>
           <a:xfrm>
-            <a:off x="688795" y="6395597"/>
-            <a:ext cx="2289069" cy="261610"/>
+            <a:off x="779439" y="6414181"/>
+            <a:ext cx="2289069" cy="200055"/>
           </a:xfrm>
           <a:prstGeom prst="rect">
             <a:avLst/>
@@ -11461,7 +11745,7 @@
           <a:lstStyle/>
           <a:p>
             <a:r>
-              <a:rPr lang="en-US" sz="1100" b="0" i="0" dirty="0" err="1">
+              <a:rPr lang="en-US" sz="700" b="0" i="0" dirty="0" err="1">
                 <a:solidFill>
                   <a:srgbClr val="222222"/>
                 </a:solidFill>
@@ -11471,7 +11755,7 @@
               <a:t>Nobori</a:t>
             </a:r>
             <a:r>
-              <a:rPr lang="en-US" sz="1100" b="0" i="0" dirty="0">
+              <a:rPr lang="en-US" sz="700" b="0" i="0" dirty="0">
                 <a:solidFill>
                   <a:srgbClr val="222222"/>
                 </a:solidFill>
@@ -11481,7 +11765,7 @@
               <a:t>, T. </a:t>
             </a:r>
             <a:r>
-              <a:rPr lang="en-US" sz="1100" b="0" i="1" dirty="0">
+              <a:rPr lang="en-US" sz="700" b="0" i="1" dirty="0">
                 <a:solidFill>
                   <a:srgbClr val="222222"/>
                 </a:solidFill>
@@ -11491,7 +11775,7 @@
               <a:t>Nat. Plants. </a:t>
             </a:r>
             <a:r>
-              <a:rPr lang="en-US" sz="1100" b="0" i="0" dirty="0">
+              <a:rPr lang="en-US" sz="700" b="0" i="0" dirty="0">
                 <a:solidFill>
                   <a:srgbClr val="222222"/>
                 </a:solidFill>
@@ -11500,7 +11784,490 @@
               </a:rPr>
               <a:t>(2023).</a:t>
             </a:r>
-            <a:endParaRPr lang="en-US" sz="1100" dirty="0"/>
+            <a:endParaRPr lang="en-US" sz="700" dirty="0"/>
+          </a:p>
+        </p:txBody>
+      </p:sp>
+      <p:pic>
+        <p:nvPicPr>
+          <p:cNvPr id="1026" name="Picture 2" descr="In situ hybridization of two repetitive sequences to chromosomes of a wild wheat species">
+            <a:extLst>
+              <a:ext uri="{FF2B5EF4-FFF2-40B4-BE49-F238E27FC236}">
+                <a16:creationId xmlns:a16="http://schemas.microsoft.com/office/drawing/2014/main" id="{05792E8F-4264-A85B-ED75-2C85801A5B52}"/>
+              </a:ext>
+            </a:extLst>
+          </p:cNvPr>
+          <p:cNvPicPr>
+            <a:picLocks noChangeAspect="1" noChangeArrowheads="1"/>
+          </p:cNvPicPr>
+          <p:nvPr/>
+        </p:nvPicPr>
+        <p:blipFill>
+          <a:blip r:embed="rId3">
+            <a:extLst>
+              <a:ext uri="{28A0092B-C50C-407E-A947-70E740481C1C}">
+                <a14:useLocalDpi xmlns:a14="http://schemas.microsoft.com/office/drawing/2010/main" val="0"/>
+              </a:ext>
+            </a:extLst>
+          </a:blip>
+          <a:srcRect/>
+          <a:stretch>
+            <a:fillRect/>
+          </a:stretch>
+        </p:blipFill>
+        <p:spPr bwMode="auto">
+          <a:xfrm>
+            <a:off x="1200500" y="3139020"/>
+            <a:ext cx="1556887" cy="1261078"/>
+          </a:xfrm>
+          <a:prstGeom prst="rect">
+            <a:avLst/>
+          </a:prstGeom>
+          <a:noFill/>
+          <a:extLst>
+            <a:ext uri="{909E8E84-426E-40DD-AFC4-6F175D3DCCD1}">
+              <a14:hiddenFill xmlns:a14="http://schemas.microsoft.com/office/drawing/2010/main">
+                <a:solidFill>
+                  <a:srgbClr val="FFFFFF"/>
+                </a:solidFill>
+              </a14:hiddenFill>
+            </a:ext>
+          </a:extLst>
+        </p:spPr>
+      </p:pic>
+      <p:sp>
+        <p:nvSpPr>
+          <p:cNvPr id="5" name="TextBox 4">
+            <a:extLst>
+              <a:ext uri="{FF2B5EF4-FFF2-40B4-BE49-F238E27FC236}">
+                <a16:creationId xmlns:a16="http://schemas.microsoft.com/office/drawing/2014/main" id="{C5BE29E4-1840-C028-C73A-C5C977AD1616}"/>
+              </a:ext>
+            </a:extLst>
+          </p:cNvPr>
+          <p:cNvSpPr txBox="1"/>
+          <p:nvPr/>
+        </p:nvSpPr>
+        <p:spPr>
+          <a:xfrm>
+            <a:off x="1200500" y="4370285"/>
+            <a:ext cx="1916985" cy="215444"/>
+          </a:xfrm>
+          <a:prstGeom prst="rect">
+            <a:avLst/>
+          </a:prstGeom>
+          <a:noFill/>
+        </p:spPr>
+        <p:txBody>
+          <a:bodyPr wrap="square">
+            <a:spAutoFit/>
+          </a:bodyPr>
+          <a:lstStyle/>
+          <a:p>
+            <a:r>
+              <a:rPr lang="en-US" sz="800" dirty="0"/>
+              <a:t>https://molcyt.org/2013/12/19/insitu/</a:t>
+            </a:r>
+          </a:p>
+        </p:txBody>
+      </p:sp>
+      <p:pic>
+        <p:nvPicPr>
+          <p:cNvPr id="1028" name="Picture 4" descr="Flow chart illustrating both procedures used for direct PCR from fresh leaf discs without DNA extraction. A sample as small as 1 mm² was added to the PCR mix and amplified (Direct protocol). Plant material was also macerated, heat-treated, and buffer-diluted before being directly amplified (Dilution protocol)">
+            <a:extLst>
+              <a:ext uri="{FF2B5EF4-FFF2-40B4-BE49-F238E27FC236}">
+                <a16:creationId xmlns:a16="http://schemas.microsoft.com/office/drawing/2014/main" id="{09FBDA74-F957-D514-793C-41A29AAE2FB0}"/>
+              </a:ext>
+            </a:extLst>
+          </p:cNvPr>
+          <p:cNvPicPr>
+            <a:picLocks noChangeAspect="1" noChangeArrowheads="1"/>
+          </p:cNvPicPr>
+          <p:nvPr/>
+        </p:nvPicPr>
+        <p:blipFill rotWithShape="1">
+          <a:blip r:embed="rId4">
+            <a:extLst>
+              <a:ext uri="{28A0092B-C50C-407E-A947-70E740481C1C}">
+                <a14:useLocalDpi xmlns:a14="http://schemas.microsoft.com/office/drawing/2010/main" val="0"/>
+              </a:ext>
+            </a:extLst>
+          </a:blip>
+          <a:srcRect l="61445" b="57110"/>
+          <a:stretch/>
+        </p:blipFill>
+        <p:spPr bwMode="auto">
+          <a:xfrm>
+            <a:off x="1123507" y="1433655"/>
+            <a:ext cx="1579635" cy="934428"/>
+          </a:xfrm>
+          <a:prstGeom prst="rect">
+            <a:avLst/>
+          </a:prstGeom>
+          <a:noFill/>
+          <a:extLst>
+            <a:ext uri="{909E8E84-426E-40DD-AFC4-6F175D3DCCD1}">
+              <a14:hiddenFill xmlns:a14="http://schemas.microsoft.com/office/drawing/2010/main">
+                <a:solidFill>
+                  <a:srgbClr val="FFFFFF"/>
+                </a:solidFill>
+              </a14:hiddenFill>
+            </a:ext>
+          </a:extLst>
+        </p:spPr>
+      </p:pic>
+      <p:pic>
+        <p:nvPicPr>
+          <p:cNvPr id="1030" name="Picture 6" descr="CyTOF - Wikipedia">
+            <a:extLst>
+              <a:ext uri="{FF2B5EF4-FFF2-40B4-BE49-F238E27FC236}">
+                <a16:creationId xmlns:a16="http://schemas.microsoft.com/office/drawing/2014/main" id="{567CBB42-6A41-D79E-19F4-4053297470D2}"/>
+              </a:ext>
+            </a:extLst>
+          </p:cNvPr>
+          <p:cNvPicPr>
+            <a:picLocks noChangeAspect="1" noChangeArrowheads="1"/>
+          </p:cNvPicPr>
+          <p:nvPr/>
+        </p:nvPicPr>
+        <p:blipFill>
+          <a:blip r:embed="rId5">
+            <a:extLst>
+              <a:ext uri="{28A0092B-C50C-407E-A947-70E740481C1C}">
+                <a14:useLocalDpi xmlns:a14="http://schemas.microsoft.com/office/drawing/2010/main" val="0"/>
+              </a:ext>
+            </a:extLst>
+          </a:blip>
+          <a:srcRect/>
+          <a:stretch>
+            <a:fillRect/>
+          </a:stretch>
+        </p:blipFill>
+        <p:spPr bwMode="auto">
+          <a:xfrm>
+            <a:off x="6608674" y="4142406"/>
+            <a:ext cx="3708195" cy="2173158"/>
+          </a:xfrm>
+          <a:prstGeom prst="rect">
+            <a:avLst/>
+          </a:prstGeom>
+          <a:noFill/>
+          <a:extLst>
+            <a:ext uri="{909E8E84-426E-40DD-AFC4-6F175D3DCCD1}">
+              <a14:hiddenFill xmlns:a14="http://schemas.microsoft.com/office/drawing/2010/main">
+                <a:solidFill>
+                  <a:srgbClr val="FFFFFF"/>
+                </a:solidFill>
+              </a14:hiddenFill>
+            </a:ext>
+          </a:extLst>
+        </p:spPr>
+      </p:pic>
+      <p:sp>
+        <p:nvSpPr>
+          <p:cNvPr id="13" name="TextBox 12">
+            <a:extLst>
+              <a:ext uri="{FF2B5EF4-FFF2-40B4-BE49-F238E27FC236}">
+                <a16:creationId xmlns:a16="http://schemas.microsoft.com/office/drawing/2014/main" id="{CBB9BCB9-916E-CEEE-ABED-7275F59381DF}"/>
+              </a:ext>
+            </a:extLst>
+          </p:cNvPr>
+          <p:cNvSpPr txBox="1"/>
+          <p:nvPr/>
+        </p:nvSpPr>
+        <p:spPr>
+          <a:xfrm>
+            <a:off x="5994479" y="3739897"/>
+            <a:ext cx="3582162" cy="369332"/>
+          </a:xfrm>
+          <a:prstGeom prst="rect">
+            <a:avLst/>
+          </a:prstGeom>
+          <a:noFill/>
+        </p:spPr>
+        <p:txBody>
+          <a:bodyPr wrap="square">
+            <a:spAutoFit/>
+          </a:bodyPr>
+          <a:lstStyle/>
+          <a:p>
+            <a:r>
+              <a:rPr lang="en-US" dirty="0"/>
+              <a:t>Cytometry by time of flight (</a:t>
+            </a:r>
+            <a:r>
+              <a:rPr lang="en-US" dirty="0" err="1"/>
+              <a:t>CyTOF</a:t>
+            </a:r>
+            <a:r>
+              <a:rPr lang="en-US" dirty="0"/>
+              <a:t>)</a:t>
+            </a:r>
+          </a:p>
+        </p:txBody>
+      </p:sp>
+      <p:sp>
+        <p:nvSpPr>
+          <p:cNvPr id="15" name="TextBox 14">
+            <a:extLst>
+              <a:ext uri="{FF2B5EF4-FFF2-40B4-BE49-F238E27FC236}">
+                <a16:creationId xmlns:a16="http://schemas.microsoft.com/office/drawing/2014/main" id="{C22AF0B4-E031-2622-3107-B87ABE6695F0}"/>
+              </a:ext>
+            </a:extLst>
+          </p:cNvPr>
+          <p:cNvSpPr txBox="1"/>
+          <p:nvPr/>
+        </p:nvSpPr>
+        <p:spPr>
+          <a:xfrm>
+            <a:off x="6807254" y="6336976"/>
+            <a:ext cx="2289069" cy="200055"/>
+          </a:xfrm>
+          <a:prstGeom prst="rect">
+            <a:avLst/>
+          </a:prstGeom>
+          <a:noFill/>
+        </p:spPr>
+        <p:txBody>
+          <a:bodyPr wrap="square">
+            <a:spAutoFit/>
+          </a:bodyPr>
+          <a:lstStyle/>
+          <a:p>
+            <a:r>
+              <a:rPr lang="en-US" sz="700" i="1" dirty="0">
+                <a:solidFill>
+                  <a:schemeClr val="bg1">
+                    <a:lumMod val="85000"/>
+                  </a:schemeClr>
+                </a:solidFill>
+              </a:rPr>
+              <a:t>https://en.wikipedia.org/wiki/CyTOF</a:t>
+            </a:r>
+          </a:p>
+        </p:txBody>
+      </p:sp>
+      <p:pic>
+        <p:nvPicPr>
+          <p:cNvPr id="1032" name="Picture 8" descr="Fluorescence Activated Cell Sorting (FACS) | AAT Bioquest">
+            <a:extLst>
+              <a:ext uri="{FF2B5EF4-FFF2-40B4-BE49-F238E27FC236}">
+                <a16:creationId xmlns:a16="http://schemas.microsoft.com/office/drawing/2014/main" id="{F5997E6F-F812-7D9B-5D98-CFB17DAEBE26}"/>
+              </a:ext>
+            </a:extLst>
+          </p:cNvPr>
+          <p:cNvPicPr>
+            <a:picLocks noChangeAspect="1" noChangeArrowheads="1"/>
+          </p:cNvPicPr>
+          <p:nvPr/>
+        </p:nvPicPr>
+        <p:blipFill>
+          <a:blip r:embed="rId6">
+            <a:extLst>
+              <a:ext uri="{28A0092B-C50C-407E-A947-70E740481C1C}">
+                <a14:useLocalDpi xmlns:a14="http://schemas.microsoft.com/office/drawing/2010/main" val="0"/>
+              </a:ext>
+            </a:extLst>
+          </a:blip>
+          <a:srcRect/>
+          <a:stretch>
+            <a:fillRect/>
+          </a:stretch>
+        </p:blipFill>
+        <p:spPr bwMode="auto">
+          <a:xfrm>
+            <a:off x="9691267" y="1138770"/>
+            <a:ext cx="1784603" cy="2471781"/>
+          </a:xfrm>
+          <a:prstGeom prst="rect">
+            <a:avLst/>
+          </a:prstGeom>
+          <a:noFill/>
+          <a:extLst>
+            <a:ext uri="{909E8E84-426E-40DD-AFC4-6F175D3DCCD1}">
+              <a14:hiddenFill xmlns:a14="http://schemas.microsoft.com/office/drawing/2010/main">
+                <a:solidFill>
+                  <a:srgbClr val="FFFFFF"/>
+                </a:solidFill>
+              </a14:hiddenFill>
+            </a:ext>
+          </a:extLst>
+        </p:spPr>
+      </p:pic>
+      <p:sp>
+        <p:nvSpPr>
+          <p:cNvPr id="17" name="TextBox 16">
+            <a:extLst>
+              <a:ext uri="{FF2B5EF4-FFF2-40B4-BE49-F238E27FC236}">
+                <a16:creationId xmlns:a16="http://schemas.microsoft.com/office/drawing/2014/main" id="{2AF0C99F-FE0B-AD0E-E13B-A256126E9FCC}"/>
+              </a:ext>
+            </a:extLst>
+          </p:cNvPr>
+          <p:cNvSpPr txBox="1"/>
+          <p:nvPr/>
+        </p:nvSpPr>
+        <p:spPr>
+          <a:xfrm>
+            <a:off x="4674144" y="1093594"/>
+            <a:ext cx="3517186" cy="369332"/>
+          </a:xfrm>
+          <a:prstGeom prst="rect">
+            <a:avLst/>
+          </a:prstGeom>
+          <a:noFill/>
+        </p:spPr>
+        <p:txBody>
+          <a:bodyPr wrap="square">
+            <a:spAutoFit/>
+          </a:bodyPr>
+          <a:lstStyle/>
+          <a:p>
+            <a:pPr algn="l"/>
+            <a:r>
+              <a:rPr lang="en-US" i="0">
+                <a:solidFill>
+                  <a:srgbClr val="222222"/>
+                </a:solidFill>
+                <a:effectLst/>
+                <a:latin typeface="Harding"/>
+              </a:rPr>
+              <a:t>Laser-capture microdissection</a:t>
+            </a:r>
+            <a:endParaRPr lang="en-US" i="0" dirty="0">
+              <a:solidFill>
+                <a:srgbClr val="222222"/>
+              </a:solidFill>
+              <a:effectLst/>
+              <a:latin typeface="Harding"/>
+            </a:endParaRPr>
+          </a:p>
+        </p:txBody>
+      </p:sp>
+      <p:pic>
+        <p:nvPicPr>
+          <p:cNvPr id="1034" name="Picture 10" descr="Laser Capture Microdissection | Products | Leica Microsystems">
+            <a:extLst>
+              <a:ext uri="{FF2B5EF4-FFF2-40B4-BE49-F238E27FC236}">
+                <a16:creationId xmlns:a16="http://schemas.microsoft.com/office/drawing/2014/main" id="{39456EC9-485B-F880-F111-09F88E318887}"/>
+              </a:ext>
+            </a:extLst>
+          </p:cNvPr>
+          <p:cNvPicPr>
+            <a:picLocks noChangeAspect="1" noChangeArrowheads="1"/>
+          </p:cNvPicPr>
+          <p:nvPr/>
+        </p:nvPicPr>
+        <p:blipFill>
+          <a:blip r:embed="rId7">
+            <a:extLst>
+              <a:ext uri="{28A0092B-C50C-407E-A947-70E740481C1C}">
+                <a14:useLocalDpi xmlns:a14="http://schemas.microsoft.com/office/drawing/2010/main" val="0"/>
+              </a:ext>
+            </a:extLst>
+          </a:blip>
+          <a:srcRect/>
+          <a:stretch>
+            <a:fillRect/>
+          </a:stretch>
+        </p:blipFill>
+        <p:spPr bwMode="auto">
+          <a:xfrm>
+            <a:off x="5419380" y="1577450"/>
+            <a:ext cx="1826514" cy="1271254"/>
+          </a:xfrm>
+          <a:prstGeom prst="rect">
+            <a:avLst/>
+          </a:prstGeom>
+          <a:noFill/>
+          <a:extLst>
+            <a:ext uri="{909E8E84-426E-40DD-AFC4-6F175D3DCCD1}">
+              <a14:hiddenFill xmlns:a14="http://schemas.microsoft.com/office/drawing/2010/main">
+                <a:solidFill>
+                  <a:srgbClr val="FFFFFF"/>
+                </a:solidFill>
+              </a14:hiddenFill>
+            </a:ext>
+          </a:extLst>
+        </p:spPr>
+      </p:pic>
+      <p:sp>
+        <p:nvSpPr>
+          <p:cNvPr id="19" name="TextBox 18">
+            <a:extLst>
+              <a:ext uri="{FF2B5EF4-FFF2-40B4-BE49-F238E27FC236}">
+                <a16:creationId xmlns:a16="http://schemas.microsoft.com/office/drawing/2014/main" id="{0239F971-DC02-C800-7A0F-08D1B08B6FDE}"/>
+              </a:ext>
+            </a:extLst>
+          </p:cNvPr>
+          <p:cNvSpPr txBox="1"/>
+          <p:nvPr/>
+        </p:nvSpPr>
+        <p:spPr>
+          <a:xfrm>
+            <a:off x="4669112" y="2792049"/>
+            <a:ext cx="3245201" cy="307777"/>
+          </a:xfrm>
+          <a:prstGeom prst="rect">
+            <a:avLst/>
+          </a:prstGeom>
+          <a:noFill/>
+        </p:spPr>
+        <p:txBody>
+          <a:bodyPr wrap="square">
+            <a:spAutoFit/>
+          </a:bodyPr>
+          <a:lstStyle/>
+          <a:p>
+            <a:r>
+              <a:rPr lang="en-US" sz="700" dirty="0">
+                <a:solidFill>
+                  <a:schemeClr val="bg1">
+                    <a:lumMod val="85000"/>
+                  </a:schemeClr>
+                </a:solidFill>
+              </a:rPr>
+              <a:t>https://www.leica-microsystems.com/products/light-microscopes/laser-capture-microdissection/</a:t>
+            </a:r>
+          </a:p>
+        </p:txBody>
+      </p:sp>
+      <p:sp>
+        <p:nvSpPr>
+          <p:cNvPr id="21" name="TextBox 20">
+            <a:extLst>
+              <a:ext uri="{FF2B5EF4-FFF2-40B4-BE49-F238E27FC236}">
+                <a16:creationId xmlns:a16="http://schemas.microsoft.com/office/drawing/2014/main" id="{97127FA5-4058-A6D3-F815-3351F9830159}"/>
+              </a:ext>
+            </a:extLst>
+          </p:cNvPr>
+          <p:cNvSpPr txBox="1"/>
+          <p:nvPr/>
+        </p:nvSpPr>
+        <p:spPr>
+          <a:xfrm>
+            <a:off x="9579714" y="3610551"/>
+            <a:ext cx="2276285" cy="200055"/>
+          </a:xfrm>
+          <a:prstGeom prst="rect">
+            <a:avLst/>
+          </a:prstGeom>
+          <a:noFill/>
+        </p:spPr>
+        <p:txBody>
+          <a:bodyPr wrap="square">
+            <a:spAutoFit/>
+          </a:bodyPr>
+          <a:lstStyle/>
+          <a:p>
+            <a:r>
+              <a:rPr lang="en-US" sz="700" i="1" dirty="0">
+                <a:solidFill>
+                  <a:schemeClr val="bg1">
+                    <a:lumMod val="85000"/>
+                  </a:schemeClr>
+                </a:solidFill>
+              </a:rPr>
+              <a:t>https://www.sinobiological.com/category/fcm-facs-facs</a:t>
+            </a:r>
           </a:p>
         </p:txBody>
       </p:sp>
@@ -11562,41 +12329,6 @@
           </a:p>
         </p:txBody>
       </p:sp>
-      <p:sp>
-        <p:nvSpPr>
-          <p:cNvPr id="3" name="TextBox 2">
-            <a:extLst>
-              <a:ext uri="{FF2B5EF4-FFF2-40B4-BE49-F238E27FC236}">
-                <a16:creationId xmlns:a16="http://schemas.microsoft.com/office/drawing/2014/main" id="{F396EB75-18CA-E31A-E305-646CE0E08854}"/>
-              </a:ext>
-            </a:extLst>
-          </p:cNvPr>
-          <p:cNvSpPr txBox="1"/>
-          <p:nvPr/>
-        </p:nvSpPr>
-        <p:spPr>
-          <a:xfrm>
-            <a:off x="119743" y="844473"/>
-            <a:ext cx="4701159" cy="369332"/>
-          </a:xfrm>
-          <a:prstGeom prst="rect">
-            <a:avLst/>
-          </a:prstGeom>
-          <a:noFill/>
-        </p:spPr>
-        <p:txBody>
-          <a:bodyPr wrap="none" rtlCol="0">
-            <a:spAutoFit/>
-          </a:bodyPr>
-          <a:lstStyle/>
-          <a:p>
-            <a:r>
-              <a:rPr lang="en-US" dirty="0"/>
-              <a:t>How can inferred cell trajectories be confirmed?</a:t>
-            </a:r>
-          </a:p>
-        </p:txBody>
-      </p:sp>
       <p:pic>
         <p:nvPicPr>
           <p:cNvPr id="2052" name="Picture 4">
@@ -11697,8 +12429,8 @@
         </p:nvSpPr>
         <p:spPr>
           <a:xfrm>
-            <a:off x="119743" y="6629337"/>
-            <a:ext cx="6191250" cy="261610"/>
+            <a:off x="710293" y="6625676"/>
+            <a:ext cx="2299607" cy="246221"/>
           </a:xfrm>
           <a:prstGeom prst="rect">
             <a:avLst/>
@@ -11712,71 +12444,23 @@
           <a:lstStyle/>
           <a:p>
             <a:r>
-              <a:rPr lang="en-US" sz="1050" dirty="0"/>
-              <a:t>https://www.nature.com/articles/s41576-018-0048-4</a:t>
-            </a:r>
-          </a:p>
-        </p:txBody>
-      </p:sp>
-      <p:sp>
-        <p:nvSpPr>
-          <p:cNvPr id="12" name="TextBox 11">
-            <a:extLst>
-              <a:ext uri="{FF2B5EF4-FFF2-40B4-BE49-F238E27FC236}">
-                <a16:creationId xmlns:a16="http://schemas.microsoft.com/office/drawing/2014/main" id="{7FAE4D76-1DA1-FE62-49B9-0B7D93F64C4A}"/>
-              </a:ext>
-            </a:extLst>
-          </p:cNvPr>
-          <p:cNvSpPr txBox="1"/>
-          <p:nvPr/>
-        </p:nvSpPr>
-        <p:spPr>
-          <a:xfrm>
-            <a:off x="9674688" y="959170"/>
-            <a:ext cx="2201418" cy="369332"/>
-          </a:xfrm>
-          <a:prstGeom prst="rect">
-            <a:avLst/>
-          </a:prstGeom>
-          <a:noFill/>
-        </p:spPr>
-        <p:txBody>
-          <a:bodyPr wrap="square">
-            <a:spAutoFit/>
-          </a:bodyPr>
-          <a:lstStyle/>
-          <a:p>
-            <a:r>
-              <a:rPr lang="en-US" b="0" i="0" dirty="0">
-                <a:solidFill>
-                  <a:srgbClr val="040C28"/>
-                </a:solidFill>
+              <a:rPr lang="en-US" sz="1000" dirty="0"/>
+              <a:t>Bowling. Cell (2020) </a:t>
+            </a:r>
+            <a:r>
+              <a:rPr lang="en-US" sz="1000" b="0" i="0" dirty="0">
                 <a:effectLst/>
-                <a:latin typeface="Google Sans"/>
+                <a:latin typeface="BlinkMacSystemFont"/>
               </a:rPr>
-              <a:t>Cre-</a:t>
-            </a:r>
-            <a:r>
-              <a:rPr lang="en-US" b="0" i="0" dirty="0" err="1">
-                <a:solidFill>
-                  <a:srgbClr val="040C28"/>
-                </a:solidFill>
-                <a:effectLst/>
-                <a:latin typeface="Google Sans"/>
+              <a:t>181(6)</a:t>
+            </a:r>
+            <a:r>
+              <a:rPr lang="en-US" sz="1000" dirty="0">
+                <a:latin typeface="BlinkMacSystemFont"/>
               </a:rPr>
-              <a:t>loxP</a:t>
-            </a:r>
-            <a:r>
-              <a:rPr lang="en-US" b="0" i="0" dirty="0">
-                <a:solidFill>
-                  <a:srgbClr val="040C28"/>
-                </a:solidFill>
-                <a:effectLst/>
-                <a:latin typeface="Google Sans"/>
-              </a:rPr>
-              <a:t> system</a:t>
-            </a:r>
-            <a:endParaRPr lang="en-US" dirty="0"/>
+              <a:t>.</a:t>
+            </a:r>
+            <a:endParaRPr lang="en-US" sz="1000" dirty="0"/>
           </a:p>
         </p:txBody>
       </p:sp>
@@ -11817,8 +12501,8 @@
         </p:blipFill>
         <p:spPr bwMode="auto">
           <a:xfrm>
-            <a:off x="3869035" y="746809"/>
-            <a:ext cx="5339309" cy="4509550"/>
+            <a:off x="611995" y="748165"/>
+            <a:ext cx="3174110" cy="2680835"/>
           </a:xfrm>
           <a:prstGeom prst="rect">
             <a:avLst/>
@@ -11849,7 +12533,7 @@
         </p:nvSpPr>
         <p:spPr>
           <a:xfrm>
-            <a:off x="4889754" y="6629337"/>
+            <a:off x="5908929" y="6527044"/>
             <a:ext cx="2493645" cy="261610"/>
           </a:xfrm>
           <a:prstGeom prst="rect">
@@ -11918,10 +12602,10 @@
       </p:sp>
       <p:pic>
         <p:nvPicPr>
-          <p:cNvPr id="2056" name="Picture 8">
+          <p:cNvPr id="3074" name="Picture 2">
             <a:extLst>
               <a:ext uri="{FF2B5EF4-FFF2-40B4-BE49-F238E27FC236}">
-                <a16:creationId xmlns:a16="http://schemas.microsoft.com/office/drawing/2014/main" id="{9F8E964D-D5E6-C4DD-2165-38252B27C37A}"/>
+                <a16:creationId xmlns:a16="http://schemas.microsoft.com/office/drawing/2014/main" id="{2B000C2D-6090-0CFF-C7CE-BAF990ECF30B}"/>
               </a:ext>
             </a:extLst>
           </p:cNvPr>
@@ -11930,7 +12614,7 @@
           </p:cNvPicPr>
           <p:nvPr/>
         </p:nvPicPr>
-        <p:blipFill rotWithShape="1">
+        <p:blipFill>
           <a:blip r:embed="rId4">
             <a:extLst>
               <a:ext uri="{28A0092B-C50C-407E-A947-70E740481C1C}">
@@ -11938,13 +12622,15 @@
               </a:ext>
             </a:extLst>
           </a:blip>
-          <a:srcRect b="60203"/>
-          <a:stretch/>
+          <a:srcRect/>
+          <a:stretch>
+            <a:fillRect/>
+          </a:stretch>
         </p:blipFill>
         <p:spPr bwMode="auto">
           <a:xfrm>
-            <a:off x="9290640" y="1328502"/>
-            <a:ext cx="2450256" cy="1216020"/>
+            <a:off x="4458192" y="1163658"/>
+            <a:ext cx="7048992" cy="4675167"/>
           </a:xfrm>
           <a:prstGeom prst="rect">
             <a:avLst/>
@@ -11961,41 +12647,6 @@
           </a:extLst>
         </p:spPr>
       </p:pic>
-      <p:sp>
-        <p:nvSpPr>
-          <p:cNvPr id="16" name="TextBox 15">
-            <a:extLst>
-              <a:ext uri="{FF2B5EF4-FFF2-40B4-BE49-F238E27FC236}">
-                <a16:creationId xmlns:a16="http://schemas.microsoft.com/office/drawing/2014/main" id="{ADF89AA4-AB13-88E4-7B9C-DEC60AD144BA}"/>
-              </a:ext>
-            </a:extLst>
-          </p:cNvPr>
-          <p:cNvSpPr txBox="1"/>
-          <p:nvPr/>
-        </p:nvSpPr>
-        <p:spPr>
-          <a:xfrm>
-            <a:off x="10318895" y="6045223"/>
-            <a:ext cx="1753362" cy="261610"/>
-          </a:xfrm>
-          <a:prstGeom prst="rect">
-            <a:avLst/>
-          </a:prstGeom>
-          <a:noFill/>
-        </p:spPr>
-        <p:txBody>
-          <a:bodyPr wrap="square">
-            <a:spAutoFit/>
-          </a:bodyPr>
-          <a:lstStyle/>
-          <a:p>
-            <a:r>
-              <a:rPr lang="en-US" sz="1050" dirty="0"/>
-              <a:t>Kretzschmar, K. Cell (2012)</a:t>
-            </a:r>
-          </a:p>
-        </p:txBody>
-      </p:sp>
     </p:spTree>
     <p:extLst>
       <p:ext uri="{BB962C8B-B14F-4D97-AF65-F5344CB8AC3E}">
@@ -12031,6 +12682,235 @@
           <p:cNvPr id="2" name="Title 1">
             <a:extLst>
               <a:ext uri="{FF2B5EF4-FFF2-40B4-BE49-F238E27FC236}">
+                <a16:creationId xmlns:a16="http://schemas.microsoft.com/office/drawing/2014/main" id="{5456C80A-D5D0-FF23-5FC7-F6CEA090D64F}"/>
+              </a:ext>
+            </a:extLst>
+          </p:cNvPr>
+          <p:cNvSpPr>
+            <a:spLocks noGrp="1"/>
+          </p:cNvSpPr>
+          <p:nvPr>
+            <p:ph type="title"/>
+          </p:nvPr>
+        </p:nvSpPr>
+        <p:spPr/>
+        <p:txBody>
+          <a:bodyPr/>
+          <a:lstStyle/>
+          <a:p>
+            <a:r>
+              <a:rPr lang="en-US" dirty="0"/>
+              <a:t>Advantages and Disadvantages</a:t>
+            </a:r>
+          </a:p>
+        </p:txBody>
+      </p:sp>
+      <p:pic>
+        <p:nvPicPr>
+          <p:cNvPr id="2050" name="Picture 2">
+            <a:extLst>
+              <a:ext uri="{FF2B5EF4-FFF2-40B4-BE49-F238E27FC236}">
+                <a16:creationId xmlns:a16="http://schemas.microsoft.com/office/drawing/2014/main" id="{266E8765-66AD-B25C-4833-326A54E44A8F}"/>
+              </a:ext>
+            </a:extLst>
+          </p:cNvPr>
+          <p:cNvPicPr>
+            <a:picLocks noChangeAspect="1" noChangeArrowheads="1"/>
+          </p:cNvPicPr>
+          <p:nvPr/>
+        </p:nvPicPr>
+        <p:blipFill rotWithShape="1">
+          <a:blip r:embed="rId2">
+            <a:extLst>
+              <a:ext uri="{28A0092B-C50C-407E-A947-70E740481C1C}">
+                <a14:useLocalDpi xmlns:a14="http://schemas.microsoft.com/office/drawing/2010/main" val="0"/>
+              </a:ext>
+            </a:extLst>
+          </a:blip>
+          <a:srcRect l="5188" b="53889"/>
+          <a:stretch/>
+        </p:blipFill>
+        <p:spPr bwMode="auto">
+          <a:xfrm>
+            <a:off x="352425" y="1352550"/>
+            <a:ext cx="5049774" cy="3162300"/>
+          </a:xfrm>
+          <a:prstGeom prst="rect">
+            <a:avLst/>
+          </a:prstGeom>
+          <a:noFill/>
+          <a:extLst>
+            <a:ext uri="{909E8E84-426E-40DD-AFC4-6F175D3DCCD1}">
+              <a14:hiddenFill xmlns:a14="http://schemas.microsoft.com/office/drawing/2010/main">
+                <a:solidFill>
+                  <a:srgbClr val="FFFFFF"/>
+                </a:solidFill>
+              </a14:hiddenFill>
+            </a:ext>
+          </a:extLst>
+        </p:spPr>
+      </p:pic>
+      <p:pic>
+        <p:nvPicPr>
+          <p:cNvPr id="3" name="Picture 2">
+            <a:extLst>
+              <a:ext uri="{FF2B5EF4-FFF2-40B4-BE49-F238E27FC236}">
+                <a16:creationId xmlns:a16="http://schemas.microsoft.com/office/drawing/2014/main" id="{F59D733A-97FA-84CF-49E8-05E4A5B0A37A}"/>
+              </a:ext>
+            </a:extLst>
+          </p:cNvPr>
+          <p:cNvPicPr>
+            <a:picLocks noChangeAspect="1" noChangeArrowheads="1"/>
+          </p:cNvPicPr>
+          <p:nvPr/>
+        </p:nvPicPr>
+        <p:blipFill rotWithShape="1">
+          <a:blip r:embed="rId2">
+            <a:extLst>
+              <a:ext uri="{28A0092B-C50C-407E-A947-70E740481C1C}">
+                <a14:useLocalDpi xmlns:a14="http://schemas.microsoft.com/office/drawing/2010/main" val="0"/>
+              </a:ext>
+            </a:extLst>
+          </a:blip>
+          <a:srcRect t="45972"/>
+          <a:stretch/>
+        </p:blipFill>
+        <p:spPr bwMode="auto">
+          <a:xfrm>
+            <a:off x="5189537" y="1000126"/>
+            <a:ext cx="6228962" cy="4333352"/>
+          </a:xfrm>
+          <a:prstGeom prst="rect">
+            <a:avLst/>
+          </a:prstGeom>
+          <a:noFill/>
+          <a:extLst>
+            <a:ext uri="{909E8E84-426E-40DD-AFC4-6F175D3DCCD1}">
+              <a14:hiddenFill xmlns:a14="http://schemas.microsoft.com/office/drawing/2010/main">
+                <a:solidFill>
+                  <a:srgbClr val="FFFFFF"/>
+                </a:solidFill>
+              </a14:hiddenFill>
+            </a:ext>
+          </a:extLst>
+        </p:spPr>
+      </p:pic>
+      <p:sp>
+        <p:nvSpPr>
+          <p:cNvPr id="4" name="TextBox 3">
+            <a:extLst>
+              <a:ext uri="{FF2B5EF4-FFF2-40B4-BE49-F238E27FC236}">
+                <a16:creationId xmlns:a16="http://schemas.microsoft.com/office/drawing/2014/main" id="{A0C7D57D-EB25-0273-E7AD-C43A343CF085}"/>
+              </a:ext>
+            </a:extLst>
+          </p:cNvPr>
+          <p:cNvSpPr txBox="1"/>
+          <p:nvPr/>
+        </p:nvSpPr>
+        <p:spPr>
+          <a:xfrm>
+            <a:off x="3251454" y="6305487"/>
+            <a:ext cx="2493645" cy="261610"/>
+          </a:xfrm>
+          <a:prstGeom prst="rect">
+            <a:avLst/>
+          </a:prstGeom>
+          <a:noFill/>
+        </p:spPr>
+        <p:txBody>
+          <a:bodyPr wrap="square">
+            <a:spAutoFit/>
+          </a:bodyPr>
+          <a:lstStyle/>
+          <a:p>
+            <a:r>
+              <a:rPr lang="en-US" sz="1050" b="0" i="0" dirty="0">
+                <a:solidFill>
+                  <a:srgbClr val="333333"/>
+                </a:solidFill>
+                <a:effectLst/>
+                <a:latin typeface="-apple-system"/>
+              </a:rPr>
+              <a:t>Zhang, Y et al. </a:t>
+            </a:r>
+            <a:r>
+              <a:rPr lang="en-US" sz="1050" b="0" i="1" dirty="0">
+                <a:solidFill>
+                  <a:srgbClr val="333333"/>
+                </a:solidFill>
+                <a:effectLst/>
+                <a:latin typeface="-apple-system"/>
+              </a:rPr>
+              <a:t>Stem Cell Res </a:t>
+            </a:r>
+            <a:r>
+              <a:rPr lang="en-US" sz="1050" b="0" i="1" dirty="0" err="1">
+                <a:solidFill>
+                  <a:srgbClr val="333333"/>
+                </a:solidFill>
+                <a:effectLst/>
+                <a:latin typeface="-apple-system"/>
+              </a:rPr>
+              <a:t>Ther</a:t>
+            </a:r>
+            <a:r>
+              <a:rPr lang="en-US" sz="1050" dirty="0">
+                <a:solidFill>
+                  <a:srgbClr val="333333"/>
+                </a:solidFill>
+                <a:latin typeface="-apple-system"/>
+              </a:rPr>
+              <a:t>. </a:t>
+            </a:r>
+            <a:r>
+              <a:rPr lang="en-US" sz="1050" b="0" i="0" dirty="0">
+                <a:solidFill>
+                  <a:srgbClr val="333333"/>
+                </a:solidFill>
+                <a:effectLst/>
+                <a:latin typeface="-apple-system"/>
+              </a:rPr>
+              <a:t>(2020)</a:t>
+            </a:r>
+            <a:endParaRPr lang="en-US" sz="1050" dirty="0"/>
+          </a:p>
+        </p:txBody>
+      </p:sp>
+    </p:spTree>
+    <p:extLst>
+      <p:ext uri="{BB962C8B-B14F-4D97-AF65-F5344CB8AC3E}">
+        <p14:creationId xmlns:p14="http://schemas.microsoft.com/office/powerpoint/2010/main" val="1142456642"/>
+      </p:ext>
+    </p:extLst>
+  </p:cSld>
+  <p:clrMapOvr>
+    <a:masterClrMapping/>
+  </p:clrMapOvr>
+</p:sld>
+</file>
+
+<file path=ppt/slides/slide9.xml><?xml version="1.0" encoding="utf-8"?>
+<p:sld xmlns:a="http://schemas.openxmlformats.org/drawingml/2006/main" xmlns:r="http://schemas.openxmlformats.org/officeDocument/2006/relationships" xmlns:p="http://schemas.openxmlformats.org/presentationml/2006/main">
+  <p:cSld>
+    <p:spTree>
+      <p:nvGrpSpPr>
+        <p:cNvPr id="1" name=""/>
+        <p:cNvGrpSpPr/>
+        <p:nvPr/>
+      </p:nvGrpSpPr>
+      <p:grpSpPr>
+        <a:xfrm>
+          <a:off x="0" y="0"/>
+          <a:ext cx="0" cy="0"/>
+          <a:chOff x="0" y="0"/>
+          <a:chExt cx="0" cy="0"/>
+        </a:xfrm>
+      </p:grpSpPr>
+      <p:sp>
+        <p:nvSpPr>
+          <p:cNvPr id="2" name="Title 1">
+            <a:extLst>
+              <a:ext uri="{FF2B5EF4-FFF2-40B4-BE49-F238E27FC236}">
                 <a16:creationId xmlns:a16="http://schemas.microsoft.com/office/drawing/2014/main" id="{61FCFAEE-71FB-72EA-197E-04A959CC83EF}"/>
               </a:ext>
             </a:extLst>
@@ -12391,99 +13271,6 @@
     <p:extLst>
       <p:ext uri="{BB962C8B-B14F-4D97-AF65-F5344CB8AC3E}">
         <p14:creationId xmlns:p14="http://schemas.microsoft.com/office/powerpoint/2010/main" val="2249498869"/>
-      </p:ext>
-    </p:extLst>
-  </p:cSld>
-  <p:clrMapOvr>
-    <a:masterClrMapping/>
-  </p:clrMapOvr>
-</p:sld>
-</file>
-
-<file path=ppt/slides/slide9.xml><?xml version="1.0" encoding="utf-8"?>
-<p:sld xmlns:a="http://schemas.openxmlformats.org/drawingml/2006/main" xmlns:r="http://schemas.openxmlformats.org/officeDocument/2006/relationships" xmlns:p="http://schemas.openxmlformats.org/presentationml/2006/main">
-  <p:cSld>
-    <p:spTree>
-      <p:nvGrpSpPr>
-        <p:cNvPr id="1" name=""/>
-        <p:cNvGrpSpPr/>
-        <p:nvPr/>
-      </p:nvGrpSpPr>
-      <p:grpSpPr>
-        <a:xfrm>
-          <a:off x="0" y="0"/>
-          <a:ext cx="0" cy="0"/>
-          <a:chOff x="0" y="0"/>
-          <a:chExt cx="0" cy="0"/>
-        </a:xfrm>
-      </p:grpSpPr>
-      <p:sp>
-        <p:nvSpPr>
-          <p:cNvPr id="2" name="Title 1">
-            <a:extLst>
-              <a:ext uri="{FF2B5EF4-FFF2-40B4-BE49-F238E27FC236}">
-                <a16:creationId xmlns:a16="http://schemas.microsoft.com/office/drawing/2014/main" id="{CD43B99E-6447-04B6-9A03-5D54778593DD}"/>
-              </a:ext>
-            </a:extLst>
-          </p:cNvPr>
-          <p:cNvSpPr>
-            <a:spLocks noGrp="1"/>
-          </p:cNvSpPr>
-          <p:nvPr>
-            <p:ph type="title"/>
-          </p:nvPr>
-        </p:nvSpPr>
-        <p:spPr/>
-        <p:txBody>
-          <a:bodyPr/>
-          <a:lstStyle/>
-          <a:p>
-            <a:r>
-              <a:rPr lang="en-US" dirty="0"/>
-              <a:t>The Challenge of Reproducibility</a:t>
-            </a:r>
-          </a:p>
-        </p:txBody>
-      </p:sp>
-      <p:sp>
-        <p:nvSpPr>
-          <p:cNvPr id="4" name="TextBox 3">
-            <a:extLst>
-              <a:ext uri="{FF2B5EF4-FFF2-40B4-BE49-F238E27FC236}">
-                <a16:creationId xmlns:a16="http://schemas.microsoft.com/office/drawing/2014/main" id="{FBB465FF-77F1-494A-1CC8-270A63C3DA00}"/>
-              </a:ext>
-            </a:extLst>
-          </p:cNvPr>
-          <p:cNvSpPr txBox="1"/>
-          <p:nvPr/>
-        </p:nvSpPr>
-        <p:spPr>
-          <a:xfrm>
-            <a:off x="585216" y="1280160"/>
-            <a:ext cx="3213893" cy="369332"/>
-          </a:xfrm>
-          <a:prstGeom prst="rect">
-            <a:avLst/>
-          </a:prstGeom>
-          <a:noFill/>
-        </p:spPr>
-        <p:txBody>
-          <a:bodyPr wrap="none" rtlCol="0">
-            <a:spAutoFit/>
-          </a:bodyPr>
-          <a:lstStyle/>
-          <a:p>
-            <a:r>
-              <a:rPr lang="en-US" dirty="0"/>
-              <a:t>Part of the challenge of making  </a:t>
-            </a:r>
-          </a:p>
-        </p:txBody>
-      </p:sp>
-    </p:spTree>
-    <p:extLst>
-      <p:ext uri="{BB962C8B-B14F-4D97-AF65-F5344CB8AC3E}">
-        <p14:creationId xmlns:p14="http://schemas.microsoft.com/office/powerpoint/2010/main" val="1583192240"/>
       </p:ext>
     </p:extLst>
   </p:cSld>

--- a/M7_Summary/M7_Best_Practices.pptx
+++ b/M7_Summary/M7_Best_Practices.pptx
@@ -208,7 +208,7 @@
           <a:p>
             <a:fld id="{FF40CFF0-3E11-4AF6-9747-7919C58FBC48}" type="datetimeFigureOut">
               <a:rPr lang="en-US" smtClean="0"/>
-              <a:t>4/1/2024</a:t>
+              <a:t>4/2/2024</a:t>
             </a:fld>
             <a:endParaRPr lang="en-US"/>
           </a:p>
@@ -632,7 +632,7 @@
           <a:p>
             <a:fld id="{9F69634C-F75C-45F7-A87A-C5E2AF3ECA41}" type="datetimeFigureOut">
               <a:rPr lang="en-US" smtClean="0"/>
-              <a:t>4/1/2024</a:t>
+              <a:t>4/2/2024</a:t>
             </a:fld>
             <a:endParaRPr lang="en-US"/>
           </a:p>
@@ -797,7 +797,7 @@
           <a:p>
             <a:fld id="{9F69634C-F75C-45F7-A87A-C5E2AF3ECA41}" type="datetimeFigureOut">
               <a:rPr lang="en-US" smtClean="0"/>
-              <a:t>4/1/2024</a:t>
+              <a:t>4/2/2024</a:t>
             </a:fld>
             <a:endParaRPr lang="en-US"/>
           </a:p>
@@ -1000,7 +1000,7 @@
           <a:p>
             <a:fld id="{9F69634C-F75C-45F7-A87A-C5E2AF3ECA41}" type="datetimeFigureOut">
               <a:rPr lang="en-US" smtClean="0"/>
-              <a:t>4/1/2024</a:t>
+              <a:t>4/2/2024</a:t>
             </a:fld>
             <a:endParaRPr lang="en-US"/>
           </a:p>
@@ -1265,7 +1265,7 @@
           <a:p>
             <a:fld id="{9F69634C-F75C-45F7-A87A-C5E2AF3ECA41}" type="datetimeFigureOut">
               <a:rPr lang="en-US" smtClean="0"/>
-              <a:t>4/1/2024</a:t>
+              <a:t>4/2/2024</a:t>
             </a:fld>
             <a:endParaRPr lang="en-US"/>
           </a:p>
@@ -1378,7 +1378,7 @@
           <a:p>
             <a:fld id="{9F69634C-F75C-45F7-A87A-C5E2AF3ECA41}" type="datetimeFigureOut">
               <a:rPr lang="en-US" smtClean="0"/>
-              <a:t>4/1/2024</a:t>
+              <a:t>4/2/2024</a:t>
             </a:fld>
             <a:endParaRPr lang="en-US"/>
           </a:p>
@@ -1620,7 +1620,7 @@
           <a:p>
             <a:fld id="{9F69634C-F75C-45F7-A87A-C5E2AF3ECA41}" type="datetimeFigureOut">
               <a:rPr lang="en-US" smtClean="0"/>
-              <a:t>4/1/2024</a:t>
+              <a:t>4/2/2024</a:t>
             </a:fld>
             <a:endParaRPr lang="en-US"/>
           </a:p>
@@ -2560,7 +2560,7 @@
         </p:nvSpPr>
         <p:spPr>
           <a:xfrm>
-            <a:off x="566166" y="1146810"/>
+            <a:off x="246126" y="890778"/>
             <a:ext cx="3213893" cy="369332"/>
           </a:xfrm>
           <a:prstGeom prst="rect">
@@ -11034,7 +11034,7 @@
         </p:nvSpPr>
         <p:spPr>
           <a:xfrm>
-            <a:off x="169291" y="6336778"/>
+            <a:off x="327406" y="6327634"/>
             <a:ext cx="6191250" cy="400110"/>
           </a:xfrm>
           <a:prstGeom prst="rect">
@@ -12533,7 +12533,7 @@
         </p:nvSpPr>
         <p:spPr>
           <a:xfrm>
-            <a:off x="5908929" y="6527044"/>
+            <a:off x="6192393" y="6042412"/>
             <a:ext cx="2493645" cy="261610"/>
           </a:xfrm>
           <a:prstGeom prst="rect">
@@ -12809,7 +12809,7 @@
         </p:nvSpPr>
         <p:spPr>
           <a:xfrm>
-            <a:off x="3251454" y="6305487"/>
+            <a:off x="3864102" y="6524943"/>
             <a:ext cx="2493645" cy="261610"/>
           </a:xfrm>
           <a:prstGeom prst="rect">

--- a/M7_Summary/M7_Best_Practices.pptx
+++ b/M7_Summary/M7_Best_Practices.pptx
@@ -208,7 +208,7 @@
           <a:p>
             <a:fld id="{FF40CFF0-3E11-4AF6-9747-7919C58FBC48}" type="datetimeFigureOut">
               <a:rPr lang="en-US" smtClean="0"/>
-              <a:t>4/2/2024</a:t>
+              <a:t>4/3/2024</a:t>
             </a:fld>
             <a:endParaRPr lang="en-US"/>
           </a:p>
@@ -632,7 +632,7 @@
           <a:p>
             <a:fld id="{9F69634C-F75C-45F7-A87A-C5E2AF3ECA41}" type="datetimeFigureOut">
               <a:rPr lang="en-US" smtClean="0"/>
-              <a:t>4/2/2024</a:t>
+              <a:t>4/3/2024</a:t>
             </a:fld>
             <a:endParaRPr lang="en-US"/>
           </a:p>
@@ -797,7 +797,7 @@
           <a:p>
             <a:fld id="{9F69634C-F75C-45F7-A87A-C5E2AF3ECA41}" type="datetimeFigureOut">
               <a:rPr lang="en-US" smtClean="0"/>
-              <a:t>4/2/2024</a:t>
+              <a:t>4/3/2024</a:t>
             </a:fld>
             <a:endParaRPr lang="en-US"/>
           </a:p>
@@ -1000,7 +1000,7 @@
           <a:p>
             <a:fld id="{9F69634C-F75C-45F7-A87A-C5E2AF3ECA41}" type="datetimeFigureOut">
               <a:rPr lang="en-US" smtClean="0"/>
-              <a:t>4/2/2024</a:t>
+              <a:t>4/3/2024</a:t>
             </a:fld>
             <a:endParaRPr lang="en-US"/>
           </a:p>
@@ -1265,7 +1265,7 @@
           <a:p>
             <a:fld id="{9F69634C-F75C-45F7-A87A-C5E2AF3ECA41}" type="datetimeFigureOut">
               <a:rPr lang="en-US" smtClean="0"/>
-              <a:t>4/2/2024</a:t>
+              <a:t>4/3/2024</a:t>
             </a:fld>
             <a:endParaRPr lang="en-US"/>
           </a:p>
@@ -1378,7 +1378,7 @@
           <a:p>
             <a:fld id="{9F69634C-F75C-45F7-A87A-C5E2AF3ECA41}" type="datetimeFigureOut">
               <a:rPr lang="en-US" smtClean="0"/>
-              <a:t>4/2/2024</a:t>
+              <a:t>4/3/2024</a:t>
             </a:fld>
             <a:endParaRPr lang="en-US"/>
           </a:p>
@@ -1620,7 +1620,7 @@
           <a:p>
             <a:fld id="{9F69634C-F75C-45F7-A87A-C5E2AF3ECA41}" type="datetimeFigureOut">
               <a:rPr lang="en-US" smtClean="0"/>
-              <a:t>4/2/2024</a:t>
+              <a:t>4/3/2024</a:t>
             </a:fld>
             <a:endParaRPr lang="en-US"/>
           </a:p>
@@ -2477,13 +2477,7 @@
             </a:r>
             <a:r>
               <a:rPr lang="en-US" dirty="0"/>
-              <a:t> Workshop, 2024</a:t>
-            </a:r>
-          </a:p>
-          <a:p>
-            <a:r>
-              <a:rPr lang="en-US" dirty="0"/>
-              <a:t>Bruce Corliss, PhD and Allison Dickey, PhD</a:t>
+              <a:t>-Seq Workshop, 2024</a:t>
             </a:r>
           </a:p>
         </p:txBody>

--- a/M7_Summary/M7_Best_Practices.pptx
+++ b/M7_Summary/M7_Best_Practices.pptx
@@ -208,7 +208,7 @@
           <a:p>
             <a:fld id="{FF40CFF0-3E11-4AF6-9747-7919C58FBC48}" type="datetimeFigureOut">
               <a:rPr lang="en-US" smtClean="0"/>
-              <a:t>4/3/2024</a:t>
+              <a:t>4/4/24</a:t>
             </a:fld>
             <a:endParaRPr lang="en-US"/>
           </a:p>
@@ -632,7 +632,7 @@
           <a:p>
             <a:fld id="{9F69634C-F75C-45F7-A87A-C5E2AF3ECA41}" type="datetimeFigureOut">
               <a:rPr lang="en-US" smtClean="0"/>
-              <a:t>4/3/2024</a:t>
+              <a:t>4/4/24</a:t>
             </a:fld>
             <a:endParaRPr lang="en-US"/>
           </a:p>
@@ -797,7 +797,7 @@
           <a:p>
             <a:fld id="{9F69634C-F75C-45F7-A87A-C5E2AF3ECA41}" type="datetimeFigureOut">
               <a:rPr lang="en-US" smtClean="0"/>
-              <a:t>4/3/2024</a:t>
+              <a:t>4/4/24</a:t>
             </a:fld>
             <a:endParaRPr lang="en-US"/>
           </a:p>
@@ -1000,7 +1000,7 @@
           <a:p>
             <a:fld id="{9F69634C-F75C-45F7-A87A-C5E2AF3ECA41}" type="datetimeFigureOut">
               <a:rPr lang="en-US" smtClean="0"/>
-              <a:t>4/3/2024</a:t>
+              <a:t>4/4/24</a:t>
             </a:fld>
             <a:endParaRPr lang="en-US"/>
           </a:p>
@@ -1265,7 +1265,7 @@
           <a:p>
             <a:fld id="{9F69634C-F75C-45F7-A87A-C5E2AF3ECA41}" type="datetimeFigureOut">
               <a:rPr lang="en-US" smtClean="0"/>
-              <a:t>4/3/2024</a:t>
+              <a:t>4/4/24</a:t>
             </a:fld>
             <a:endParaRPr lang="en-US"/>
           </a:p>
@@ -1378,7 +1378,7 @@
           <a:p>
             <a:fld id="{9F69634C-F75C-45F7-A87A-C5E2AF3ECA41}" type="datetimeFigureOut">
               <a:rPr lang="en-US" smtClean="0"/>
-              <a:t>4/3/2024</a:t>
+              <a:t>4/4/24</a:t>
             </a:fld>
             <a:endParaRPr lang="en-US"/>
           </a:p>
@@ -1620,7 +1620,7 @@
           <a:p>
             <a:fld id="{9F69634C-F75C-45F7-A87A-C5E2AF3ECA41}" type="datetimeFigureOut">
               <a:rPr lang="en-US" smtClean="0"/>
-              <a:t>4/3/2024</a:t>
+              <a:t>4/4/24</a:t>
             </a:fld>
             <a:endParaRPr lang="en-US"/>
           </a:p>
@@ -2448,10 +2448,10 @@
       </p:sp>
       <p:sp>
         <p:nvSpPr>
-          <p:cNvPr id="3" name="Subtitle 2">
+          <p:cNvPr id="6" name="Subtitle 2">
             <a:extLst>
               <a:ext uri="{FF2B5EF4-FFF2-40B4-BE49-F238E27FC236}">
-                <a16:creationId xmlns:a16="http://schemas.microsoft.com/office/drawing/2014/main" id="{C3BC9B71-6B7C-0107-E8D4-2108C90AA159}"/>
+                <a16:creationId xmlns:a16="http://schemas.microsoft.com/office/drawing/2014/main" id="{C7BB9A9A-77D9-D51D-BCEF-3B5E7D34237F}"/>
               </a:ext>
             </a:extLst>
           </p:cNvPr>
@@ -2462,22 +2462,29 @@
             <p:ph type="subTitle" idx="1"/>
           </p:nvPr>
         </p:nvSpPr>
-        <p:spPr/>
+        <p:spPr>
+          <a:xfrm>
+            <a:off x="1524000" y="4372600"/>
+            <a:ext cx="9144000" cy="1655762"/>
+          </a:xfrm>
+        </p:spPr>
         <p:txBody>
-          <a:bodyPr/>
+          <a:bodyPr>
+            <a:noAutofit/>
+          </a:bodyPr>
           <a:lstStyle/>
           <a:p>
             <a:r>
-              <a:rPr lang="en-US" dirty="0"/>
-              <a:t>NCSU </a:t>
-            </a:r>
-            <a:r>
-              <a:rPr lang="en-US" dirty="0" err="1"/>
+              <a:rPr lang="en-US" sz="4000" dirty="0"/>
+              <a:t>NC State </a:t>
+            </a:r>
+            <a:r>
+              <a:rPr lang="en-US" sz="4000" dirty="0" err="1"/>
               <a:t>scRNA</a:t>
             </a:r>
             <a:r>
-              <a:rPr lang="en-US" dirty="0"/>
-              <a:t>-Seq Workshop, 2024</a:t>
+              <a:rPr lang="en-US" sz="4000" dirty="0"/>
+              <a:t> Workshop, 2024</a:t>
             </a:r>
           </a:p>
         </p:txBody>
@@ -2733,7 +2740,7 @@
             </a:pPr>
             <a:r>
               <a:rPr lang="en-US" dirty="0"/>
-              <a:t>Performs </a:t>
+              <a:t>Perform </a:t>
             </a:r>
             <a:r>
               <a:rPr lang="en-US" b="1" dirty="0"/>
@@ -2813,15 +2820,7 @@
             </a:r>
             <a:r>
               <a:rPr lang="en-US" dirty="0"/>
-              <a:t>: to help participants beat the </a:t>
-            </a:r>
-            <a:r>
-              <a:rPr lang="en-US" u="sng" dirty="0"/>
-              <a:t>steep learning curve </a:t>
-            </a:r>
-            <a:r>
-              <a:rPr lang="en-US" dirty="0"/>
-              <a:t>with basics of processing and interpreting </a:t>
+              <a:t>: to discuss the basics of processing and interpreting </a:t>
             </a:r>
             <a:r>
               <a:rPr lang="en-US" dirty="0" err="1"/>
@@ -2829,7 +2828,7 @@
             </a:r>
             <a:r>
               <a:rPr lang="en-US" dirty="0"/>
-              <a:t>-Seq Data. Participants will be empowered to effectively learn new analysis techniques from the understanding developed in this workshop. </a:t>
+              <a:t>-Seq Data. Participants will learn new analysis techniques through technical summaries and gain an understanding of the workflow from this workshop. </a:t>
             </a:r>
           </a:p>
         </p:txBody>
@@ -2990,6 +2989,38 @@
           </a:p>
         </p:txBody>
       </p:sp>
+      <p:pic>
+        <p:nvPicPr>
+          <p:cNvPr id="17" name="Picture 16">
+            <a:extLst>
+              <a:ext uri="{FF2B5EF4-FFF2-40B4-BE49-F238E27FC236}">
+                <a16:creationId xmlns:a16="http://schemas.microsoft.com/office/drawing/2014/main" id="{E1915F3C-068F-2379-4E68-DE4AABE8077F}"/>
+              </a:ext>
+            </a:extLst>
+          </p:cNvPr>
+          <p:cNvPicPr>
+            <a:picLocks noChangeAspect="1"/>
+          </p:cNvPicPr>
+          <p:nvPr/>
+        </p:nvPicPr>
+        <p:blipFill>
+          <a:blip r:embed="rId2">
+            <a:alphaModFix amt="70000"/>
+          </a:blip>
+          <a:stretch>
+            <a:fillRect/>
+          </a:stretch>
+        </p:blipFill>
+        <p:spPr>
+          <a:xfrm>
+            <a:off x="9507317" y="2229235"/>
+            <a:ext cx="2182680" cy="3043454"/>
+          </a:xfrm>
+          <a:prstGeom prst="rect">
+            <a:avLst/>
+          </a:prstGeom>
+        </p:spPr>
+      </p:pic>
     </p:spTree>
     <p:extLst>
       <p:ext uri="{BB962C8B-B14F-4D97-AF65-F5344CB8AC3E}">

--- a/M7_Summary/M7_Best_Practices.pptx
+++ b/M7_Summary/M7_Best_Practices.pptx
@@ -208,7 +208,7 @@
           <a:p>
             <a:fld id="{FF40CFF0-3E11-4AF6-9747-7919C58FBC48}" type="datetimeFigureOut">
               <a:rPr lang="en-US" smtClean="0"/>
-              <a:t>4/4/24</a:t>
+              <a:t>4/4/2024</a:t>
             </a:fld>
             <a:endParaRPr lang="en-US"/>
           </a:p>
@@ -632,7 +632,7 @@
           <a:p>
             <a:fld id="{9F69634C-F75C-45F7-A87A-C5E2AF3ECA41}" type="datetimeFigureOut">
               <a:rPr lang="en-US" smtClean="0"/>
-              <a:t>4/4/24</a:t>
+              <a:t>4/4/2024</a:t>
             </a:fld>
             <a:endParaRPr lang="en-US"/>
           </a:p>
@@ -797,7 +797,7 @@
           <a:p>
             <a:fld id="{9F69634C-F75C-45F7-A87A-C5E2AF3ECA41}" type="datetimeFigureOut">
               <a:rPr lang="en-US" smtClean="0"/>
-              <a:t>4/4/24</a:t>
+              <a:t>4/4/2024</a:t>
             </a:fld>
             <a:endParaRPr lang="en-US"/>
           </a:p>
@@ -1000,7 +1000,7 @@
           <a:p>
             <a:fld id="{9F69634C-F75C-45F7-A87A-C5E2AF3ECA41}" type="datetimeFigureOut">
               <a:rPr lang="en-US" smtClean="0"/>
-              <a:t>4/4/24</a:t>
+              <a:t>4/4/2024</a:t>
             </a:fld>
             <a:endParaRPr lang="en-US"/>
           </a:p>
@@ -1265,7 +1265,7 @@
           <a:p>
             <a:fld id="{9F69634C-F75C-45F7-A87A-C5E2AF3ECA41}" type="datetimeFigureOut">
               <a:rPr lang="en-US" smtClean="0"/>
-              <a:t>4/4/24</a:t>
+              <a:t>4/4/2024</a:t>
             </a:fld>
             <a:endParaRPr lang="en-US"/>
           </a:p>
@@ -1378,7 +1378,7 @@
           <a:p>
             <a:fld id="{9F69634C-F75C-45F7-A87A-C5E2AF3ECA41}" type="datetimeFigureOut">
               <a:rPr lang="en-US" smtClean="0"/>
-              <a:t>4/4/24</a:t>
+              <a:t>4/4/2024</a:t>
             </a:fld>
             <a:endParaRPr lang="en-US"/>
           </a:p>
@@ -1620,7 +1620,7 @@
           <a:p>
             <a:fld id="{9F69634C-F75C-45F7-A87A-C5E2AF3ECA41}" type="datetimeFigureOut">
               <a:rPr lang="en-US" smtClean="0"/>
-              <a:t>4/4/24</a:t>
+              <a:t>4/4/2024</a:t>
             </a:fld>
             <a:endParaRPr lang="en-US"/>
           </a:p>
@@ -12802,8 +12802,8 @@
         </p:blipFill>
         <p:spPr bwMode="auto">
           <a:xfrm>
-            <a:off x="5189537" y="1000126"/>
-            <a:ext cx="6228962" cy="4333352"/>
+            <a:off x="5330380" y="1351087"/>
+            <a:ext cx="5587556" cy="3887140"/>
           </a:xfrm>
           <a:prstGeom prst="rect">
             <a:avLst/>
